--- a/부동산/가온마을9단지.pptx
+++ b/부동산/가온마을9단지.pptx
@@ -4,9 +4,13 @@
   <p:sldMasterIdLst>
     <p:sldMasterId id="2147483648" r:id="rId1"/>
   </p:sldMasterIdLst>
+  <p:notesMasterIdLst>
+    <p:notesMasterId r:id="rId5"/>
+  </p:notesMasterIdLst>
   <p:sldIdLst>
     <p:sldId id="257" r:id="rId2"/>
     <p:sldId id="258" r:id="rId3"/>
+    <p:sldId id="259" r:id="rId4"/>
   </p:sldIdLst>
   <p:sldSz cx="12192000" cy="6858000"/>
   <p:notesSz cx="6858000" cy="9144000"/>
@@ -113,6 +117,439 @@
 </p:presentation>
 </file>
 
+<file path=ppt/notesMasters/notesMaster1.xml><?xml version="1.0" encoding="utf-8"?>
+<p:notesMaster xmlns:a="http://schemas.openxmlformats.org/drawingml/2006/main" xmlns:r="http://schemas.openxmlformats.org/officeDocument/2006/relationships" xmlns:p="http://schemas.openxmlformats.org/presentationml/2006/main">
+  <p:cSld>
+    <p:bg>
+      <p:bgRef idx="1001">
+        <a:schemeClr val="bg1"/>
+      </p:bgRef>
+    </p:bg>
+    <p:spTree>
+      <p:nvGrpSpPr>
+        <p:cNvPr id="1" name=""/>
+        <p:cNvGrpSpPr/>
+        <p:nvPr/>
+      </p:nvGrpSpPr>
+      <p:grpSpPr>
+        <a:xfrm>
+          <a:off x="0" y="0"/>
+          <a:ext cx="0" cy="0"/>
+          <a:chOff x="0" y="0"/>
+          <a:chExt cx="0" cy="0"/>
+        </a:xfrm>
+      </p:grpSpPr>
+      <p:sp>
+        <p:nvSpPr>
+          <p:cNvPr id="2" name="머리글 개체 틀 1"/>
+          <p:cNvSpPr>
+            <a:spLocks noGrp="1"/>
+          </p:cNvSpPr>
+          <p:nvPr>
+            <p:ph type="hdr" sz="quarter"/>
+          </p:nvPr>
+        </p:nvSpPr>
+        <p:spPr>
+          <a:xfrm>
+            <a:off x="0" y="0"/>
+            <a:ext cx="2971800" cy="458788"/>
+          </a:xfrm>
+          <a:prstGeom prst="rect">
+            <a:avLst/>
+          </a:prstGeom>
+        </p:spPr>
+        <p:txBody>
+          <a:bodyPr vert="horz" lIns="91440" tIns="45720" rIns="91440" bIns="45720" rtlCol="0"/>
+          <a:lstStyle>
+            <a:lvl1pPr algn="l">
+              <a:defRPr sz="1200"/>
+            </a:lvl1pPr>
+          </a:lstStyle>
+          <a:p>
+            <a:endParaRPr lang="ko-KR" altLang="en-US"/>
+          </a:p>
+        </p:txBody>
+      </p:sp>
+      <p:sp>
+        <p:nvSpPr>
+          <p:cNvPr id="3" name="날짜 개체 틀 2"/>
+          <p:cNvSpPr>
+            <a:spLocks noGrp="1"/>
+          </p:cNvSpPr>
+          <p:nvPr>
+            <p:ph type="dt" idx="1"/>
+          </p:nvPr>
+        </p:nvSpPr>
+        <p:spPr>
+          <a:xfrm>
+            <a:off x="3884613" y="0"/>
+            <a:ext cx="2971800" cy="458788"/>
+          </a:xfrm>
+          <a:prstGeom prst="rect">
+            <a:avLst/>
+          </a:prstGeom>
+        </p:spPr>
+        <p:txBody>
+          <a:bodyPr vert="horz" lIns="91440" tIns="45720" rIns="91440" bIns="45720" rtlCol="0"/>
+          <a:lstStyle>
+            <a:lvl1pPr algn="r">
+              <a:defRPr sz="1200"/>
+            </a:lvl1pPr>
+          </a:lstStyle>
+          <a:p>
+            <a:fld id="{BB34323F-1ADB-4AB6-B0D8-1B1AFCDC436F}" type="datetimeFigureOut">
+              <a:rPr lang="ko-KR" altLang="en-US" smtClean="0"/>
+              <a:t>2025-12-26</a:t>
+            </a:fld>
+            <a:endParaRPr lang="ko-KR" altLang="en-US"/>
+          </a:p>
+        </p:txBody>
+      </p:sp>
+      <p:sp>
+        <p:nvSpPr>
+          <p:cNvPr id="4" name="슬라이드 이미지 개체 틀 3"/>
+          <p:cNvSpPr>
+            <a:spLocks noGrp="1" noRot="1" noChangeAspect="1"/>
+          </p:cNvSpPr>
+          <p:nvPr>
+            <p:ph type="sldImg" idx="2"/>
+          </p:nvPr>
+        </p:nvSpPr>
+        <p:spPr>
+          <a:xfrm>
+            <a:off x="685800" y="1143000"/>
+            <a:ext cx="5486400" cy="3086100"/>
+          </a:xfrm>
+          <a:prstGeom prst="rect">
+            <a:avLst/>
+          </a:prstGeom>
+          <a:noFill/>
+          <a:ln w="12700">
+            <a:solidFill>
+              <a:prstClr val="black"/>
+            </a:solidFill>
+          </a:ln>
+        </p:spPr>
+        <p:txBody>
+          <a:bodyPr vert="horz" lIns="91440" tIns="45720" rIns="91440" bIns="45720" rtlCol="0" anchor="ctr"/>
+          <a:lstStyle/>
+          <a:p>
+            <a:endParaRPr lang="ko-KR" altLang="en-US"/>
+          </a:p>
+        </p:txBody>
+      </p:sp>
+      <p:sp>
+        <p:nvSpPr>
+          <p:cNvPr id="5" name="슬라이드 노트 개체 틀 4"/>
+          <p:cNvSpPr>
+            <a:spLocks noGrp="1"/>
+          </p:cNvSpPr>
+          <p:nvPr>
+            <p:ph type="body" sz="quarter" idx="3"/>
+          </p:nvPr>
+        </p:nvSpPr>
+        <p:spPr>
+          <a:xfrm>
+            <a:off x="685800" y="4400550"/>
+            <a:ext cx="5486400" cy="3600450"/>
+          </a:xfrm>
+          <a:prstGeom prst="rect">
+            <a:avLst/>
+          </a:prstGeom>
+        </p:spPr>
+        <p:txBody>
+          <a:bodyPr vert="horz" lIns="91440" tIns="45720" rIns="91440" bIns="45720" rtlCol="0"/>
+          <a:lstStyle/>
+          <a:p>
+            <a:pPr lvl="0"/>
+            <a:r>
+              <a:rPr lang="ko-KR" altLang="en-US"/>
+              <a:t>마스터 텍스트 스타일을 편집하려면 클릭</a:t>
+            </a:r>
+          </a:p>
+          <a:p>
+            <a:pPr lvl="1"/>
+            <a:r>
+              <a:rPr lang="ko-KR" altLang="en-US"/>
+              <a:t>두 번째 수준</a:t>
+            </a:r>
+          </a:p>
+          <a:p>
+            <a:pPr lvl="2"/>
+            <a:r>
+              <a:rPr lang="ko-KR" altLang="en-US"/>
+              <a:t>세 번째 수준</a:t>
+            </a:r>
+          </a:p>
+          <a:p>
+            <a:pPr lvl="3"/>
+            <a:r>
+              <a:rPr lang="ko-KR" altLang="en-US"/>
+              <a:t>네 번째 수준</a:t>
+            </a:r>
+          </a:p>
+          <a:p>
+            <a:pPr lvl="4"/>
+            <a:r>
+              <a:rPr lang="ko-KR" altLang="en-US"/>
+              <a:t>다섯 번째 수준</a:t>
+            </a:r>
+          </a:p>
+        </p:txBody>
+      </p:sp>
+      <p:sp>
+        <p:nvSpPr>
+          <p:cNvPr id="6" name="바닥글 개체 틀 5"/>
+          <p:cNvSpPr>
+            <a:spLocks noGrp="1"/>
+          </p:cNvSpPr>
+          <p:nvPr>
+            <p:ph type="ftr" sz="quarter" idx="4"/>
+          </p:nvPr>
+        </p:nvSpPr>
+        <p:spPr>
+          <a:xfrm>
+            <a:off x="0" y="8685213"/>
+            <a:ext cx="2971800" cy="458787"/>
+          </a:xfrm>
+          <a:prstGeom prst="rect">
+            <a:avLst/>
+          </a:prstGeom>
+        </p:spPr>
+        <p:txBody>
+          <a:bodyPr vert="horz" lIns="91440" tIns="45720" rIns="91440" bIns="45720" rtlCol="0" anchor="b"/>
+          <a:lstStyle>
+            <a:lvl1pPr algn="l">
+              <a:defRPr sz="1200"/>
+            </a:lvl1pPr>
+          </a:lstStyle>
+          <a:p>
+            <a:endParaRPr lang="ko-KR" altLang="en-US"/>
+          </a:p>
+        </p:txBody>
+      </p:sp>
+      <p:sp>
+        <p:nvSpPr>
+          <p:cNvPr id="7" name="슬라이드 번호 개체 틀 6"/>
+          <p:cNvSpPr>
+            <a:spLocks noGrp="1"/>
+          </p:cNvSpPr>
+          <p:nvPr>
+            <p:ph type="sldNum" sz="quarter" idx="5"/>
+          </p:nvPr>
+        </p:nvSpPr>
+        <p:spPr>
+          <a:xfrm>
+            <a:off x="3884613" y="8685213"/>
+            <a:ext cx="2971800" cy="458787"/>
+          </a:xfrm>
+          <a:prstGeom prst="rect">
+            <a:avLst/>
+          </a:prstGeom>
+        </p:spPr>
+        <p:txBody>
+          <a:bodyPr vert="horz" lIns="91440" tIns="45720" rIns="91440" bIns="45720" rtlCol="0" anchor="b"/>
+          <a:lstStyle>
+            <a:lvl1pPr algn="r">
+              <a:defRPr sz="1200"/>
+            </a:lvl1pPr>
+          </a:lstStyle>
+          <a:p>
+            <a:fld id="{DF318458-9E72-4799-BF86-5EA6D017044F}" type="slidenum">
+              <a:rPr lang="ko-KR" altLang="en-US" smtClean="0"/>
+              <a:t>‹#›</a:t>
+            </a:fld>
+            <a:endParaRPr lang="ko-KR" altLang="en-US"/>
+          </a:p>
+        </p:txBody>
+      </p:sp>
+    </p:spTree>
+    <p:extLst>
+      <p:ext uri="{BB962C8B-B14F-4D97-AF65-F5344CB8AC3E}">
+        <p14:creationId xmlns:p14="http://schemas.microsoft.com/office/powerpoint/2010/main" val="3966547369"/>
+      </p:ext>
+    </p:extLst>
+  </p:cSld>
+  <p:clrMap bg1="lt1" tx1="dk1" bg2="lt2" tx2="dk2" accent1="accent1" accent2="accent2" accent3="accent3" accent4="accent4" accent5="accent5" accent6="accent6" hlink="hlink" folHlink="folHlink"/>
+  <p:notesStyle>
+    <a:lvl1pPr marL="0" algn="l" defTabSz="914400" rtl="0" eaLnBrk="1" latinLnBrk="1" hangingPunct="1">
+      <a:defRPr sz="1200" kern="1200">
+        <a:solidFill>
+          <a:schemeClr val="tx1"/>
+        </a:solidFill>
+        <a:latin typeface="+mn-lt"/>
+        <a:ea typeface="+mn-ea"/>
+        <a:cs typeface="+mn-cs"/>
+      </a:defRPr>
+    </a:lvl1pPr>
+    <a:lvl2pPr marL="457200" algn="l" defTabSz="914400" rtl="0" eaLnBrk="1" latinLnBrk="1" hangingPunct="1">
+      <a:defRPr sz="1200" kern="1200">
+        <a:solidFill>
+          <a:schemeClr val="tx1"/>
+        </a:solidFill>
+        <a:latin typeface="+mn-lt"/>
+        <a:ea typeface="+mn-ea"/>
+        <a:cs typeface="+mn-cs"/>
+      </a:defRPr>
+    </a:lvl2pPr>
+    <a:lvl3pPr marL="914400" algn="l" defTabSz="914400" rtl="0" eaLnBrk="1" latinLnBrk="1" hangingPunct="1">
+      <a:defRPr sz="1200" kern="1200">
+        <a:solidFill>
+          <a:schemeClr val="tx1"/>
+        </a:solidFill>
+        <a:latin typeface="+mn-lt"/>
+        <a:ea typeface="+mn-ea"/>
+        <a:cs typeface="+mn-cs"/>
+      </a:defRPr>
+    </a:lvl3pPr>
+    <a:lvl4pPr marL="1371600" algn="l" defTabSz="914400" rtl="0" eaLnBrk="1" latinLnBrk="1" hangingPunct="1">
+      <a:defRPr sz="1200" kern="1200">
+        <a:solidFill>
+          <a:schemeClr val="tx1"/>
+        </a:solidFill>
+        <a:latin typeface="+mn-lt"/>
+        <a:ea typeface="+mn-ea"/>
+        <a:cs typeface="+mn-cs"/>
+      </a:defRPr>
+    </a:lvl4pPr>
+    <a:lvl5pPr marL="1828800" algn="l" defTabSz="914400" rtl="0" eaLnBrk="1" latinLnBrk="1" hangingPunct="1">
+      <a:defRPr sz="1200" kern="1200">
+        <a:solidFill>
+          <a:schemeClr val="tx1"/>
+        </a:solidFill>
+        <a:latin typeface="+mn-lt"/>
+        <a:ea typeface="+mn-ea"/>
+        <a:cs typeface="+mn-cs"/>
+      </a:defRPr>
+    </a:lvl5pPr>
+    <a:lvl6pPr marL="2286000" algn="l" defTabSz="914400" rtl="0" eaLnBrk="1" latinLnBrk="1" hangingPunct="1">
+      <a:defRPr sz="1200" kern="1200">
+        <a:solidFill>
+          <a:schemeClr val="tx1"/>
+        </a:solidFill>
+        <a:latin typeface="+mn-lt"/>
+        <a:ea typeface="+mn-ea"/>
+        <a:cs typeface="+mn-cs"/>
+      </a:defRPr>
+    </a:lvl6pPr>
+    <a:lvl7pPr marL="2743200" algn="l" defTabSz="914400" rtl="0" eaLnBrk="1" latinLnBrk="1" hangingPunct="1">
+      <a:defRPr sz="1200" kern="1200">
+        <a:solidFill>
+          <a:schemeClr val="tx1"/>
+        </a:solidFill>
+        <a:latin typeface="+mn-lt"/>
+        <a:ea typeface="+mn-ea"/>
+        <a:cs typeface="+mn-cs"/>
+      </a:defRPr>
+    </a:lvl7pPr>
+    <a:lvl8pPr marL="3200400" algn="l" defTabSz="914400" rtl="0" eaLnBrk="1" latinLnBrk="1" hangingPunct="1">
+      <a:defRPr sz="1200" kern="1200">
+        <a:solidFill>
+          <a:schemeClr val="tx1"/>
+        </a:solidFill>
+        <a:latin typeface="+mn-lt"/>
+        <a:ea typeface="+mn-ea"/>
+        <a:cs typeface="+mn-cs"/>
+      </a:defRPr>
+    </a:lvl8pPr>
+    <a:lvl9pPr marL="3657600" algn="l" defTabSz="914400" rtl="0" eaLnBrk="1" latinLnBrk="1" hangingPunct="1">
+      <a:defRPr sz="1200" kern="1200">
+        <a:solidFill>
+          <a:schemeClr val="tx1"/>
+        </a:solidFill>
+        <a:latin typeface="+mn-lt"/>
+        <a:ea typeface="+mn-ea"/>
+        <a:cs typeface="+mn-cs"/>
+      </a:defRPr>
+    </a:lvl9pPr>
+  </p:notesStyle>
+</p:notesMaster>
+</file>
+
+<file path=ppt/notesSlides/notesSlide1.xml><?xml version="1.0" encoding="utf-8"?>
+<p:notes xmlns:a="http://schemas.openxmlformats.org/drawingml/2006/main" xmlns:r="http://schemas.openxmlformats.org/officeDocument/2006/relationships" xmlns:p="http://schemas.openxmlformats.org/presentationml/2006/main">
+  <p:cSld>
+    <p:spTree>
+      <p:nvGrpSpPr>
+        <p:cNvPr id="1" name=""/>
+        <p:cNvGrpSpPr/>
+        <p:nvPr/>
+      </p:nvGrpSpPr>
+      <p:grpSpPr>
+        <a:xfrm>
+          <a:off x="0" y="0"/>
+          <a:ext cx="0" cy="0"/>
+          <a:chOff x="0" y="0"/>
+          <a:chExt cx="0" cy="0"/>
+        </a:xfrm>
+      </p:grpSpPr>
+      <p:sp>
+        <p:nvSpPr>
+          <p:cNvPr id="2" name="슬라이드 이미지 개체 틀 1"/>
+          <p:cNvSpPr>
+            <a:spLocks noGrp="1" noRot="1" noChangeAspect="1"/>
+          </p:cNvSpPr>
+          <p:nvPr>
+            <p:ph type="sldImg"/>
+          </p:nvPr>
+        </p:nvSpPr>
+        <p:spPr/>
+      </p:sp>
+      <p:sp>
+        <p:nvSpPr>
+          <p:cNvPr id="3" name="슬라이드 노트 개체 틀 2"/>
+          <p:cNvSpPr>
+            <a:spLocks noGrp="1"/>
+          </p:cNvSpPr>
+          <p:nvPr>
+            <p:ph type="body" idx="1"/>
+          </p:nvPr>
+        </p:nvSpPr>
+        <p:spPr/>
+        <p:txBody>
+          <a:bodyPr/>
+          <a:lstStyle/>
+          <a:p>
+            <a:endParaRPr lang="ko-KR" altLang="en-US" dirty="0"/>
+          </a:p>
+        </p:txBody>
+      </p:sp>
+      <p:sp>
+        <p:nvSpPr>
+          <p:cNvPr id="4" name="슬라이드 번호 개체 틀 3"/>
+          <p:cNvSpPr>
+            <a:spLocks noGrp="1"/>
+          </p:cNvSpPr>
+          <p:nvPr>
+            <p:ph type="sldNum" sz="quarter" idx="5"/>
+          </p:nvPr>
+        </p:nvSpPr>
+        <p:spPr/>
+        <p:txBody>
+          <a:bodyPr/>
+          <a:lstStyle/>
+          <a:p>
+            <a:fld id="{DF318458-9E72-4799-BF86-5EA6D017044F}" type="slidenum">
+              <a:rPr lang="ko-KR" altLang="en-US" smtClean="0"/>
+              <a:t>3</a:t>
+            </a:fld>
+            <a:endParaRPr lang="ko-KR" altLang="en-US"/>
+          </a:p>
+        </p:txBody>
+      </p:sp>
+    </p:spTree>
+    <p:extLst>
+      <p:ext uri="{BB962C8B-B14F-4D97-AF65-F5344CB8AC3E}">
+        <p14:creationId xmlns:p14="http://schemas.microsoft.com/office/powerpoint/2010/main" val="1043632947"/>
+      </p:ext>
+    </p:extLst>
+  </p:cSld>
+  <p:clrMapOvr>
+    <a:masterClrMapping/>
+  </p:clrMapOvr>
+</p:notes>
+</file>
+
 <file path=ppt/slideLayouts/slideLayout1.xml><?xml version="1.0" encoding="utf-8"?>
 <p:sldLayout xmlns:a="http://schemas.openxmlformats.org/drawingml/2006/main" xmlns:r="http://schemas.openxmlformats.org/officeDocument/2006/relationships" xmlns:p="http://schemas.openxmlformats.org/presentationml/2006/main" type="title" preserve="1">
   <p:cSld name="제목 슬라이드">
@@ -260,7 +697,7 @@
           <a:p>
             <a:fld id="{AFE642E8-9A08-43B7-9C9C-D45DDC7423F4}" type="datetimeFigureOut">
               <a:rPr lang="ko-KR" altLang="en-US" smtClean="0"/>
-              <a:t>2025-12-23</a:t>
+              <a:t>2025-12-26</a:t>
             </a:fld>
             <a:endParaRPr lang="ko-KR" altLang="en-US"/>
           </a:p>
@@ -458,7 +895,7 @@
           <a:p>
             <a:fld id="{AFE642E8-9A08-43B7-9C9C-D45DDC7423F4}" type="datetimeFigureOut">
               <a:rPr lang="ko-KR" altLang="en-US" smtClean="0"/>
-              <a:t>2025-12-23</a:t>
+              <a:t>2025-12-26</a:t>
             </a:fld>
             <a:endParaRPr lang="ko-KR" altLang="en-US"/>
           </a:p>
@@ -666,7 +1103,7 @@
           <a:p>
             <a:fld id="{AFE642E8-9A08-43B7-9C9C-D45DDC7423F4}" type="datetimeFigureOut">
               <a:rPr lang="ko-KR" altLang="en-US" smtClean="0"/>
-              <a:t>2025-12-23</a:t>
+              <a:t>2025-12-26</a:t>
             </a:fld>
             <a:endParaRPr lang="ko-KR" altLang="en-US"/>
           </a:p>
@@ -864,7 +1301,7 @@
           <a:p>
             <a:fld id="{AFE642E8-9A08-43B7-9C9C-D45DDC7423F4}" type="datetimeFigureOut">
               <a:rPr lang="ko-KR" altLang="en-US" smtClean="0"/>
-              <a:t>2025-12-23</a:t>
+              <a:t>2025-12-26</a:t>
             </a:fld>
             <a:endParaRPr lang="ko-KR" altLang="en-US"/>
           </a:p>
@@ -1139,7 +1576,7 @@
           <a:p>
             <a:fld id="{AFE642E8-9A08-43B7-9C9C-D45DDC7423F4}" type="datetimeFigureOut">
               <a:rPr lang="ko-KR" altLang="en-US" smtClean="0"/>
-              <a:t>2025-12-23</a:t>
+              <a:t>2025-12-26</a:t>
             </a:fld>
             <a:endParaRPr lang="ko-KR" altLang="en-US"/>
           </a:p>
@@ -1404,7 +1841,7 @@
           <a:p>
             <a:fld id="{AFE642E8-9A08-43B7-9C9C-D45DDC7423F4}" type="datetimeFigureOut">
               <a:rPr lang="ko-KR" altLang="en-US" smtClean="0"/>
-              <a:t>2025-12-23</a:t>
+              <a:t>2025-12-26</a:t>
             </a:fld>
             <a:endParaRPr lang="ko-KR" altLang="en-US"/>
           </a:p>
@@ -1816,7 +2253,7 @@
           <a:p>
             <a:fld id="{AFE642E8-9A08-43B7-9C9C-D45DDC7423F4}" type="datetimeFigureOut">
               <a:rPr lang="ko-KR" altLang="en-US" smtClean="0"/>
-              <a:t>2025-12-23</a:t>
+              <a:t>2025-12-26</a:t>
             </a:fld>
             <a:endParaRPr lang="ko-KR" altLang="en-US"/>
           </a:p>
@@ -1957,7 +2394,7 @@
           <a:p>
             <a:fld id="{AFE642E8-9A08-43B7-9C9C-D45DDC7423F4}" type="datetimeFigureOut">
               <a:rPr lang="ko-KR" altLang="en-US" smtClean="0"/>
-              <a:t>2025-12-23</a:t>
+              <a:t>2025-12-26</a:t>
             </a:fld>
             <a:endParaRPr lang="ko-KR" altLang="en-US"/>
           </a:p>
@@ -2070,7 +2507,7 @@
           <a:p>
             <a:fld id="{AFE642E8-9A08-43B7-9C9C-D45DDC7423F4}" type="datetimeFigureOut">
               <a:rPr lang="ko-KR" altLang="en-US" smtClean="0"/>
-              <a:t>2025-12-23</a:t>
+              <a:t>2025-12-26</a:t>
             </a:fld>
             <a:endParaRPr lang="ko-KR" altLang="en-US"/>
           </a:p>
@@ -2381,7 +2818,7 @@
           <a:p>
             <a:fld id="{AFE642E8-9A08-43B7-9C9C-D45DDC7423F4}" type="datetimeFigureOut">
               <a:rPr lang="ko-KR" altLang="en-US" smtClean="0"/>
-              <a:t>2025-12-23</a:t>
+              <a:t>2025-12-26</a:t>
             </a:fld>
             <a:endParaRPr lang="ko-KR" altLang="en-US"/>
           </a:p>
@@ -2669,7 +3106,7 @@
           <a:p>
             <a:fld id="{AFE642E8-9A08-43B7-9C9C-D45DDC7423F4}" type="datetimeFigureOut">
               <a:rPr lang="ko-KR" altLang="en-US" smtClean="0"/>
-              <a:t>2025-12-23</a:t>
+              <a:t>2025-12-26</a:t>
             </a:fld>
             <a:endParaRPr lang="ko-KR" altLang="en-US"/>
           </a:p>
@@ -2910,7 +3347,7 @@
           <a:p>
             <a:fld id="{AFE642E8-9A08-43B7-9C9C-D45DDC7423F4}" type="datetimeFigureOut">
               <a:rPr lang="ko-KR" altLang="en-US" smtClean="0"/>
-              <a:t>2025-12-23</a:t>
+              <a:t>2025-12-26</a:t>
             </a:fld>
             <a:endParaRPr lang="ko-KR" altLang="en-US"/>
           </a:p>
@@ -12802,6 +13239,882 @@
 </p:sld>
 </file>
 
+<file path=ppt/slides/slide3.xml><?xml version="1.0" encoding="utf-8"?>
+<p:sld xmlns:a="http://schemas.openxmlformats.org/drawingml/2006/main" xmlns:r="http://schemas.openxmlformats.org/officeDocument/2006/relationships" xmlns:p="http://schemas.openxmlformats.org/presentationml/2006/main">
+  <p:cSld>
+    <p:spTree>
+      <p:nvGrpSpPr>
+        <p:cNvPr id="1" name="">
+          <a:extLst>
+            <a:ext uri="{FF2B5EF4-FFF2-40B4-BE49-F238E27FC236}">
+              <a16:creationId xmlns:a16="http://schemas.microsoft.com/office/drawing/2014/main" id="{F892B410-B8F2-8551-4EDB-2F09DE1035AB}"/>
+            </a:ext>
+          </a:extLst>
+        </p:cNvPr>
+        <p:cNvGrpSpPr/>
+        <p:nvPr/>
+      </p:nvGrpSpPr>
+      <p:grpSpPr>
+        <a:xfrm>
+          <a:off x="0" y="0"/>
+          <a:ext cx="0" cy="0"/>
+          <a:chOff x="0" y="0"/>
+          <a:chExt cx="0" cy="0"/>
+        </a:xfrm>
+      </p:grpSpPr>
+      <p:pic>
+        <p:nvPicPr>
+          <p:cNvPr id="3" name="그림 2" descr="직사각형, 사각형, 디자인이(가) 표시된 사진&#10;&#10;AI 생성 콘텐츠는 정확하지 않을 수 있습니다.">
+            <a:extLst>
+              <a:ext uri="{FF2B5EF4-FFF2-40B4-BE49-F238E27FC236}">
+                <a16:creationId xmlns:a16="http://schemas.microsoft.com/office/drawing/2014/main" id="{190786AB-5885-8271-0287-08631D9AEF44}"/>
+              </a:ext>
+            </a:extLst>
+          </p:cNvPr>
+          <p:cNvPicPr>
+            <a:picLocks noChangeAspect="1"/>
+          </p:cNvPicPr>
+          <p:nvPr/>
+        </p:nvPicPr>
+        <p:blipFill>
+          <a:blip r:embed="rId3"/>
+          <a:stretch>
+            <a:fillRect/>
+          </a:stretch>
+        </p:blipFill>
+        <p:spPr>
+          <a:xfrm>
+            <a:off x="2137228" y="0"/>
+            <a:ext cx="7917543" cy="6858000"/>
+          </a:xfrm>
+          <a:prstGeom prst="rect">
+            <a:avLst/>
+          </a:prstGeom>
+        </p:spPr>
+      </p:pic>
+      <p:sp>
+        <p:nvSpPr>
+          <p:cNvPr id="2" name="직사각형 1">
+            <a:extLst>
+              <a:ext uri="{FF2B5EF4-FFF2-40B4-BE49-F238E27FC236}">
+                <a16:creationId xmlns:a16="http://schemas.microsoft.com/office/drawing/2014/main" id="{3479E226-C222-0868-7D75-2A7A9E137270}"/>
+              </a:ext>
+            </a:extLst>
+          </p:cNvPr>
+          <p:cNvSpPr/>
+          <p:nvPr/>
+        </p:nvSpPr>
+        <p:spPr>
+          <a:xfrm>
+            <a:off x="5336970" y="4594519"/>
+            <a:ext cx="1298071" cy="1553001"/>
+          </a:xfrm>
+          <a:prstGeom prst="rect">
+            <a:avLst/>
+          </a:prstGeom>
+          <a:noFill/>
+          <a:ln w="57150">
+            <a:solidFill>
+              <a:srgbClr val="FFFF00"/>
+            </a:solidFill>
+          </a:ln>
+        </p:spPr>
+        <p:style>
+          <a:lnRef idx="2">
+            <a:schemeClr val="accent1">
+              <a:shade val="15000"/>
+            </a:schemeClr>
+          </a:lnRef>
+          <a:fillRef idx="1">
+            <a:schemeClr val="accent1"/>
+          </a:fillRef>
+          <a:effectRef idx="0">
+            <a:schemeClr val="accent1"/>
+          </a:effectRef>
+          <a:fontRef idx="minor">
+            <a:schemeClr val="lt1"/>
+          </a:fontRef>
+        </p:style>
+        <p:txBody>
+          <a:bodyPr rtlCol="0" anchor="ctr"/>
+          <a:lstStyle/>
+          <a:p>
+            <a:pPr algn="ctr"/>
+            <a:endParaRPr lang="ko-KR" altLang="en-US"/>
+          </a:p>
+        </p:txBody>
+      </p:sp>
+      <p:sp>
+        <p:nvSpPr>
+          <p:cNvPr id="4" name="타원 3">
+            <a:extLst>
+              <a:ext uri="{FF2B5EF4-FFF2-40B4-BE49-F238E27FC236}">
+                <a16:creationId xmlns:a16="http://schemas.microsoft.com/office/drawing/2014/main" id="{01865645-E146-695D-DAA8-24457E0E3364}"/>
+              </a:ext>
+            </a:extLst>
+          </p:cNvPr>
+          <p:cNvSpPr/>
+          <p:nvPr/>
+        </p:nvSpPr>
+        <p:spPr>
+          <a:xfrm>
+            <a:off x="5515100" y="4768129"/>
+            <a:ext cx="123573" cy="123573"/>
+          </a:xfrm>
+          <a:prstGeom prst="ellipse">
+            <a:avLst/>
+          </a:prstGeom>
+          <a:noFill/>
+          <a:ln>
+            <a:solidFill>
+              <a:srgbClr val="FFFF00"/>
+            </a:solidFill>
+          </a:ln>
+        </p:spPr>
+        <p:style>
+          <a:lnRef idx="2">
+            <a:schemeClr val="accent1">
+              <a:shade val="15000"/>
+            </a:schemeClr>
+          </a:lnRef>
+          <a:fillRef idx="1">
+            <a:schemeClr val="accent1"/>
+          </a:fillRef>
+          <a:effectRef idx="0">
+            <a:schemeClr val="accent1"/>
+          </a:effectRef>
+          <a:fontRef idx="minor">
+            <a:schemeClr val="lt1"/>
+          </a:fontRef>
+        </p:style>
+        <p:txBody>
+          <a:bodyPr rtlCol="0" anchor="ctr"/>
+          <a:lstStyle/>
+          <a:p>
+            <a:pPr algn="ctr"/>
+            <a:endParaRPr lang="ko-KR" altLang="en-US"/>
+          </a:p>
+        </p:txBody>
+      </p:sp>
+      <p:sp>
+        <p:nvSpPr>
+          <p:cNvPr id="5" name="타원 4">
+            <a:extLst>
+              <a:ext uri="{FF2B5EF4-FFF2-40B4-BE49-F238E27FC236}">
+                <a16:creationId xmlns:a16="http://schemas.microsoft.com/office/drawing/2014/main" id="{90B6360D-08E6-3A27-F39A-5EE474E8BE82}"/>
+              </a:ext>
+            </a:extLst>
+          </p:cNvPr>
+          <p:cNvSpPr/>
+          <p:nvPr/>
+        </p:nvSpPr>
+        <p:spPr>
+          <a:xfrm>
+            <a:off x="5511244" y="4931375"/>
+            <a:ext cx="123573" cy="123573"/>
+          </a:xfrm>
+          <a:prstGeom prst="ellipse">
+            <a:avLst/>
+          </a:prstGeom>
+          <a:noFill/>
+          <a:ln>
+            <a:solidFill>
+              <a:srgbClr val="FFFF00"/>
+            </a:solidFill>
+          </a:ln>
+        </p:spPr>
+        <p:style>
+          <a:lnRef idx="2">
+            <a:schemeClr val="accent1">
+              <a:shade val="15000"/>
+            </a:schemeClr>
+          </a:lnRef>
+          <a:fillRef idx="1">
+            <a:schemeClr val="accent1"/>
+          </a:fillRef>
+          <a:effectRef idx="0">
+            <a:schemeClr val="accent1"/>
+          </a:effectRef>
+          <a:fontRef idx="minor">
+            <a:schemeClr val="lt1"/>
+          </a:fontRef>
+        </p:style>
+        <p:txBody>
+          <a:bodyPr rtlCol="0" anchor="ctr"/>
+          <a:lstStyle/>
+          <a:p>
+            <a:pPr algn="ctr"/>
+            <a:endParaRPr lang="ko-KR" altLang="en-US"/>
+          </a:p>
+        </p:txBody>
+      </p:sp>
+      <p:sp>
+        <p:nvSpPr>
+          <p:cNvPr id="6" name="타원 5">
+            <a:extLst>
+              <a:ext uri="{FF2B5EF4-FFF2-40B4-BE49-F238E27FC236}">
+                <a16:creationId xmlns:a16="http://schemas.microsoft.com/office/drawing/2014/main" id="{382083E6-FF0B-4AA8-7AFF-7ED847491475}"/>
+              </a:ext>
+            </a:extLst>
+          </p:cNvPr>
+          <p:cNvSpPr/>
+          <p:nvPr/>
+        </p:nvSpPr>
+        <p:spPr>
+          <a:xfrm>
+            <a:off x="6375766" y="4759759"/>
+            <a:ext cx="123573" cy="123573"/>
+          </a:xfrm>
+          <a:prstGeom prst="ellipse">
+            <a:avLst/>
+          </a:prstGeom>
+          <a:noFill/>
+          <a:ln>
+            <a:solidFill>
+              <a:srgbClr val="FFFF00"/>
+            </a:solidFill>
+          </a:ln>
+        </p:spPr>
+        <p:style>
+          <a:lnRef idx="2">
+            <a:schemeClr val="accent1">
+              <a:shade val="15000"/>
+            </a:schemeClr>
+          </a:lnRef>
+          <a:fillRef idx="1">
+            <a:schemeClr val="accent1"/>
+          </a:fillRef>
+          <a:effectRef idx="0">
+            <a:schemeClr val="accent1"/>
+          </a:effectRef>
+          <a:fontRef idx="minor">
+            <a:schemeClr val="lt1"/>
+          </a:fontRef>
+        </p:style>
+        <p:txBody>
+          <a:bodyPr rtlCol="0" anchor="ctr"/>
+          <a:lstStyle/>
+          <a:p>
+            <a:pPr algn="ctr"/>
+            <a:endParaRPr lang="ko-KR" altLang="en-US"/>
+          </a:p>
+        </p:txBody>
+      </p:sp>
+      <p:sp>
+        <p:nvSpPr>
+          <p:cNvPr id="10" name="타원 9">
+            <a:extLst>
+              <a:ext uri="{FF2B5EF4-FFF2-40B4-BE49-F238E27FC236}">
+                <a16:creationId xmlns:a16="http://schemas.microsoft.com/office/drawing/2014/main" id="{FECB4160-A7C1-3DB5-37F1-2B0D8BF0BDA7}"/>
+              </a:ext>
+            </a:extLst>
+          </p:cNvPr>
+          <p:cNvSpPr/>
+          <p:nvPr/>
+        </p:nvSpPr>
+        <p:spPr>
+          <a:xfrm>
+            <a:off x="6371910" y="4923005"/>
+            <a:ext cx="123573" cy="123573"/>
+          </a:xfrm>
+          <a:prstGeom prst="ellipse">
+            <a:avLst/>
+          </a:prstGeom>
+          <a:noFill/>
+          <a:ln>
+            <a:solidFill>
+              <a:srgbClr val="FFFF00"/>
+            </a:solidFill>
+          </a:ln>
+        </p:spPr>
+        <p:style>
+          <a:lnRef idx="2">
+            <a:schemeClr val="accent1">
+              <a:shade val="15000"/>
+            </a:schemeClr>
+          </a:lnRef>
+          <a:fillRef idx="1">
+            <a:schemeClr val="accent1"/>
+          </a:fillRef>
+          <a:effectRef idx="0">
+            <a:schemeClr val="accent1"/>
+          </a:effectRef>
+          <a:fontRef idx="minor">
+            <a:schemeClr val="lt1"/>
+          </a:fontRef>
+        </p:style>
+        <p:txBody>
+          <a:bodyPr rtlCol="0" anchor="ctr"/>
+          <a:lstStyle/>
+          <a:p>
+            <a:pPr algn="ctr"/>
+            <a:endParaRPr lang="ko-KR" altLang="en-US"/>
+          </a:p>
+        </p:txBody>
+      </p:sp>
+      <p:sp>
+        <p:nvSpPr>
+          <p:cNvPr id="17" name="타원 16">
+            <a:extLst>
+              <a:ext uri="{FF2B5EF4-FFF2-40B4-BE49-F238E27FC236}">
+                <a16:creationId xmlns:a16="http://schemas.microsoft.com/office/drawing/2014/main" id="{414E1E7F-C74B-7233-67F4-0129A8D8965D}"/>
+              </a:ext>
+            </a:extLst>
+          </p:cNvPr>
+          <p:cNvSpPr/>
+          <p:nvPr/>
+        </p:nvSpPr>
+        <p:spPr>
+          <a:xfrm>
+            <a:off x="5502936" y="5735733"/>
+            <a:ext cx="123573" cy="123573"/>
+          </a:xfrm>
+          <a:prstGeom prst="ellipse">
+            <a:avLst/>
+          </a:prstGeom>
+          <a:noFill/>
+          <a:ln>
+            <a:solidFill>
+              <a:srgbClr val="FFFF00"/>
+            </a:solidFill>
+          </a:ln>
+        </p:spPr>
+        <p:style>
+          <a:lnRef idx="2">
+            <a:schemeClr val="accent1">
+              <a:shade val="15000"/>
+            </a:schemeClr>
+          </a:lnRef>
+          <a:fillRef idx="1">
+            <a:schemeClr val="accent1"/>
+          </a:fillRef>
+          <a:effectRef idx="0">
+            <a:schemeClr val="accent1"/>
+          </a:effectRef>
+          <a:fontRef idx="minor">
+            <a:schemeClr val="lt1"/>
+          </a:fontRef>
+        </p:style>
+        <p:txBody>
+          <a:bodyPr rtlCol="0" anchor="ctr"/>
+          <a:lstStyle/>
+          <a:p>
+            <a:pPr algn="ctr"/>
+            <a:endParaRPr lang="ko-KR" altLang="en-US"/>
+          </a:p>
+        </p:txBody>
+      </p:sp>
+      <p:sp>
+        <p:nvSpPr>
+          <p:cNvPr id="22" name="타원 21">
+            <a:extLst>
+              <a:ext uri="{FF2B5EF4-FFF2-40B4-BE49-F238E27FC236}">
+                <a16:creationId xmlns:a16="http://schemas.microsoft.com/office/drawing/2014/main" id="{0CD700B4-AF58-F880-7E62-1CF5F2B7E346}"/>
+              </a:ext>
+            </a:extLst>
+          </p:cNvPr>
+          <p:cNvSpPr/>
+          <p:nvPr/>
+        </p:nvSpPr>
+        <p:spPr>
+          <a:xfrm>
+            <a:off x="5499080" y="5898979"/>
+            <a:ext cx="123573" cy="123573"/>
+          </a:xfrm>
+          <a:prstGeom prst="ellipse">
+            <a:avLst/>
+          </a:prstGeom>
+          <a:noFill/>
+          <a:ln>
+            <a:solidFill>
+              <a:srgbClr val="FFFF00"/>
+            </a:solidFill>
+          </a:ln>
+        </p:spPr>
+        <p:style>
+          <a:lnRef idx="2">
+            <a:schemeClr val="accent1">
+              <a:shade val="15000"/>
+            </a:schemeClr>
+          </a:lnRef>
+          <a:fillRef idx="1">
+            <a:schemeClr val="accent1"/>
+          </a:fillRef>
+          <a:effectRef idx="0">
+            <a:schemeClr val="accent1"/>
+          </a:effectRef>
+          <a:fontRef idx="minor">
+            <a:schemeClr val="lt1"/>
+          </a:fontRef>
+        </p:style>
+        <p:txBody>
+          <a:bodyPr rtlCol="0" anchor="ctr"/>
+          <a:lstStyle/>
+          <a:p>
+            <a:pPr algn="ctr"/>
+            <a:endParaRPr lang="ko-KR" altLang="en-US"/>
+          </a:p>
+        </p:txBody>
+      </p:sp>
+      <p:sp>
+        <p:nvSpPr>
+          <p:cNvPr id="27" name="타원 26">
+            <a:extLst>
+              <a:ext uri="{FF2B5EF4-FFF2-40B4-BE49-F238E27FC236}">
+                <a16:creationId xmlns:a16="http://schemas.microsoft.com/office/drawing/2014/main" id="{55D14C1F-02E1-32E7-9635-671CB8C976D5}"/>
+              </a:ext>
+            </a:extLst>
+          </p:cNvPr>
+          <p:cNvSpPr/>
+          <p:nvPr/>
+        </p:nvSpPr>
+        <p:spPr>
+          <a:xfrm>
+            <a:off x="6363602" y="5727363"/>
+            <a:ext cx="123573" cy="123573"/>
+          </a:xfrm>
+          <a:prstGeom prst="ellipse">
+            <a:avLst/>
+          </a:prstGeom>
+          <a:noFill/>
+          <a:ln>
+            <a:solidFill>
+              <a:srgbClr val="FFFF00"/>
+            </a:solidFill>
+          </a:ln>
+        </p:spPr>
+        <p:style>
+          <a:lnRef idx="2">
+            <a:schemeClr val="accent1">
+              <a:shade val="15000"/>
+            </a:schemeClr>
+          </a:lnRef>
+          <a:fillRef idx="1">
+            <a:schemeClr val="accent1"/>
+          </a:fillRef>
+          <a:effectRef idx="0">
+            <a:schemeClr val="accent1"/>
+          </a:effectRef>
+          <a:fontRef idx="minor">
+            <a:schemeClr val="lt1"/>
+          </a:fontRef>
+        </p:style>
+        <p:txBody>
+          <a:bodyPr rtlCol="0" anchor="ctr"/>
+          <a:lstStyle/>
+          <a:p>
+            <a:pPr algn="ctr"/>
+            <a:endParaRPr lang="ko-KR" altLang="en-US"/>
+          </a:p>
+        </p:txBody>
+      </p:sp>
+      <p:sp>
+        <p:nvSpPr>
+          <p:cNvPr id="31" name="타원 30">
+            <a:extLst>
+              <a:ext uri="{FF2B5EF4-FFF2-40B4-BE49-F238E27FC236}">
+                <a16:creationId xmlns:a16="http://schemas.microsoft.com/office/drawing/2014/main" id="{E47D58CB-E3F6-B3D9-8A26-E55C228BBDB8}"/>
+              </a:ext>
+            </a:extLst>
+          </p:cNvPr>
+          <p:cNvSpPr/>
+          <p:nvPr/>
+        </p:nvSpPr>
+        <p:spPr>
+          <a:xfrm>
+            <a:off x="6359746" y="5890609"/>
+            <a:ext cx="123573" cy="123573"/>
+          </a:xfrm>
+          <a:prstGeom prst="ellipse">
+            <a:avLst/>
+          </a:prstGeom>
+          <a:noFill/>
+          <a:ln>
+            <a:solidFill>
+              <a:srgbClr val="FFFF00"/>
+            </a:solidFill>
+          </a:ln>
+        </p:spPr>
+        <p:style>
+          <a:lnRef idx="2">
+            <a:schemeClr val="accent1">
+              <a:shade val="15000"/>
+            </a:schemeClr>
+          </a:lnRef>
+          <a:fillRef idx="1">
+            <a:schemeClr val="accent1"/>
+          </a:fillRef>
+          <a:effectRef idx="0">
+            <a:schemeClr val="accent1"/>
+          </a:effectRef>
+          <a:fontRef idx="minor">
+            <a:schemeClr val="lt1"/>
+          </a:fontRef>
+        </p:style>
+        <p:txBody>
+          <a:bodyPr rtlCol="0" anchor="ctr"/>
+          <a:lstStyle/>
+          <a:p>
+            <a:pPr algn="ctr"/>
+            <a:endParaRPr lang="ko-KR" altLang="en-US"/>
+          </a:p>
+        </p:txBody>
+      </p:sp>
+      <p:sp>
+        <p:nvSpPr>
+          <p:cNvPr id="33" name="타원 32">
+            <a:extLst>
+              <a:ext uri="{FF2B5EF4-FFF2-40B4-BE49-F238E27FC236}">
+                <a16:creationId xmlns:a16="http://schemas.microsoft.com/office/drawing/2014/main" id="{F18143F3-460F-BD55-ADC4-FC8264CBB7AA}"/>
+              </a:ext>
+            </a:extLst>
+          </p:cNvPr>
+          <p:cNvSpPr/>
+          <p:nvPr/>
+        </p:nvSpPr>
+        <p:spPr>
+          <a:xfrm>
+            <a:off x="4855281" y="4637545"/>
+            <a:ext cx="123573" cy="123573"/>
+          </a:xfrm>
+          <a:prstGeom prst="ellipse">
+            <a:avLst/>
+          </a:prstGeom>
+          <a:noFill/>
+          <a:ln>
+            <a:solidFill>
+              <a:srgbClr val="FFFF00"/>
+            </a:solidFill>
+          </a:ln>
+        </p:spPr>
+        <p:style>
+          <a:lnRef idx="2">
+            <a:schemeClr val="accent1">
+              <a:shade val="15000"/>
+            </a:schemeClr>
+          </a:lnRef>
+          <a:fillRef idx="1">
+            <a:schemeClr val="accent1"/>
+          </a:fillRef>
+          <a:effectRef idx="0">
+            <a:schemeClr val="accent1"/>
+          </a:effectRef>
+          <a:fontRef idx="minor">
+            <a:schemeClr val="lt1"/>
+          </a:fontRef>
+        </p:style>
+        <p:txBody>
+          <a:bodyPr rtlCol="0" anchor="ctr"/>
+          <a:lstStyle/>
+          <a:p>
+            <a:pPr algn="ctr"/>
+            <a:endParaRPr lang="ko-KR" altLang="en-US"/>
+          </a:p>
+        </p:txBody>
+      </p:sp>
+      <p:sp>
+        <p:nvSpPr>
+          <p:cNvPr id="37" name="타원 36">
+            <a:extLst>
+              <a:ext uri="{FF2B5EF4-FFF2-40B4-BE49-F238E27FC236}">
+                <a16:creationId xmlns:a16="http://schemas.microsoft.com/office/drawing/2014/main" id="{6481D706-F651-C9FA-DAF7-74A6C2126B13}"/>
+              </a:ext>
+            </a:extLst>
+          </p:cNvPr>
+          <p:cNvSpPr/>
+          <p:nvPr/>
+        </p:nvSpPr>
+        <p:spPr>
+          <a:xfrm>
+            <a:off x="4857421" y="5275727"/>
+            <a:ext cx="123573" cy="123573"/>
+          </a:xfrm>
+          <a:prstGeom prst="ellipse">
+            <a:avLst/>
+          </a:prstGeom>
+          <a:noFill/>
+          <a:ln>
+            <a:solidFill>
+              <a:srgbClr val="FFFF00"/>
+            </a:solidFill>
+          </a:ln>
+        </p:spPr>
+        <p:style>
+          <a:lnRef idx="2">
+            <a:schemeClr val="accent1">
+              <a:shade val="15000"/>
+            </a:schemeClr>
+          </a:lnRef>
+          <a:fillRef idx="1">
+            <a:schemeClr val="accent1"/>
+          </a:fillRef>
+          <a:effectRef idx="0">
+            <a:schemeClr val="accent1"/>
+          </a:effectRef>
+          <a:fontRef idx="minor">
+            <a:schemeClr val="lt1"/>
+          </a:fontRef>
+        </p:style>
+        <p:txBody>
+          <a:bodyPr rtlCol="0" anchor="ctr"/>
+          <a:lstStyle/>
+          <a:p>
+            <a:pPr algn="ctr"/>
+            <a:endParaRPr lang="ko-KR" altLang="en-US"/>
+          </a:p>
+        </p:txBody>
+      </p:sp>
+      <p:sp>
+        <p:nvSpPr>
+          <p:cNvPr id="39" name="타원 38">
+            <a:extLst>
+              <a:ext uri="{FF2B5EF4-FFF2-40B4-BE49-F238E27FC236}">
+                <a16:creationId xmlns:a16="http://schemas.microsoft.com/office/drawing/2014/main" id="{1AF77176-75C8-6F5C-E6FA-7EFA07E7CC91}"/>
+              </a:ext>
+            </a:extLst>
+          </p:cNvPr>
+          <p:cNvSpPr/>
+          <p:nvPr/>
+        </p:nvSpPr>
+        <p:spPr>
+          <a:xfrm>
+            <a:off x="4858657" y="5931852"/>
+            <a:ext cx="123573" cy="123573"/>
+          </a:xfrm>
+          <a:prstGeom prst="ellipse">
+            <a:avLst/>
+          </a:prstGeom>
+          <a:noFill/>
+          <a:ln>
+            <a:solidFill>
+              <a:srgbClr val="FFFF00"/>
+            </a:solidFill>
+          </a:ln>
+        </p:spPr>
+        <p:style>
+          <a:lnRef idx="2">
+            <a:schemeClr val="accent1">
+              <a:shade val="15000"/>
+            </a:schemeClr>
+          </a:lnRef>
+          <a:fillRef idx="1">
+            <a:schemeClr val="accent1"/>
+          </a:fillRef>
+          <a:effectRef idx="0">
+            <a:schemeClr val="accent1"/>
+          </a:effectRef>
+          <a:fontRef idx="minor">
+            <a:schemeClr val="lt1"/>
+          </a:fontRef>
+        </p:style>
+        <p:txBody>
+          <a:bodyPr rtlCol="0" anchor="ctr"/>
+          <a:lstStyle/>
+          <a:p>
+            <a:pPr algn="ctr"/>
+            <a:endParaRPr lang="ko-KR" altLang="en-US"/>
+          </a:p>
+        </p:txBody>
+      </p:sp>
+      <p:cxnSp>
+        <p:nvCxnSpPr>
+          <p:cNvPr id="52" name="직선 연결선 51">
+            <a:extLst>
+              <a:ext uri="{FF2B5EF4-FFF2-40B4-BE49-F238E27FC236}">
+                <a16:creationId xmlns:a16="http://schemas.microsoft.com/office/drawing/2014/main" id="{7EFB3A59-A5FF-FD3C-0654-291DE435AA50}"/>
+              </a:ext>
+            </a:extLst>
+          </p:cNvPr>
+          <p:cNvCxnSpPr/>
+          <p:nvPr/>
+        </p:nvCxnSpPr>
+        <p:spPr>
+          <a:xfrm>
+            <a:off x="4855281" y="6413500"/>
+            <a:ext cx="2167819" cy="0"/>
+          </a:xfrm>
+          <a:prstGeom prst="line">
+            <a:avLst/>
+          </a:prstGeom>
+          <a:ln w="38100">
+            <a:solidFill>
+              <a:srgbClr val="FFFF00"/>
+            </a:solidFill>
+          </a:ln>
+        </p:spPr>
+        <p:style>
+          <a:lnRef idx="2">
+            <a:schemeClr val="accent1"/>
+          </a:lnRef>
+          <a:fillRef idx="0">
+            <a:schemeClr val="accent1"/>
+          </a:fillRef>
+          <a:effectRef idx="1">
+            <a:schemeClr val="accent1"/>
+          </a:effectRef>
+          <a:fontRef idx="minor">
+            <a:schemeClr val="tx1"/>
+          </a:fontRef>
+        </p:style>
+      </p:cxnSp>
+      <p:cxnSp>
+        <p:nvCxnSpPr>
+          <p:cNvPr id="55" name="직선 화살표 연결선 54">
+            <a:extLst>
+              <a:ext uri="{FF2B5EF4-FFF2-40B4-BE49-F238E27FC236}">
+                <a16:creationId xmlns:a16="http://schemas.microsoft.com/office/drawing/2014/main" id="{8A764B6C-8AB5-6727-F2A0-5C9B712C79B3}"/>
+              </a:ext>
+            </a:extLst>
+          </p:cNvPr>
+          <p:cNvCxnSpPr>
+            <a:cxnSpLocks/>
+            <a:stCxn id="58" idx="3"/>
+            <a:endCxn id="37" idx="2"/>
+          </p:cNvCxnSpPr>
+          <p:nvPr/>
+        </p:nvCxnSpPr>
+        <p:spPr>
+          <a:xfrm flipV="1">
+            <a:off x="2250677" y="5337514"/>
+            <a:ext cx="2606744" cy="807561"/>
+          </a:xfrm>
+          <a:prstGeom prst="straightConnector1">
+            <a:avLst/>
+          </a:prstGeom>
+          <a:ln>
+            <a:tailEnd type="triangle"/>
+          </a:ln>
+        </p:spPr>
+        <p:style>
+          <a:lnRef idx="2">
+            <a:schemeClr val="accent1"/>
+          </a:lnRef>
+          <a:fillRef idx="0">
+            <a:schemeClr val="accent1"/>
+          </a:fillRef>
+          <a:effectRef idx="1">
+            <a:schemeClr val="accent1"/>
+          </a:effectRef>
+          <a:fontRef idx="minor">
+            <a:schemeClr val="tx1"/>
+          </a:fontRef>
+        </p:style>
+      </p:cxnSp>
+      <p:sp>
+        <p:nvSpPr>
+          <p:cNvPr id="58" name="직사각형 57">
+            <a:extLst>
+              <a:ext uri="{FF2B5EF4-FFF2-40B4-BE49-F238E27FC236}">
+                <a16:creationId xmlns:a16="http://schemas.microsoft.com/office/drawing/2014/main" id="{5A70A95A-63E0-B17B-C9B6-486DC94B3D9B}"/>
+              </a:ext>
+            </a:extLst>
+          </p:cNvPr>
+          <p:cNvSpPr/>
+          <p:nvPr/>
+        </p:nvSpPr>
+        <p:spPr>
+          <a:xfrm>
+            <a:off x="652351" y="5646138"/>
+            <a:ext cx="1598326" cy="997873"/>
+          </a:xfrm>
+          <a:prstGeom prst="rect">
+            <a:avLst/>
+          </a:prstGeom>
+        </p:spPr>
+        <p:style>
+          <a:lnRef idx="2">
+            <a:schemeClr val="accent4">
+              <a:shade val="15000"/>
+            </a:schemeClr>
+          </a:lnRef>
+          <a:fillRef idx="1">
+            <a:schemeClr val="accent4"/>
+          </a:fillRef>
+          <a:effectRef idx="0">
+            <a:schemeClr val="accent4"/>
+          </a:effectRef>
+          <a:fontRef idx="minor">
+            <a:schemeClr val="lt1"/>
+          </a:fontRef>
+        </p:style>
+        <p:txBody>
+          <a:bodyPr rtlCol="0" anchor="ctr"/>
+          <a:lstStyle/>
+          <a:p>
+            <a:pPr algn="ctr"/>
+            <a:r>
+              <a:rPr lang="ko-KR" altLang="en-US" sz="1200" dirty="0"/>
+              <a:t>벽에서 </a:t>
+            </a:r>
+            <a:r>
+              <a:rPr lang="en-US" altLang="ko-KR" sz="1200" dirty="0"/>
+              <a:t>190mm/</a:t>
+            </a:r>
+          </a:p>
+          <a:p>
+            <a:pPr algn="ctr"/>
+            <a:r>
+              <a:rPr lang="ko-KR" altLang="en-US" sz="1200" dirty="0"/>
+              <a:t>커튼박스 안쪽</a:t>
+            </a:r>
+            <a:r>
+              <a:rPr lang="en-US" altLang="ko-KR" sz="1200" dirty="0"/>
+              <a:t>~</a:t>
+            </a:r>
+            <a:r>
+              <a:rPr lang="ko-KR" altLang="en-US" sz="1200" dirty="0" err="1"/>
+              <a:t>월패드</a:t>
+            </a:r>
+            <a:r>
+              <a:rPr lang="ko-KR" altLang="en-US" sz="1200" dirty="0"/>
+              <a:t> 중심 </a:t>
+            </a:r>
+          </a:p>
+        </p:txBody>
+      </p:sp>
+      <p:pic>
+        <p:nvPicPr>
+          <p:cNvPr id="62" name="그림 61" descr="텍스트, 스크린샷, 폰트, 소프트웨어이(가) 표시된 사진&#10;&#10;AI 생성 콘텐츠는 정확하지 않을 수 있습니다.">
+            <a:extLst>
+              <a:ext uri="{FF2B5EF4-FFF2-40B4-BE49-F238E27FC236}">
+                <a16:creationId xmlns:a16="http://schemas.microsoft.com/office/drawing/2014/main" id="{9778DC93-099B-66FA-2D2C-B4E235D7435B}"/>
+              </a:ext>
+            </a:extLst>
+          </p:cNvPr>
+          <p:cNvPicPr>
+            <a:picLocks noChangeAspect="1"/>
+          </p:cNvPicPr>
+          <p:nvPr/>
+        </p:nvPicPr>
+        <p:blipFill>
+          <a:blip r:embed="rId4"/>
+          <a:stretch>
+            <a:fillRect/>
+          </a:stretch>
+        </p:blipFill>
+        <p:spPr>
+          <a:xfrm>
+            <a:off x="7899400" y="514351"/>
+            <a:ext cx="3116193" cy="2826208"/>
+          </a:xfrm>
+          <a:prstGeom prst="rect">
+            <a:avLst/>
+          </a:prstGeom>
+        </p:spPr>
+      </p:pic>
+    </p:spTree>
+    <p:extLst>
+      <p:ext uri="{BB962C8B-B14F-4D97-AF65-F5344CB8AC3E}">
+        <p14:creationId xmlns:p14="http://schemas.microsoft.com/office/powerpoint/2010/main" val="1760457826"/>
+      </p:ext>
+    </p:extLst>
+  </p:cSld>
+  <p:clrMapOvr>
+    <a:masterClrMapping/>
+  </p:clrMapOvr>
+</p:sld>
+</file>
+
 <file path=ppt/theme/theme1.xml><?xml version="1.0" encoding="utf-8"?>
 <a:theme xmlns:a="http://schemas.openxmlformats.org/drawingml/2006/main" name="Office 테마">
   <a:themeElements>
@@ -13115,4 +14428,319 @@
     </a:ext>
   </a:extLst>
 </a:theme>
+</file>
+
+<file path=ppt/theme/theme2.xml><?xml version="1.0" encoding="utf-8"?>
+<a:theme xmlns:a="http://schemas.openxmlformats.org/drawingml/2006/main" name="Office 테마">
+  <a:themeElements>
+    <a:clrScheme name="Office">
+      <a:dk1>
+        <a:sysClr val="windowText" lastClr="000000"/>
+      </a:dk1>
+      <a:lt1>
+        <a:sysClr val="window" lastClr="FFFFFF"/>
+      </a:lt1>
+      <a:dk2>
+        <a:srgbClr val="0E2841"/>
+      </a:dk2>
+      <a:lt2>
+        <a:srgbClr val="E8E8E8"/>
+      </a:lt2>
+      <a:accent1>
+        <a:srgbClr val="156082"/>
+      </a:accent1>
+      <a:accent2>
+        <a:srgbClr val="E97132"/>
+      </a:accent2>
+      <a:accent3>
+        <a:srgbClr val="196B24"/>
+      </a:accent3>
+      <a:accent4>
+        <a:srgbClr val="0F9ED5"/>
+      </a:accent4>
+      <a:accent5>
+        <a:srgbClr val="A02B93"/>
+      </a:accent5>
+      <a:accent6>
+        <a:srgbClr val="4EA72E"/>
+      </a:accent6>
+      <a:hlink>
+        <a:srgbClr val="467886"/>
+      </a:hlink>
+      <a:folHlink>
+        <a:srgbClr val="96607D"/>
+      </a:folHlink>
+    </a:clrScheme>
+    <a:fontScheme name="Office">
+      <a:majorFont>
+        <a:latin typeface="맑은 고딕" panose="02110004020202020204"/>
+        <a:ea typeface=""/>
+        <a:cs typeface=""/>
+        <a:font script="Jpan" typeface="游ゴシック Light"/>
+        <a:font script="Hang" typeface="맑은 고딕"/>
+        <a:font script="Hans" typeface="等线 Light"/>
+        <a:font script="Hant" typeface="新細明體"/>
+        <a:font script="Arab" typeface="Times New Roman"/>
+        <a:font script="Hebr" typeface="Times New Roman"/>
+        <a:font script="Thai" typeface="Angsana New"/>
+        <a:font script="Ethi" typeface="Nyala"/>
+        <a:font script="Beng" typeface="Vrinda"/>
+        <a:font script="Gujr" typeface="Shruti"/>
+        <a:font script="Khmr" typeface="MoolBoran"/>
+        <a:font script="Knda" typeface="Tunga"/>
+        <a:font script="Guru" typeface="Raavi"/>
+        <a:font script="Cans" typeface="Euphemia"/>
+        <a:font script="Cher" typeface="Plantagenet Cherokee"/>
+        <a:font script="Yiii" typeface="Microsoft Yi Baiti"/>
+        <a:font script="Tibt" typeface="Microsoft Himalaya"/>
+        <a:font script="Thaa" typeface="MV Boli"/>
+        <a:font script="Deva" typeface="Mangal"/>
+        <a:font script="Telu" typeface="Gautami"/>
+        <a:font script="Taml" typeface="Latha"/>
+        <a:font script="Syrc" typeface="Estrangelo Edessa"/>
+        <a:font script="Orya" typeface="Kalinga"/>
+        <a:font script="Mlym" typeface="Kartika"/>
+        <a:font script="Laoo" typeface="DokChampa"/>
+        <a:font script="Sinh" typeface="Iskoola Pota"/>
+        <a:font script="Mong" typeface="Mongolian Baiti"/>
+        <a:font script="Viet" typeface="Times New Roman"/>
+        <a:font script="Uigh" typeface="Microsoft Uighur"/>
+        <a:font script="Geor" typeface="Sylfaen"/>
+        <a:font script="Armn" typeface="Arial"/>
+        <a:font script="Bugi" typeface="Leelawadee UI"/>
+        <a:font script="Bopo" typeface="Microsoft JhengHei"/>
+        <a:font script="Java" typeface="Javanese Text"/>
+        <a:font script="Lisu" typeface="Segoe UI"/>
+        <a:font script="Mymr" typeface="Myanmar Text"/>
+        <a:font script="Nkoo" typeface="Ebrima"/>
+        <a:font script="Olck" typeface="Nirmala UI"/>
+        <a:font script="Osma" typeface="Ebrima"/>
+        <a:font script="Phag" typeface="Phagspa"/>
+        <a:font script="Syrn" typeface="Estrangelo Edessa"/>
+        <a:font script="Syrj" typeface="Estrangelo Edessa"/>
+        <a:font script="Syre" typeface="Estrangelo Edessa"/>
+        <a:font script="Sora" typeface="Nirmala UI"/>
+        <a:font script="Tale" typeface="Microsoft Tai Le"/>
+        <a:font script="Talu" typeface="Microsoft New Tai Lue"/>
+        <a:font script="Tfng" typeface="Ebrima"/>
+      </a:majorFont>
+      <a:minorFont>
+        <a:latin typeface="맑은 고딕" panose="02110004020202020204"/>
+        <a:ea typeface=""/>
+        <a:cs typeface=""/>
+        <a:font script="Jpan" typeface="游ゴシック"/>
+        <a:font script="Hang" typeface="맑은 고딕"/>
+        <a:font script="Hans" typeface="等线"/>
+        <a:font script="Hant" typeface="新細明體"/>
+        <a:font script="Arab" typeface="Arial"/>
+        <a:font script="Hebr" typeface="Arial"/>
+        <a:font script="Thai" typeface="Cordia New"/>
+        <a:font script="Ethi" typeface="Nyala"/>
+        <a:font script="Beng" typeface="Vrinda"/>
+        <a:font script="Gujr" typeface="Shruti"/>
+        <a:font script="Khmr" typeface="DaunPenh"/>
+        <a:font script="Knda" typeface="Tunga"/>
+        <a:font script="Guru" typeface="Raavi"/>
+        <a:font script="Cans" typeface="Euphemia"/>
+        <a:font script="Cher" typeface="Plantagenet Cherokee"/>
+        <a:font script="Yiii" typeface="Microsoft Yi Baiti"/>
+        <a:font script="Tibt" typeface="Microsoft Himalaya"/>
+        <a:font script="Thaa" typeface="MV Boli"/>
+        <a:font script="Deva" typeface="Mangal"/>
+        <a:font script="Telu" typeface="Gautami"/>
+        <a:font script="Taml" typeface="Latha"/>
+        <a:font script="Syrc" typeface="Estrangelo Edessa"/>
+        <a:font script="Orya" typeface="Kalinga"/>
+        <a:font script="Mlym" typeface="Kartika"/>
+        <a:font script="Laoo" typeface="DokChampa"/>
+        <a:font script="Sinh" typeface="Iskoola Pota"/>
+        <a:font script="Mong" typeface="Mongolian Baiti"/>
+        <a:font script="Viet" typeface="Arial"/>
+        <a:font script="Uigh" typeface="Microsoft Uighur"/>
+        <a:font script="Geor" typeface="Sylfaen"/>
+        <a:font script="Armn" typeface="Arial"/>
+        <a:font script="Bugi" typeface="Leelawadee UI"/>
+        <a:font script="Bopo" typeface="Microsoft JhengHei"/>
+        <a:font script="Java" typeface="Javanese Text"/>
+        <a:font script="Lisu" typeface="Segoe UI"/>
+        <a:font script="Mymr" typeface="Myanmar Text"/>
+        <a:font script="Nkoo" typeface="Ebrima"/>
+        <a:font script="Olck" typeface="Nirmala UI"/>
+        <a:font script="Osma" typeface="Ebrima"/>
+        <a:font script="Phag" typeface="Phagspa"/>
+        <a:font script="Syrn" typeface="Estrangelo Edessa"/>
+        <a:font script="Syrj" typeface="Estrangelo Edessa"/>
+        <a:font script="Syre" typeface="Estrangelo Edessa"/>
+        <a:font script="Sora" typeface="Nirmala UI"/>
+        <a:font script="Tale" typeface="Microsoft Tai Le"/>
+        <a:font script="Talu" typeface="Microsoft New Tai Lue"/>
+        <a:font script="Tfng" typeface="Ebrima"/>
+      </a:minorFont>
+    </a:fontScheme>
+    <a:fmtScheme name="Office">
+      <a:fillStyleLst>
+        <a:solidFill>
+          <a:schemeClr val="phClr"/>
+        </a:solidFill>
+        <a:gradFill rotWithShape="1">
+          <a:gsLst>
+            <a:gs pos="0">
+              <a:schemeClr val="phClr">
+                <a:lumMod val="110000"/>
+                <a:satMod val="105000"/>
+                <a:tint val="67000"/>
+              </a:schemeClr>
+            </a:gs>
+            <a:gs pos="50000">
+              <a:schemeClr val="phClr">
+                <a:lumMod val="105000"/>
+                <a:satMod val="103000"/>
+                <a:tint val="73000"/>
+              </a:schemeClr>
+            </a:gs>
+            <a:gs pos="100000">
+              <a:schemeClr val="phClr">
+                <a:lumMod val="105000"/>
+                <a:satMod val="109000"/>
+                <a:tint val="81000"/>
+              </a:schemeClr>
+            </a:gs>
+          </a:gsLst>
+          <a:lin ang="5400000" scaled="0"/>
+        </a:gradFill>
+        <a:gradFill rotWithShape="1">
+          <a:gsLst>
+            <a:gs pos="0">
+              <a:schemeClr val="phClr">
+                <a:satMod val="103000"/>
+                <a:lumMod val="102000"/>
+                <a:tint val="94000"/>
+              </a:schemeClr>
+            </a:gs>
+            <a:gs pos="50000">
+              <a:schemeClr val="phClr">
+                <a:satMod val="110000"/>
+                <a:lumMod val="100000"/>
+                <a:shade val="100000"/>
+              </a:schemeClr>
+            </a:gs>
+            <a:gs pos="100000">
+              <a:schemeClr val="phClr">
+                <a:lumMod val="99000"/>
+                <a:satMod val="120000"/>
+                <a:shade val="78000"/>
+              </a:schemeClr>
+            </a:gs>
+          </a:gsLst>
+          <a:lin ang="5400000" scaled="0"/>
+        </a:gradFill>
+      </a:fillStyleLst>
+      <a:lnStyleLst>
+        <a:ln w="12700" cap="flat" cmpd="sng" algn="ctr">
+          <a:solidFill>
+            <a:schemeClr val="phClr"/>
+          </a:solidFill>
+          <a:prstDash val="solid"/>
+          <a:miter lim="800000"/>
+        </a:ln>
+        <a:ln w="19050" cap="flat" cmpd="sng" algn="ctr">
+          <a:solidFill>
+            <a:schemeClr val="phClr"/>
+          </a:solidFill>
+          <a:prstDash val="solid"/>
+          <a:miter lim="800000"/>
+        </a:ln>
+        <a:ln w="25400" cap="flat" cmpd="sng" algn="ctr">
+          <a:solidFill>
+            <a:schemeClr val="phClr"/>
+          </a:solidFill>
+          <a:prstDash val="solid"/>
+          <a:miter lim="800000"/>
+        </a:ln>
+      </a:lnStyleLst>
+      <a:effectStyleLst>
+        <a:effectStyle>
+          <a:effectLst/>
+        </a:effectStyle>
+        <a:effectStyle>
+          <a:effectLst/>
+        </a:effectStyle>
+        <a:effectStyle>
+          <a:effectLst>
+            <a:outerShdw blurRad="57150" dist="19050" dir="5400000" algn="ctr" rotWithShape="0">
+              <a:srgbClr val="000000">
+                <a:alpha val="63000"/>
+              </a:srgbClr>
+            </a:outerShdw>
+          </a:effectLst>
+        </a:effectStyle>
+      </a:effectStyleLst>
+      <a:bgFillStyleLst>
+        <a:solidFill>
+          <a:schemeClr val="phClr"/>
+        </a:solidFill>
+        <a:solidFill>
+          <a:schemeClr val="phClr">
+            <a:tint val="95000"/>
+            <a:satMod val="170000"/>
+          </a:schemeClr>
+        </a:solidFill>
+        <a:gradFill rotWithShape="1">
+          <a:gsLst>
+            <a:gs pos="0">
+              <a:schemeClr val="phClr">
+                <a:tint val="93000"/>
+                <a:satMod val="150000"/>
+                <a:shade val="98000"/>
+                <a:lumMod val="102000"/>
+              </a:schemeClr>
+            </a:gs>
+            <a:gs pos="50000">
+              <a:schemeClr val="phClr">
+                <a:tint val="98000"/>
+                <a:satMod val="130000"/>
+                <a:shade val="90000"/>
+                <a:lumMod val="103000"/>
+              </a:schemeClr>
+            </a:gs>
+            <a:gs pos="100000">
+              <a:schemeClr val="phClr">
+                <a:shade val="63000"/>
+                <a:satMod val="120000"/>
+              </a:schemeClr>
+            </a:gs>
+          </a:gsLst>
+          <a:lin ang="5400000" scaled="0"/>
+        </a:gradFill>
+      </a:bgFillStyleLst>
+    </a:fmtScheme>
+  </a:themeElements>
+  <a:objectDefaults>
+    <a:lnDef>
+      <a:spPr/>
+      <a:bodyPr/>
+      <a:lstStyle/>
+      <a:style>
+        <a:lnRef idx="2">
+          <a:schemeClr val="accent1"/>
+        </a:lnRef>
+        <a:fillRef idx="0">
+          <a:schemeClr val="accent1"/>
+        </a:fillRef>
+        <a:effectRef idx="1">
+          <a:schemeClr val="accent1"/>
+        </a:effectRef>
+        <a:fontRef idx="minor">
+          <a:schemeClr val="tx1"/>
+        </a:fontRef>
+      </a:style>
+    </a:lnDef>
+  </a:objectDefaults>
+  <a:extraClrSchemeLst/>
+  <a:extLst>
+    <a:ext uri="{05A4C25C-085E-4340-85A3-A5531E510DB2}">
+      <thm15:themeFamily xmlns:thm15="http://schemas.microsoft.com/office/thememl/2012/main" name="Office Theme" id="{2E142A2C-CD16-42D6-873A-C26D2A0506FA}" vid="{1BDDFF52-6CD6-40A5-AB3C-68EB2F1E4D0A}"/>
+    </a:ext>
+  </a:extLst>
+</a:theme>
 </file>
--- a/부동산/가온마을9단지.pptx
+++ b/부동산/가온마을9단지.pptx
@@ -199,7 +199,7 @@
           <a:p>
             <a:fld id="{BB34323F-1ADB-4AB6-B0D8-1B1AFCDC436F}" type="datetimeFigureOut">
               <a:rPr lang="ko-KR" altLang="en-US" smtClean="0"/>
-              <a:t>2025-12-26</a:t>
+              <a:t>2026-01-06</a:t>
             </a:fld>
             <a:endParaRPr lang="ko-KR" altLang="en-US"/>
           </a:p>
@@ -697,7 +697,7 @@
           <a:p>
             <a:fld id="{AFE642E8-9A08-43B7-9C9C-D45DDC7423F4}" type="datetimeFigureOut">
               <a:rPr lang="ko-KR" altLang="en-US" smtClean="0"/>
-              <a:t>2025-12-26</a:t>
+              <a:t>2026-01-06</a:t>
             </a:fld>
             <a:endParaRPr lang="ko-KR" altLang="en-US"/>
           </a:p>
@@ -895,7 +895,7 @@
           <a:p>
             <a:fld id="{AFE642E8-9A08-43B7-9C9C-D45DDC7423F4}" type="datetimeFigureOut">
               <a:rPr lang="ko-KR" altLang="en-US" smtClean="0"/>
-              <a:t>2025-12-26</a:t>
+              <a:t>2026-01-06</a:t>
             </a:fld>
             <a:endParaRPr lang="ko-KR" altLang="en-US"/>
           </a:p>
@@ -1103,7 +1103,7 @@
           <a:p>
             <a:fld id="{AFE642E8-9A08-43B7-9C9C-D45DDC7423F4}" type="datetimeFigureOut">
               <a:rPr lang="ko-KR" altLang="en-US" smtClean="0"/>
-              <a:t>2025-12-26</a:t>
+              <a:t>2026-01-06</a:t>
             </a:fld>
             <a:endParaRPr lang="ko-KR" altLang="en-US"/>
           </a:p>
@@ -1301,7 +1301,7 @@
           <a:p>
             <a:fld id="{AFE642E8-9A08-43B7-9C9C-D45DDC7423F4}" type="datetimeFigureOut">
               <a:rPr lang="ko-KR" altLang="en-US" smtClean="0"/>
-              <a:t>2025-12-26</a:t>
+              <a:t>2026-01-06</a:t>
             </a:fld>
             <a:endParaRPr lang="ko-KR" altLang="en-US"/>
           </a:p>
@@ -1576,7 +1576,7 @@
           <a:p>
             <a:fld id="{AFE642E8-9A08-43B7-9C9C-D45DDC7423F4}" type="datetimeFigureOut">
               <a:rPr lang="ko-KR" altLang="en-US" smtClean="0"/>
-              <a:t>2025-12-26</a:t>
+              <a:t>2026-01-06</a:t>
             </a:fld>
             <a:endParaRPr lang="ko-KR" altLang="en-US"/>
           </a:p>
@@ -1841,7 +1841,7 @@
           <a:p>
             <a:fld id="{AFE642E8-9A08-43B7-9C9C-D45DDC7423F4}" type="datetimeFigureOut">
               <a:rPr lang="ko-KR" altLang="en-US" smtClean="0"/>
-              <a:t>2025-12-26</a:t>
+              <a:t>2026-01-06</a:t>
             </a:fld>
             <a:endParaRPr lang="ko-KR" altLang="en-US"/>
           </a:p>
@@ -2253,7 +2253,7 @@
           <a:p>
             <a:fld id="{AFE642E8-9A08-43B7-9C9C-D45DDC7423F4}" type="datetimeFigureOut">
               <a:rPr lang="ko-KR" altLang="en-US" smtClean="0"/>
-              <a:t>2025-12-26</a:t>
+              <a:t>2026-01-06</a:t>
             </a:fld>
             <a:endParaRPr lang="ko-KR" altLang="en-US"/>
           </a:p>
@@ -2394,7 +2394,7 @@
           <a:p>
             <a:fld id="{AFE642E8-9A08-43B7-9C9C-D45DDC7423F4}" type="datetimeFigureOut">
               <a:rPr lang="ko-KR" altLang="en-US" smtClean="0"/>
-              <a:t>2025-12-26</a:t>
+              <a:t>2026-01-06</a:t>
             </a:fld>
             <a:endParaRPr lang="ko-KR" altLang="en-US"/>
           </a:p>
@@ -2507,7 +2507,7 @@
           <a:p>
             <a:fld id="{AFE642E8-9A08-43B7-9C9C-D45DDC7423F4}" type="datetimeFigureOut">
               <a:rPr lang="ko-KR" altLang="en-US" smtClean="0"/>
-              <a:t>2025-12-26</a:t>
+              <a:t>2026-01-06</a:t>
             </a:fld>
             <a:endParaRPr lang="ko-KR" altLang="en-US"/>
           </a:p>
@@ -2818,7 +2818,7 @@
           <a:p>
             <a:fld id="{AFE642E8-9A08-43B7-9C9C-D45DDC7423F4}" type="datetimeFigureOut">
               <a:rPr lang="ko-KR" altLang="en-US" smtClean="0"/>
-              <a:t>2025-12-26</a:t>
+              <a:t>2026-01-06</a:t>
             </a:fld>
             <a:endParaRPr lang="ko-KR" altLang="en-US"/>
           </a:p>
@@ -3106,7 +3106,7 @@
           <a:p>
             <a:fld id="{AFE642E8-9A08-43B7-9C9C-D45DDC7423F4}" type="datetimeFigureOut">
               <a:rPr lang="ko-KR" altLang="en-US" smtClean="0"/>
-              <a:t>2025-12-26</a:t>
+              <a:t>2026-01-06</a:t>
             </a:fld>
             <a:endParaRPr lang="ko-KR" altLang="en-US"/>
           </a:p>
@@ -3347,7 +3347,7 @@
           <a:p>
             <a:fld id="{AFE642E8-9A08-43B7-9C9C-D45DDC7423F4}" type="datetimeFigureOut">
               <a:rPr lang="ko-KR" altLang="en-US" smtClean="0"/>
-              <a:t>2025-12-26</a:t>
+              <a:t>2026-01-06</a:t>
             </a:fld>
             <a:endParaRPr lang="ko-KR" altLang="en-US"/>
           </a:p>
@@ -14096,6 +14096,66 @@
           <a:xfrm>
             <a:off x="7899400" y="514351"/>
             <a:ext cx="3116193" cy="2826208"/>
+          </a:xfrm>
+          <a:prstGeom prst="rect">
+            <a:avLst/>
+          </a:prstGeom>
+        </p:spPr>
+      </p:pic>
+      <p:pic>
+        <p:nvPicPr>
+          <p:cNvPr id="8" name="그림 7" descr="텍스트, 원, 헤드폰, 디자인이(가) 표시된 사진&#10;&#10;AI 생성 콘텐츠는 정확하지 않을 수 있습니다.">
+            <a:extLst>
+              <a:ext uri="{FF2B5EF4-FFF2-40B4-BE49-F238E27FC236}">
+                <a16:creationId xmlns:a16="http://schemas.microsoft.com/office/drawing/2014/main" id="{892162BF-B7A0-0574-0F0A-D59035A2505A}"/>
+              </a:ext>
+            </a:extLst>
+          </p:cNvPr>
+          <p:cNvPicPr>
+            <a:picLocks noChangeAspect="1"/>
+          </p:cNvPicPr>
+          <p:nvPr/>
+        </p:nvPicPr>
+        <p:blipFill>
+          <a:blip r:embed="rId5"/>
+          <a:stretch>
+            <a:fillRect/>
+          </a:stretch>
+        </p:blipFill>
+        <p:spPr>
+          <a:xfrm>
+            <a:off x="2867678" y="3252126"/>
+            <a:ext cx="1703001" cy="2332245"/>
+          </a:xfrm>
+          <a:prstGeom prst="rect">
+            <a:avLst/>
+          </a:prstGeom>
+        </p:spPr>
+      </p:pic>
+      <p:pic>
+        <p:nvPicPr>
+          <p:cNvPr id="11" name="그림 10" descr="텍스트, 스크린샷, 원, 디자인이(가) 표시된 사진&#10;&#10;AI 생성 콘텐츠는 정확하지 않을 수 있습니다.">
+            <a:extLst>
+              <a:ext uri="{FF2B5EF4-FFF2-40B4-BE49-F238E27FC236}">
+                <a16:creationId xmlns:a16="http://schemas.microsoft.com/office/drawing/2014/main" id="{3A0E830A-CC96-8511-8171-88E88359CAEF}"/>
+              </a:ext>
+            </a:extLst>
+          </p:cNvPr>
+          <p:cNvPicPr>
+            <a:picLocks noChangeAspect="1"/>
+          </p:cNvPicPr>
+          <p:nvPr/>
+        </p:nvPicPr>
+        <p:blipFill>
+          <a:blip r:embed="rId6"/>
+          <a:stretch>
+            <a:fillRect/>
+          </a:stretch>
+        </p:blipFill>
+        <p:spPr>
+          <a:xfrm>
+            <a:off x="7401332" y="3338075"/>
+            <a:ext cx="1598326" cy="2160345"/>
           </a:xfrm>
           <a:prstGeom prst="rect">
             <a:avLst/>

--- a/부동산/가온마을9단지.pptx
+++ b/부동산/가온마을9단지.pptx
@@ -199,7 +199,7 @@
           <a:p>
             <a:fld id="{BB34323F-1ADB-4AB6-B0D8-1B1AFCDC436F}" type="datetimeFigureOut">
               <a:rPr lang="ko-KR" altLang="en-US" smtClean="0"/>
-              <a:t>2026-01-06</a:t>
+              <a:t>2026-01-08</a:t>
             </a:fld>
             <a:endParaRPr lang="ko-KR" altLang="en-US"/>
           </a:p>
@@ -697,7 +697,7 @@
           <a:p>
             <a:fld id="{AFE642E8-9A08-43B7-9C9C-D45DDC7423F4}" type="datetimeFigureOut">
               <a:rPr lang="ko-KR" altLang="en-US" smtClean="0"/>
-              <a:t>2026-01-06</a:t>
+              <a:t>2026-01-08</a:t>
             </a:fld>
             <a:endParaRPr lang="ko-KR" altLang="en-US"/>
           </a:p>
@@ -895,7 +895,7 @@
           <a:p>
             <a:fld id="{AFE642E8-9A08-43B7-9C9C-D45DDC7423F4}" type="datetimeFigureOut">
               <a:rPr lang="ko-KR" altLang="en-US" smtClean="0"/>
-              <a:t>2026-01-06</a:t>
+              <a:t>2026-01-08</a:t>
             </a:fld>
             <a:endParaRPr lang="ko-KR" altLang="en-US"/>
           </a:p>
@@ -1103,7 +1103,7 @@
           <a:p>
             <a:fld id="{AFE642E8-9A08-43B7-9C9C-D45DDC7423F4}" type="datetimeFigureOut">
               <a:rPr lang="ko-KR" altLang="en-US" smtClean="0"/>
-              <a:t>2026-01-06</a:t>
+              <a:t>2026-01-08</a:t>
             </a:fld>
             <a:endParaRPr lang="ko-KR" altLang="en-US"/>
           </a:p>
@@ -1301,7 +1301,7 @@
           <a:p>
             <a:fld id="{AFE642E8-9A08-43B7-9C9C-D45DDC7423F4}" type="datetimeFigureOut">
               <a:rPr lang="ko-KR" altLang="en-US" smtClean="0"/>
-              <a:t>2026-01-06</a:t>
+              <a:t>2026-01-08</a:t>
             </a:fld>
             <a:endParaRPr lang="ko-KR" altLang="en-US"/>
           </a:p>
@@ -1576,7 +1576,7 @@
           <a:p>
             <a:fld id="{AFE642E8-9A08-43B7-9C9C-D45DDC7423F4}" type="datetimeFigureOut">
               <a:rPr lang="ko-KR" altLang="en-US" smtClean="0"/>
-              <a:t>2026-01-06</a:t>
+              <a:t>2026-01-08</a:t>
             </a:fld>
             <a:endParaRPr lang="ko-KR" altLang="en-US"/>
           </a:p>
@@ -1841,7 +1841,7 @@
           <a:p>
             <a:fld id="{AFE642E8-9A08-43B7-9C9C-D45DDC7423F4}" type="datetimeFigureOut">
               <a:rPr lang="ko-KR" altLang="en-US" smtClean="0"/>
-              <a:t>2026-01-06</a:t>
+              <a:t>2026-01-08</a:t>
             </a:fld>
             <a:endParaRPr lang="ko-KR" altLang="en-US"/>
           </a:p>
@@ -2253,7 +2253,7 @@
           <a:p>
             <a:fld id="{AFE642E8-9A08-43B7-9C9C-D45DDC7423F4}" type="datetimeFigureOut">
               <a:rPr lang="ko-KR" altLang="en-US" smtClean="0"/>
-              <a:t>2026-01-06</a:t>
+              <a:t>2026-01-08</a:t>
             </a:fld>
             <a:endParaRPr lang="ko-KR" altLang="en-US"/>
           </a:p>
@@ -2394,7 +2394,7 @@
           <a:p>
             <a:fld id="{AFE642E8-9A08-43B7-9C9C-D45DDC7423F4}" type="datetimeFigureOut">
               <a:rPr lang="ko-KR" altLang="en-US" smtClean="0"/>
-              <a:t>2026-01-06</a:t>
+              <a:t>2026-01-08</a:t>
             </a:fld>
             <a:endParaRPr lang="ko-KR" altLang="en-US"/>
           </a:p>
@@ -2507,7 +2507,7 @@
           <a:p>
             <a:fld id="{AFE642E8-9A08-43B7-9C9C-D45DDC7423F4}" type="datetimeFigureOut">
               <a:rPr lang="ko-KR" altLang="en-US" smtClean="0"/>
-              <a:t>2026-01-06</a:t>
+              <a:t>2026-01-08</a:t>
             </a:fld>
             <a:endParaRPr lang="ko-KR" altLang="en-US"/>
           </a:p>
@@ -2818,7 +2818,7 @@
           <a:p>
             <a:fld id="{AFE642E8-9A08-43B7-9C9C-D45DDC7423F4}" type="datetimeFigureOut">
               <a:rPr lang="ko-KR" altLang="en-US" smtClean="0"/>
-              <a:t>2026-01-06</a:t>
+              <a:t>2026-01-08</a:t>
             </a:fld>
             <a:endParaRPr lang="ko-KR" altLang="en-US"/>
           </a:p>
@@ -3106,7 +3106,7 @@
           <a:p>
             <a:fld id="{AFE642E8-9A08-43B7-9C9C-D45DDC7423F4}" type="datetimeFigureOut">
               <a:rPr lang="ko-KR" altLang="en-US" smtClean="0"/>
-              <a:t>2026-01-06</a:t>
+              <a:t>2026-01-08</a:t>
             </a:fld>
             <a:endParaRPr lang="ko-KR" altLang="en-US"/>
           </a:p>
@@ -3347,7 +3347,7 @@
           <a:p>
             <a:fld id="{AFE642E8-9A08-43B7-9C9C-D45DDC7423F4}" type="datetimeFigureOut">
               <a:rPr lang="ko-KR" altLang="en-US" smtClean="0"/>
-              <a:t>2026-01-06</a:t>
+              <a:t>2026-01-08</a:t>
             </a:fld>
             <a:endParaRPr lang="ko-KR" altLang="en-US"/>
           </a:p>
@@ -13284,7 +13284,7 @@
         </p:blipFill>
         <p:spPr>
           <a:xfrm>
-            <a:off x="2137228" y="0"/>
+            <a:off x="2151776" y="0"/>
             <a:ext cx="7917543" cy="6858000"/>
           </a:xfrm>
           <a:prstGeom prst="rect">
@@ -13306,8 +13306,8 @@
         </p:nvSpPr>
         <p:spPr>
           <a:xfrm>
-            <a:off x="5336970" y="4594519"/>
-            <a:ext cx="1298071" cy="1553001"/>
+            <a:off x="5263456" y="4594519"/>
+            <a:ext cx="1620670" cy="1553001"/>
           </a:xfrm>
           <a:prstGeom prst="rect">
             <a:avLst/>
@@ -13358,7 +13358,7 @@
         </p:nvSpPr>
         <p:spPr>
           <a:xfrm>
-            <a:off x="5515100" y="4768129"/>
+            <a:off x="5468801" y="4749885"/>
             <a:ext cx="123573" cy="123573"/>
           </a:xfrm>
           <a:prstGeom prst="ellipse">
@@ -13410,319 +13410,7 @@
         </p:nvSpPr>
         <p:spPr>
           <a:xfrm>
-            <a:off x="5511244" y="4931375"/>
-            <a:ext cx="123573" cy="123573"/>
-          </a:xfrm>
-          <a:prstGeom prst="ellipse">
-            <a:avLst/>
-          </a:prstGeom>
-          <a:noFill/>
-          <a:ln>
-            <a:solidFill>
-              <a:srgbClr val="FFFF00"/>
-            </a:solidFill>
-          </a:ln>
-        </p:spPr>
-        <p:style>
-          <a:lnRef idx="2">
-            <a:schemeClr val="accent1">
-              <a:shade val="15000"/>
-            </a:schemeClr>
-          </a:lnRef>
-          <a:fillRef idx="1">
-            <a:schemeClr val="accent1"/>
-          </a:fillRef>
-          <a:effectRef idx="0">
-            <a:schemeClr val="accent1"/>
-          </a:effectRef>
-          <a:fontRef idx="minor">
-            <a:schemeClr val="lt1"/>
-          </a:fontRef>
-        </p:style>
-        <p:txBody>
-          <a:bodyPr rtlCol="0" anchor="ctr"/>
-          <a:lstStyle/>
-          <a:p>
-            <a:pPr algn="ctr"/>
-            <a:endParaRPr lang="ko-KR" altLang="en-US"/>
-          </a:p>
-        </p:txBody>
-      </p:sp>
-      <p:sp>
-        <p:nvSpPr>
-          <p:cNvPr id="6" name="타원 5">
-            <a:extLst>
-              <a:ext uri="{FF2B5EF4-FFF2-40B4-BE49-F238E27FC236}">
-                <a16:creationId xmlns:a16="http://schemas.microsoft.com/office/drawing/2014/main" id="{382083E6-FF0B-4AA8-7AFF-7ED847491475}"/>
-              </a:ext>
-            </a:extLst>
-          </p:cNvPr>
-          <p:cNvSpPr/>
-          <p:nvPr/>
-        </p:nvSpPr>
-        <p:spPr>
-          <a:xfrm>
-            <a:off x="6375766" y="4759759"/>
-            <a:ext cx="123573" cy="123573"/>
-          </a:xfrm>
-          <a:prstGeom prst="ellipse">
-            <a:avLst/>
-          </a:prstGeom>
-          <a:noFill/>
-          <a:ln>
-            <a:solidFill>
-              <a:srgbClr val="FFFF00"/>
-            </a:solidFill>
-          </a:ln>
-        </p:spPr>
-        <p:style>
-          <a:lnRef idx="2">
-            <a:schemeClr val="accent1">
-              <a:shade val="15000"/>
-            </a:schemeClr>
-          </a:lnRef>
-          <a:fillRef idx="1">
-            <a:schemeClr val="accent1"/>
-          </a:fillRef>
-          <a:effectRef idx="0">
-            <a:schemeClr val="accent1"/>
-          </a:effectRef>
-          <a:fontRef idx="minor">
-            <a:schemeClr val="lt1"/>
-          </a:fontRef>
-        </p:style>
-        <p:txBody>
-          <a:bodyPr rtlCol="0" anchor="ctr"/>
-          <a:lstStyle/>
-          <a:p>
-            <a:pPr algn="ctr"/>
-            <a:endParaRPr lang="ko-KR" altLang="en-US"/>
-          </a:p>
-        </p:txBody>
-      </p:sp>
-      <p:sp>
-        <p:nvSpPr>
-          <p:cNvPr id="10" name="타원 9">
-            <a:extLst>
-              <a:ext uri="{FF2B5EF4-FFF2-40B4-BE49-F238E27FC236}">
-                <a16:creationId xmlns:a16="http://schemas.microsoft.com/office/drawing/2014/main" id="{FECB4160-A7C1-3DB5-37F1-2B0D8BF0BDA7}"/>
-              </a:ext>
-            </a:extLst>
-          </p:cNvPr>
-          <p:cNvSpPr/>
-          <p:nvPr/>
-        </p:nvSpPr>
-        <p:spPr>
-          <a:xfrm>
-            <a:off x="6371910" y="4923005"/>
-            <a:ext cx="123573" cy="123573"/>
-          </a:xfrm>
-          <a:prstGeom prst="ellipse">
-            <a:avLst/>
-          </a:prstGeom>
-          <a:noFill/>
-          <a:ln>
-            <a:solidFill>
-              <a:srgbClr val="FFFF00"/>
-            </a:solidFill>
-          </a:ln>
-        </p:spPr>
-        <p:style>
-          <a:lnRef idx="2">
-            <a:schemeClr val="accent1">
-              <a:shade val="15000"/>
-            </a:schemeClr>
-          </a:lnRef>
-          <a:fillRef idx="1">
-            <a:schemeClr val="accent1"/>
-          </a:fillRef>
-          <a:effectRef idx="0">
-            <a:schemeClr val="accent1"/>
-          </a:effectRef>
-          <a:fontRef idx="minor">
-            <a:schemeClr val="lt1"/>
-          </a:fontRef>
-        </p:style>
-        <p:txBody>
-          <a:bodyPr rtlCol="0" anchor="ctr"/>
-          <a:lstStyle/>
-          <a:p>
-            <a:pPr algn="ctr"/>
-            <a:endParaRPr lang="ko-KR" altLang="en-US"/>
-          </a:p>
-        </p:txBody>
-      </p:sp>
-      <p:sp>
-        <p:nvSpPr>
-          <p:cNvPr id="17" name="타원 16">
-            <a:extLst>
-              <a:ext uri="{FF2B5EF4-FFF2-40B4-BE49-F238E27FC236}">
-                <a16:creationId xmlns:a16="http://schemas.microsoft.com/office/drawing/2014/main" id="{414E1E7F-C74B-7233-67F4-0129A8D8965D}"/>
-              </a:ext>
-            </a:extLst>
-          </p:cNvPr>
-          <p:cNvSpPr/>
-          <p:nvPr/>
-        </p:nvSpPr>
-        <p:spPr>
-          <a:xfrm>
-            <a:off x="5502936" y="5735733"/>
-            <a:ext cx="123573" cy="123573"/>
-          </a:xfrm>
-          <a:prstGeom prst="ellipse">
-            <a:avLst/>
-          </a:prstGeom>
-          <a:noFill/>
-          <a:ln>
-            <a:solidFill>
-              <a:srgbClr val="FFFF00"/>
-            </a:solidFill>
-          </a:ln>
-        </p:spPr>
-        <p:style>
-          <a:lnRef idx="2">
-            <a:schemeClr val="accent1">
-              <a:shade val="15000"/>
-            </a:schemeClr>
-          </a:lnRef>
-          <a:fillRef idx="1">
-            <a:schemeClr val="accent1"/>
-          </a:fillRef>
-          <a:effectRef idx="0">
-            <a:schemeClr val="accent1"/>
-          </a:effectRef>
-          <a:fontRef idx="minor">
-            <a:schemeClr val="lt1"/>
-          </a:fontRef>
-        </p:style>
-        <p:txBody>
-          <a:bodyPr rtlCol="0" anchor="ctr"/>
-          <a:lstStyle/>
-          <a:p>
-            <a:pPr algn="ctr"/>
-            <a:endParaRPr lang="ko-KR" altLang="en-US"/>
-          </a:p>
-        </p:txBody>
-      </p:sp>
-      <p:sp>
-        <p:nvSpPr>
-          <p:cNvPr id="22" name="타원 21">
-            <a:extLst>
-              <a:ext uri="{FF2B5EF4-FFF2-40B4-BE49-F238E27FC236}">
-                <a16:creationId xmlns:a16="http://schemas.microsoft.com/office/drawing/2014/main" id="{0CD700B4-AF58-F880-7E62-1CF5F2B7E346}"/>
-              </a:ext>
-            </a:extLst>
-          </p:cNvPr>
-          <p:cNvSpPr/>
-          <p:nvPr/>
-        </p:nvSpPr>
-        <p:spPr>
-          <a:xfrm>
-            <a:off x="5499080" y="5898979"/>
-            <a:ext cx="123573" cy="123573"/>
-          </a:xfrm>
-          <a:prstGeom prst="ellipse">
-            <a:avLst/>
-          </a:prstGeom>
-          <a:noFill/>
-          <a:ln>
-            <a:solidFill>
-              <a:srgbClr val="FFFF00"/>
-            </a:solidFill>
-          </a:ln>
-        </p:spPr>
-        <p:style>
-          <a:lnRef idx="2">
-            <a:schemeClr val="accent1">
-              <a:shade val="15000"/>
-            </a:schemeClr>
-          </a:lnRef>
-          <a:fillRef idx="1">
-            <a:schemeClr val="accent1"/>
-          </a:fillRef>
-          <a:effectRef idx="0">
-            <a:schemeClr val="accent1"/>
-          </a:effectRef>
-          <a:fontRef idx="minor">
-            <a:schemeClr val="lt1"/>
-          </a:fontRef>
-        </p:style>
-        <p:txBody>
-          <a:bodyPr rtlCol="0" anchor="ctr"/>
-          <a:lstStyle/>
-          <a:p>
-            <a:pPr algn="ctr"/>
-            <a:endParaRPr lang="ko-KR" altLang="en-US"/>
-          </a:p>
-        </p:txBody>
-      </p:sp>
-      <p:sp>
-        <p:nvSpPr>
-          <p:cNvPr id="27" name="타원 26">
-            <a:extLst>
-              <a:ext uri="{FF2B5EF4-FFF2-40B4-BE49-F238E27FC236}">
-                <a16:creationId xmlns:a16="http://schemas.microsoft.com/office/drawing/2014/main" id="{55D14C1F-02E1-32E7-9635-671CB8C976D5}"/>
-              </a:ext>
-            </a:extLst>
-          </p:cNvPr>
-          <p:cNvSpPr/>
-          <p:nvPr/>
-        </p:nvSpPr>
-        <p:spPr>
-          <a:xfrm>
-            <a:off x="6363602" y="5727363"/>
-            <a:ext cx="123573" cy="123573"/>
-          </a:xfrm>
-          <a:prstGeom prst="ellipse">
-            <a:avLst/>
-          </a:prstGeom>
-          <a:noFill/>
-          <a:ln>
-            <a:solidFill>
-              <a:srgbClr val="FFFF00"/>
-            </a:solidFill>
-          </a:ln>
-        </p:spPr>
-        <p:style>
-          <a:lnRef idx="2">
-            <a:schemeClr val="accent1">
-              <a:shade val="15000"/>
-            </a:schemeClr>
-          </a:lnRef>
-          <a:fillRef idx="1">
-            <a:schemeClr val="accent1"/>
-          </a:fillRef>
-          <a:effectRef idx="0">
-            <a:schemeClr val="accent1"/>
-          </a:effectRef>
-          <a:fontRef idx="minor">
-            <a:schemeClr val="lt1"/>
-          </a:fontRef>
-        </p:style>
-        <p:txBody>
-          <a:bodyPr rtlCol="0" anchor="ctr"/>
-          <a:lstStyle/>
-          <a:p>
-            <a:pPr algn="ctr"/>
-            <a:endParaRPr lang="ko-KR" altLang="en-US"/>
-          </a:p>
-        </p:txBody>
-      </p:sp>
-      <p:sp>
-        <p:nvSpPr>
-          <p:cNvPr id="31" name="타원 30">
-            <a:extLst>
-              <a:ext uri="{FF2B5EF4-FFF2-40B4-BE49-F238E27FC236}">
-                <a16:creationId xmlns:a16="http://schemas.microsoft.com/office/drawing/2014/main" id="{E47D58CB-E3F6-B3D9-8A26-E55C228BBDB8}"/>
-              </a:ext>
-            </a:extLst>
-          </p:cNvPr>
-          <p:cNvSpPr/>
-          <p:nvPr/>
-        </p:nvSpPr>
-        <p:spPr>
-          <a:xfrm>
-            <a:off x="6359746" y="5890609"/>
+            <a:off x="5619080" y="4746697"/>
             <a:ext cx="123573" cy="123573"/>
           </a:xfrm>
           <a:prstGeom prst="ellipse">
@@ -14043,41 +13731,38 @@
           <a:p>
             <a:pPr algn="ctr"/>
             <a:r>
+              <a:rPr lang="en-US" altLang="ko-KR" sz="1200" dirty="0"/>
+              <a:t>&lt;</a:t>
+            </a:r>
+            <a:r>
+              <a:rPr lang="ko-KR" altLang="en-US" sz="1200" dirty="0" err="1"/>
+              <a:t>벽등</a:t>
+            </a:r>
+            <a:r>
+              <a:rPr lang="en-US" altLang="ko-KR" sz="1200" dirty="0"/>
+              <a:t>&gt;</a:t>
+            </a:r>
+          </a:p>
+          <a:p>
+            <a:pPr algn="ctr"/>
+            <a:r>
               <a:rPr lang="ko-KR" altLang="en-US" sz="1200" dirty="0"/>
               <a:t>벽에서 </a:t>
             </a:r>
             <a:r>
               <a:rPr lang="en-US" altLang="ko-KR" sz="1200" dirty="0"/>
-              <a:t>190mm/</a:t>
-            </a:r>
-          </a:p>
-          <a:p>
-            <a:pPr algn="ctr"/>
-            <a:r>
-              <a:rPr lang="ko-KR" altLang="en-US" sz="1200" dirty="0"/>
-              <a:t>커튼박스 안쪽</a:t>
-            </a:r>
-            <a:r>
-              <a:rPr lang="en-US" altLang="ko-KR" sz="1200" dirty="0"/>
-              <a:t>~</a:t>
-            </a:r>
-            <a:r>
-              <a:rPr lang="ko-KR" altLang="en-US" sz="1200" dirty="0" err="1"/>
-              <a:t>월패드</a:t>
-            </a:r>
-            <a:r>
-              <a:rPr lang="ko-KR" altLang="en-US" sz="1200" dirty="0"/>
-              <a:t> 중심 </a:t>
-            </a:r>
+              <a:t>190mm</a:t>
+            </a:r>
+            <a:endParaRPr lang="ko-KR" altLang="en-US" sz="1200" dirty="0"/>
           </a:p>
         </p:txBody>
       </p:sp>
       <p:pic>
         <p:nvPicPr>
-          <p:cNvPr id="62" name="그림 61" descr="텍스트, 스크린샷, 폰트, 소프트웨어이(가) 표시된 사진&#10;&#10;AI 생성 콘텐츠는 정확하지 않을 수 있습니다.">
-            <a:extLst>
-              <a:ext uri="{FF2B5EF4-FFF2-40B4-BE49-F238E27FC236}">
-                <a16:creationId xmlns:a16="http://schemas.microsoft.com/office/drawing/2014/main" id="{9778DC93-099B-66FA-2D2C-B4E235D7435B}"/>
+          <p:cNvPr id="8" name="그림 7" descr="텍스트, 원, 헤드폰, 디자인이(가) 표시된 사진&#10;&#10;AI 생성 콘텐츠는 정확하지 않을 수 있습니다.">
+            <a:extLst>
+              <a:ext uri="{FF2B5EF4-FFF2-40B4-BE49-F238E27FC236}">
+                <a16:creationId xmlns:a16="http://schemas.microsoft.com/office/drawing/2014/main" id="{892162BF-B7A0-0574-0F0A-D59035A2505A}"/>
               </a:ext>
             </a:extLst>
           </p:cNvPr>
@@ -14094,8 +13779,8 @@
         </p:blipFill>
         <p:spPr>
           <a:xfrm>
-            <a:off x="7899400" y="514351"/>
-            <a:ext cx="3116193" cy="2826208"/>
+            <a:off x="165254" y="110424"/>
+            <a:ext cx="1840687" cy="2520805"/>
           </a:xfrm>
           <a:prstGeom prst="rect">
             <a:avLst/>
@@ -14104,10 +13789,10 @@
       </p:pic>
       <p:pic>
         <p:nvPicPr>
-          <p:cNvPr id="8" name="그림 7" descr="텍스트, 원, 헤드폰, 디자인이(가) 표시된 사진&#10;&#10;AI 생성 콘텐츠는 정확하지 않을 수 있습니다.">
-            <a:extLst>
-              <a:ext uri="{FF2B5EF4-FFF2-40B4-BE49-F238E27FC236}">
-                <a16:creationId xmlns:a16="http://schemas.microsoft.com/office/drawing/2014/main" id="{892162BF-B7A0-0574-0F0A-D59035A2505A}"/>
+          <p:cNvPr id="11" name="그림 10" descr="텍스트, 스크린샷, 원, 디자인이(가) 표시된 사진&#10;&#10;AI 생성 콘텐츠는 정확하지 않을 수 있습니다.">
+            <a:extLst>
+              <a:ext uri="{FF2B5EF4-FFF2-40B4-BE49-F238E27FC236}">
+                <a16:creationId xmlns:a16="http://schemas.microsoft.com/office/drawing/2014/main" id="{3A0E830A-CC96-8511-8171-88E88359CAEF}"/>
               </a:ext>
             </a:extLst>
           </p:cNvPr>
@@ -14124,44 +13809,934 @@
         </p:blipFill>
         <p:spPr>
           <a:xfrm>
-            <a:off x="2867678" y="3252126"/>
-            <a:ext cx="1703001" cy="2332245"/>
+            <a:off x="10168221" y="110424"/>
+            <a:ext cx="1858525" cy="2512038"/>
           </a:xfrm>
           <a:prstGeom prst="rect">
             <a:avLst/>
           </a:prstGeom>
         </p:spPr>
       </p:pic>
-      <p:pic>
-        <p:nvPicPr>
-          <p:cNvPr id="11" name="그림 10" descr="텍스트, 스크린샷, 원, 디자인이(가) 표시된 사진&#10;&#10;AI 생성 콘텐츠는 정확하지 않을 수 있습니다.">
-            <a:extLst>
-              <a:ext uri="{FF2B5EF4-FFF2-40B4-BE49-F238E27FC236}">
-                <a16:creationId xmlns:a16="http://schemas.microsoft.com/office/drawing/2014/main" id="{3A0E830A-CC96-8511-8171-88E88359CAEF}"/>
-              </a:ext>
-            </a:extLst>
-          </p:cNvPr>
-          <p:cNvPicPr>
-            <a:picLocks noChangeAspect="1"/>
-          </p:cNvPicPr>
-          <p:nvPr/>
-        </p:nvPicPr>
-        <p:blipFill>
-          <a:blip r:embed="rId6"/>
-          <a:stretch>
-            <a:fillRect/>
-          </a:stretch>
-        </p:blipFill>
-        <p:spPr>
-          <a:xfrm>
-            <a:off x="7401332" y="3338075"/>
-            <a:ext cx="1598326" cy="2160345"/>
+      <p:sp>
+        <p:nvSpPr>
+          <p:cNvPr id="7" name="타원 6">
+            <a:extLst>
+              <a:ext uri="{FF2B5EF4-FFF2-40B4-BE49-F238E27FC236}">
+                <a16:creationId xmlns:a16="http://schemas.microsoft.com/office/drawing/2014/main" id="{80E7B5EE-D2A4-D1B5-3FCD-D07B138326C8}"/>
+              </a:ext>
+            </a:extLst>
+          </p:cNvPr>
+          <p:cNvSpPr/>
+          <p:nvPr/>
+        </p:nvSpPr>
+        <p:spPr>
+          <a:xfrm>
+            <a:off x="5764949" y="4748880"/>
+            <a:ext cx="123573" cy="123573"/>
+          </a:xfrm>
+          <a:prstGeom prst="ellipse">
+            <a:avLst/>
+          </a:prstGeom>
+          <a:noFill/>
+          <a:ln>
+            <a:solidFill>
+              <a:srgbClr val="FFFF00"/>
+            </a:solidFill>
+          </a:ln>
+        </p:spPr>
+        <p:style>
+          <a:lnRef idx="2">
+            <a:schemeClr val="accent1">
+              <a:shade val="15000"/>
+            </a:schemeClr>
+          </a:lnRef>
+          <a:fillRef idx="1">
+            <a:schemeClr val="accent1"/>
+          </a:fillRef>
+          <a:effectRef idx="0">
+            <a:schemeClr val="accent1"/>
+          </a:effectRef>
+          <a:fontRef idx="minor">
+            <a:schemeClr val="lt1"/>
+          </a:fontRef>
+        </p:style>
+        <p:txBody>
+          <a:bodyPr rtlCol="0" anchor="ctr"/>
+          <a:lstStyle/>
+          <a:p>
+            <a:pPr algn="ctr"/>
+            <a:endParaRPr lang="ko-KR" altLang="en-US"/>
+          </a:p>
+        </p:txBody>
+      </p:sp>
+      <p:sp>
+        <p:nvSpPr>
+          <p:cNvPr id="9" name="타원 8">
+            <a:extLst>
+              <a:ext uri="{FF2B5EF4-FFF2-40B4-BE49-F238E27FC236}">
+                <a16:creationId xmlns:a16="http://schemas.microsoft.com/office/drawing/2014/main" id="{893FF99A-185B-DD04-D3A6-9CC06334BDAD}"/>
+              </a:ext>
+            </a:extLst>
+          </p:cNvPr>
+          <p:cNvSpPr/>
+          <p:nvPr/>
+        </p:nvSpPr>
+        <p:spPr>
+          <a:xfrm>
+            <a:off x="6325776" y="4749885"/>
+            <a:ext cx="123573" cy="123573"/>
+          </a:xfrm>
+          <a:prstGeom prst="ellipse">
+            <a:avLst/>
+          </a:prstGeom>
+          <a:noFill/>
+          <a:ln>
+            <a:solidFill>
+              <a:srgbClr val="FFFF00"/>
+            </a:solidFill>
+          </a:ln>
+        </p:spPr>
+        <p:style>
+          <a:lnRef idx="2">
+            <a:schemeClr val="accent1">
+              <a:shade val="15000"/>
+            </a:schemeClr>
+          </a:lnRef>
+          <a:fillRef idx="1">
+            <a:schemeClr val="accent1"/>
+          </a:fillRef>
+          <a:effectRef idx="0">
+            <a:schemeClr val="accent1"/>
+          </a:effectRef>
+          <a:fontRef idx="minor">
+            <a:schemeClr val="lt1"/>
+          </a:fontRef>
+        </p:style>
+        <p:txBody>
+          <a:bodyPr rtlCol="0" anchor="ctr"/>
+          <a:lstStyle/>
+          <a:p>
+            <a:pPr algn="ctr"/>
+            <a:endParaRPr lang="ko-KR" altLang="en-US"/>
+          </a:p>
+        </p:txBody>
+      </p:sp>
+      <p:sp>
+        <p:nvSpPr>
+          <p:cNvPr id="12" name="타원 11">
+            <a:extLst>
+              <a:ext uri="{FF2B5EF4-FFF2-40B4-BE49-F238E27FC236}">
+                <a16:creationId xmlns:a16="http://schemas.microsoft.com/office/drawing/2014/main" id="{B33E7FCA-3F1B-2D05-035E-D19EEB4D85D3}"/>
+              </a:ext>
+            </a:extLst>
+          </p:cNvPr>
+          <p:cNvSpPr/>
+          <p:nvPr/>
+        </p:nvSpPr>
+        <p:spPr>
+          <a:xfrm>
+            <a:off x="6476055" y="4746697"/>
+            <a:ext cx="123573" cy="123573"/>
+          </a:xfrm>
+          <a:prstGeom prst="ellipse">
+            <a:avLst/>
+          </a:prstGeom>
+          <a:noFill/>
+          <a:ln>
+            <a:solidFill>
+              <a:srgbClr val="FFFF00"/>
+            </a:solidFill>
+          </a:ln>
+        </p:spPr>
+        <p:style>
+          <a:lnRef idx="2">
+            <a:schemeClr val="accent1">
+              <a:shade val="15000"/>
+            </a:schemeClr>
+          </a:lnRef>
+          <a:fillRef idx="1">
+            <a:schemeClr val="accent1"/>
+          </a:fillRef>
+          <a:effectRef idx="0">
+            <a:schemeClr val="accent1"/>
+          </a:effectRef>
+          <a:fontRef idx="minor">
+            <a:schemeClr val="lt1"/>
+          </a:fontRef>
+        </p:style>
+        <p:txBody>
+          <a:bodyPr rtlCol="0" anchor="ctr"/>
+          <a:lstStyle/>
+          <a:p>
+            <a:pPr algn="ctr"/>
+            <a:endParaRPr lang="ko-KR" altLang="en-US"/>
+          </a:p>
+        </p:txBody>
+      </p:sp>
+      <p:sp>
+        <p:nvSpPr>
+          <p:cNvPr id="13" name="타원 12">
+            <a:extLst>
+              <a:ext uri="{FF2B5EF4-FFF2-40B4-BE49-F238E27FC236}">
+                <a16:creationId xmlns:a16="http://schemas.microsoft.com/office/drawing/2014/main" id="{D9E76F61-FC74-4E1F-443C-BA52A7D62E4D}"/>
+              </a:ext>
+            </a:extLst>
+          </p:cNvPr>
+          <p:cNvSpPr/>
+          <p:nvPr/>
+        </p:nvSpPr>
+        <p:spPr>
+          <a:xfrm>
+            <a:off x="6621924" y="4748880"/>
+            <a:ext cx="123573" cy="123573"/>
+          </a:xfrm>
+          <a:prstGeom prst="ellipse">
+            <a:avLst/>
+          </a:prstGeom>
+          <a:noFill/>
+          <a:ln>
+            <a:solidFill>
+              <a:srgbClr val="FFFF00"/>
+            </a:solidFill>
+          </a:ln>
+        </p:spPr>
+        <p:style>
+          <a:lnRef idx="2">
+            <a:schemeClr val="accent1">
+              <a:shade val="15000"/>
+            </a:schemeClr>
+          </a:lnRef>
+          <a:fillRef idx="1">
+            <a:schemeClr val="accent1"/>
+          </a:fillRef>
+          <a:effectRef idx="0">
+            <a:schemeClr val="accent1"/>
+          </a:effectRef>
+          <a:fontRef idx="minor">
+            <a:schemeClr val="lt1"/>
+          </a:fontRef>
+        </p:style>
+        <p:txBody>
+          <a:bodyPr rtlCol="0" anchor="ctr"/>
+          <a:lstStyle/>
+          <a:p>
+            <a:pPr algn="ctr"/>
+            <a:endParaRPr lang="ko-KR" altLang="en-US"/>
+          </a:p>
+        </p:txBody>
+      </p:sp>
+      <p:sp>
+        <p:nvSpPr>
+          <p:cNvPr id="18" name="타원 17">
+            <a:extLst>
+              <a:ext uri="{FF2B5EF4-FFF2-40B4-BE49-F238E27FC236}">
+                <a16:creationId xmlns:a16="http://schemas.microsoft.com/office/drawing/2014/main" id="{5923B270-AB13-D1C3-E86E-0BC399402757}"/>
+              </a:ext>
+            </a:extLst>
+          </p:cNvPr>
+          <p:cNvSpPr/>
+          <p:nvPr/>
+        </p:nvSpPr>
+        <p:spPr>
+          <a:xfrm>
+            <a:off x="5431791" y="5868934"/>
+            <a:ext cx="123573" cy="123573"/>
+          </a:xfrm>
+          <a:prstGeom prst="ellipse">
+            <a:avLst/>
+          </a:prstGeom>
+          <a:noFill/>
+          <a:ln>
+            <a:solidFill>
+              <a:srgbClr val="FFFF00"/>
+            </a:solidFill>
+          </a:ln>
+        </p:spPr>
+        <p:style>
+          <a:lnRef idx="2">
+            <a:schemeClr val="accent1">
+              <a:shade val="15000"/>
+            </a:schemeClr>
+          </a:lnRef>
+          <a:fillRef idx="1">
+            <a:schemeClr val="accent1"/>
+          </a:fillRef>
+          <a:effectRef idx="0">
+            <a:schemeClr val="accent1"/>
+          </a:effectRef>
+          <a:fontRef idx="minor">
+            <a:schemeClr val="lt1"/>
+          </a:fontRef>
+        </p:style>
+        <p:txBody>
+          <a:bodyPr rtlCol="0" anchor="ctr"/>
+          <a:lstStyle/>
+          <a:p>
+            <a:pPr algn="ctr"/>
+            <a:endParaRPr lang="ko-KR" altLang="en-US"/>
+          </a:p>
+        </p:txBody>
+      </p:sp>
+      <p:sp>
+        <p:nvSpPr>
+          <p:cNvPr id="19" name="타원 18">
+            <a:extLst>
+              <a:ext uri="{FF2B5EF4-FFF2-40B4-BE49-F238E27FC236}">
+                <a16:creationId xmlns:a16="http://schemas.microsoft.com/office/drawing/2014/main" id="{7BF06E7F-9898-DE89-A933-32AA0513942C}"/>
+              </a:ext>
+            </a:extLst>
+          </p:cNvPr>
+          <p:cNvSpPr/>
+          <p:nvPr/>
+        </p:nvSpPr>
+        <p:spPr>
+          <a:xfrm>
+            <a:off x="5582070" y="5865746"/>
+            <a:ext cx="123573" cy="123573"/>
+          </a:xfrm>
+          <a:prstGeom prst="ellipse">
+            <a:avLst/>
+          </a:prstGeom>
+          <a:noFill/>
+          <a:ln>
+            <a:solidFill>
+              <a:srgbClr val="FFFF00"/>
+            </a:solidFill>
+          </a:ln>
+        </p:spPr>
+        <p:style>
+          <a:lnRef idx="2">
+            <a:schemeClr val="accent1">
+              <a:shade val="15000"/>
+            </a:schemeClr>
+          </a:lnRef>
+          <a:fillRef idx="1">
+            <a:schemeClr val="accent1"/>
+          </a:fillRef>
+          <a:effectRef idx="0">
+            <a:schemeClr val="accent1"/>
+          </a:effectRef>
+          <a:fontRef idx="minor">
+            <a:schemeClr val="lt1"/>
+          </a:fontRef>
+        </p:style>
+        <p:txBody>
+          <a:bodyPr rtlCol="0" anchor="ctr"/>
+          <a:lstStyle/>
+          <a:p>
+            <a:pPr algn="ctr"/>
+            <a:endParaRPr lang="ko-KR" altLang="en-US"/>
+          </a:p>
+        </p:txBody>
+      </p:sp>
+      <p:sp>
+        <p:nvSpPr>
+          <p:cNvPr id="20" name="타원 19">
+            <a:extLst>
+              <a:ext uri="{FF2B5EF4-FFF2-40B4-BE49-F238E27FC236}">
+                <a16:creationId xmlns:a16="http://schemas.microsoft.com/office/drawing/2014/main" id="{E200A28D-7B84-0B27-D6BB-690BC5ED2B48}"/>
+              </a:ext>
+            </a:extLst>
+          </p:cNvPr>
+          <p:cNvSpPr/>
+          <p:nvPr/>
+        </p:nvSpPr>
+        <p:spPr>
+          <a:xfrm>
+            <a:off x="5727939" y="5867929"/>
+            <a:ext cx="123573" cy="123573"/>
+          </a:xfrm>
+          <a:prstGeom prst="ellipse">
+            <a:avLst/>
+          </a:prstGeom>
+          <a:noFill/>
+          <a:ln>
+            <a:solidFill>
+              <a:srgbClr val="FFFF00"/>
+            </a:solidFill>
+          </a:ln>
+        </p:spPr>
+        <p:style>
+          <a:lnRef idx="2">
+            <a:schemeClr val="accent1">
+              <a:shade val="15000"/>
+            </a:schemeClr>
+          </a:lnRef>
+          <a:fillRef idx="1">
+            <a:schemeClr val="accent1"/>
+          </a:fillRef>
+          <a:effectRef idx="0">
+            <a:schemeClr val="accent1"/>
+          </a:effectRef>
+          <a:fontRef idx="minor">
+            <a:schemeClr val="lt1"/>
+          </a:fontRef>
+        </p:style>
+        <p:txBody>
+          <a:bodyPr rtlCol="0" anchor="ctr"/>
+          <a:lstStyle/>
+          <a:p>
+            <a:pPr algn="ctr"/>
+            <a:endParaRPr lang="ko-KR" altLang="en-US"/>
+          </a:p>
+        </p:txBody>
+      </p:sp>
+      <p:sp>
+        <p:nvSpPr>
+          <p:cNvPr id="29" name="타원 28">
+            <a:extLst>
+              <a:ext uri="{FF2B5EF4-FFF2-40B4-BE49-F238E27FC236}">
+                <a16:creationId xmlns:a16="http://schemas.microsoft.com/office/drawing/2014/main" id="{C5B71BCC-BF17-2A9E-F8C0-56F47343D1E1}"/>
+              </a:ext>
+            </a:extLst>
+          </p:cNvPr>
+          <p:cNvSpPr/>
+          <p:nvPr/>
+        </p:nvSpPr>
+        <p:spPr>
+          <a:xfrm>
+            <a:off x="6326596" y="5881994"/>
+            <a:ext cx="123573" cy="123573"/>
+          </a:xfrm>
+          <a:prstGeom prst="ellipse">
+            <a:avLst/>
+          </a:prstGeom>
+          <a:noFill/>
+          <a:ln>
+            <a:solidFill>
+              <a:srgbClr val="FFFF00"/>
+            </a:solidFill>
+          </a:ln>
+        </p:spPr>
+        <p:style>
+          <a:lnRef idx="2">
+            <a:schemeClr val="accent1">
+              <a:shade val="15000"/>
+            </a:schemeClr>
+          </a:lnRef>
+          <a:fillRef idx="1">
+            <a:schemeClr val="accent1"/>
+          </a:fillRef>
+          <a:effectRef idx="0">
+            <a:schemeClr val="accent1"/>
+          </a:effectRef>
+          <a:fontRef idx="minor">
+            <a:schemeClr val="lt1"/>
+          </a:fontRef>
+        </p:style>
+        <p:txBody>
+          <a:bodyPr rtlCol="0" anchor="ctr"/>
+          <a:lstStyle/>
+          <a:p>
+            <a:pPr algn="ctr"/>
+            <a:endParaRPr lang="ko-KR" altLang="en-US"/>
+          </a:p>
+        </p:txBody>
+      </p:sp>
+      <p:sp>
+        <p:nvSpPr>
+          <p:cNvPr id="30" name="타원 29">
+            <a:extLst>
+              <a:ext uri="{FF2B5EF4-FFF2-40B4-BE49-F238E27FC236}">
+                <a16:creationId xmlns:a16="http://schemas.microsoft.com/office/drawing/2014/main" id="{6521FDD0-461B-8657-31AE-BB8644719E68}"/>
+              </a:ext>
+            </a:extLst>
+          </p:cNvPr>
+          <p:cNvSpPr/>
+          <p:nvPr/>
+        </p:nvSpPr>
+        <p:spPr>
+          <a:xfrm>
+            <a:off x="6476875" y="5878806"/>
+            <a:ext cx="123573" cy="123573"/>
+          </a:xfrm>
+          <a:prstGeom prst="ellipse">
+            <a:avLst/>
+          </a:prstGeom>
+          <a:noFill/>
+          <a:ln>
+            <a:solidFill>
+              <a:srgbClr val="FFFF00"/>
+            </a:solidFill>
+          </a:ln>
+        </p:spPr>
+        <p:style>
+          <a:lnRef idx="2">
+            <a:schemeClr val="accent1">
+              <a:shade val="15000"/>
+            </a:schemeClr>
+          </a:lnRef>
+          <a:fillRef idx="1">
+            <a:schemeClr val="accent1"/>
+          </a:fillRef>
+          <a:effectRef idx="0">
+            <a:schemeClr val="accent1"/>
+          </a:effectRef>
+          <a:fontRef idx="minor">
+            <a:schemeClr val="lt1"/>
+          </a:fontRef>
+        </p:style>
+        <p:txBody>
+          <a:bodyPr rtlCol="0" anchor="ctr"/>
+          <a:lstStyle/>
+          <a:p>
+            <a:pPr algn="ctr"/>
+            <a:endParaRPr lang="ko-KR" altLang="en-US"/>
+          </a:p>
+        </p:txBody>
+      </p:sp>
+      <p:sp>
+        <p:nvSpPr>
+          <p:cNvPr id="32" name="타원 31">
+            <a:extLst>
+              <a:ext uri="{FF2B5EF4-FFF2-40B4-BE49-F238E27FC236}">
+                <a16:creationId xmlns:a16="http://schemas.microsoft.com/office/drawing/2014/main" id="{BF481980-3EDB-C69F-5E3C-083F8A37E0CB}"/>
+              </a:ext>
+            </a:extLst>
+          </p:cNvPr>
+          <p:cNvSpPr/>
+          <p:nvPr/>
+        </p:nvSpPr>
+        <p:spPr>
+          <a:xfrm>
+            <a:off x="6622744" y="5880989"/>
+            <a:ext cx="123573" cy="123573"/>
+          </a:xfrm>
+          <a:prstGeom prst="ellipse">
+            <a:avLst/>
+          </a:prstGeom>
+          <a:noFill/>
+          <a:ln>
+            <a:solidFill>
+              <a:srgbClr val="FFFF00"/>
+            </a:solidFill>
+          </a:ln>
+        </p:spPr>
+        <p:style>
+          <a:lnRef idx="2">
+            <a:schemeClr val="accent1">
+              <a:shade val="15000"/>
+            </a:schemeClr>
+          </a:lnRef>
+          <a:fillRef idx="1">
+            <a:schemeClr val="accent1"/>
+          </a:fillRef>
+          <a:effectRef idx="0">
+            <a:schemeClr val="accent1"/>
+          </a:effectRef>
+          <a:fontRef idx="minor">
+            <a:schemeClr val="lt1"/>
+          </a:fontRef>
+        </p:style>
+        <p:txBody>
+          <a:bodyPr rtlCol="0" anchor="ctr"/>
+          <a:lstStyle/>
+          <a:p>
+            <a:pPr algn="ctr"/>
+            <a:endParaRPr lang="ko-KR" altLang="en-US"/>
+          </a:p>
+        </p:txBody>
+      </p:sp>
+      <p:sp>
+        <p:nvSpPr>
+          <p:cNvPr id="36" name="직사각형 35">
+            <a:extLst>
+              <a:ext uri="{FF2B5EF4-FFF2-40B4-BE49-F238E27FC236}">
+                <a16:creationId xmlns:a16="http://schemas.microsoft.com/office/drawing/2014/main" id="{CC2392FC-F287-224F-B27C-84F481C4E2DB}"/>
+              </a:ext>
+            </a:extLst>
+          </p:cNvPr>
+          <p:cNvSpPr/>
+          <p:nvPr/>
+        </p:nvSpPr>
+        <p:spPr>
+          <a:xfrm>
+            <a:off x="10475354" y="4870270"/>
+            <a:ext cx="1598326" cy="590817"/>
           </a:xfrm>
           <a:prstGeom prst="rect">
             <a:avLst/>
           </a:prstGeom>
         </p:spPr>
-      </p:pic>
+        <p:style>
+          <a:lnRef idx="2">
+            <a:schemeClr val="accent4">
+              <a:shade val="15000"/>
+            </a:schemeClr>
+          </a:lnRef>
+          <a:fillRef idx="1">
+            <a:schemeClr val="accent4"/>
+          </a:fillRef>
+          <a:effectRef idx="0">
+            <a:schemeClr val="accent4"/>
+          </a:effectRef>
+          <a:fontRef idx="minor">
+            <a:schemeClr val="lt1"/>
+          </a:fontRef>
+        </p:style>
+        <p:txBody>
+          <a:bodyPr rtlCol="0" anchor="ctr"/>
+          <a:lstStyle/>
+          <a:p>
+            <a:pPr algn="ctr"/>
+            <a:r>
+              <a:rPr lang="ko-KR" altLang="en-US" sz="1200" dirty="0" err="1"/>
+              <a:t>실링팬</a:t>
+            </a:r>
+            <a:r>
+              <a:rPr lang="ko-KR" altLang="en-US" sz="1200" dirty="0"/>
+              <a:t> 상시 전원 연결</a:t>
+            </a:r>
+          </a:p>
+        </p:txBody>
+      </p:sp>
+      <p:sp>
+        <p:nvSpPr>
+          <p:cNvPr id="40" name="직사각형 39">
+            <a:extLst>
+              <a:ext uri="{FF2B5EF4-FFF2-40B4-BE49-F238E27FC236}">
+                <a16:creationId xmlns:a16="http://schemas.microsoft.com/office/drawing/2014/main" id="{ECAD5888-8C97-F509-0D49-1A704BAA0355}"/>
+              </a:ext>
+            </a:extLst>
+          </p:cNvPr>
+          <p:cNvSpPr/>
+          <p:nvPr/>
+        </p:nvSpPr>
+        <p:spPr>
+          <a:xfrm>
+            <a:off x="10215154" y="3613867"/>
+            <a:ext cx="1858526" cy="1058453"/>
+          </a:xfrm>
+          <a:prstGeom prst="rect">
+            <a:avLst/>
+          </a:prstGeom>
+        </p:spPr>
+        <p:style>
+          <a:lnRef idx="2">
+            <a:schemeClr val="accent4">
+              <a:shade val="15000"/>
+            </a:schemeClr>
+          </a:lnRef>
+          <a:fillRef idx="1">
+            <a:schemeClr val="accent4"/>
+          </a:fillRef>
+          <a:effectRef idx="0">
+            <a:schemeClr val="accent4"/>
+          </a:effectRef>
+          <a:fontRef idx="minor">
+            <a:schemeClr val="lt1"/>
+          </a:fontRef>
+        </p:style>
+        <p:txBody>
+          <a:bodyPr rtlCol="0" anchor="ctr"/>
+          <a:lstStyle/>
+          <a:p>
+            <a:pPr algn="ctr"/>
+            <a:r>
+              <a:rPr lang="en-US" altLang="ko-KR" sz="1200" dirty="0"/>
+              <a:t>&lt;</a:t>
+            </a:r>
+            <a:r>
+              <a:rPr lang="ko-KR" altLang="en-US" sz="1200" dirty="0"/>
+              <a:t>스위치</a:t>
+            </a:r>
+            <a:r>
+              <a:rPr lang="en-US" altLang="ko-KR" sz="1200" dirty="0"/>
+              <a:t>1&gt;</a:t>
+            </a:r>
+          </a:p>
+          <a:p>
+            <a:pPr algn="ctr"/>
+            <a:r>
+              <a:rPr lang="en-US" altLang="ko-KR" sz="1200" dirty="0"/>
+              <a:t>T5 </a:t>
+            </a:r>
+            <a:r>
+              <a:rPr lang="ko-KR" altLang="en-US" sz="1200" dirty="0"/>
+              <a:t>선 두개 </a:t>
+            </a:r>
+            <a:r>
+              <a:rPr lang="ko-KR" altLang="en-US" sz="1200" dirty="0" err="1"/>
+              <a:t>빼주세요</a:t>
+            </a:r>
+            <a:endParaRPr lang="en-US" altLang="ko-KR" sz="1200" dirty="0"/>
+          </a:p>
+          <a:p>
+            <a:pPr algn="ctr"/>
+            <a:r>
+              <a:rPr lang="en-US" altLang="ko-KR" sz="1200" dirty="0"/>
+              <a:t>(</a:t>
+            </a:r>
+            <a:r>
+              <a:rPr lang="ko-KR" altLang="en-US" sz="1200" dirty="0" err="1"/>
+              <a:t>ㄱ자</a:t>
+            </a:r>
+            <a:r>
+              <a:rPr lang="en-US" altLang="ko-KR" sz="1200" dirty="0"/>
+              <a:t>/</a:t>
+            </a:r>
+            <a:r>
+              <a:rPr lang="ko-KR" altLang="en-US" sz="1200" dirty="0" err="1"/>
+              <a:t>ㄱ자</a:t>
+            </a:r>
+            <a:r>
+              <a:rPr lang="ko-KR" altLang="en-US" sz="1200" dirty="0"/>
+              <a:t> 따로 설치 예정</a:t>
+            </a:r>
+            <a:r>
+              <a:rPr lang="en-US" altLang="ko-KR" sz="1200" dirty="0"/>
+              <a:t>)</a:t>
+            </a:r>
+            <a:endParaRPr lang="ko-KR" altLang="en-US" sz="1200" dirty="0"/>
+          </a:p>
+        </p:txBody>
+      </p:sp>
+      <p:cxnSp>
+        <p:nvCxnSpPr>
+          <p:cNvPr id="45" name="직선 화살표 연결선 44">
+            <a:extLst>
+              <a:ext uri="{FF2B5EF4-FFF2-40B4-BE49-F238E27FC236}">
+                <a16:creationId xmlns:a16="http://schemas.microsoft.com/office/drawing/2014/main" id="{6251E807-07F9-E1CC-A0C1-D9D35E9D0516}"/>
+              </a:ext>
+            </a:extLst>
+          </p:cNvPr>
+          <p:cNvCxnSpPr>
+            <a:stCxn id="40" idx="1"/>
+          </p:cNvCxnSpPr>
+          <p:nvPr/>
+        </p:nvCxnSpPr>
+        <p:spPr>
+          <a:xfrm flipH="1">
+            <a:off x="6884126" y="4143094"/>
+            <a:ext cx="3331028" cy="451425"/>
+          </a:xfrm>
+          <a:prstGeom prst="straightConnector1">
+            <a:avLst/>
+          </a:prstGeom>
+          <a:ln>
+            <a:tailEnd type="triangle"/>
+          </a:ln>
+        </p:spPr>
+        <p:style>
+          <a:lnRef idx="2">
+            <a:schemeClr val="accent1"/>
+          </a:lnRef>
+          <a:fillRef idx="0">
+            <a:schemeClr val="accent1"/>
+          </a:fillRef>
+          <a:effectRef idx="1">
+            <a:schemeClr val="accent1"/>
+          </a:effectRef>
+          <a:fontRef idx="minor">
+            <a:schemeClr val="tx1"/>
+          </a:fontRef>
+        </p:style>
+      </p:cxnSp>
+      <p:cxnSp>
+        <p:nvCxnSpPr>
+          <p:cNvPr id="47" name="직선 화살표 연결선 46">
+            <a:extLst>
+              <a:ext uri="{FF2B5EF4-FFF2-40B4-BE49-F238E27FC236}">
+                <a16:creationId xmlns:a16="http://schemas.microsoft.com/office/drawing/2014/main" id="{1AEC9399-EA93-EF02-BBF9-3F846FD09A8F}"/>
+              </a:ext>
+            </a:extLst>
+          </p:cNvPr>
+          <p:cNvCxnSpPr>
+            <a:stCxn id="36" idx="1"/>
+          </p:cNvCxnSpPr>
+          <p:nvPr/>
+        </p:nvCxnSpPr>
+        <p:spPr>
+          <a:xfrm flipH="1">
+            <a:off x="6172200" y="5165679"/>
+            <a:ext cx="4303154" cy="233621"/>
+          </a:xfrm>
+          <a:prstGeom prst="straightConnector1">
+            <a:avLst/>
+          </a:prstGeom>
+          <a:ln>
+            <a:tailEnd type="triangle"/>
+          </a:ln>
+        </p:spPr>
+        <p:style>
+          <a:lnRef idx="2">
+            <a:schemeClr val="accent1"/>
+          </a:lnRef>
+          <a:fillRef idx="0">
+            <a:schemeClr val="accent1"/>
+          </a:fillRef>
+          <a:effectRef idx="1">
+            <a:schemeClr val="accent1"/>
+          </a:effectRef>
+          <a:fontRef idx="minor">
+            <a:schemeClr val="tx1"/>
+          </a:fontRef>
+        </p:style>
+      </p:cxnSp>
+      <p:sp>
+        <p:nvSpPr>
+          <p:cNvPr id="48" name="직사각형 47">
+            <a:extLst>
+              <a:ext uri="{FF2B5EF4-FFF2-40B4-BE49-F238E27FC236}">
+                <a16:creationId xmlns:a16="http://schemas.microsoft.com/office/drawing/2014/main" id="{F335FFBB-6EDE-37B5-86AF-7EDACE29E615}"/>
+              </a:ext>
+            </a:extLst>
+          </p:cNvPr>
+          <p:cNvSpPr/>
+          <p:nvPr/>
+        </p:nvSpPr>
+        <p:spPr>
+          <a:xfrm>
+            <a:off x="10168220" y="5698949"/>
+            <a:ext cx="1858526" cy="964996"/>
+          </a:xfrm>
+          <a:prstGeom prst="rect">
+            <a:avLst/>
+          </a:prstGeom>
+        </p:spPr>
+        <p:style>
+          <a:lnRef idx="2">
+            <a:schemeClr val="accent4">
+              <a:shade val="15000"/>
+            </a:schemeClr>
+          </a:lnRef>
+          <a:fillRef idx="1">
+            <a:schemeClr val="accent4"/>
+          </a:fillRef>
+          <a:effectRef idx="0">
+            <a:schemeClr val="accent4"/>
+          </a:effectRef>
+          <a:fontRef idx="minor">
+            <a:schemeClr val="lt1"/>
+          </a:fontRef>
+        </p:style>
+        <p:txBody>
+          <a:bodyPr rtlCol="0" anchor="ctr"/>
+          <a:lstStyle/>
+          <a:p>
+            <a:pPr algn="ctr"/>
+            <a:r>
+              <a:rPr lang="en-US" altLang="ko-KR" sz="1200" dirty="0"/>
+              <a:t>&lt;</a:t>
+            </a:r>
+            <a:r>
+              <a:rPr lang="ko-KR" altLang="en-US" sz="1200" dirty="0"/>
+              <a:t>스위치</a:t>
+            </a:r>
+            <a:r>
+              <a:rPr lang="en-US" altLang="ko-KR" sz="1200" dirty="0"/>
+              <a:t>2&gt;</a:t>
+            </a:r>
+          </a:p>
+          <a:p>
+            <a:pPr algn="ctr"/>
+            <a:r>
+              <a:rPr lang="ko-KR" altLang="en-US" sz="1200" dirty="0" err="1"/>
+              <a:t>다운라이트</a:t>
+            </a:r>
+            <a:r>
+              <a:rPr lang="ko-KR" altLang="en-US" sz="1200" dirty="0"/>
+              <a:t> 연결</a:t>
+            </a:r>
+            <a:endParaRPr lang="en-US" altLang="ko-KR" sz="1200" dirty="0"/>
+          </a:p>
+          <a:p>
+            <a:pPr algn="ctr"/>
+            <a:r>
+              <a:rPr lang="ko-KR" altLang="en-US" sz="1200" dirty="0" err="1"/>
+              <a:t>다운라이트</a:t>
+            </a:r>
+            <a:r>
+              <a:rPr lang="ko-KR" altLang="en-US" sz="1200" dirty="0"/>
+              <a:t> 사이 간격은 </a:t>
+            </a:r>
+            <a:r>
+              <a:rPr lang="en-US" altLang="ko-KR" sz="1200" dirty="0"/>
+              <a:t>180mm</a:t>
+            </a:r>
+            <a:endParaRPr lang="ko-KR" altLang="en-US" sz="1200" dirty="0"/>
+          </a:p>
+        </p:txBody>
+      </p:sp>
+      <p:cxnSp>
+        <p:nvCxnSpPr>
+          <p:cNvPr id="49" name="직선 화살표 연결선 48">
+            <a:extLst>
+              <a:ext uri="{FF2B5EF4-FFF2-40B4-BE49-F238E27FC236}">
+                <a16:creationId xmlns:a16="http://schemas.microsoft.com/office/drawing/2014/main" id="{238B6F79-1002-DEAB-6D78-141C7063AED3}"/>
+              </a:ext>
+            </a:extLst>
+          </p:cNvPr>
+          <p:cNvCxnSpPr>
+            <a:cxnSpLocks/>
+            <a:stCxn id="48" idx="1"/>
+            <a:endCxn id="32" idx="7"/>
+          </p:cNvCxnSpPr>
+          <p:nvPr/>
+        </p:nvCxnSpPr>
+        <p:spPr>
+          <a:xfrm flipH="1" flipV="1">
+            <a:off x="6728220" y="5899086"/>
+            <a:ext cx="3440000" cy="282361"/>
+          </a:xfrm>
+          <a:prstGeom prst="straightConnector1">
+            <a:avLst/>
+          </a:prstGeom>
+          <a:ln>
+            <a:tailEnd type="triangle"/>
+          </a:ln>
+        </p:spPr>
+        <p:style>
+          <a:lnRef idx="2">
+            <a:schemeClr val="accent1"/>
+          </a:lnRef>
+          <a:fillRef idx="0">
+            <a:schemeClr val="accent1"/>
+          </a:fillRef>
+          <a:effectRef idx="1">
+            <a:schemeClr val="accent1"/>
+          </a:effectRef>
+          <a:fontRef idx="minor">
+            <a:schemeClr val="tx1"/>
+          </a:fontRef>
+        </p:style>
+      </p:cxnSp>
+      <p:cxnSp>
+        <p:nvCxnSpPr>
+          <p:cNvPr id="56" name="직선 연결선 55">
+            <a:extLst>
+              <a:ext uri="{FF2B5EF4-FFF2-40B4-BE49-F238E27FC236}">
+                <a16:creationId xmlns:a16="http://schemas.microsoft.com/office/drawing/2014/main" id="{9A8EC796-5CCD-79BB-3C8F-398774447012}"/>
+              </a:ext>
+            </a:extLst>
+          </p:cNvPr>
+          <p:cNvCxnSpPr/>
+          <p:nvPr/>
+        </p:nvCxnSpPr>
+        <p:spPr>
+          <a:xfrm>
+            <a:off x="4917067" y="4761118"/>
+            <a:ext cx="0" cy="1652382"/>
+          </a:xfrm>
+          <a:prstGeom prst="line">
+            <a:avLst/>
+          </a:prstGeom>
+        </p:spPr>
+        <p:style>
+          <a:lnRef idx="2">
+            <a:schemeClr val="accent2"/>
+          </a:lnRef>
+          <a:fillRef idx="0">
+            <a:schemeClr val="accent2"/>
+          </a:fillRef>
+          <a:effectRef idx="1">
+            <a:schemeClr val="accent2"/>
+          </a:effectRef>
+          <a:fontRef idx="minor">
+            <a:schemeClr val="tx1"/>
+          </a:fontRef>
+        </p:style>
+      </p:cxnSp>
     </p:spTree>
     <p:extLst>
       <p:ext uri="{BB962C8B-B14F-4D97-AF65-F5344CB8AC3E}">

--- a/부동산/가온마을9단지.pptx
+++ b/부동산/가온마을9단지.pptx
@@ -9,8 +9,8 @@
   </p:notesMasterIdLst>
   <p:sldIdLst>
     <p:sldId id="257" r:id="rId2"/>
-    <p:sldId id="258" r:id="rId3"/>
-    <p:sldId id="259" r:id="rId4"/>
+    <p:sldId id="259" r:id="rId3"/>
+    <p:sldId id="260" r:id="rId4"/>
   </p:sldIdLst>
   <p:sldSz cx="12192000" cy="6858000"/>
   <p:notesSz cx="6858000" cy="9144000"/>
@@ -199,7 +199,7 @@
           <a:p>
             <a:fld id="{BB34323F-1ADB-4AB6-B0D8-1B1AFCDC436F}" type="datetimeFigureOut">
               <a:rPr lang="ko-KR" altLang="en-US" smtClean="0"/>
-              <a:t>2026-01-08</a:t>
+              <a:t>2026-01-10</a:t>
             </a:fld>
             <a:endParaRPr lang="ko-KR" altLang="en-US"/>
           </a:p>
@@ -531,7 +531,7 @@
           <a:p>
             <a:fld id="{DF318458-9E72-4799-BF86-5EA6D017044F}" type="slidenum">
               <a:rPr lang="ko-KR" altLang="en-US" smtClean="0"/>
-              <a:t>3</a:t>
+              <a:t>2</a:t>
             </a:fld>
             <a:endParaRPr lang="ko-KR" altLang="en-US"/>
           </a:p>
@@ -541,6 +541,114 @@
     <p:extLst>
       <p:ext uri="{BB962C8B-B14F-4D97-AF65-F5344CB8AC3E}">
         <p14:creationId xmlns:p14="http://schemas.microsoft.com/office/powerpoint/2010/main" val="1043632947"/>
+      </p:ext>
+    </p:extLst>
+  </p:cSld>
+  <p:clrMapOvr>
+    <a:masterClrMapping/>
+  </p:clrMapOvr>
+</p:notes>
+</file>
+
+<file path=ppt/notesSlides/notesSlide2.xml><?xml version="1.0" encoding="utf-8"?>
+<p:notes xmlns:a="http://schemas.openxmlformats.org/drawingml/2006/main" xmlns:r="http://schemas.openxmlformats.org/officeDocument/2006/relationships" xmlns:p="http://schemas.openxmlformats.org/presentationml/2006/main">
+  <p:cSld>
+    <p:spTree>
+      <p:nvGrpSpPr>
+        <p:cNvPr id="1" name="">
+          <a:extLst>
+            <a:ext uri="{FF2B5EF4-FFF2-40B4-BE49-F238E27FC236}">
+              <a16:creationId xmlns:a16="http://schemas.microsoft.com/office/drawing/2014/main" id="{71DD2AC2-0600-B812-AE61-AB4B5C16CFBB}"/>
+            </a:ext>
+          </a:extLst>
+        </p:cNvPr>
+        <p:cNvGrpSpPr/>
+        <p:nvPr/>
+      </p:nvGrpSpPr>
+      <p:grpSpPr>
+        <a:xfrm>
+          <a:off x="0" y="0"/>
+          <a:ext cx="0" cy="0"/>
+          <a:chOff x="0" y="0"/>
+          <a:chExt cx="0" cy="0"/>
+        </a:xfrm>
+      </p:grpSpPr>
+      <p:sp>
+        <p:nvSpPr>
+          <p:cNvPr id="2" name="슬라이드 이미지 개체 틀 1">
+            <a:extLst>
+              <a:ext uri="{FF2B5EF4-FFF2-40B4-BE49-F238E27FC236}">
+                <a16:creationId xmlns:a16="http://schemas.microsoft.com/office/drawing/2014/main" id="{F6D67199-A83A-0D80-4C88-33C31B8F3354}"/>
+              </a:ext>
+            </a:extLst>
+          </p:cNvPr>
+          <p:cNvSpPr>
+            <a:spLocks noGrp="1" noRot="1" noChangeAspect="1"/>
+          </p:cNvSpPr>
+          <p:nvPr>
+            <p:ph type="sldImg"/>
+          </p:nvPr>
+        </p:nvSpPr>
+        <p:spPr/>
+      </p:sp>
+      <p:sp>
+        <p:nvSpPr>
+          <p:cNvPr id="3" name="슬라이드 노트 개체 틀 2">
+            <a:extLst>
+              <a:ext uri="{FF2B5EF4-FFF2-40B4-BE49-F238E27FC236}">
+                <a16:creationId xmlns:a16="http://schemas.microsoft.com/office/drawing/2014/main" id="{15836652-3293-A5CD-B6D9-1E76AEDE3FDE}"/>
+              </a:ext>
+            </a:extLst>
+          </p:cNvPr>
+          <p:cNvSpPr>
+            <a:spLocks noGrp="1"/>
+          </p:cNvSpPr>
+          <p:nvPr>
+            <p:ph type="body" idx="1"/>
+          </p:nvPr>
+        </p:nvSpPr>
+        <p:spPr/>
+        <p:txBody>
+          <a:bodyPr/>
+          <a:lstStyle/>
+          <a:p>
+            <a:endParaRPr lang="ko-KR" altLang="en-US" dirty="0"/>
+          </a:p>
+        </p:txBody>
+      </p:sp>
+      <p:sp>
+        <p:nvSpPr>
+          <p:cNvPr id="4" name="슬라이드 번호 개체 틀 3">
+            <a:extLst>
+              <a:ext uri="{FF2B5EF4-FFF2-40B4-BE49-F238E27FC236}">
+                <a16:creationId xmlns:a16="http://schemas.microsoft.com/office/drawing/2014/main" id="{EF094C6E-A8BD-15AD-B6BA-CEFF9C97E0A4}"/>
+              </a:ext>
+            </a:extLst>
+          </p:cNvPr>
+          <p:cNvSpPr>
+            <a:spLocks noGrp="1"/>
+          </p:cNvSpPr>
+          <p:nvPr>
+            <p:ph type="sldNum" sz="quarter" idx="5"/>
+          </p:nvPr>
+        </p:nvSpPr>
+        <p:spPr/>
+        <p:txBody>
+          <a:bodyPr/>
+          <a:lstStyle/>
+          <a:p>
+            <a:fld id="{DF318458-9E72-4799-BF86-5EA6D017044F}" type="slidenum">
+              <a:rPr lang="ko-KR" altLang="en-US" smtClean="0"/>
+              <a:t>3</a:t>
+            </a:fld>
+            <a:endParaRPr lang="ko-KR" altLang="en-US"/>
+          </a:p>
+        </p:txBody>
+      </p:sp>
+    </p:spTree>
+    <p:extLst>
+      <p:ext uri="{BB962C8B-B14F-4D97-AF65-F5344CB8AC3E}">
+        <p14:creationId xmlns:p14="http://schemas.microsoft.com/office/powerpoint/2010/main" val="1679116662"/>
       </p:ext>
     </p:extLst>
   </p:cSld>
@@ -697,7 +805,7 @@
           <a:p>
             <a:fld id="{AFE642E8-9A08-43B7-9C9C-D45DDC7423F4}" type="datetimeFigureOut">
               <a:rPr lang="ko-KR" altLang="en-US" smtClean="0"/>
-              <a:t>2026-01-08</a:t>
+              <a:t>2026-01-10</a:t>
             </a:fld>
             <a:endParaRPr lang="ko-KR" altLang="en-US"/>
           </a:p>
@@ -895,7 +1003,7 @@
           <a:p>
             <a:fld id="{AFE642E8-9A08-43B7-9C9C-D45DDC7423F4}" type="datetimeFigureOut">
               <a:rPr lang="ko-KR" altLang="en-US" smtClean="0"/>
-              <a:t>2026-01-08</a:t>
+              <a:t>2026-01-10</a:t>
             </a:fld>
             <a:endParaRPr lang="ko-KR" altLang="en-US"/>
           </a:p>
@@ -1103,7 +1211,7 @@
           <a:p>
             <a:fld id="{AFE642E8-9A08-43B7-9C9C-D45DDC7423F4}" type="datetimeFigureOut">
               <a:rPr lang="ko-KR" altLang="en-US" smtClean="0"/>
-              <a:t>2026-01-08</a:t>
+              <a:t>2026-01-10</a:t>
             </a:fld>
             <a:endParaRPr lang="ko-KR" altLang="en-US"/>
           </a:p>
@@ -1301,7 +1409,7 @@
           <a:p>
             <a:fld id="{AFE642E8-9A08-43B7-9C9C-D45DDC7423F4}" type="datetimeFigureOut">
               <a:rPr lang="ko-KR" altLang="en-US" smtClean="0"/>
-              <a:t>2026-01-08</a:t>
+              <a:t>2026-01-10</a:t>
             </a:fld>
             <a:endParaRPr lang="ko-KR" altLang="en-US"/>
           </a:p>
@@ -1576,7 +1684,7 @@
           <a:p>
             <a:fld id="{AFE642E8-9A08-43B7-9C9C-D45DDC7423F4}" type="datetimeFigureOut">
               <a:rPr lang="ko-KR" altLang="en-US" smtClean="0"/>
-              <a:t>2026-01-08</a:t>
+              <a:t>2026-01-10</a:t>
             </a:fld>
             <a:endParaRPr lang="ko-KR" altLang="en-US"/>
           </a:p>
@@ -1841,7 +1949,7 @@
           <a:p>
             <a:fld id="{AFE642E8-9A08-43B7-9C9C-D45DDC7423F4}" type="datetimeFigureOut">
               <a:rPr lang="ko-KR" altLang="en-US" smtClean="0"/>
-              <a:t>2026-01-08</a:t>
+              <a:t>2026-01-10</a:t>
             </a:fld>
             <a:endParaRPr lang="ko-KR" altLang="en-US"/>
           </a:p>
@@ -2253,7 +2361,7 @@
           <a:p>
             <a:fld id="{AFE642E8-9A08-43B7-9C9C-D45DDC7423F4}" type="datetimeFigureOut">
               <a:rPr lang="ko-KR" altLang="en-US" smtClean="0"/>
-              <a:t>2026-01-08</a:t>
+              <a:t>2026-01-10</a:t>
             </a:fld>
             <a:endParaRPr lang="ko-KR" altLang="en-US"/>
           </a:p>
@@ -2394,7 +2502,7 @@
           <a:p>
             <a:fld id="{AFE642E8-9A08-43B7-9C9C-D45DDC7423F4}" type="datetimeFigureOut">
               <a:rPr lang="ko-KR" altLang="en-US" smtClean="0"/>
-              <a:t>2026-01-08</a:t>
+              <a:t>2026-01-10</a:t>
             </a:fld>
             <a:endParaRPr lang="ko-KR" altLang="en-US"/>
           </a:p>
@@ -2507,7 +2615,7 @@
           <a:p>
             <a:fld id="{AFE642E8-9A08-43B7-9C9C-D45DDC7423F4}" type="datetimeFigureOut">
               <a:rPr lang="ko-KR" altLang="en-US" smtClean="0"/>
-              <a:t>2026-01-08</a:t>
+              <a:t>2026-01-10</a:t>
             </a:fld>
             <a:endParaRPr lang="ko-KR" altLang="en-US"/>
           </a:p>
@@ -2818,7 +2926,7 @@
           <a:p>
             <a:fld id="{AFE642E8-9A08-43B7-9C9C-D45DDC7423F4}" type="datetimeFigureOut">
               <a:rPr lang="ko-KR" altLang="en-US" smtClean="0"/>
-              <a:t>2026-01-08</a:t>
+              <a:t>2026-01-10</a:t>
             </a:fld>
             <a:endParaRPr lang="ko-KR" altLang="en-US"/>
           </a:p>
@@ -3106,7 +3214,7 @@
           <a:p>
             <a:fld id="{AFE642E8-9A08-43B7-9C9C-D45DDC7423F4}" type="datetimeFigureOut">
               <a:rPr lang="ko-KR" altLang="en-US" smtClean="0"/>
-              <a:t>2026-01-08</a:t>
+              <a:t>2026-01-10</a:t>
             </a:fld>
             <a:endParaRPr lang="ko-KR" altLang="en-US"/>
           </a:p>
@@ -3347,7 +3455,7 @@
           <a:p>
             <a:fld id="{AFE642E8-9A08-43B7-9C9C-D45DDC7423F4}" type="datetimeFigureOut">
               <a:rPr lang="ko-KR" altLang="en-US" smtClean="0"/>
-              <a:t>2026-01-08</a:t>
+              <a:t>2026-01-10</a:t>
             </a:fld>
             <a:endParaRPr lang="ko-KR" altLang="en-US"/>
           </a:p>
@@ -9073,4180 +9181,6 @@
         <p:cNvPr id="1" name="">
           <a:extLst>
             <a:ext uri="{FF2B5EF4-FFF2-40B4-BE49-F238E27FC236}">
-              <a16:creationId xmlns:a16="http://schemas.microsoft.com/office/drawing/2014/main" id="{BBC3685F-EE63-CC15-3616-C7917805CBE7}"/>
-            </a:ext>
-          </a:extLst>
-        </p:cNvPr>
-        <p:cNvGrpSpPr/>
-        <p:nvPr/>
-      </p:nvGrpSpPr>
-      <p:grpSpPr>
-        <a:xfrm>
-          <a:off x="0" y="0"/>
-          <a:ext cx="0" cy="0"/>
-          <a:chOff x="0" y="0"/>
-          <a:chExt cx="0" cy="0"/>
-        </a:xfrm>
-      </p:grpSpPr>
-      <p:pic>
-        <p:nvPicPr>
-          <p:cNvPr id="3" name="그림 2" descr="직사각형, 사각형, 디자인이(가) 표시된 사진&#10;&#10;AI 생성 콘텐츠는 정확하지 않을 수 있습니다.">
-            <a:extLst>
-              <a:ext uri="{FF2B5EF4-FFF2-40B4-BE49-F238E27FC236}">
-                <a16:creationId xmlns:a16="http://schemas.microsoft.com/office/drawing/2014/main" id="{7CF62B5D-5022-7CDE-8AEB-1B16536F7FAF}"/>
-              </a:ext>
-            </a:extLst>
-          </p:cNvPr>
-          <p:cNvPicPr>
-            <a:picLocks noChangeAspect="1"/>
-          </p:cNvPicPr>
-          <p:nvPr/>
-        </p:nvPicPr>
-        <p:blipFill>
-          <a:blip r:embed="rId2"/>
-          <a:stretch>
-            <a:fillRect/>
-          </a:stretch>
-        </p:blipFill>
-        <p:spPr>
-          <a:xfrm>
-            <a:off x="2137228" y="0"/>
-            <a:ext cx="7917543" cy="6858000"/>
-          </a:xfrm>
-          <a:prstGeom prst="rect">
-            <a:avLst/>
-          </a:prstGeom>
-        </p:spPr>
-      </p:pic>
-      <p:cxnSp>
-        <p:nvCxnSpPr>
-          <p:cNvPr id="7" name="직선 화살표 연결선 6">
-            <a:extLst>
-              <a:ext uri="{FF2B5EF4-FFF2-40B4-BE49-F238E27FC236}">
-                <a16:creationId xmlns:a16="http://schemas.microsoft.com/office/drawing/2014/main" id="{19478743-825E-3422-A9D9-8B4A910685FB}"/>
-              </a:ext>
-            </a:extLst>
-          </p:cNvPr>
-          <p:cNvCxnSpPr/>
-          <p:nvPr/>
-        </p:nvCxnSpPr>
-        <p:spPr>
-          <a:xfrm>
-            <a:off x="2388053" y="3873500"/>
-            <a:ext cx="0" cy="1898650"/>
-          </a:xfrm>
-          <a:prstGeom prst="straightConnector1">
-            <a:avLst/>
-          </a:prstGeom>
-          <a:ln>
-            <a:solidFill>
-              <a:srgbClr val="FF0000"/>
-            </a:solidFill>
-            <a:headEnd type="triangle"/>
-            <a:tailEnd type="triangle"/>
-          </a:ln>
-        </p:spPr>
-        <p:style>
-          <a:lnRef idx="2">
-            <a:schemeClr val="accent1"/>
-          </a:lnRef>
-          <a:fillRef idx="0">
-            <a:schemeClr val="accent1"/>
-          </a:fillRef>
-          <a:effectRef idx="1">
-            <a:schemeClr val="accent1"/>
-          </a:effectRef>
-          <a:fontRef idx="minor">
-            <a:schemeClr val="tx1"/>
-          </a:fontRef>
-        </p:style>
-      </p:cxnSp>
-      <p:sp>
-        <p:nvSpPr>
-          <p:cNvPr id="8" name="TextBox 7">
-            <a:extLst>
-              <a:ext uri="{FF2B5EF4-FFF2-40B4-BE49-F238E27FC236}">
-                <a16:creationId xmlns:a16="http://schemas.microsoft.com/office/drawing/2014/main" id="{FFE6E58B-DB38-76D8-532E-1686B3E9F854}"/>
-              </a:ext>
-            </a:extLst>
-          </p:cNvPr>
-          <p:cNvSpPr txBox="1"/>
-          <p:nvPr/>
-        </p:nvSpPr>
-        <p:spPr>
-          <a:xfrm>
-            <a:off x="2388053" y="4695867"/>
-            <a:ext cx="577850" cy="253916"/>
-          </a:xfrm>
-          <a:prstGeom prst="rect">
-            <a:avLst/>
-          </a:prstGeom>
-          <a:noFill/>
-        </p:spPr>
-        <p:txBody>
-          <a:bodyPr wrap="square" rtlCol="0">
-            <a:spAutoFit/>
-          </a:bodyPr>
-          <a:lstStyle/>
-          <a:p>
-            <a:r>
-              <a:rPr lang="en-US" altLang="ko-KR" sz="1000" dirty="0">
-                <a:solidFill>
-                  <a:srgbClr val="FF0000"/>
-                </a:solidFill>
-              </a:rPr>
-              <a:t>3300</a:t>
-            </a:r>
-            <a:endParaRPr lang="ko-KR" altLang="en-US" sz="1000" dirty="0">
-              <a:solidFill>
-                <a:srgbClr val="FF0000"/>
-              </a:solidFill>
-            </a:endParaRPr>
-          </a:p>
-        </p:txBody>
-      </p:sp>
-      <p:cxnSp>
-        <p:nvCxnSpPr>
-          <p:cNvPr id="9" name="직선 화살표 연결선 8">
-            <a:extLst>
-              <a:ext uri="{FF2B5EF4-FFF2-40B4-BE49-F238E27FC236}">
-                <a16:creationId xmlns:a16="http://schemas.microsoft.com/office/drawing/2014/main" id="{66EC3BBC-A47F-B602-6822-1D76A6E57DAF}"/>
-              </a:ext>
-            </a:extLst>
-          </p:cNvPr>
-          <p:cNvCxnSpPr>
-            <a:cxnSpLocks/>
-          </p:cNvCxnSpPr>
-          <p:nvPr/>
-        </p:nvCxnSpPr>
-        <p:spPr>
-          <a:xfrm>
-            <a:off x="4584700" y="4451350"/>
-            <a:ext cx="0" cy="1320800"/>
-          </a:xfrm>
-          <a:prstGeom prst="straightConnector1">
-            <a:avLst/>
-          </a:prstGeom>
-          <a:ln>
-            <a:solidFill>
-              <a:srgbClr val="FF0000"/>
-            </a:solidFill>
-            <a:headEnd type="triangle"/>
-            <a:tailEnd type="triangle"/>
-          </a:ln>
-        </p:spPr>
-        <p:style>
-          <a:lnRef idx="2">
-            <a:schemeClr val="accent1"/>
-          </a:lnRef>
-          <a:fillRef idx="0">
-            <a:schemeClr val="accent1"/>
-          </a:fillRef>
-          <a:effectRef idx="1">
-            <a:schemeClr val="accent1"/>
-          </a:effectRef>
-          <a:fontRef idx="minor">
-            <a:schemeClr val="tx1"/>
-          </a:fontRef>
-        </p:style>
-      </p:cxnSp>
-      <p:sp>
-        <p:nvSpPr>
-          <p:cNvPr id="11" name="TextBox 10">
-            <a:extLst>
-              <a:ext uri="{FF2B5EF4-FFF2-40B4-BE49-F238E27FC236}">
-                <a16:creationId xmlns:a16="http://schemas.microsoft.com/office/drawing/2014/main" id="{5ECDCDB6-9383-AE4F-705D-AD452CEF67DE}"/>
-              </a:ext>
-            </a:extLst>
-          </p:cNvPr>
-          <p:cNvSpPr txBox="1"/>
-          <p:nvPr/>
-        </p:nvSpPr>
-        <p:spPr>
-          <a:xfrm>
-            <a:off x="4147003" y="4984792"/>
-            <a:ext cx="577850" cy="253916"/>
-          </a:xfrm>
-          <a:prstGeom prst="rect">
-            <a:avLst/>
-          </a:prstGeom>
-          <a:noFill/>
-        </p:spPr>
-        <p:txBody>
-          <a:bodyPr wrap="square" rtlCol="0">
-            <a:spAutoFit/>
-          </a:bodyPr>
-          <a:lstStyle/>
-          <a:p>
-            <a:r>
-              <a:rPr lang="en-US" altLang="ko-KR" sz="1000" dirty="0">
-                <a:solidFill>
-                  <a:srgbClr val="FF0000"/>
-                </a:solidFill>
-              </a:rPr>
-              <a:t>2300</a:t>
-            </a:r>
-            <a:endParaRPr lang="ko-KR" altLang="en-US" sz="1000" dirty="0">
-              <a:solidFill>
-                <a:srgbClr val="FF0000"/>
-              </a:solidFill>
-            </a:endParaRPr>
-          </a:p>
-        </p:txBody>
-      </p:sp>
-      <p:cxnSp>
-        <p:nvCxnSpPr>
-          <p:cNvPr id="12" name="직선 화살표 연결선 11">
-            <a:extLst>
-              <a:ext uri="{FF2B5EF4-FFF2-40B4-BE49-F238E27FC236}">
-                <a16:creationId xmlns:a16="http://schemas.microsoft.com/office/drawing/2014/main" id="{944F40E2-AAB1-D311-FDA2-C17C9877EF86}"/>
-              </a:ext>
-            </a:extLst>
-          </p:cNvPr>
-          <p:cNvCxnSpPr>
-            <a:cxnSpLocks/>
-          </p:cNvCxnSpPr>
-          <p:nvPr/>
-        </p:nvCxnSpPr>
-        <p:spPr>
-          <a:xfrm>
-            <a:off x="4699453" y="4451350"/>
-            <a:ext cx="0" cy="2032000"/>
-          </a:xfrm>
-          <a:prstGeom prst="straightConnector1">
-            <a:avLst/>
-          </a:prstGeom>
-          <a:ln>
-            <a:solidFill>
-              <a:srgbClr val="FF0000"/>
-            </a:solidFill>
-            <a:headEnd type="triangle"/>
-            <a:tailEnd type="triangle"/>
-          </a:ln>
-        </p:spPr>
-        <p:style>
-          <a:lnRef idx="2">
-            <a:schemeClr val="accent1"/>
-          </a:lnRef>
-          <a:fillRef idx="0">
-            <a:schemeClr val="accent1"/>
-          </a:fillRef>
-          <a:effectRef idx="1">
-            <a:schemeClr val="accent1"/>
-          </a:effectRef>
-          <a:fontRef idx="minor">
-            <a:schemeClr val="tx1"/>
-          </a:fontRef>
-        </p:style>
-      </p:cxnSp>
-      <p:sp>
-        <p:nvSpPr>
-          <p:cNvPr id="14" name="TextBox 13">
-            <a:extLst>
-              <a:ext uri="{FF2B5EF4-FFF2-40B4-BE49-F238E27FC236}">
-                <a16:creationId xmlns:a16="http://schemas.microsoft.com/office/drawing/2014/main" id="{EB950453-B8D6-8DE7-0A92-3BA3C132ABE9}"/>
-              </a:ext>
-            </a:extLst>
-          </p:cNvPr>
-          <p:cNvSpPr txBox="1"/>
-          <p:nvPr/>
-        </p:nvSpPr>
-        <p:spPr>
-          <a:xfrm>
-            <a:off x="4658631" y="5340392"/>
-            <a:ext cx="577850" cy="253916"/>
-          </a:xfrm>
-          <a:prstGeom prst="rect">
-            <a:avLst/>
-          </a:prstGeom>
-          <a:noFill/>
-        </p:spPr>
-        <p:txBody>
-          <a:bodyPr wrap="square" rtlCol="0">
-            <a:spAutoFit/>
-          </a:bodyPr>
-          <a:lstStyle/>
-          <a:p>
-            <a:r>
-              <a:rPr lang="en-US" altLang="ko-KR" sz="1000" dirty="0">
-                <a:solidFill>
-                  <a:srgbClr val="FF0000"/>
-                </a:solidFill>
-              </a:rPr>
-              <a:t>3550</a:t>
-            </a:r>
-            <a:endParaRPr lang="ko-KR" altLang="en-US" sz="1000" dirty="0">
-              <a:solidFill>
-                <a:srgbClr val="FF0000"/>
-              </a:solidFill>
-            </a:endParaRPr>
-          </a:p>
-        </p:txBody>
-      </p:sp>
-      <p:cxnSp>
-        <p:nvCxnSpPr>
-          <p:cNvPr id="15" name="직선 화살표 연결선 14">
-            <a:extLst>
-              <a:ext uri="{FF2B5EF4-FFF2-40B4-BE49-F238E27FC236}">
-                <a16:creationId xmlns:a16="http://schemas.microsoft.com/office/drawing/2014/main" id="{32E1983C-E47D-6AD9-915D-C8C6DA192518}"/>
-              </a:ext>
-            </a:extLst>
-          </p:cNvPr>
-          <p:cNvCxnSpPr>
-            <a:cxnSpLocks/>
-          </p:cNvCxnSpPr>
-          <p:nvPr/>
-        </p:nvCxnSpPr>
-        <p:spPr>
-          <a:xfrm>
-            <a:off x="8338003" y="4695867"/>
-            <a:ext cx="0" cy="707983"/>
-          </a:xfrm>
-          <a:prstGeom prst="straightConnector1">
-            <a:avLst/>
-          </a:prstGeom>
-          <a:ln>
-            <a:solidFill>
-              <a:srgbClr val="FF0000"/>
-            </a:solidFill>
-            <a:headEnd type="triangle"/>
-            <a:tailEnd type="triangle"/>
-          </a:ln>
-        </p:spPr>
-        <p:style>
-          <a:lnRef idx="2">
-            <a:schemeClr val="accent1"/>
-          </a:lnRef>
-          <a:fillRef idx="0">
-            <a:schemeClr val="accent1"/>
-          </a:fillRef>
-          <a:effectRef idx="1">
-            <a:schemeClr val="accent1"/>
-          </a:effectRef>
-          <a:fontRef idx="minor">
-            <a:schemeClr val="tx1"/>
-          </a:fontRef>
-        </p:style>
-      </p:cxnSp>
-      <p:sp>
-        <p:nvSpPr>
-          <p:cNvPr id="18" name="TextBox 17">
-            <a:extLst>
-              <a:ext uri="{FF2B5EF4-FFF2-40B4-BE49-F238E27FC236}">
-                <a16:creationId xmlns:a16="http://schemas.microsoft.com/office/drawing/2014/main" id="{14437B52-FCA5-FDCE-7C90-683B618CDC7D}"/>
-              </a:ext>
-            </a:extLst>
-          </p:cNvPr>
-          <p:cNvSpPr txBox="1"/>
-          <p:nvPr/>
-        </p:nvSpPr>
-        <p:spPr>
-          <a:xfrm>
-            <a:off x="7884431" y="4922900"/>
-            <a:ext cx="577850" cy="253916"/>
-          </a:xfrm>
-          <a:prstGeom prst="rect">
-            <a:avLst/>
-          </a:prstGeom>
-          <a:noFill/>
-        </p:spPr>
-        <p:txBody>
-          <a:bodyPr wrap="square" rtlCol="0">
-            <a:spAutoFit/>
-          </a:bodyPr>
-          <a:lstStyle/>
-          <a:p>
-            <a:r>
-              <a:rPr lang="en-US" altLang="ko-KR" sz="1000" dirty="0">
-                <a:solidFill>
-                  <a:srgbClr val="FF0000"/>
-                </a:solidFill>
-              </a:rPr>
-              <a:t>1200</a:t>
-            </a:r>
-            <a:endParaRPr lang="ko-KR" altLang="en-US" sz="1000" dirty="0">
-              <a:solidFill>
-                <a:srgbClr val="FF0000"/>
-              </a:solidFill>
-            </a:endParaRPr>
-          </a:p>
-        </p:txBody>
-      </p:sp>
-      <p:cxnSp>
-        <p:nvCxnSpPr>
-          <p:cNvPr id="19" name="직선 화살표 연결선 18">
-            <a:extLst>
-              <a:ext uri="{FF2B5EF4-FFF2-40B4-BE49-F238E27FC236}">
-                <a16:creationId xmlns:a16="http://schemas.microsoft.com/office/drawing/2014/main" id="{BB3030A8-F910-88DD-525A-79FC19CE9812}"/>
-              </a:ext>
-            </a:extLst>
-          </p:cNvPr>
-          <p:cNvCxnSpPr>
-            <a:cxnSpLocks/>
-          </p:cNvCxnSpPr>
-          <p:nvPr/>
-        </p:nvCxnSpPr>
-        <p:spPr>
-          <a:xfrm>
-            <a:off x="7175953" y="5775367"/>
-            <a:ext cx="0" cy="707983"/>
-          </a:xfrm>
-          <a:prstGeom prst="straightConnector1">
-            <a:avLst/>
-          </a:prstGeom>
-          <a:ln>
-            <a:solidFill>
-              <a:srgbClr val="FF0000"/>
-            </a:solidFill>
-            <a:headEnd type="triangle"/>
-            <a:tailEnd type="triangle"/>
-          </a:ln>
-        </p:spPr>
-        <p:style>
-          <a:lnRef idx="2">
-            <a:schemeClr val="accent1"/>
-          </a:lnRef>
-          <a:fillRef idx="0">
-            <a:schemeClr val="accent1"/>
-          </a:fillRef>
-          <a:effectRef idx="1">
-            <a:schemeClr val="accent1"/>
-          </a:effectRef>
-          <a:fontRef idx="minor">
-            <a:schemeClr val="tx1"/>
-          </a:fontRef>
-        </p:style>
-      </p:cxnSp>
-      <p:sp>
-        <p:nvSpPr>
-          <p:cNvPr id="20" name="TextBox 19">
-            <a:extLst>
-              <a:ext uri="{FF2B5EF4-FFF2-40B4-BE49-F238E27FC236}">
-                <a16:creationId xmlns:a16="http://schemas.microsoft.com/office/drawing/2014/main" id="{7A732115-F321-FCE8-7832-B8C8CD9BCA16}"/>
-              </a:ext>
-            </a:extLst>
-          </p:cNvPr>
-          <p:cNvSpPr txBox="1"/>
-          <p:nvPr/>
-        </p:nvSpPr>
-        <p:spPr>
-          <a:xfrm>
-            <a:off x="6721928" y="6002400"/>
-            <a:ext cx="577850" cy="253916"/>
-          </a:xfrm>
-          <a:prstGeom prst="rect">
-            <a:avLst/>
-          </a:prstGeom>
-          <a:noFill/>
-        </p:spPr>
-        <p:txBody>
-          <a:bodyPr wrap="square" rtlCol="0">
-            <a:spAutoFit/>
-          </a:bodyPr>
-          <a:lstStyle/>
-          <a:p>
-            <a:r>
-              <a:rPr lang="en-US" altLang="ko-KR" sz="1000" dirty="0">
-                <a:solidFill>
-                  <a:srgbClr val="FF0000"/>
-                </a:solidFill>
-              </a:rPr>
-              <a:t>1200</a:t>
-            </a:r>
-            <a:endParaRPr lang="ko-KR" altLang="en-US" sz="1000" dirty="0">
-              <a:solidFill>
-                <a:srgbClr val="FF0000"/>
-              </a:solidFill>
-            </a:endParaRPr>
-          </a:p>
-        </p:txBody>
-      </p:sp>
-      <p:cxnSp>
-        <p:nvCxnSpPr>
-          <p:cNvPr id="21" name="직선 화살표 연결선 20">
-            <a:extLst>
-              <a:ext uri="{FF2B5EF4-FFF2-40B4-BE49-F238E27FC236}">
-                <a16:creationId xmlns:a16="http://schemas.microsoft.com/office/drawing/2014/main" id="{0051ACF8-C4C9-4D71-FA28-8D0AD3054755}"/>
-              </a:ext>
-            </a:extLst>
-          </p:cNvPr>
-          <p:cNvCxnSpPr>
-            <a:cxnSpLocks/>
-          </p:cNvCxnSpPr>
-          <p:nvPr/>
-        </p:nvCxnSpPr>
-        <p:spPr>
-          <a:xfrm>
-            <a:off x="9309553" y="2244767"/>
-            <a:ext cx="0" cy="1019133"/>
-          </a:xfrm>
-          <a:prstGeom prst="straightConnector1">
-            <a:avLst/>
-          </a:prstGeom>
-          <a:ln>
-            <a:solidFill>
-              <a:srgbClr val="FF0000"/>
-            </a:solidFill>
-            <a:headEnd type="triangle"/>
-            <a:tailEnd type="triangle"/>
-          </a:ln>
-        </p:spPr>
-        <p:style>
-          <a:lnRef idx="2">
-            <a:schemeClr val="accent1"/>
-          </a:lnRef>
-          <a:fillRef idx="0">
-            <a:schemeClr val="accent1"/>
-          </a:fillRef>
-          <a:effectRef idx="1">
-            <a:schemeClr val="accent1"/>
-          </a:effectRef>
-          <a:fontRef idx="minor">
-            <a:schemeClr val="tx1"/>
-          </a:fontRef>
-        </p:style>
-      </p:cxnSp>
-      <p:sp>
-        <p:nvSpPr>
-          <p:cNvPr id="23" name="TextBox 22">
-            <a:extLst>
-              <a:ext uri="{FF2B5EF4-FFF2-40B4-BE49-F238E27FC236}">
-                <a16:creationId xmlns:a16="http://schemas.microsoft.com/office/drawing/2014/main" id="{055192A8-AB50-BFF3-E790-6D05266F8CC7}"/>
-              </a:ext>
-            </a:extLst>
-          </p:cNvPr>
-          <p:cNvSpPr txBox="1"/>
-          <p:nvPr/>
-        </p:nvSpPr>
-        <p:spPr>
-          <a:xfrm>
-            <a:off x="8868681" y="2627375"/>
-            <a:ext cx="577850" cy="253916"/>
-          </a:xfrm>
-          <a:prstGeom prst="rect">
-            <a:avLst/>
-          </a:prstGeom>
-          <a:noFill/>
-        </p:spPr>
-        <p:txBody>
-          <a:bodyPr wrap="square" rtlCol="0">
-            <a:spAutoFit/>
-          </a:bodyPr>
-          <a:lstStyle/>
-          <a:p>
-            <a:r>
-              <a:rPr lang="en-US" altLang="ko-KR" sz="1000" dirty="0">
-                <a:solidFill>
-                  <a:srgbClr val="FF0000"/>
-                </a:solidFill>
-              </a:rPr>
-              <a:t>1800</a:t>
-            </a:r>
-            <a:endParaRPr lang="ko-KR" altLang="en-US" sz="1000" dirty="0">
-              <a:solidFill>
-                <a:srgbClr val="FF0000"/>
-              </a:solidFill>
-            </a:endParaRPr>
-          </a:p>
-        </p:txBody>
-      </p:sp>
-      <p:cxnSp>
-        <p:nvCxnSpPr>
-          <p:cNvPr id="24" name="직선 화살표 연결선 23">
-            <a:extLst>
-              <a:ext uri="{FF2B5EF4-FFF2-40B4-BE49-F238E27FC236}">
-                <a16:creationId xmlns:a16="http://schemas.microsoft.com/office/drawing/2014/main" id="{A10D45DD-01C1-B2B9-AEA9-B93BD7FFF30B}"/>
-              </a:ext>
-            </a:extLst>
-          </p:cNvPr>
-          <p:cNvCxnSpPr>
-            <a:cxnSpLocks/>
-          </p:cNvCxnSpPr>
-          <p:nvPr/>
-        </p:nvCxnSpPr>
-        <p:spPr>
-          <a:xfrm>
-            <a:off x="9309553" y="708067"/>
-            <a:ext cx="0" cy="1019133"/>
-          </a:xfrm>
-          <a:prstGeom prst="straightConnector1">
-            <a:avLst/>
-          </a:prstGeom>
-          <a:ln>
-            <a:solidFill>
-              <a:srgbClr val="FF0000"/>
-            </a:solidFill>
-            <a:headEnd type="triangle"/>
-            <a:tailEnd type="triangle"/>
-          </a:ln>
-        </p:spPr>
-        <p:style>
-          <a:lnRef idx="2">
-            <a:schemeClr val="accent1"/>
-          </a:lnRef>
-          <a:fillRef idx="0">
-            <a:schemeClr val="accent1"/>
-          </a:fillRef>
-          <a:effectRef idx="1">
-            <a:schemeClr val="accent1"/>
-          </a:effectRef>
-          <a:fontRef idx="minor">
-            <a:schemeClr val="tx1"/>
-          </a:fontRef>
-        </p:style>
-      </p:cxnSp>
-      <p:sp>
-        <p:nvSpPr>
-          <p:cNvPr id="25" name="TextBox 24">
-            <a:extLst>
-              <a:ext uri="{FF2B5EF4-FFF2-40B4-BE49-F238E27FC236}">
-                <a16:creationId xmlns:a16="http://schemas.microsoft.com/office/drawing/2014/main" id="{63A19B91-E762-D2CC-289C-A244A0305ECA}"/>
-              </a:ext>
-            </a:extLst>
-          </p:cNvPr>
-          <p:cNvSpPr txBox="1"/>
-          <p:nvPr/>
-        </p:nvSpPr>
-        <p:spPr>
-          <a:xfrm>
-            <a:off x="8868681" y="1090675"/>
-            <a:ext cx="577850" cy="253916"/>
-          </a:xfrm>
-          <a:prstGeom prst="rect">
-            <a:avLst/>
-          </a:prstGeom>
-          <a:noFill/>
-        </p:spPr>
-        <p:txBody>
-          <a:bodyPr wrap="square" rtlCol="0">
-            <a:spAutoFit/>
-          </a:bodyPr>
-          <a:lstStyle/>
-          <a:p>
-            <a:r>
-              <a:rPr lang="en-US" altLang="ko-KR" sz="1000" dirty="0">
-                <a:solidFill>
-                  <a:srgbClr val="FF0000"/>
-                </a:solidFill>
-              </a:rPr>
-              <a:t>1800</a:t>
-            </a:r>
-            <a:endParaRPr lang="ko-KR" altLang="en-US" sz="1000" dirty="0">
-              <a:solidFill>
-                <a:srgbClr val="FF0000"/>
-              </a:solidFill>
-            </a:endParaRPr>
-          </a:p>
-        </p:txBody>
-      </p:sp>
-      <p:cxnSp>
-        <p:nvCxnSpPr>
-          <p:cNvPr id="26" name="직선 화살표 연결선 25">
-            <a:extLst>
-              <a:ext uri="{FF2B5EF4-FFF2-40B4-BE49-F238E27FC236}">
-                <a16:creationId xmlns:a16="http://schemas.microsoft.com/office/drawing/2014/main" id="{3110F013-04F7-06D2-D043-ABC32FC2D7A5}"/>
-              </a:ext>
-            </a:extLst>
-          </p:cNvPr>
-          <p:cNvCxnSpPr>
-            <a:cxnSpLocks/>
-          </p:cNvCxnSpPr>
-          <p:nvPr/>
-        </p:nvCxnSpPr>
-        <p:spPr>
-          <a:xfrm>
-            <a:off x="7341053" y="384217"/>
-            <a:ext cx="0" cy="1152483"/>
-          </a:xfrm>
-          <a:prstGeom prst="straightConnector1">
-            <a:avLst/>
-          </a:prstGeom>
-          <a:ln>
-            <a:solidFill>
-              <a:srgbClr val="FF0000"/>
-            </a:solidFill>
-            <a:headEnd type="triangle"/>
-            <a:tailEnd type="triangle"/>
-          </a:ln>
-        </p:spPr>
-        <p:style>
-          <a:lnRef idx="2">
-            <a:schemeClr val="accent1"/>
-          </a:lnRef>
-          <a:fillRef idx="0">
-            <a:schemeClr val="accent1"/>
-          </a:fillRef>
-          <a:effectRef idx="1">
-            <a:schemeClr val="accent1"/>
-          </a:effectRef>
-          <a:fontRef idx="minor">
-            <a:schemeClr val="tx1"/>
-          </a:fontRef>
-        </p:style>
-      </p:cxnSp>
-      <p:sp>
-        <p:nvSpPr>
-          <p:cNvPr id="28" name="TextBox 27">
-            <a:extLst>
-              <a:ext uri="{FF2B5EF4-FFF2-40B4-BE49-F238E27FC236}">
-                <a16:creationId xmlns:a16="http://schemas.microsoft.com/office/drawing/2014/main" id="{D57AC600-B004-A0DE-7C6D-0D8248A6873B}"/>
-              </a:ext>
-            </a:extLst>
-          </p:cNvPr>
-          <p:cNvSpPr txBox="1"/>
-          <p:nvPr/>
-        </p:nvSpPr>
-        <p:spPr>
-          <a:xfrm>
-            <a:off x="7306581" y="887475"/>
-            <a:ext cx="577850" cy="253916"/>
-          </a:xfrm>
-          <a:prstGeom prst="rect">
-            <a:avLst/>
-          </a:prstGeom>
-          <a:noFill/>
-        </p:spPr>
-        <p:txBody>
-          <a:bodyPr wrap="square" rtlCol="0">
-            <a:spAutoFit/>
-          </a:bodyPr>
-          <a:lstStyle/>
-          <a:p>
-            <a:r>
-              <a:rPr lang="en-US" altLang="ko-KR" sz="1000" dirty="0">
-                <a:solidFill>
-                  <a:srgbClr val="FF0000"/>
-                </a:solidFill>
-              </a:rPr>
-              <a:t>2000</a:t>
-            </a:r>
-            <a:endParaRPr lang="ko-KR" altLang="en-US" sz="1000" dirty="0">
-              <a:solidFill>
-                <a:srgbClr val="FF0000"/>
-              </a:solidFill>
-            </a:endParaRPr>
-          </a:p>
-        </p:txBody>
-      </p:sp>
-      <p:cxnSp>
-        <p:nvCxnSpPr>
-          <p:cNvPr id="29" name="직선 화살표 연결선 28">
-            <a:extLst>
-              <a:ext uri="{FF2B5EF4-FFF2-40B4-BE49-F238E27FC236}">
-                <a16:creationId xmlns:a16="http://schemas.microsoft.com/office/drawing/2014/main" id="{ADAE072F-D0C7-38DB-000A-372884D6780F}"/>
-              </a:ext>
-            </a:extLst>
-          </p:cNvPr>
-          <p:cNvCxnSpPr>
-            <a:cxnSpLocks/>
-          </p:cNvCxnSpPr>
-          <p:nvPr/>
-        </p:nvCxnSpPr>
-        <p:spPr>
-          <a:xfrm>
-            <a:off x="9446983" y="384217"/>
-            <a:ext cx="0" cy="1654133"/>
-          </a:xfrm>
-          <a:prstGeom prst="straightConnector1">
-            <a:avLst/>
-          </a:prstGeom>
-          <a:ln>
-            <a:solidFill>
-              <a:srgbClr val="FF0000"/>
-            </a:solidFill>
-            <a:headEnd type="triangle"/>
-            <a:tailEnd type="triangle"/>
-          </a:ln>
-        </p:spPr>
-        <p:style>
-          <a:lnRef idx="2">
-            <a:schemeClr val="accent1"/>
-          </a:lnRef>
-          <a:fillRef idx="0">
-            <a:schemeClr val="accent1"/>
-          </a:fillRef>
-          <a:effectRef idx="1">
-            <a:schemeClr val="accent1"/>
-          </a:effectRef>
-          <a:fontRef idx="minor">
-            <a:schemeClr val="tx1"/>
-          </a:fontRef>
-        </p:style>
-      </p:cxnSp>
-      <p:sp>
-        <p:nvSpPr>
-          <p:cNvPr id="30" name="TextBox 29">
-            <a:extLst>
-              <a:ext uri="{FF2B5EF4-FFF2-40B4-BE49-F238E27FC236}">
-                <a16:creationId xmlns:a16="http://schemas.microsoft.com/office/drawing/2014/main" id="{7BC221BF-3F3A-C23E-18F5-B0DE8D62CA9D}"/>
-              </a:ext>
-            </a:extLst>
-          </p:cNvPr>
-          <p:cNvSpPr txBox="1"/>
-          <p:nvPr/>
-        </p:nvSpPr>
-        <p:spPr>
-          <a:xfrm>
-            <a:off x="9412511" y="1095500"/>
-            <a:ext cx="577850" cy="253916"/>
-          </a:xfrm>
-          <a:prstGeom prst="rect">
-            <a:avLst/>
-          </a:prstGeom>
-          <a:noFill/>
-        </p:spPr>
-        <p:txBody>
-          <a:bodyPr wrap="square" rtlCol="0">
-            <a:spAutoFit/>
-          </a:bodyPr>
-          <a:lstStyle/>
-          <a:p>
-            <a:r>
-              <a:rPr lang="en-US" altLang="ko-KR" sz="1000" dirty="0">
-                <a:solidFill>
-                  <a:srgbClr val="FF0000"/>
-                </a:solidFill>
-              </a:rPr>
-              <a:t>2850</a:t>
-            </a:r>
-            <a:endParaRPr lang="ko-KR" altLang="en-US" sz="1000" dirty="0">
-              <a:solidFill>
-                <a:srgbClr val="FF0000"/>
-              </a:solidFill>
-            </a:endParaRPr>
-          </a:p>
-        </p:txBody>
-      </p:sp>
-      <p:cxnSp>
-        <p:nvCxnSpPr>
-          <p:cNvPr id="32" name="직선 화살표 연결선 31">
-            <a:extLst>
-              <a:ext uri="{FF2B5EF4-FFF2-40B4-BE49-F238E27FC236}">
-                <a16:creationId xmlns:a16="http://schemas.microsoft.com/office/drawing/2014/main" id="{5D10763C-F3F6-58EB-6A90-D1E15F5D3736}"/>
-              </a:ext>
-            </a:extLst>
-          </p:cNvPr>
-          <p:cNvCxnSpPr>
-            <a:cxnSpLocks/>
-          </p:cNvCxnSpPr>
-          <p:nvPr/>
-        </p:nvCxnSpPr>
-        <p:spPr>
-          <a:xfrm>
-            <a:off x="9446983" y="2133600"/>
-            <a:ext cx="0" cy="1371600"/>
-          </a:xfrm>
-          <a:prstGeom prst="straightConnector1">
-            <a:avLst/>
-          </a:prstGeom>
-          <a:ln>
-            <a:solidFill>
-              <a:srgbClr val="FF0000"/>
-            </a:solidFill>
-            <a:headEnd type="triangle"/>
-            <a:tailEnd type="triangle"/>
-          </a:ln>
-        </p:spPr>
-        <p:style>
-          <a:lnRef idx="2">
-            <a:schemeClr val="accent1"/>
-          </a:lnRef>
-          <a:fillRef idx="0">
-            <a:schemeClr val="accent1"/>
-          </a:fillRef>
-          <a:effectRef idx="1">
-            <a:schemeClr val="accent1"/>
-          </a:effectRef>
-          <a:fontRef idx="minor">
-            <a:schemeClr val="tx1"/>
-          </a:fontRef>
-        </p:style>
-      </p:cxnSp>
-      <p:sp>
-        <p:nvSpPr>
-          <p:cNvPr id="34" name="TextBox 33">
-            <a:extLst>
-              <a:ext uri="{FF2B5EF4-FFF2-40B4-BE49-F238E27FC236}">
-                <a16:creationId xmlns:a16="http://schemas.microsoft.com/office/drawing/2014/main" id="{17DD88FE-042F-D801-DF8D-E8992A411E8D}"/>
-              </a:ext>
-            </a:extLst>
-          </p:cNvPr>
-          <p:cNvSpPr txBox="1"/>
-          <p:nvPr/>
-        </p:nvSpPr>
-        <p:spPr>
-          <a:xfrm>
-            <a:off x="9412511" y="2627375"/>
-            <a:ext cx="577850" cy="253916"/>
-          </a:xfrm>
-          <a:prstGeom prst="rect">
-            <a:avLst/>
-          </a:prstGeom>
-          <a:noFill/>
-        </p:spPr>
-        <p:txBody>
-          <a:bodyPr wrap="square" rtlCol="0">
-            <a:spAutoFit/>
-          </a:bodyPr>
-          <a:lstStyle/>
-          <a:p>
-            <a:r>
-              <a:rPr lang="en-US" altLang="ko-KR" sz="1000" dirty="0">
-                <a:solidFill>
-                  <a:srgbClr val="FF0000"/>
-                </a:solidFill>
-              </a:rPr>
-              <a:t>2400</a:t>
-            </a:r>
-            <a:endParaRPr lang="ko-KR" altLang="en-US" sz="1000" dirty="0">
-              <a:solidFill>
-                <a:srgbClr val="FF0000"/>
-              </a:solidFill>
-            </a:endParaRPr>
-          </a:p>
-        </p:txBody>
-      </p:sp>
-      <p:cxnSp>
-        <p:nvCxnSpPr>
-          <p:cNvPr id="35" name="직선 화살표 연결선 34">
-            <a:extLst>
-              <a:ext uri="{FF2B5EF4-FFF2-40B4-BE49-F238E27FC236}">
-                <a16:creationId xmlns:a16="http://schemas.microsoft.com/office/drawing/2014/main" id="{4EFC6FE0-C7C1-2E08-82B0-074A73C810CC}"/>
-              </a:ext>
-            </a:extLst>
-          </p:cNvPr>
-          <p:cNvCxnSpPr>
-            <a:cxnSpLocks/>
-          </p:cNvCxnSpPr>
-          <p:nvPr/>
-        </p:nvCxnSpPr>
-        <p:spPr>
-          <a:xfrm>
-            <a:off x="7341053" y="2351191"/>
-            <a:ext cx="0" cy="649225"/>
-          </a:xfrm>
-          <a:prstGeom prst="straightConnector1">
-            <a:avLst/>
-          </a:prstGeom>
-          <a:ln>
-            <a:solidFill>
-              <a:srgbClr val="FF0000"/>
-            </a:solidFill>
-            <a:headEnd type="triangle"/>
-            <a:tailEnd type="triangle"/>
-          </a:ln>
-        </p:spPr>
-        <p:style>
-          <a:lnRef idx="2">
-            <a:schemeClr val="accent1"/>
-          </a:lnRef>
-          <a:fillRef idx="0">
-            <a:schemeClr val="accent1"/>
-          </a:fillRef>
-          <a:effectRef idx="1">
-            <a:schemeClr val="accent1"/>
-          </a:effectRef>
-          <a:fontRef idx="minor">
-            <a:schemeClr val="tx1"/>
-          </a:fontRef>
-        </p:style>
-      </p:cxnSp>
-      <p:sp>
-        <p:nvSpPr>
-          <p:cNvPr id="36" name="TextBox 35">
-            <a:extLst>
-              <a:ext uri="{FF2B5EF4-FFF2-40B4-BE49-F238E27FC236}">
-                <a16:creationId xmlns:a16="http://schemas.microsoft.com/office/drawing/2014/main" id="{87DDAAC1-73B2-0D6D-43BA-A4095779EC2F}"/>
-              </a:ext>
-            </a:extLst>
-          </p:cNvPr>
-          <p:cNvSpPr txBox="1"/>
-          <p:nvPr/>
-        </p:nvSpPr>
-        <p:spPr>
-          <a:xfrm>
-            <a:off x="7306581" y="2548125"/>
-            <a:ext cx="577850" cy="253916"/>
-          </a:xfrm>
-          <a:prstGeom prst="rect">
-            <a:avLst/>
-          </a:prstGeom>
-          <a:noFill/>
-        </p:spPr>
-        <p:txBody>
-          <a:bodyPr wrap="square" rtlCol="0">
-            <a:spAutoFit/>
-          </a:bodyPr>
-          <a:lstStyle/>
-          <a:p>
-            <a:r>
-              <a:rPr lang="en-US" altLang="ko-KR" sz="1000" dirty="0">
-                <a:solidFill>
-                  <a:srgbClr val="FF0000"/>
-                </a:solidFill>
-              </a:rPr>
-              <a:t>1150</a:t>
-            </a:r>
-            <a:endParaRPr lang="ko-KR" altLang="en-US" sz="1000" dirty="0">
-              <a:solidFill>
-                <a:srgbClr val="FF0000"/>
-              </a:solidFill>
-            </a:endParaRPr>
-          </a:p>
-        </p:txBody>
-      </p:sp>
-      <p:cxnSp>
-        <p:nvCxnSpPr>
-          <p:cNvPr id="38" name="직선 화살표 연결선 37">
-            <a:extLst>
-              <a:ext uri="{FF2B5EF4-FFF2-40B4-BE49-F238E27FC236}">
-                <a16:creationId xmlns:a16="http://schemas.microsoft.com/office/drawing/2014/main" id="{782B21E5-4574-73E1-7C0A-65A68631D273}"/>
-              </a:ext>
-            </a:extLst>
-          </p:cNvPr>
-          <p:cNvCxnSpPr>
-            <a:cxnSpLocks/>
-          </p:cNvCxnSpPr>
-          <p:nvPr/>
-        </p:nvCxnSpPr>
-        <p:spPr>
-          <a:xfrm>
-            <a:off x="8529862" y="3683000"/>
-            <a:ext cx="0" cy="395225"/>
-          </a:xfrm>
-          <a:prstGeom prst="straightConnector1">
-            <a:avLst/>
-          </a:prstGeom>
-          <a:ln>
-            <a:solidFill>
-              <a:srgbClr val="FF0000"/>
-            </a:solidFill>
-            <a:headEnd type="triangle"/>
-            <a:tailEnd type="triangle"/>
-          </a:ln>
-        </p:spPr>
-        <p:style>
-          <a:lnRef idx="2">
-            <a:schemeClr val="accent1"/>
-          </a:lnRef>
-          <a:fillRef idx="0">
-            <a:schemeClr val="accent1"/>
-          </a:fillRef>
-          <a:effectRef idx="1">
-            <a:schemeClr val="accent1"/>
-          </a:effectRef>
-          <a:fontRef idx="minor">
-            <a:schemeClr val="tx1"/>
-          </a:fontRef>
-        </p:style>
-      </p:cxnSp>
-      <p:sp>
-        <p:nvSpPr>
-          <p:cNvPr id="40" name="TextBox 39">
-            <a:extLst>
-              <a:ext uri="{FF2B5EF4-FFF2-40B4-BE49-F238E27FC236}">
-                <a16:creationId xmlns:a16="http://schemas.microsoft.com/office/drawing/2014/main" id="{5A13EE76-D1E5-F675-6819-85987E0E4E3E}"/>
-              </a:ext>
-            </a:extLst>
-          </p:cNvPr>
-          <p:cNvSpPr txBox="1"/>
-          <p:nvPr/>
-        </p:nvSpPr>
-        <p:spPr>
-          <a:xfrm>
-            <a:off x="8125731" y="3753654"/>
-            <a:ext cx="577850" cy="253916"/>
-          </a:xfrm>
-          <a:prstGeom prst="rect">
-            <a:avLst/>
-          </a:prstGeom>
-          <a:noFill/>
-        </p:spPr>
-        <p:txBody>
-          <a:bodyPr wrap="square" rtlCol="0">
-            <a:spAutoFit/>
-          </a:bodyPr>
-          <a:lstStyle/>
-          <a:p>
-            <a:r>
-              <a:rPr lang="en-US" altLang="ko-KR" sz="1000" dirty="0">
-                <a:solidFill>
-                  <a:srgbClr val="FF0000"/>
-                </a:solidFill>
-              </a:rPr>
-              <a:t>645</a:t>
-            </a:r>
-            <a:endParaRPr lang="ko-KR" altLang="en-US" sz="1000" dirty="0">
-              <a:solidFill>
-                <a:srgbClr val="FF0000"/>
-              </a:solidFill>
-            </a:endParaRPr>
-          </a:p>
-        </p:txBody>
-      </p:sp>
-      <p:cxnSp>
-        <p:nvCxnSpPr>
-          <p:cNvPr id="41" name="직선 화살표 연결선 40">
-            <a:extLst>
-              <a:ext uri="{FF2B5EF4-FFF2-40B4-BE49-F238E27FC236}">
-                <a16:creationId xmlns:a16="http://schemas.microsoft.com/office/drawing/2014/main" id="{BB1E5CCD-7A46-8741-E14B-C97DF7BFC755}"/>
-              </a:ext>
-            </a:extLst>
-          </p:cNvPr>
-          <p:cNvCxnSpPr>
-            <a:cxnSpLocks/>
-          </p:cNvCxnSpPr>
-          <p:nvPr/>
-        </p:nvCxnSpPr>
-        <p:spPr>
-          <a:xfrm>
-            <a:off x="9761762" y="4126780"/>
-            <a:ext cx="0" cy="197612"/>
-          </a:xfrm>
-          <a:prstGeom prst="straightConnector1">
-            <a:avLst/>
-          </a:prstGeom>
-          <a:ln>
-            <a:solidFill>
-              <a:srgbClr val="FF0000"/>
-            </a:solidFill>
-            <a:headEnd type="triangle"/>
-            <a:tailEnd type="triangle"/>
-          </a:ln>
-        </p:spPr>
-        <p:style>
-          <a:lnRef idx="2">
-            <a:schemeClr val="accent1"/>
-          </a:lnRef>
-          <a:fillRef idx="0">
-            <a:schemeClr val="accent1"/>
-          </a:fillRef>
-          <a:effectRef idx="1">
-            <a:schemeClr val="accent1"/>
-          </a:effectRef>
-          <a:fontRef idx="minor">
-            <a:schemeClr val="tx1"/>
-          </a:fontRef>
-        </p:style>
-      </p:cxnSp>
-      <p:sp>
-        <p:nvSpPr>
-          <p:cNvPr id="42" name="TextBox 41">
-            <a:extLst>
-              <a:ext uri="{FF2B5EF4-FFF2-40B4-BE49-F238E27FC236}">
-                <a16:creationId xmlns:a16="http://schemas.microsoft.com/office/drawing/2014/main" id="{0932E21E-B40F-19F3-AFDB-7946E23695C7}"/>
-              </a:ext>
-            </a:extLst>
-          </p:cNvPr>
-          <p:cNvSpPr txBox="1"/>
-          <p:nvPr/>
-        </p:nvSpPr>
-        <p:spPr>
-          <a:xfrm>
-            <a:off x="9803947" y="4098628"/>
-            <a:ext cx="501648" cy="253916"/>
-          </a:xfrm>
-          <a:prstGeom prst="rect">
-            <a:avLst/>
-          </a:prstGeom>
-          <a:noFill/>
-        </p:spPr>
-        <p:txBody>
-          <a:bodyPr wrap="square" rtlCol="0">
-            <a:spAutoFit/>
-          </a:bodyPr>
-          <a:lstStyle/>
-          <a:p>
-            <a:r>
-              <a:rPr lang="en-US" altLang="ko-KR" sz="1000" dirty="0">
-                <a:solidFill>
-                  <a:srgbClr val="FF0000"/>
-                </a:solidFill>
-              </a:rPr>
-              <a:t>355</a:t>
-            </a:r>
-            <a:endParaRPr lang="ko-KR" altLang="en-US" sz="1000" dirty="0">
-              <a:solidFill>
-                <a:srgbClr val="FF0000"/>
-              </a:solidFill>
-            </a:endParaRPr>
-          </a:p>
-        </p:txBody>
-      </p:sp>
-      <p:cxnSp>
-        <p:nvCxnSpPr>
-          <p:cNvPr id="44" name="직선 화살표 연결선 43">
-            <a:extLst>
-              <a:ext uri="{FF2B5EF4-FFF2-40B4-BE49-F238E27FC236}">
-                <a16:creationId xmlns:a16="http://schemas.microsoft.com/office/drawing/2014/main" id="{4986C3BB-AC8C-5AD6-116D-08E5A559C1FD}"/>
-              </a:ext>
-            </a:extLst>
-          </p:cNvPr>
-          <p:cNvCxnSpPr>
-            <a:cxnSpLocks/>
-          </p:cNvCxnSpPr>
-          <p:nvPr/>
-        </p:nvCxnSpPr>
-        <p:spPr>
-          <a:xfrm>
-            <a:off x="9761762" y="4352544"/>
-            <a:ext cx="0" cy="492506"/>
-          </a:xfrm>
-          <a:prstGeom prst="straightConnector1">
-            <a:avLst/>
-          </a:prstGeom>
-          <a:ln>
-            <a:solidFill>
-              <a:srgbClr val="FF0000"/>
-            </a:solidFill>
-            <a:headEnd type="triangle"/>
-            <a:tailEnd type="triangle"/>
-          </a:ln>
-        </p:spPr>
-        <p:style>
-          <a:lnRef idx="2">
-            <a:schemeClr val="accent1"/>
-          </a:lnRef>
-          <a:fillRef idx="0">
-            <a:schemeClr val="accent1"/>
-          </a:fillRef>
-          <a:effectRef idx="1">
-            <a:schemeClr val="accent1"/>
-          </a:effectRef>
-          <a:fontRef idx="minor">
-            <a:schemeClr val="tx1"/>
-          </a:fontRef>
-        </p:style>
-      </p:cxnSp>
-      <p:sp>
-        <p:nvSpPr>
-          <p:cNvPr id="45" name="TextBox 44">
-            <a:extLst>
-              <a:ext uri="{FF2B5EF4-FFF2-40B4-BE49-F238E27FC236}">
-                <a16:creationId xmlns:a16="http://schemas.microsoft.com/office/drawing/2014/main" id="{B81E2E47-CFD9-E1D6-A8C7-0544A1217013}"/>
-              </a:ext>
-            </a:extLst>
-          </p:cNvPr>
-          <p:cNvSpPr txBox="1"/>
-          <p:nvPr/>
-        </p:nvSpPr>
-        <p:spPr>
-          <a:xfrm>
-            <a:off x="9803947" y="4467561"/>
-            <a:ext cx="501648" cy="253916"/>
-          </a:xfrm>
-          <a:prstGeom prst="rect">
-            <a:avLst/>
-          </a:prstGeom>
-          <a:noFill/>
-        </p:spPr>
-        <p:txBody>
-          <a:bodyPr wrap="square" rtlCol="0">
-            <a:spAutoFit/>
-          </a:bodyPr>
-          <a:lstStyle/>
-          <a:p>
-            <a:r>
-              <a:rPr lang="en-US" altLang="ko-KR" sz="1000" dirty="0">
-                <a:solidFill>
-                  <a:srgbClr val="FF0000"/>
-                </a:solidFill>
-              </a:rPr>
-              <a:t>730</a:t>
-            </a:r>
-            <a:endParaRPr lang="ko-KR" altLang="en-US" sz="1000" dirty="0">
-              <a:solidFill>
-                <a:srgbClr val="FF0000"/>
-              </a:solidFill>
-            </a:endParaRPr>
-          </a:p>
-        </p:txBody>
-      </p:sp>
-      <p:cxnSp>
-        <p:nvCxnSpPr>
-          <p:cNvPr id="46" name="직선 화살표 연결선 45">
-            <a:extLst>
-              <a:ext uri="{FF2B5EF4-FFF2-40B4-BE49-F238E27FC236}">
-                <a16:creationId xmlns:a16="http://schemas.microsoft.com/office/drawing/2014/main" id="{A0C81652-AF9B-1533-225A-DCF9DC08BE2F}"/>
-              </a:ext>
-            </a:extLst>
-          </p:cNvPr>
-          <p:cNvCxnSpPr>
-            <a:cxnSpLocks/>
-          </p:cNvCxnSpPr>
-          <p:nvPr/>
-        </p:nvCxnSpPr>
-        <p:spPr>
-          <a:xfrm>
-            <a:off x="9761762" y="4845050"/>
-            <a:ext cx="0" cy="492464"/>
-          </a:xfrm>
-          <a:prstGeom prst="straightConnector1">
-            <a:avLst/>
-          </a:prstGeom>
-          <a:ln>
-            <a:solidFill>
-              <a:srgbClr val="FF0000"/>
-            </a:solidFill>
-            <a:headEnd type="triangle"/>
-            <a:tailEnd type="triangle"/>
-          </a:ln>
-        </p:spPr>
-        <p:style>
-          <a:lnRef idx="2">
-            <a:schemeClr val="accent1"/>
-          </a:lnRef>
-          <a:fillRef idx="0">
-            <a:schemeClr val="accent1"/>
-          </a:fillRef>
-          <a:effectRef idx="1">
-            <a:schemeClr val="accent1"/>
-          </a:effectRef>
-          <a:fontRef idx="minor">
-            <a:schemeClr val="tx1"/>
-          </a:fontRef>
-        </p:style>
-      </p:cxnSp>
-      <p:sp>
-        <p:nvSpPr>
-          <p:cNvPr id="47" name="TextBox 46">
-            <a:extLst>
-              <a:ext uri="{FF2B5EF4-FFF2-40B4-BE49-F238E27FC236}">
-                <a16:creationId xmlns:a16="http://schemas.microsoft.com/office/drawing/2014/main" id="{DB7BA55A-56E7-78AF-7BFA-CDCD3EF2CDC2}"/>
-              </a:ext>
-            </a:extLst>
-          </p:cNvPr>
-          <p:cNvSpPr txBox="1"/>
-          <p:nvPr/>
-        </p:nvSpPr>
-        <p:spPr>
-          <a:xfrm>
-            <a:off x="9803947" y="4971459"/>
-            <a:ext cx="501648" cy="253916"/>
-          </a:xfrm>
-          <a:prstGeom prst="rect">
-            <a:avLst/>
-          </a:prstGeom>
-          <a:noFill/>
-        </p:spPr>
-        <p:txBody>
-          <a:bodyPr wrap="square" rtlCol="0">
-            <a:spAutoFit/>
-          </a:bodyPr>
-          <a:lstStyle/>
-          <a:p>
-            <a:r>
-              <a:rPr lang="en-US" altLang="ko-KR" sz="1000" dirty="0">
-                <a:solidFill>
-                  <a:srgbClr val="FF0000"/>
-                </a:solidFill>
-              </a:rPr>
-              <a:t>895</a:t>
-            </a:r>
-            <a:endParaRPr lang="ko-KR" altLang="en-US" sz="1000" dirty="0">
-              <a:solidFill>
-                <a:srgbClr val="FF0000"/>
-              </a:solidFill>
-            </a:endParaRPr>
-          </a:p>
-        </p:txBody>
-      </p:sp>
-      <p:cxnSp>
-        <p:nvCxnSpPr>
-          <p:cNvPr id="48" name="직선 화살표 연결선 47">
-            <a:extLst>
-              <a:ext uri="{FF2B5EF4-FFF2-40B4-BE49-F238E27FC236}">
-                <a16:creationId xmlns:a16="http://schemas.microsoft.com/office/drawing/2014/main" id="{A1224259-2A27-4BFC-1179-F5B4D45B76A0}"/>
-              </a:ext>
-            </a:extLst>
-          </p:cNvPr>
-          <p:cNvCxnSpPr>
-            <a:cxnSpLocks/>
-          </p:cNvCxnSpPr>
-          <p:nvPr/>
-        </p:nvCxnSpPr>
-        <p:spPr>
-          <a:xfrm>
-            <a:off x="9761762" y="5340392"/>
-            <a:ext cx="0" cy="455253"/>
-          </a:xfrm>
-          <a:prstGeom prst="straightConnector1">
-            <a:avLst/>
-          </a:prstGeom>
-          <a:ln>
-            <a:solidFill>
-              <a:srgbClr val="FF0000"/>
-            </a:solidFill>
-            <a:headEnd type="triangle"/>
-            <a:tailEnd type="triangle"/>
-          </a:ln>
-        </p:spPr>
-        <p:style>
-          <a:lnRef idx="2">
-            <a:schemeClr val="accent1"/>
-          </a:lnRef>
-          <a:fillRef idx="0">
-            <a:schemeClr val="accent1"/>
-          </a:fillRef>
-          <a:effectRef idx="1">
-            <a:schemeClr val="accent1"/>
-          </a:effectRef>
-          <a:fontRef idx="minor">
-            <a:schemeClr val="tx1"/>
-          </a:fontRef>
-        </p:style>
-      </p:cxnSp>
-      <p:sp>
-        <p:nvSpPr>
-          <p:cNvPr id="49" name="TextBox 48">
-            <a:extLst>
-              <a:ext uri="{FF2B5EF4-FFF2-40B4-BE49-F238E27FC236}">
-                <a16:creationId xmlns:a16="http://schemas.microsoft.com/office/drawing/2014/main" id="{7492F2F9-0FBB-B750-E71E-022A4493A5F0}"/>
-              </a:ext>
-            </a:extLst>
-          </p:cNvPr>
-          <p:cNvSpPr txBox="1"/>
-          <p:nvPr/>
-        </p:nvSpPr>
-        <p:spPr>
-          <a:xfrm>
-            <a:off x="9803947" y="5467350"/>
-            <a:ext cx="501648" cy="253916"/>
-          </a:xfrm>
-          <a:prstGeom prst="rect">
-            <a:avLst/>
-          </a:prstGeom>
-          <a:noFill/>
-        </p:spPr>
-        <p:txBody>
-          <a:bodyPr wrap="square" rtlCol="0">
-            <a:spAutoFit/>
-          </a:bodyPr>
-          <a:lstStyle/>
-          <a:p>
-            <a:r>
-              <a:rPr lang="en-US" altLang="ko-KR" sz="1000" dirty="0">
-                <a:solidFill>
-                  <a:srgbClr val="FF0000"/>
-                </a:solidFill>
-              </a:rPr>
-              <a:t>730</a:t>
-            </a:r>
-            <a:endParaRPr lang="ko-KR" altLang="en-US" sz="1000" dirty="0">
-              <a:solidFill>
-                <a:srgbClr val="FF0000"/>
-              </a:solidFill>
-            </a:endParaRPr>
-          </a:p>
-        </p:txBody>
-      </p:sp>
-      <p:cxnSp>
-        <p:nvCxnSpPr>
-          <p:cNvPr id="53" name="직선 화살표 연결선 52">
-            <a:extLst>
-              <a:ext uri="{FF2B5EF4-FFF2-40B4-BE49-F238E27FC236}">
-                <a16:creationId xmlns:a16="http://schemas.microsoft.com/office/drawing/2014/main" id="{5CF362D9-C588-7D7C-690A-5436C0989694}"/>
-              </a:ext>
-            </a:extLst>
-          </p:cNvPr>
-          <p:cNvCxnSpPr>
-            <a:cxnSpLocks/>
-          </p:cNvCxnSpPr>
-          <p:nvPr/>
-        </p:nvCxnSpPr>
-        <p:spPr>
-          <a:xfrm>
-            <a:off x="7322005" y="5960766"/>
-            <a:ext cx="0" cy="593089"/>
-          </a:xfrm>
-          <a:prstGeom prst="straightConnector1">
-            <a:avLst/>
-          </a:prstGeom>
-          <a:ln>
-            <a:solidFill>
-              <a:srgbClr val="FF0000"/>
-            </a:solidFill>
-            <a:headEnd type="triangle"/>
-            <a:tailEnd type="triangle"/>
-          </a:ln>
-        </p:spPr>
-        <p:style>
-          <a:lnRef idx="2">
-            <a:schemeClr val="accent1"/>
-          </a:lnRef>
-          <a:fillRef idx="0">
-            <a:schemeClr val="accent1"/>
-          </a:fillRef>
-          <a:effectRef idx="1">
-            <a:schemeClr val="accent1"/>
-          </a:effectRef>
-          <a:fontRef idx="minor">
-            <a:schemeClr val="tx1"/>
-          </a:fontRef>
-        </p:style>
-      </p:cxnSp>
-      <p:sp>
-        <p:nvSpPr>
-          <p:cNvPr id="54" name="TextBox 53">
-            <a:extLst>
-              <a:ext uri="{FF2B5EF4-FFF2-40B4-BE49-F238E27FC236}">
-                <a16:creationId xmlns:a16="http://schemas.microsoft.com/office/drawing/2014/main" id="{B44225E6-855F-CE52-41C5-36B31F832840}"/>
-              </a:ext>
-            </a:extLst>
-          </p:cNvPr>
-          <p:cNvSpPr txBox="1"/>
-          <p:nvPr/>
-        </p:nvSpPr>
-        <p:spPr>
-          <a:xfrm>
-            <a:off x="7261679" y="6133230"/>
-            <a:ext cx="577850" cy="253916"/>
-          </a:xfrm>
-          <a:prstGeom prst="rect">
-            <a:avLst/>
-          </a:prstGeom>
-          <a:noFill/>
-        </p:spPr>
-        <p:txBody>
-          <a:bodyPr wrap="square" rtlCol="0">
-            <a:spAutoFit/>
-          </a:bodyPr>
-          <a:lstStyle/>
-          <a:p>
-            <a:r>
-              <a:rPr lang="en-US" altLang="ko-KR" sz="1000" dirty="0">
-                <a:solidFill>
-                  <a:srgbClr val="FF0000"/>
-                </a:solidFill>
-              </a:rPr>
-              <a:t>1010</a:t>
-            </a:r>
-            <a:endParaRPr lang="ko-KR" altLang="en-US" sz="1000" dirty="0">
-              <a:solidFill>
-                <a:srgbClr val="FF0000"/>
-              </a:solidFill>
-            </a:endParaRPr>
-          </a:p>
-        </p:txBody>
-      </p:sp>
-      <p:cxnSp>
-        <p:nvCxnSpPr>
-          <p:cNvPr id="56" name="직선 화살표 연결선 55">
-            <a:extLst>
-              <a:ext uri="{FF2B5EF4-FFF2-40B4-BE49-F238E27FC236}">
-                <a16:creationId xmlns:a16="http://schemas.microsoft.com/office/drawing/2014/main" id="{06FD505D-E88F-5AD4-2B5F-4C2C590520B8}"/>
-              </a:ext>
-            </a:extLst>
-          </p:cNvPr>
-          <p:cNvCxnSpPr>
-            <a:cxnSpLocks/>
-          </p:cNvCxnSpPr>
-          <p:nvPr/>
-        </p:nvCxnSpPr>
-        <p:spPr>
-          <a:xfrm>
-            <a:off x="7629978" y="2124157"/>
-            <a:ext cx="0" cy="227034"/>
-          </a:xfrm>
-          <a:prstGeom prst="straightConnector1">
-            <a:avLst/>
-          </a:prstGeom>
-          <a:ln>
-            <a:solidFill>
-              <a:srgbClr val="FF0000"/>
-            </a:solidFill>
-            <a:headEnd type="triangle"/>
-            <a:tailEnd type="triangle"/>
-          </a:ln>
-        </p:spPr>
-        <p:style>
-          <a:lnRef idx="2">
-            <a:schemeClr val="accent1"/>
-          </a:lnRef>
-          <a:fillRef idx="0">
-            <a:schemeClr val="accent1"/>
-          </a:fillRef>
-          <a:effectRef idx="1">
-            <a:schemeClr val="accent1"/>
-          </a:effectRef>
-          <a:fontRef idx="minor">
-            <a:schemeClr val="tx1"/>
-          </a:fontRef>
-        </p:style>
-      </p:cxnSp>
-      <p:sp>
-        <p:nvSpPr>
-          <p:cNvPr id="57" name="TextBox 56">
-            <a:extLst>
-              <a:ext uri="{FF2B5EF4-FFF2-40B4-BE49-F238E27FC236}">
-                <a16:creationId xmlns:a16="http://schemas.microsoft.com/office/drawing/2014/main" id="{68A2DDC0-8D53-BA4D-5179-B3207391DDA8}"/>
-              </a:ext>
-            </a:extLst>
-          </p:cNvPr>
-          <p:cNvSpPr txBox="1"/>
-          <p:nvPr/>
-        </p:nvSpPr>
-        <p:spPr>
-          <a:xfrm>
-            <a:off x="7595506" y="2124241"/>
-            <a:ext cx="577850" cy="253916"/>
-          </a:xfrm>
-          <a:prstGeom prst="rect">
-            <a:avLst/>
-          </a:prstGeom>
-          <a:noFill/>
-        </p:spPr>
-        <p:txBody>
-          <a:bodyPr wrap="square" rtlCol="0">
-            <a:spAutoFit/>
-          </a:bodyPr>
-          <a:lstStyle/>
-          <a:p>
-            <a:r>
-              <a:rPr lang="en-US" altLang="ko-KR" sz="1000" dirty="0">
-                <a:solidFill>
-                  <a:srgbClr val="FF0000"/>
-                </a:solidFill>
-              </a:rPr>
-              <a:t>40</a:t>
-            </a:r>
-            <a:endParaRPr lang="ko-KR" altLang="en-US" sz="1000" dirty="0">
-              <a:solidFill>
-                <a:srgbClr val="FF0000"/>
-              </a:solidFill>
-            </a:endParaRPr>
-          </a:p>
-        </p:txBody>
-      </p:sp>
-      <p:sp>
-        <p:nvSpPr>
-          <p:cNvPr id="59" name="TextBox 58">
-            <a:extLst>
-              <a:ext uri="{FF2B5EF4-FFF2-40B4-BE49-F238E27FC236}">
-                <a16:creationId xmlns:a16="http://schemas.microsoft.com/office/drawing/2014/main" id="{5208F2CE-198C-492A-8E0A-1B27A48DF15D}"/>
-              </a:ext>
-            </a:extLst>
-          </p:cNvPr>
-          <p:cNvSpPr txBox="1"/>
-          <p:nvPr/>
-        </p:nvSpPr>
-        <p:spPr>
-          <a:xfrm>
-            <a:off x="2676978" y="5556037"/>
-            <a:ext cx="577850" cy="253916"/>
-          </a:xfrm>
-          <a:prstGeom prst="rect">
-            <a:avLst/>
-          </a:prstGeom>
-          <a:noFill/>
-        </p:spPr>
-        <p:txBody>
-          <a:bodyPr wrap="square" rtlCol="0">
-            <a:spAutoFit/>
-          </a:bodyPr>
-          <a:lstStyle/>
-          <a:p>
-            <a:r>
-              <a:rPr lang="en-US" altLang="ko-KR" sz="1000" dirty="0">
-                <a:solidFill>
-                  <a:srgbClr val="FF0000"/>
-                </a:solidFill>
-              </a:rPr>
-              <a:t>1450</a:t>
-            </a:r>
-            <a:endParaRPr lang="ko-KR" altLang="en-US" sz="1000" dirty="0">
-              <a:solidFill>
-                <a:srgbClr val="FF0000"/>
-              </a:solidFill>
-            </a:endParaRPr>
-          </a:p>
-        </p:txBody>
-      </p:sp>
-      <p:cxnSp>
-        <p:nvCxnSpPr>
-          <p:cNvPr id="63" name="직선 화살표 연결선 62">
-            <a:extLst>
-              <a:ext uri="{FF2B5EF4-FFF2-40B4-BE49-F238E27FC236}">
-                <a16:creationId xmlns:a16="http://schemas.microsoft.com/office/drawing/2014/main" id="{646E2B8A-6FAA-C99F-07CA-7F51649C16E4}"/>
-              </a:ext>
-            </a:extLst>
-          </p:cNvPr>
-          <p:cNvCxnSpPr>
-            <a:cxnSpLocks/>
-          </p:cNvCxnSpPr>
-          <p:nvPr/>
-        </p:nvCxnSpPr>
-        <p:spPr>
-          <a:xfrm flipH="1">
-            <a:off x="2438400" y="5822950"/>
-            <a:ext cx="844550" cy="0"/>
-          </a:xfrm>
-          <a:prstGeom prst="straightConnector1">
-            <a:avLst/>
-          </a:prstGeom>
-          <a:ln>
-            <a:solidFill>
-              <a:srgbClr val="FF0000"/>
-            </a:solidFill>
-            <a:headEnd type="triangle"/>
-            <a:tailEnd type="triangle"/>
-          </a:ln>
-        </p:spPr>
-        <p:style>
-          <a:lnRef idx="2">
-            <a:schemeClr val="accent1"/>
-          </a:lnRef>
-          <a:fillRef idx="0">
-            <a:schemeClr val="accent1"/>
-          </a:fillRef>
-          <a:effectRef idx="1">
-            <a:schemeClr val="accent1"/>
-          </a:effectRef>
-          <a:fontRef idx="minor">
-            <a:schemeClr val="tx1"/>
-          </a:fontRef>
-        </p:style>
-      </p:cxnSp>
-      <p:sp>
-        <p:nvSpPr>
-          <p:cNvPr id="66" name="TextBox 65">
-            <a:extLst>
-              <a:ext uri="{FF2B5EF4-FFF2-40B4-BE49-F238E27FC236}">
-                <a16:creationId xmlns:a16="http://schemas.microsoft.com/office/drawing/2014/main" id="{E2954C60-2EA0-9223-9C53-7B3E904FAB6A}"/>
-              </a:ext>
-            </a:extLst>
-          </p:cNvPr>
-          <p:cNvSpPr txBox="1"/>
-          <p:nvPr/>
-        </p:nvSpPr>
-        <p:spPr>
-          <a:xfrm>
-            <a:off x="3594780" y="5567805"/>
-            <a:ext cx="577850" cy="253916"/>
-          </a:xfrm>
-          <a:prstGeom prst="rect">
-            <a:avLst/>
-          </a:prstGeom>
-          <a:noFill/>
-        </p:spPr>
-        <p:txBody>
-          <a:bodyPr wrap="square" rtlCol="0">
-            <a:spAutoFit/>
-          </a:bodyPr>
-          <a:lstStyle/>
-          <a:p>
-            <a:r>
-              <a:rPr lang="en-US" altLang="ko-KR" sz="1000" dirty="0">
-                <a:solidFill>
-                  <a:srgbClr val="FF0000"/>
-                </a:solidFill>
-              </a:rPr>
-              <a:t>1700</a:t>
-            </a:r>
-            <a:endParaRPr lang="ko-KR" altLang="en-US" sz="1000" dirty="0">
-              <a:solidFill>
-                <a:srgbClr val="FF0000"/>
-              </a:solidFill>
-            </a:endParaRPr>
-          </a:p>
-        </p:txBody>
-      </p:sp>
-      <p:cxnSp>
-        <p:nvCxnSpPr>
-          <p:cNvPr id="67" name="직선 화살표 연결선 66">
-            <a:extLst>
-              <a:ext uri="{FF2B5EF4-FFF2-40B4-BE49-F238E27FC236}">
-                <a16:creationId xmlns:a16="http://schemas.microsoft.com/office/drawing/2014/main" id="{DF1EE01D-DA71-39FE-3A30-F6F20EE76EF1}"/>
-              </a:ext>
-            </a:extLst>
-          </p:cNvPr>
-          <p:cNvCxnSpPr>
-            <a:cxnSpLocks/>
-          </p:cNvCxnSpPr>
-          <p:nvPr/>
-        </p:nvCxnSpPr>
-        <p:spPr>
-          <a:xfrm flipH="1">
-            <a:off x="3284309" y="5822950"/>
-            <a:ext cx="1020991" cy="0"/>
-          </a:xfrm>
-          <a:prstGeom prst="straightConnector1">
-            <a:avLst/>
-          </a:prstGeom>
-          <a:ln>
-            <a:solidFill>
-              <a:srgbClr val="FF0000"/>
-            </a:solidFill>
-            <a:headEnd type="triangle"/>
-            <a:tailEnd type="triangle"/>
-          </a:ln>
-        </p:spPr>
-        <p:style>
-          <a:lnRef idx="2">
-            <a:schemeClr val="accent1"/>
-          </a:lnRef>
-          <a:fillRef idx="0">
-            <a:schemeClr val="accent1"/>
-          </a:fillRef>
-          <a:effectRef idx="1">
-            <a:schemeClr val="accent1"/>
-          </a:effectRef>
-          <a:fontRef idx="minor">
-            <a:schemeClr val="tx1"/>
-          </a:fontRef>
-        </p:style>
-      </p:cxnSp>
-      <p:cxnSp>
-        <p:nvCxnSpPr>
-          <p:cNvPr id="69" name="직선 화살표 연결선 68">
-            <a:extLst>
-              <a:ext uri="{FF2B5EF4-FFF2-40B4-BE49-F238E27FC236}">
-                <a16:creationId xmlns:a16="http://schemas.microsoft.com/office/drawing/2014/main" id="{5D0046AB-1105-8A62-2439-3D9B40F499B4}"/>
-              </a:ext>
-            </a:extLst>
-          </p:cNvPr>
-          <p:cNvCxnSpPr>
-            <a:cxnSpLocks/>
-          </p:cNvCxnSpPr>
-          <p:nvPr/>
-        </p:nvCxnSpPr>
-        <p:spPr>
-          <a:xfrm flipH="1">
-            <a:off x="4306659" y="5822950"/>
-            <a:ext cx="233591" cy="0"/>
-          </a:xfrm>
-          <a:prstGeom prst="straightConnector1">
-            <a:avLst/>
-          </a:prstGeom>
-          <a:ln>
-            <a:solidFill>
-              <a:srgbClr val="FF0000"/>
-            </a:solidFill>
-            <a:headEnd type="triangle"/>
-            <a:tailEnd type="triangle"/>
-          </a:ln>
-        </p:spPr>
-        <p:style>
-          <a:lnRef idx="2">
-            <a:schemeClr val="accent1"/>
-          </a:lnRef>
-          <a:fillRef idx="0">
-            <a:schemeClr val="accent1"/>
-          </a:fillRef>
-          <a:effectRef idx="1">
-            <a:schemeClr val="accent1"/>
-          </a:effectRef>
-          <a:fontRef idx="minor">
-            <a:schemeClr val="tx1"/>
-          </a:fontRef>
-        </p:style>
-      </p:cxnSp>
-      <p:sp>
-        <p:nvSpPr>
-          <p:cNvPr id="71" name="TextBox 70">
-            <a:extLst>
-              <a:ext uri="{FF2B5EF4-FFF2-40B4-BE49-F238E27FC236}">
-                <a16:creationId xmlns:a16="http://schemas.microsoft.com/office/drawing/2014/main" id="{B34AEF24-5A5F-291A-E839-5E2E3070D8F5}"/>
-              </a:ext>
-            </a:extLst>
-          </p:cNvPr>
-          <p:cNvSpPr txBox="1"/>
-          <p:nvPr/>
-        </p:nvSpPr>
-        <p:spPr>
-          <a:xfrm>
-            <a:off x="4212545" y="5567805"/>
-            <a:ext cx="577850" cy="253916"/>
-          </a:xfrm>
-          <a:prstGeom prst="rect">
-            <a:avLst/>
-          </a:prstGeom>
-          <a:noFill/>
-        </p:spPr>
-        <p:txBody>
-          <a:bodyPr wrap="square" rtlCol="0">
-            <a:spAutoFit/>
-          </a:bodyPr>
-          <a:lstStyle/>
-          <a:p>
-            <a:r>
-              <a:rPr lang="en-US" altLang="ko-KR" sz="1000" dirty="0">
-                <a:solidFill>
-                  <a:srgbClr val="FF0000"/>
-                </a:solidFill>
-              </a:rPr>
-              <a:t>400</a:t>
-            </a:r>
-            <a:endParaRPr lang="ko-KR" altLang="en-US" sz="1000" dirty="0">
-              <a:solidFill>
-                <a:srgbClr val="FF0000"/>
-              </a:solidFill>
-            </a:endParaRPr>
-          </a:p>
-        </p:txBody>
-      </p:sp>
-      <p:cxnSp>
-        <p:nvCxnSpPr>
-          <p:cNvPr id="72" name="직선 화살표 연결선 71">
-            <a:extLst>
-              <a:ext uri="{FF2B5EF4-FFF2-40B4-BE49-F238E27FC236}">
-                <a16:creationId xmlns:a16="http://schemas.microsoft.com/office/drawing/2014/main" id="{6A087F69-DB41-D8B0-074A-D6A3FEB66E2D}"/>
-              </a:ext>
-            </a:extLst>
-          </p:cNvPr>
-          <p:cNvCxnSpPr>
-            <a:cxnSpLocks/>
-          </p:cNvCxnSpPr>
-          <p:nvPr/>
-        </p:nvCxnSpPr>
-        <p:spPr>
-          <a:xfrm flipH="1">
-            <a:off x="4695142" y="6515333"/>
-            <a:ext cx="265569" cy="0"/>
-          </a:xfrm>
-          <a:prstGeom prst="straightConnector1">
-            <a:avLst/>
-          </a:prstGeom>
-          <a:ln>
-            <a:solidFill>
-              <a:srgbClr val="FF0000"/>
-            </a:solidFill>
-            <a:headEnd type="triangle"/>
-            <a:tailEnd type="triangle"/>
-          </a:ln>
-        </p:spPr>
-        <p:style>
-          <a:lnRef idx="2">
-            <a:schemeClr val="accent1"/>
-          </a:lnRef>
-          <a:fillRef idx="0">
-            <a:schemeClr val="accent1"/>
-          </a:fillRef>
-          <a:effectRef idx="1">
-            <a:schemeClr val="accent1"/>
-          </a:effectRef>
-          <a:fontRef idx="minor">
-            <a:schemeClr val="tx1"/>
-          </a:fontRef>
-        </p:style>
-      </p:cxnSp>
-      <p:sp>
-        <p:nvSpPr>
-          <p:cNvPr id="73" name="TextBox 72">
-            <a:extLst>
-              <a:ext uri="{FF2B5EF4-FFF2-40B4-BE49-F238E27FC236}">
-                <a16:creationId xmlns:a16="http://schemas.microsoft.com/office/drawing/2014/main" id="{E2226169-122B-1164-FFB1-2EEDC4FD8C67}"/>
-              </a:ext>
-            </a:extLst>
-          </p:cNvPr>
-          <p:cNvSpPr txBox="1"/>
-          <p:nvPr/>
-        </p:nvSpPr>
-        <p:spPr>
-          <a:xfrm>
-            <a:off x="4671786" y="6260188"/>
-            <a:ext cx="577850" cy="253916"/>
-          </a:xfrm>
-          <a:prstGeom prst="rect">
-            <a:avLst/>
-          </a:prstGeom>
-          <a:noFill/>
-        </p:spPr>
-        <p:txBody>
-          <a:bodyPr wrap="square" rtlCol="0">
-            <a:spAutoFit/>
-          </a:bodyPr>
-          <a:lstStyle/>
-          <a:p>
-            <a:r>
-              <a:rPr lang="en-US" altLang="ko-KR" sz="1000" dirty="0">
-                <a:solidFill>
-                  <a:srgbClr val="FF0000"/>
-                </a:solidFill>
-              </a:rPr>
-              <a:t>450</a:t>
-            </a:r>
-            <a:endParaRPr lang="ko-KR" altLang="en-US" sz="1000" dirty="0">
-              <a:solidFill>
-                <a:srgbClr val="FF0000"/>
-              </a:solidFill>
-            </a:endParaRPr>
-          </a:p>
-        </p:txBody>
-      </p:sp>
-      <p:cxnSp>
-        <p:nvCxnSpPr>
-          <p:cNvPr id="74" name="직선 화살표 연결선 73">
-            <a:extLst>
-              <a:ext uri="{FF2B5EF4-FFF2-40B4-BE49-F238E27FC236}">
-                <a16:creationId xmlns:a16="http://schemas.microsoft.com/office/drawing/2014/main" id="{0E3D1F13-F2F2-D966-C101-63A30EFFABA2}"/>
-              </a:ext>
-            </a:extLst>
-          </p:cNvPr>
-          <p:cNvCxnSpPr>
-            <a:cxnSpLocks/>
-          </p:cNvCxnSpPr>
-          <p:nvPr/>
-        </p:nvCxnSpPr>
-        <p:spPr>
-          <a:xfrm flipH="1">
-            <a:off x="6901767" y="6515333"/>
-            <a:ext cx="233591" cy="0"/>
-          </a:xfrm>
-          <a:prstGeom prst="straightConnector1">
-            <a:avLst/>
-          </a:prstGeom>
-          <a:ln>
-            <a:solidFill>
-              <a:srgbClr val="FF0000"/>
-            </a:solidFill>
-            <a:headEnd type="triangle"/>
-            <a:tailEnd type="triangle"/>
-          </a:ln>
-        </p:spPr>
-        <p:style>
-          <a:lnRef idx="2">
-            <a:schemeClr val="accent1"/>
-          </a:lnRef>
-          <a:fillRef idx="0">
-            <a:schemeClr val="accent1"/>
-          </a:fillRef>
-          <a:effectRef idx="1">
-            <a:schemeClr val="accent1"/>
-          </a:effectRef>
-          <a:fontRef idx="minor">
-            <a:schemeClr val="tx1"/>
-          </a:fontRef>
-        </p:style>
-      </p:cxnSp>
-      <p:sp>
-        <p:nvSpPr>
-          <p:cNvPr id="75" name="TextBox 74">
-            <a:extLst>
-              <a:ext uri="{FF2B5EF4-FFF2-40B4-BE49-F238E27FC236}">
-                <a16:creationId xmlns:a16="http://schemas.microsoft.com/office/drawing/2014/main" id="{D19847E2-2D26-BE13-1B5F-91313E292A35}"/>
-              </a:ext>
-            </a:extLst>
-          </p:cNvPr>
-          <p:cNvSpPr txBox="1"/>
-          <p:nvPr/>
-        </p:nvSpPr>
-        <p:spPr>
-          <a:xfrm>
-            <a:off x="6807653" y="6260188"/>
-            <a:ext cx="577850" cy="253916"/>
-          </a:xfrm>
-          <a:prstGeom prst="rect">
-            <a:avLst/>
-          </a:prstGeom>
-          <a:noFill/>
-        </p:spPr>
-        <p:txBody>
-          <a:bodyPr wrap="square" rtlCol="0">
-            <a:spAutoFit/>
-          </a:bodyPr>
-          <a:lstStyle/>
-          <a:p>
-            <a:r>
-              <a:rPr lang="en-US" altLang="ko-KR" sz="1000" dirty="0">
-                <a:solidFill>
-                  <a:srgbClr val="FF0000"/>
-                </a:solidFill>
-              </a:rPr>
-              <a:t>400</a:t>
-            </a:r>
-            <a:endParaRPr lang="ko-KR" altLang="en-US" sz="1000" dirty="0">
-              <a:solidFill>
-                <a:srgbClr val="FF0000"/>
-              </a:solidFill>
-            </a:endParaRPr>
-          </a:p>
-        </p:txBody>
-      </p:sp>
-      <p:cxnSp>
-        <p:nvCxnSpPr>
-          <p:cNvPr id="77" name="직선 화살표 연결선 76">
-            <a:extLst>
-              <a:ext uri="{FF2B5EF4-FFF2-40B4-BE49-F238E27FC236}">
-                <a16:creationId xmlns:a16="http://schemas.microsoft.com/office/drawing/2014/main" id="{9B2C7ABE-3455-31C7-F773-D89A318D63A3}"/>
-              </a:ext>
-            </a:extLst>
-          </p:cNvPr>
-          <p:cNvCxnSpPr>
-            <a:cxnSpLocks/>
-          </p:cNvCxnSpPr>
-          <p:nvPr/>
-        </p:nvCxnSpPr>
-        <p:spPr>
-          <a:xfrm flipH="1">
-            <a:off x="7135358" y="5811816"/>
-            <a:ext cx="897392" cy="0"/>
-          </a:xfrm>
-          <a:prstGeom prst="straightConnector1">
-            <a:avLst/>
-          </a:prstGeom>
-          <a:ln>
-            <a:solidFill>
-              <a:srgbClr val="FF0000"/>
-            </a:solidFill>
-            <a:headEnd type="triangle"/>
-            <a:tailEnd type="triangle"/>
-          </a:ln>
-        </p:spPr>
-        <p:style>
-          <a:lnRef idx="2">
-            <a:schemeClr val="accent1"/>
-          </a:lnRef>
-          <a:fillRef idx="0">
-            <a:schemeClr val="accent1"/>
-          </a:fillRef>
-          <a:effectRef idx="1">
-            <a:schemeClr val="accent1"/>
-          </a:effectRef>
-          <a:fontRef idx="minor">
-            <a:schemeClr val="tx1"/>
-          </a:fontRef>
-        </p:style>
-      </p:cxnSp>
-      <p:sp>
-        <p:nvSpPr>
-          <p:cNvPr id="78" name="TextBox 77">
-            <a:extLst>
-              <a:ext uri="{FF2B5EF4-FFF2-40B4-BE49-F238E27FC236}">
-                <a16:creationId xmlns:a16="http://schemas.microsoft.com/office/drawing/2014/main" id="{17A1CAF5-BC39-4DF3-B175-E421483E3C34}"/>
-              </a:ext>
-            </a:extLst>
-          </p:cNvPr>
-          <p:cNvSpPr txBox="1"/>
-          <p:nvPr/>
-        </p:nvSpPr>
-        <p:spPr>
-          <a:xfrm>
-            <a:off x="7385503" y="5567805"/>
-            <a:ext cx="577850" cy="253916"/>
-          </a:xfrm>
-          <a:prstGeom prst="rect">
-            <a:avLst/>
-          </a:prstGeom>
-          <a:noFill/>
-        </p:spPr>
-        <p:txBody>
-          <a:bodyPr wrap="square" rtlCol="0">
-            <a:spAutoFit/>
-          </a:bodyPr>
-          <a:lstStyle/>
-          <a:p>
-            <a:r>
-              <a:rPr lang="en-US" altLang="ko-KR" sz="1000" dirty="0">
-                <a:solidFill>
-                  <a:srgbClr val="FF0000"/>
-                </a:solidFill>
-              </a:rPr>
-              <a:t>1650</a:t>
-            </a:r>
-            <a:endParaRPr lang="ko-KR" altLang="en-US" sz="1000" dirty="0">
-              <a:solidFill>
-                <a:srgbClr val="FF0000"/>
-              </a:solidFill>
-            </a:endParaRPr>
-          </a:p>
-        </p:txBody>
-      </p:sp>
-      <p:cxnSp>
-        <p:nvCxnSpPr>
-          <p:cNvPr id="80" name="직선 화살표 연결선 79">
-            <a:extLst>
-              <a:ext uri="{FF2B5EF4-FFF2-40B4-BE49-F238E27FC236}">
-                <a16:creationId xmlns:a16="http://schemas.microsoft.com/office/drawing/2014/main" id="{CA502E3F-6331-B4A0-C925-5652C97D8A9A}"/>
-              </a:ext>
-            </a:extLst>
-          </p:cNvPr>
-          <p:cNvCxnSpPr>
-            <a:cxnSpLocks/>
-          </p:cNvCxnSpPr>
-          <p:nvPr/>
-        </p:nvCxnSpPr>
-        <p:spPr>
-          <a:xfrm flipH="1">
-            <a:off x="8062004" y="5811816"/>
-            <a:ext cx="1018496" cy="0"/>
-          </a:xfrm>
-          <a:prstGeom prst="straightConnector1">
-            <a:avLst/>
-          </a:prstGeom>
-          <a:ln>
-            <a:solidFill>
-              <a:srgbClr val="FF0000"/>
-            </a:solidFill>
-            <a:headEnd type="triangle"/>
-            <a:tailEnd type="triangle"/>
-          </a:ln>
-        </p:spPr>
-        <p:style>
-          <a:lnRef idx="2">
-            <a:schemeClr val="accent1"/>
-          </a:lnRef>
-          <a:fillRef idx="0">
-            <a:schemeClr val="accent1"/>
-          </a:fillRef>
-          <a:effectRef idx="1">
-            <a:schemeClr val="accent1"/>
-          </a:effectRef>
-          <a:fontRef idx="minor">
-            <a:schemeClr val="tx1"/>
-          </a:fontRef>
-        </p:style>
-      </p:cxnSp>
-      <p:sp>
-        <p:nvSpPr>
-          <p:cNvPr id="81" name="TextBox 80">
-            <a:extLst>
-              <a:ext uri="{FF2B5EF4-FFF2-40B4-BE49-F238E27FC236}">
-                <a16:creationId xmlns:a16="http://schemas.microsoft.com/office/drawing/2014/main" id="{6352DBF5-612E-45E1-1D58-9D968F3FEE49}"/>
-              </a:ext>
-            </a:extLst>
-          </p:cNvPr>
-          <p:cNvSpPr txBox="1"/>
-          <p:nvPr/>
-        </p:nvSpPr>
-        <p:spPr>
-          <a:xfrm>
-            <a:off x="8347301" y="5602306"/>
-            <a:ext cx="577850" cy="253916"/>
-          </a:xfrm>
-          <a:prstGeom prst="rect">
-            <a:avLst/>
-          </a:prstGeom>
-          <a:noFill/>
-        </p:spPr>
-        <p:txBody>
-          <a:bodyPr wrap="square" rtlCol="0">
-            <a:spAutoFit/>
-          </a:bodyPr>
-          <a:lstStyle/>
-          <a:p>
-            <a:r>
-              <a:rPr lang="en-US" altLang="ko-KR" sz="1000" dirty="0">
-                <a:solidFill>
-                  <a:srgbClr val="FF0000"/>
-                </a:solidFill>
-              </a:rPr>
-              <a:t>1700</a:t>
-            </a:r>
-            <a:endParaRPr lang="ko-KR" altLang="en-US" sz="1000" dirty="0">
-              <a:solidFill>
-                <a:srgbClr val="FF0000"/>
-              </a:solidFill>
-            </a:endParaRPr>
-          </a:p>
-        </p:txBody>
-      </p:sp>
-      <p:cxnSp>
-        <p:nvCxnSpPr>
-          <p:cNvPr id="84" name="직선 화살표 연결선 83">
-            <a:extLst>
-              <a:ext uri="{FF2B5EF4-FFF2-40B4-BE49-F238E27FC236}">
-                <a16:creationId xmlns:a16="http://schemas.microsoft.com/office/drawing/2014/main" id="{0A8B9099-E049-13EF-B235-324751521325}"/>
-              </a:ext>
-            </a:extLst>
-          </p:cNvPr>
-          <p:cNvCxnSpPr>
-            <a:cxnSpLocks/>
-          </p:cNvCxnSpPr>
-          <p:nvPr/>
-        </p:nvCxnSpPr>
-        <p:spPr>
-          <a:xfrm flipH="1">
-            <a:off x="8062004" y="6596656"/>
-            <a:ext cx="1018496" cy="0"/>
-          </a:xfrm>
-          <a:prstGeom prst="straightConnector1">
-            <a:avLst/>
-          </a:prstGeom>
-          <a:ln>
-            <a:solidFill>
-              <a:srgbClr val="FF0000"/>
-            </a:solidFill>
-            <a:headEnd type="triangle"/>
-            <a:tailEnd type="triangle"/>
-          </a:ln>
-        </p:spPr>
-        <p:style>
-          <a:lnRef idx="2">
-            <a:schemeClr val="accent1"/>
-          </a:lnRef>
-          <a:fillRef idx="0">
-            <a:schemeClr val="accent1"/>
-          </a:fillRef>
-          <a:effectRef idx="1">
-            <a:schemeClr val="accent1"/>
-          </a:effectRef>
-          <a:fontRef idx="minor">
-            <a:schemeClr val="tx1"/>
-          </a:fontRef>
-        </p:style>
-      </p:cxnSp>
-      <p:sp>
-        <p:nvSpPr>
-          <p:cNvPr id="85" name="TextBox 84">
-            <a:extLst>
-              <a:ext uri="{FF2B5EF4-FFF2-40B4-BE49-F238E27FC236}">
-                <a16:creationId xmlns:a16="http://schemas.microsoft.com/office/drawing/2014/main" id="{77CC9555-60D5-4B2D-9E1A-F3898324878B}"/>
-              </a:ext>
-            </a:extLst>
-          </p:cNvPr>
-          <p:cNvSpPr txBox="1"/>
-          <p:nvPr/>
-        </p:nvSpPr>
-        <p:spPr>
-          <a:xfrm>
-            <a:off x="8347301" y="6387146"/>
-            <a:ext cx="577850" cy="253916"/>
-          </a:xfrm>
-          <a:prstGeom prst="rect">
-            <a:avLst/>
-          </a:prstGeom>
-          <a:noFill/>
-        </p:spPr>
-        <p:txBody>
-          <a:bodyPr wrap="square" rtlCol="0">
-            <a:spAutoFit/>
-          </a:bodyPr>
-          <a:lstStyle/>
-          <a:p>
-            <a:r>
-              <a:rPr lang="en-US" altLang="ko-KR" sz="1000" dirty="0">
-                <a:solidFill>
-                  <a:srgbClr val="FF0000"/>
-                </a:solidFill>
-              </a:rPr>
-              <a:t>1700</a:t>
-            </a:r>
-            <a:endParaRPr lang="ko-KR" altLang="en-US" sz="1000" dirty="0">
-              <a:solidFill>
-                <a:srgbClr val="FF0000"/>
-              </a:solidFill>
-            </a:endParaRPr>
-          </a:p>
-        </p:txBody>
-      </p:sp>
-      <p:cxnSp>
-        <p:nvCxnSpPr>
-          <p:cNvPr id="86" name="직선 화살표 연결선 85">
-            <a:extLst>
-              <a:ext uri="{FF2B5EF4-FFF2-40B4-BE49-F238E27FC236}">
-                <a16:creationId xmlns:a16="http://schemas.microsoft.com/office/drawing/2014/main" id="{C44D6A02-8A9A-C98C-4F8E-1F446BF9425E}"/>
-              </a:ext>
-            </a:extLst>
-          </p:cNvPr>
-          <p:cNvCxnSpPr>
-            <a:cxnSpLocks/>
-          </p:cNvCxnSpPr>
-          <p:nvPr/>
-        </p:nvCxnSpPr>
-        <p:spPr>
-          <a:xfrm flipH="1">
-            <a:off x="7280954" y="3662956"/>
-            <a:ext cx="1181327" cy="0"/>
-          </a:xfrm>
-          <a:prstGeom prst="straightConnector1">
-            <a:avLst/>
-          </a:prstGeom>
-          <a:ln>
-            <a:solidFill>
-              <a:srgbClr val="FF0000"/>
-            </a:solidFill>
-            <a:headEnd type="triangle"/>
-            <a:tailEnd type="triangle"/>
-          </a:ln>
-        </p:spPr>
-        <p:style>
-          <a:lnRef idx="2">
-            <a:schemeClr val="accent1"/>
-          </a:lnRef>
-          <a:fillRef idx="0">
-            <a:schemeClr val="accent1"/>
-          </a:fillRef>
-          <a:effectRef idx="1">
-            <a:schemeClr val="accent1"/>
-          </a:effectRef>
-          <a:fontRef idx="minor">
-            <a:schemeClr val="tx1"/>
-          </a:fontRef>
-        </p:style>
-      </p:cxnSp>
-      <p:sp>
-        <p:nvSpPr>
-          <p:cNvPr id="87" name="TextBox 86">
-            <a:extLst>
-              <a:ext uri="{FF2B5EF4-FFF2-40B4-BE49-F238E27FC236}">
-                <a16:creationId xmlns:a16="http://schemas.microsoft.com/office/drawing/2014/main" id="{926137A4-656C-9F70-4D32-A1527BE69020}"/>
-              </a:ext>
-            </a:extLst>
-          </p:cNvPr>
-          <p:cNvSpPr txBox="1"/>
-          <p:nvPr/>
-        </p:nvSpPr>
-        <p:spPr>
-          <a:xfrm>
-            <a:off x="7649481" y="3643906"/>
-            <a:ext cx="577850" cy="253916"/>
-          </a:xfrm>
-          <a:prstGeom prst="rect">
-            <a:avLst/>
-          </a:prstGeom>
-          <a:noFill/>
-        </p:spPr>
-        <p:txBody>
-          <a:bodyPr wrap="square" rtlCol="0">
-            <a:spAutoFit/>
-          </a:bodyPr>
-          <a:lstStyle/>
-          <a:p>
-            <a:r>
-              <a:rPr lang="en-US" altLang="ko-KR" sz="1000" dirty="0">
-                <a:solidFill>
-                  <a:srgbClr val="FF0000"/>
-                </a:solidFill>
-              </a:rPr>
-              <a:t>2100</a:t>
-            </a:r>
-            <a:endParaRPr lang="ko-KR" altLang="en-US" sz="1000" dirty="0">
-              <a:solidFill>
-                <a:srgbClr val="FF0000"/>
-              </a:solidFill>
-            </a:endParaRPr>
-          </a:p>
-        </p:txBody>
-      </p:sp>
-      <p:cxnSp>
-        <p:nvCxnSpPr>
-          <p:cNvPr id="89" name="직선 화살표 연결선 88">
-            <a:extLst>
-              <a:ext uri="{FF2B5EF4-FFF2-40B4-BE49-F238E27FC236}">
-                <a16:creationId xmlns:a16="http://schemas.microsoft.com/office/drawing/2014/main" id="{F2D5A50D-697D-DE04-99FC-04879D649A82}"/>
-              </a:ext>
-            </a:extLst>
-          </p:cNvPr>
-          <p:cNvCxnSpPr>
-            <a:cxnSpLocks/>
-          </p:cNvCxnSpPr>
-          <p:nvPr/>
-        </p:nvCxnSpPr>
-        <p:spPr>
-          <a:xfrm flipH="1">
-            <a:off x="7280954" y="3555006"/>
-            <a:ext cx="1964646" cy="0"/>
-          </a:xfrm>
-          <a:prstGeom prst="straightConnector1">
-            <a:avLst/>
-          </a:prstGeom>
-          <a:ln>
-            <a:solidFill>
-              <a:srgbClr val="FF0000"/>
-            </a:solidFill>
-            <a:headEnd type="triangle"/>
-            <a:tailEnd type="triangle"/>
-          </a:ln>
-        </p:spPr>
-        <p:style>
-          <a:lnRef idx="2">
-            <a:schemeClr val="accent1"/>
-          </a:lnRef>
-          <a:fillRef idx="0">
-            <a:schemeClr val="accent1"/>
-          </a:fillRef>
-          <a:effectRef idx="1">
-            <a:schemeClr val="accent1"/>
-          </a:effectRef>
-          <a:fontRef idx="minor">
-            <a:schemeClr val="tx1"/>
-          </a:fontRef>
-        </p:style>
-      </p:cxnSp>
-      <p:sp>
-        <p:nvSpPr>
-          <p:cNvPr id="91" name="TextBox 90">
-            <a:extLst>
-              <a:ext uri="{FF2B5EF4-FFF2-40B4-BE49-F238E27FC236}">
-                <a16:creationId xmlns:a16="http://schemas.microsoft.com/office/drawing/2014/main" id="{DC421319-C880-4442-956B-F2746157FD79}"/>
-              </a:ext>
-            </a:extLst>
-          </p:cNvPr>
-          <p:cNvSpPr txBox="1"/>
-          <p:nvPr/>
-        </p:nvSpPr>
-        <p:spPr>
-          <a:xfrm>
-            <a:off x="8017554" y="3274655"/>
-            <a:ext cx="577850" cy="253916"/>
-          </a:xfrm>
-          <a:prstGeom prst="rect">
-            <a:avLst/>
-          </a:prstGeom>
-          <a:noFill/>
-        </p:spPr>
-        <p:txBody>
-          <a:bodyPr wrap="square" rtlCol="0">
-            <a:spAutoFit/>
-          </a:bodyPr>
-          <a:lstStyle/>
-          <a:p>
-            <a:r>
-              <a:rPr lang="en-US" altLang="ko-KR" sz="1000" dirty="0">
-                <a:solidFill>
-                  <a:srgbClr val="FF0000"/>
-                </a:solidFill>
-              </a:rPr>
-              <a:t>3200</a:t>
-            </a:r>
-            <a:endParaRPr lang="ko-KR" altLang="en-US" sz="1000" dirty="0">
-              <a:solidFill>
-                <a:srgbClr val="FF0000"/>
-              </a:solidFill>
-            </a:endParaRPr>
-          </a:p>
-        </p:txBody>
-      </p:sp>
-      <p:cxnSp>
-        <p:nvCxnSpPr>
-          <p:cNvPr id="92" name="직선 화살표 연결선 91">
-            <a:extLst>
-              <a:ext uri="{FF2B5EF4-FFF2-40B4-BE49-F238E27FC236}">
-                <a16:creationId xmlns:a16="http://schemas.microsoft.com/office/drawing/2014/main" id="{BDC9AC18-36BB-1B8A-FBEA-D8CEFF398D6F}"/>
-              </a:ext>
-            </a:extLst>
-          </p:cNvPr>
-          <p:cNvCxnSpPr>
-            <a:cxnSpLocks/>
-          </p:cNvCxnSpPr>
-          <p:nvPr/>
-        </p:nvCxnSpPr>
-        <p:spPr>
-          <a:xfrm flipH="1">
-            <a:off x="7341053" y="333756"/>
-            <a:ext cx="1904547" cy="0"/>
-          </a:xfrm>
-          <a:prstGeom prst="straightConnector1">
-            <a:avLst/>
-          </a:prstGeom>
-          <a:ln>
-            <a:solidFill>
-              <a:srgbClr val="FF0000"/>
-            </a:solidFill>
-            <a:headEnd type="triangle"/>
-            <a:tailEnd type="triangle"/>
-          </a:ln>
-        </p:spPr>
-        <p:style>
-          <a:lnRef idx="2">
-            <a:schemeClr val="accent1"/>
-          </a:lnRef>
-          <a:fillRef idx="0">
-            <a:schemeClr val="accent1"/>
-          </a:fillRef>
-          <a:effectRef idx="1">
-            <a:schemeClr val="accent1"/>
-          </a:effectRef>
-          <a:fontRef idx="minor">
-            <a:schemeClr val="tx1"/>
-          </a:fontRef>
-        </p:style>
-      </p:cxnSp>
-      <p:sp>
-        <p:nvSpPr>
-          <p:cNvPr id="93" name="TextBox 92">
-            <a:extLst>
-              <a:ext uri="{FF2B5EF4-FFF2-40B4-BE49-F238E27FC236}">
-                <a16:creationId xmlns:a16="http://schemas.microsoft.com/office/drawing/2014/main" id="{B6A48CF9-9511-56A5-A2E4-CA62EBCBF76A}"/>
-              </a:ext>
-            </a:extLst>
-          </p:cNvPr>
-          <p:cNvSpPr txBox="1"/>
-          <p:nvPr/>
-        </p:nvSpPr>
-        <p:spPr>
-          <a:xfrm>
-            <a:off x="8083774" y="324612"/>
-            <a:ext cx="577850" cy="253916"/>
-          </a:xfrm>
-          <a:prstGeom prst="rect">
-            <a:avLst/>
-          </a:prstGeom>
-          <a:noFill/>
-        </p:spPr>
-        <p:txBody>
-          <a:bodyPr wrap="square" rtlCol="0">
-            <a:spAutoFit/>
-          </a:bodyPr>
-          <a:lstStyle/>
-          <a:p>
-            <a:r>
-              <a:rPr lang="en-US" altLang="ko-KR" sz="1000" dirty="0">
-                <a:solidFill>
-                  <a:srgbClr val="FF0000"/>
-                </a:solidFill>
-              </a:rPr>
-              <a:t>3200</a:t>
-            </a:r>
-            <a:endParaRPr lang="ko-KR" altLang="en-US" sz="1000" dirty="0">
-              <a:solidFill>
-                <a:srgbClr val="FF0000"/>
-              </a:solidFill>
-            </a:endParaRPr>
-          </a:p>
-        </p:txBody>
-      </p:sp>
-      <p:cxnSp>
-        <p:nvCxnSpPr>
-          <p:cNvPr id="95" name="직선 화살표 연결선 94">
-            <a:extLst>
-              <a:ext uri="{FF2B5EF4-FFF2-40B4-BE49-F238E27FC236}">
-                <a16:creationId xmlns:a16="http://schemas.microsoft.com/office/drawing/2014/main" id="{EC6EB139-C624-E6E5-82B6-DF24B8AD874B}"/>
-              </a:ext>
-            </a:extLst>
-          </p:cNvPr>
-          <p:cNvCxnSpPr>
-            <a:cxnSpLocks/>
-          </p:cNvCxnSpPr>
-          <p:nvPr/>
-        </p:nvCxnSpPr>
-        <p:spPr>
-          <a:xfrm flipH="1">
-            <a:off x="7322005" y="2350329"/>
-            <a:ext cx="317957" cy="0"/>
-          </a:xfrm>
-          <a:prstGeom prst="straightConnector1">
-            <a:avLst/>
-          </a:prstGeom>
-          <a:ln>
-            <a:solidFill>
-              <a:srgbClr val="FF0000"/>
-            </a:solidFill>
-            <a:headEnd type="triangle"/>
-            <a:tailEnd type="triangle"/>
-          </a:ln>
-        </p:spPr>
-        <p:style>
-          <a:lnRef idx="2">
-            <a:schemeClr val="accent1"/>
-          </a:lnRef>
-          <a:fillRef idx="0">
-            <a:schemeClr val="accent1"/>
-          </a:fillRef>
-          <a:effectRef idx="1">
-            <a:schemeClr val="accent1"/>
-          </a:effectRef>
-          <a:fontRef idx="minor">
-            <a:schemeClr val="tx1"/>
-          </a:fontRef>
-        </p:style>
-      </p:cxnSp>
-      <p:sp>
-        <p:nvSpPr>
-          <p:cNvPr id="96" name="TextBox 95">
-            <a:extLst>
-              <a:ext uri="{FF2B5EF4-FFF2-40B4-BE49-F238E27FC236}">
-                <a16:creationId xmlns:a16="http://schemas.microsoft.com/office/drawing/2014/main" id="{6EEF2924-1B60-4E0A-30C5-B85B869BE358}"/>
-              </a:ext>
-            </a:extLst>
-          </p:cNvPr>
-          <p:cNvSpPr txBox="1"/>
-          <p:nvPr/>
-        </p:nvSpPr>
-        <p:spPr>
-          <a:xfrm>
-            <a:off x="7356022" y="2341185"/>
-            <a:ext cx="577850" cy="253916"/>
-          </a:xfrm>
-          <a:prstGeom prst="rect">
-            <a:avLst/>
-          </a:prstGeom>
-          <a:noFill/>
-        </p:spPr>
-        <p:txBody>
-          <a:bodyPr wrap="square" rtlCol="0">
-            <a:spAutoFit/>
-          </a:bodyPr>
-          <a:lstStyle/>
-          <a:p>
-            <a:r>
-              <a:rPr lang="en-US" altLang="ko-KR" sz="1000" dirty="0">
-                <a:solidFill>
-                  <a:srgbClr val="FF0000"/>
-                </a:solidFill>
-              </a:rPr>
-              <a:t>48</a:t>
-            </a:r>
-            <a:endParaRPr lang="ko-KR" altLang="en-US" sz="1000" dirty="0">
-              <a:solidFill>
-                <a:srgbClr val="FF0000"/>
-              </a:solidFill>
-            </a:endParaRPr>
-          </a:p>
-        </p:txBody>
-      </p:sp>
-      <p:cxnSp>
-        <p:nvCxnSpPr>
-          <p:cNvPr id="99" name="직선 화살표 연결선 98">
-            <a:extLst>
-              <a:ext uri="{FF2B5EF4-FFF2-40B4-BE49-F238E27FC236}">
-                <a16:creationId xmlns:a16="http://schemas.microsoft.com/office/drawing/2014/main" id="{20A245C0-001D-FE5A-D713-739568D4EA3F}"/>
-              </a:ext>
-            </a:extLst>
-          </p:cNvPr>
-          <p:cNvCxnSpPr>
-            <a:cxnSpLocks/>
-          </p:cNvCxnSpPr>
-          <p:nvPr/>
-        </p:nvCxnSpPr>
-        <p:spPr>
-          <a:xfrm flipH="1">
-            <a:off x="7629978" y="2097806"/>
-            <a:ext cx="1615622" cy="0"/>
-          </a:xfrm>
-          <a:prstGeom prst="straightConnector1">
-            <a:avLst/>
-          </a:prstGeom>
-          <a:ln>
-            <a:solidFill>
-              <a:srgbClr val="FF0000"/>
-            </a:solidFill>
-            <a:headEnd type="triangle"/>
-            <a:tailEnd type="triangle"/>
-          </a:ln>
-        </p:spPr>
-        <p:style>
-          <a:lnRef idx="2">
-            <a:schemeClr val="accent1"/>
-          </a:lnRef>
-          <a:fillRef idx="0">
-            <a:schemeClr val="accent1"/>
-          </a:fillRef>
-          <a:effectRef idx="1">
-            <a:schemeClr val="accent1"/>
-          </a:effectRef>
-          <a:fontRef idx="minor">
-            <a:schemeClr val="tx1"/>
-          </a:fontRef>
-        </p:style>
-      </p:cxnSp>
-      <p:sp>
-        <p:nvSpPr>
-          <p:cNvPr id="100" name="TextBox 99">
-            <a:extLst>
-              <a:ext uri="{FF2B5EF4-FFF2-40B4-BE49-F238E27FC236}">
-                <a16:creationId xmlns:a16="http://schemas.microsoft.com/office/drawing/2014/main" id="{751B7D95-FB60-B29B-66A9-D3C4C7489D08}"/>
-              </a:ext>
-            </a:extLst>
-          </p:cNvPr>
-          <p:cNvSpPr txBox="1"/>
-          <p:nvPr/>
-        </p:nvSpPr>
-        <p:spPr>
-          <a:xfrm>
-            <a:off x="8083774" y="2088662"/>
-            <a:ext cx="577850" cy="253916"/>
-          </a:xfrm>
-          <a:prstGeom prst="rect">
-            <a:avLst/>
-          </a:prstGeom>
-          <a:noFill/>
-        </p:spPr>
-        <p:txBody>
-          <a:bodyPr wrap="square" rtlCol="0">
-            <a:spAutoFit/>
-          </a:bodyPr>
-          <a:lstStyle/>
-          <a:p>
-            <a:r>
-              <a:rPr lang="en-US" altLang="ko-KR" sz="1000" dirty="0">
-                <a:solidFill>
-                  <a:srgbClr val="FF0000"/>
-                </a:solidFill>
-              </a:rPr>
-              <a:t>2700</a:t>
-            </a:r>
-            <a:endParaRPr lang="ko-KR" altLang="en-US" sz="1000" dirty="0">
-              <a:solidFill>
-                <a:srgbClr val="FF0000"/>
-              </a:solidFill>
-            </a:endParaRPr>
-          </a:p>
-        </p:txBody>
-      </p:sp>
-      <p:cxnSp>
-        <p:nvCxnSpPr>
-          <p:cNvPr id="102" name="직선 화살표 연결선 101">
-            <a:extLst>
-              <a:ext uri="{FF2B5EF4-FFF2-40B4-BE49-F238E27FC236}">
-                <a16:creationId xmlns:a16="http://schemas.microsoft.com/office/drawing/2014/main" id="{4301D79C-3CCC-9A5B-D1FD-2D3D9A966D51}"/>
-              </a:ext>
-            </a:extLst>
-          </p:cNvPr>
-          <p:cNvCxnSpPr>
-            <a:cxnSpLocks/>
-          </p:cNvCxnSpPr>
-          <p:nvPr/>
-        </p:nvCxnSpPr>
-        <p:spPr>
-          <a:xfrm flipH="1">
-            <a:off x="8303986" y="4757148"/>
-            <a:ext cx="357638" cy="0"/>
-          </a:xfrm>
-          <a:prstGeom prst="straightConnector1">
-            <a:avLst/>
-          </a:prstGeom>
-          <a:ln>
-            <a:solidFill>
-              <a:srgbClr val="FF0000"/>
-            </a:solidFill>
-            <a:headEnd type="triangle"/>
-            <a:tailEnd type="triangle"/>
-          </a:ln>
-        </p:spPr>
-        <p:style>
-          <a:lnRef idx="2">
-            <a:schemeClr val="accent1"/>
-          </a:lnRef>
-          <a:fillRef idx="0">
-            <a:schemeClr val="accent1"/>
-          </a:fillRef>
-          <a:effectRef idx="1">
-            <a:schemeClr val="accent1"/>
-          </a:effectRef>
-          <a:fontRef idx="minor">
-            <a:schemeClr val="tx1"/>
-          </a:fontRef>
-        </p:style>
-      </p:cxnSp>
-      <p:sp>
-        <p:nvSpPr>
-          <p:cNvPr id="103" name="TextBox 102">
-            <a:extLst>
-              <a:ext uri="{FF2B5EF4-FFF2-40B4-BE49-F238E27FC236}">
-                <a16:creationId xmlns:a16="http://schemas.microsoft.com/office/drawing/2014/main" id="{A7BDB131-B795-2F98-8E50-B965D54F55A5}"/>
-              </a:ext>
-            </a:extLst>
-          </p:cNvPr>
-          <p:cNvSpPr txBox="1"/>
-          <p:nvPr/>
-        </p:nvSpPr>
-        <p:spPr>
-          <a:xfrm>
-            <a:off x="8306479" y="4500438"/>
-            <a:ext cx="577850" cy="253916"/>
-          </a:xfrm>
-          <a:prstGeom prst="rect">
-            <a:avLst/>
-          </a:prstGeom>
-          <a:noFill/>
-        </p:spPr>
-        <p:txBody>
-          <a:bodyPr wrap="square" rtlCol="0">
-            <a:spAutoFit/>
-          </a:bodyPr>
-          <a:lstStyle/>
-          <a:p>
-            <a:r>
-              <a:rPr lang="en-US" altLang="ko-KR" sz="1000" dirty="0">
-                <a:solidFill>
-                  <a:srgbClr val="FF0000"/>
-                </a:solidFill>
-              </a:rPr>
-              <a:t>650</a:t>
-            </a:r>
-            <a:endParaRPr lang="ko-KR" altLang="en-US" sz="1000" dirty="0">
-              <a:solidFill>
-                <a:srgbClr val="FF0000"/>
-              </a:solidFill>
-            </a:endParaRPr>
-          </a:p>
-        </p:txBody>
-      </p:sp>
-      <p:cxnSp>
-        <p:nvCxnSpPr>
-          <p:cNvPr id="105" name="직선 화살표 연결선 104">
-            <a:extLst>
-              <a:ext uri="{FF2B5EF4-FFF2-40B4-BE49-F238E27FC236}">
-                <a16:creationId xmlns:a16="http://schemas.microsoft.com/office/drawing/2014/main" id="{EE1B9C8A-B670-8020-F4D6-1E71AE7919B3}"/>
-              </a:ext>
-            </a:extLst>
-          </p:cNvPr>
-          <p:cNvCxnSpPr>
-            <a:cxnSpLocks/>
-          </p:cNvCxnSpPr>
-          <p:nvPr/>
-        </p:nvCxnSpPr>
-        <p:spPr>
-          <a:xfrm flipH="1">
-            <a:off x="8500154" y="4061589"/>
-            <a:ext cx="504146" cy="0"/>
-          </a:xfrm>
-          <a:prstGeom prst="straightConnector1">
-            <a:avLst/>
-          </a:prstGeom>
-          <a:ln>
-            <a:solidFill>
-              <a:srgbClr val="FF0000"/>
-            </a:solidFill>
-            <a:headEnd type="triangle"/>
-            <a:tailEnd type="triangle"/>
-          </a:ln>
-        </p:spPr>
-        <p:style>
-          <a:lnRef idx="2">
-            <a:schemeClr val="accent1"/>
-          </a:lnRef>
-          <a:fillRef idx="0">
-            <a:schemeClr val="accent1"/>
-          </a:fillRef>
-          <a:effectRef idx="1">
-            <a:schemeClr val="accent1"/>
-          </a:effectRef>
-          <a:fontRef idx="minor">
-            <a:schemeClr val="tx1"/>
-          </a:fontRef>
-        </p:style>
-      </p:cxnSp>
-      <p:sp>
-        <p:nvSpPr>
-          <p:cNvPr id="106" name="TextBox 105">
-            <a:extLst>
-              <a:ext uri="{FF2B5EF4-FFF2-40B4-BE49-F238E27FC236}">
-                <a16:creationId xmlns:a16="http://schemas.microsoft.com/office/drawing/2014/main" id="{84CE17BF-AE43-D277-5D15-03DBAFC2BEEE}"/>
-              </a:ext>
-            </a:extLst>
-          </p:cNvPr>
-          <p:cNvSpPr txBox="1"/>
-          <p:nvPr/>
-        </p:nvSpPr>
-        <p:spPr>
-          <a:xfrm>
-            <a:off x="8512967" y="4042539"/>
-            <a:ext cx="577850" cy="253916"/>
-          </a:xfrm>
-          <a:prstGeom prst="rect">
-            <a:avLst/>
-          </a:prstGeom>
-          <a:noFill/>
-        </p:spPr>
-        <p:txBody>
-          <a:bodyPr wrap="square" rtlCol="0">
-            <a:spAutoFit/>
-          </a:bodyPr>
-          <a:lstStyle/>
-          <a:p>
-            <a:r>
-              <a:rPr lang="en-US" altLang="ko-KR" sz="1000" dirty="0">
-                <a:solidFill>
-                  <a:srgbClr val="FF0000"/>
-                </a:solidFill>
-              </a:rPr>
-              <a:t>1200</a:t>
-            </a:r>
-            <a:endParaRPr lang="ko-KR" altLang="en-US" sz="1000" dirty="0">
-              <a:solidFill>
-                <a:srgbClr val="FF0000"/>
-              </a:solidFill>
-            </a:endParaRPr>
-          </a:p>
-        </p:txBody>
-      </p:sp>
-      <p:cxnSp>
-        <p:nvCxnSpPr>
-          <p:cNvPr id="108" name="직선 화살표 연결선 107">
-            <a:extLst>
-              <a:ext uri="{FF2B5EF4-FFF2-40B4-BE49-F238E27FC236}">
-                <a16:creationId xmlns:a16="http://schemas.microsoft.com/office/drawing/2014/main" id="{0CA0C9F9-4775-918C-019F-C54D62D4D02D}"/>
-              </a:ext>
-            </a:extLst>
-          </p:cNvPr>
-          <p:cNvCxnSpPr>
-            <a:cxnSpLocks/>
-          </p:cNvCxnSpPr>
-          <p:nvPr/>
-        </p:nvCxnSpPr>
-        <p:spPr>
-          <a:xfrm flipH="1">
-            <a:off x="9007587" y="4061589"/>
-            <a:ext cx="199913" cy="0"/>
-          </a:xfrm>
-          <a:prstGeom prst="straightConnector1">
-            <a:avLst/>
-          </a:prstGeom>
-          <a:ln>
-            <a:solidFill>
-              <a:srgbClr val="FF0000"/>
-            </a:solidFill>
-            <a:headEnd type="triangle"/>
-            <a:tailEnd type="triangle"/>
-          </a:ln>
-        </p:spPr>
-        <p:style>
-          <a:lnRef idx="2">
-            <a:schemeClr val="accent1"/>
-          </a:lnRef>
-          <a:fillRef idx="0">
-            <a:schemeClr val="accent1"/>
-          </a:fillRef>
-          <a:effectRef idx="1">
-            <a:schemeClr val="accent1"/>
-          </a:effectRef>
-          <a:fontRef idx="minor">
-            <a:schemeClr val="tx1"/>
-          </a:fontRef>
-        </p:style>
-      </p:cxnSp>
-      <p:sp>
-        <p:nvSpPr>
-          <p:cNvPr id="109" name="TextBox 108">
-            <a:extLst>
-              <a:ext uri="{FF2B5EF4-FFF2-40B4-BE49-F238E27FC236}">
-                <a16:creationId xmlns:a16="http://schemas.microsoft.com/office/drawing/2014/main" id="{5C9AF52E-4ADC-A3D7-C209-E5600D8C1409}"/>
-              </a:ext>
-            </a:extLst>
-          </p:cNvPr>
-          <p:cNvSpPr txBox="1"/>
-          <p:nvPr/>
-        </p:nvSpPr>
-        <p:spPr>
-          <a:xfrm>
-            <a:off x="8916080" y="4050706"/>
-            <a:ext cx="577850" cy="253916"/>
-          </a:xfrm>
-          <a:prstGeom prst="rect">
-            <a:avLst/>
-          </a:prstGeom>
-          <a:noFill/>
-        </p:spPr>
-        <p:txBody>
-          <a:bodyPr wrap="square" rtlCol="0">
-            <a:spAutoFit/>
-          </a:bodyPr>
-          <a:lstStyle/>
-          <a:p>
-            <a:r>
-              <a:rPr lang="en-US" altLang="ko-KR" sz="1000" dirty="0">
-                <a:solidFill>
-                  <a:srgbClr val="FF0000"/>
-                </a:solidFill>
-              </a:rPr>
-              <a:t>400</a:t>
-            </a:r>
-            <a:endParaRPr lang="ko-KR" altLang="en-US" sz="1000" dirty="0">
-              <a:solidFill>
-                <a:srgbClr val="FF0000"/>
-              </a:solidFill>
-            </a:endParaRPr>
-          </a:p>
-        </p:txBody>
-      </p:sp>
-      <p:cxnSp>
-        <p:nvCxnSpPr>
-          <p:cNvPr id="111" name="직선 화살표 연결선 110">
-            <a:extLst>
-              <a:ext uri="{FF2B5EF4-FFF2-40B4-BE49-F238E27FC236}">
-                <a16:creationId xmlns:a16="http://schemas.microsoft.com/office/drawing/2014/main" id="{5E7F824E-A76F-2D6B-5F30-44A365552456}"/>
-              </a:ext>
-            </a:extLst>
-          </p:cNvPr>
-          <p:cNvCxnSpPr>
-            <a:cxnSpLocks/>
-          </p:cNvCxnSpPr>
-          <p:nvPr/>
-        </p:nvCxnSpPr>
-        <p:spPr>
-          <a:xfrm flipH="1">
-            <a:off x="3930083" y="3849709"/>
-            <a:ext cx="610167" cy="0"/>
-          </a:xfrm>
-          <a:prstGeom prst="straightConnector1">
-            <a:avLst/>
-          </a:prstGeom>
-          <a:ln>
-            <a:solidFill>
-              <a:srgbClr val="FF0000"/>
-            </a:solidFill>
-            <a:headEnd type="triangle"/>
-            <a:tailEnd type="triangle"/>
-          </a:ln>
-        </p:spPr>
-        <p:style>
-          <a:lnRef idx="2">
-            <a:schemeClr val="accent1"/>
-          </a:lnRef>
-          <a:fillRef idx="0">
-            <a:schemeClr val="accent1"/>
-          </a:fillRef>
-          <a:effectRef idx="1">
-            <a:schemeClr val="accent1"/>
-          </a:effectRef>
-          <a:fontRef idx="minor">
-            <a:schemeClr val="tx1"/>
-          </a:fontRef>
-        </p:style>
-      </p:cxnSp>
-      <p:sp>
-        <p:nvSpPr>
-          <p:cNvPr id="112" name="TextBox 111">
-            <a:extLst>
-              <a:ext uri="{FF2B5EF4-FFF2-40B4-BE49-F238E27FC236}">
-                <a16:creationId xmlns:a16="http://schemas.microsoft.com/office/drawing/2014/main" id="{CA14537C-C9A6-8D77-9C0A-323AAEDEE60D}"/>
-              </a:ext>
-            </a:extLst>
-          </p:cNvPr>
-          <p:cNvSpPr txBox="1"/>
-          <p:nvPr/>
-        </p:nvSpPr>
-        <p:spPr>
-          <a:xfrm>
-            <a:off x="3987120" y="3830659"/>
-            <a:ext cx="577850" cy="253916"/>
-          </a:xfrm>
-          <a:prstGeom prst="rect">
-            <a:avLst/>
-          </a:prstGeom>
-          <a:noFill/>
-        </p:spPr>
-        <p:txBody>
-          <a:bodyPr wrap="square" rtlCol="0">
-            <a:spAutoFit/>
-          </a:bodyPr>
-          <a:lstStyle/>
-          <a:p>
-            <a:r>
-              <a:rPr lang="en-US" altLang="ko-KR" sz="1000" dirty="0">
-                <a:solidFill>
-                  <a:srgbClr val="FF0000"/>
-                </a:solidFill>
-              </a:rPr>
-              <a:t>1060</a:t>
-            </a:r>
-            <a:endParaRPr lang="ko-KR" altLang="en-US" sz="1000" dirty="0">
-              <a:solidFill>
-                <a:srgbClr val="FF0000"/>
-              </a:solidFill>
-            </a:endParaRPr>
-          </a:p>
-        </p:txBody>
-      </p:sp>
-      <p:cxnSp>
-        <p:nvCxnSpPr>
-          <p:cNvPr id="114" name="직선 화살표 연결선 113">
-            <a:extLst>
-              <a:ext uri="{FF2B5EF4-FFF2-40B4-BE49-F238E27FC236}">
-                <a16:creationId xmlns:a16="http://schemas.microsoft.com/office/drawing/2014/main" id="{D6727A0C-A522-D6F6-E8AE-A8DC8EA31D75}"/>
-              </a:ext>
-            </a:extLst>
-          </p:cNvPr>
-          <p:cNvCxnSpPr>
-            <a:cxnSpLocks/>
-          </p:cNvCxnSpPr>
-          <p:nvPr/>
-        </p:nvCxnSpPr>
-        <p:spPr>
-          <a:xfrm flipH="1">
-            <a:off x="4717313" y="3849709"/>
-            <a:ext cx="1835887" cy="0"/>
-          </a:xfrm>
-          <a:prstGeom prst="straightConnector1">
-            <a:avLst/>
-          </a:prstGeom>
-          <a:ln>
-            <a:solidFill>
-              <a:srgbClr val="FF0000"/>
-            </a:solidFill>
-            <a:headEnd type="triangle"/>
-            <a:tailEnd type="triangle"/>
-          </a:ln>
-        </p:spPr>
-        <p:style>
-          <a:lnRef idx="2">
-            <a:schemeClr val="accent1"/>
-          </a:lnRef>
-          <a:fillRef idx="0">
-            <a:schemeClr val="accent1"/>
-          </a:fillRef>
-          <a:effectRef idx="1">
-            <a:schemeClr val="accent1"/>
-          </a:effectRef>
-          <a:fontRef idx="minor">
-            <a:schemeClr val="tx1"/>
-          </a:fontRef>
-        </p:style>
-      </p:cxnSp>
-      <p:sp>
-        <p:nvSpPr>
-          <p:cNvPr id="115" name="TextBox 114">
-            <a:extLst>
-              <a:ext uri="{FF2B5EF4-FFF2-40B4-BE49-F238E27FC236}">
-                <a16:creationId xmlns:a16="http://schemas.microsoft.com/office/drawing/2014/main" id="{9FFBC16B-A7B4-5499-93A0-E1F303FBF562}"/>
-              </a:ext>
-            </a:extLst>
-          </p:cNvPr>
-          <p:cNvSpPr txBox="1"/>
-          <p:nvPr/>
-        </p:nvSpPr>
-        <p:spPr>
-          <a:xfrm>
-            <a:off x="5497058" y="3830659"/>
-            <a:ext cx="577850" cy="253916"/>
-          </a:xfrm>
-          <a:prstGeom prst="rect">
-            <a:avLst/>
-          </a:prstGeom>
-          <a:noFill/>
-        </p:spPr>
-        <p:txBody>
-          <a:bodyPr wrap="square" rtlCol="0">
-            <a:spAutoFit/>
-          </a:bodyPr>
-          <a:lstStyle/>
-          <a:p>
-            <a:r>
-              <a:rPr lang="en-US" altLang="ko-KR" sz="1000" dirty="0">
-                <a:solidFill>
-                  <a:srgbClr val="FF0000"/>
-                </a:solidFill>
-              </a:rPr>
-              <a:t>3150</a:t>
-            </a:r>
-            <a:endParaRPr lang="ko-KR" altLang="en-US" sz="1000" dirty="0">
-              <a:solidFill>
-                <a:srgbClr val="FF0000"/>
-              </a:solidFill>
-            </a:endParaRPr>
-          </a:p>
-        </p:txBody>
-      </p:sp>
-      <p:cxnSp>
-        <p:nvCxnSpPr>
-          <p:cNvPr id="117" name="직선 화살표 연결선 116">
-            <a:extLst>
-              <a:ext uri="{FF2B5EF4-FFF2-40B4-BE49-F238E27FC236}">
-                <a16:creationId xmlns:a16="http://schemas.microsoft.com/office/drawing/2014/main" id="{3BA93B6D-C7B4-A648-E327-A8876BE32736}"/>
-              </a:ext>
-            </a:extLst>
-          </p:cNvPr>
-          <p:cNvCxnSpPr>
-            <a:cxnSpLocks/>
-          </p:cNvCxnSpPr>
-          <p:nvPr/>
-        </p:nvCxnSpPr>
-        <p:spPr>
-          <a:xfrm flipH="1">
-            <a:off x="4995636" y="6515799"/>
-            <a:ext cx="1906131" cy="0"/>
-          </a:xfrm>
-          <a:prstGeom prst="straightConnector1">
-            <a:avLst/>
-          </a:prstGeom>
-          <a:ln>
-            <a:solidFill>
-              <a:srgbClr val="FF0000"/>
-            </a:solidFill>
-            <a:headEnd type="triangle"/>
-            <a:tailEnd type="triangle"/>
-          </a:ln>
-        </p:spPr>
-        <p:style>
-          <a:lnRef idx="2">
-            <a:schemeClr val="accent1"/>
-          </a:lnRef>
-          <a:fillRef idx="0">
-            <a:schemeClr val="accent1"/>
-          </a:fillRef>
-          <a:effectRef idx="1">
-            <a:schemeClr val="accent1"/>
-          </a:effectRef>
-          <a:fontRef idx="minor">
-            <a:schemeClr val="tx1"/>
-          </a:fontRef>
-        </p:style>
-      </p:cxnSp>
-      <p:sp>
-        <p:nvSpPr>
-          <p:cNvPr id="118" name="TextBox 117">
-            <a:extLst>
-              <a:ext uri="{FF2B5EF4-FFF2-40B4-BE49-F238E27FC236}">
-                <a16:creationId xmlns:a16="http://schemas.microsoft.com/office/drawing/2014/main" id="{A18389FE-03AB-6DD5-1ED2-9539D80A1C9C}"/>
-              </a:ext>
-            </a:extLst>
-          </p:cNvPr>
-          <p:cNvSpPr txBox="1"/>
-          <p:nvPr/>
-        </p:nvSpPr>
-        <p:spPr>
-          <a:xfrm>
-            <a:off x="5697081" y="6260188"/>
-            <a:ext cx="577850" cy="253916"/>
-          </a:xfrm>
-          <a:prstGeom prst="rect">
-            <a:avLst/>
-          </a:prstGeom>
-          <a:noFill/>
-        </p:spPr>
-        <p:txBody>
-          <a:bodyPr wrap="square" rtlCol="0">
-            <a:spAutoFit/>
-          </a:bodyPr>
-          <a:lstStyle/>
-          <a:p>
-            <a:r>
-              <a:rPr lang="en-US" altLang="ko-KR" sz="1000" dirty="0">
-                <a:solidFill>
-                  <a:srgbClr val="FF0000"/>
-                </a:solidFill>
-              </a:rPr>
-              <a:t>3300</a:t>
-            </a:r>
-            <a:endParaRPr lang="ko-KR" altLang="en-US" sz="1000" dirty="0">
-              <a:solidFill>
-                <a:srgbClr val="FF0000"/>
-              </a:solidFill>
-            </a:endParaRPr>
-          </a:p>
-        </p:txBody>
-      </p:sp>
-      <p:cxnSp>
-        <p:nvCxnSpPr>
-          <p:cNvPr id="120" name="직선 화살표 연결선 119">
-            <a:extLst>
-              <a:ext uri="{FF2B5EF4-FFF2-40B4-BE49-F238E27FC236}">
-                <a16:creationId xmlns:a16="http://schemas.microsoft.com/office/drawing/2014/main" id="{6FF47DD3-29C5-56F7-F990-7D15317AE53B}"/>
-              </a:ext>
-            </a:extLst>
-          </p:cNvPr>
-          <p:cNvCxnSpPr>
-            <a:cxnSpLocks/>
-          </p:cNvCxnSpPr>
-          <p:nvPr/>
-        </p:nvCxnSpPr>
-        <p:spPr>
-          <a:xfrm flipH="1">
-            <a:off x="4695142" y="6642757"/>
-            <a:ext cx="2440216" cy="0"/>
-          </a:xfrm>
-          <a:prstGeom prst="straightConnector1">
-            <a:avLst/>
-          </a:prstGeom>
-          <a:ln>
-            <a:solidFill>
-              <a:srgbClr val="FF0000"/>
-            </a:solidFill>
-            <a:headEnd type="triangle"/>
-            <a:tailEnd type="triangle"/>
-          </a:ln>
-        </p:spPr>
-        <p:style>
-          <a:lnRef idx="2">
-            <a:schemeClr val="accent1"/>
-          </a:lnRef>
-          <a:fillRef idx="0">
-            <a:schemeClr val="accent1"/>
-          </a:fillRef>
-          <a:effectRef idx="1">
-            <a:schemeClr val="accent1"/>
-          </a:effectRef>
-          <a:fontRef idx="minor">
-            <a:schemeClr val="tx1"/>
-          </a:fontRef>
-        </p:style>
-      </p:cxnSp>
-      <p:sp>
-        <p:nvSpPr>
-          <p:cNvPr id="121" name="TextBox 120">
-            <a:extLst>
-              <a:ext uri="{FF2B5EF4-FFF2-40B4-BE49-F238E27FC236}">
-                <a16:creationId xmlns:a16="http://schemas.microsoft.com/office/drawing/2014/main" id="{EC7EEC4F-63A4-F5A1-1EBC-72F1386AE341}"/>
-              </a:ext>
-            </a:extLst>
-          </p:cNvPr>
-          <p:cNvSpPr txBox="1"/>
-          <p:nvPr/>
-        </p:nvSpPr>
-        <p:spPr>
-          <a:xfrm>
-            <a:off x="5697081" y="6593605"/>
-            <a:ext cx="577850" cy="253916"/>
-          </a:xfrm>
-          <a:prstGeom prst="rect">
-            <a:avLst/>
-          </a:prstGeom>
-          <a:noFill/>
-        </p:spPr>
-        <p:txBody>
-          <a:bodyPr wrap="square" rtlCol="0">
-            <a:spAutoFit/>
-          </a:bodyPr>
-          <a:lstStyle/>
-          <a:p>
-            <a:r>
-              <a:rPr lang="en-US" altLang="ko-KR" sz="1000" dirty="0">
-                <a:solidFill>
-                  <a:srgbClr val="FF0000"/>
-                </a:solidFill>
-              </a:rPr>
-              <a:t>4100</a:t>
-            </a:r>
-            <a:endParaRPr lang="ko-KR" altLang="en-US" sz="1000" dirty="0">
-              <a:solidFill>
-                <a:srgbClr val="FF0000"/>
-              </a:solidFill>
-            </a:endParaRPr>
-          </a:p>
-        </p:txBody>
-      </p:sp>
-      <p:cxnSp>
-        <p:nvCxnSpPr>
-          <p:cNvPr id="124" name="직선 화살표 연결선 123">
-            <a:extLst>
-              <a:ext uri="{FF2B5EF4-FFF2-40B4-BE49-F238E27FC236}">
-                <a16:creationId xmlns:a16="http://schemas.microsoft.com/office/drawing/2014/main" id="{8DB3D1C0-F3BF-AA87-B351-6B1DD1ED98E4}"/>
-              </a:ext>
-            </a:extLst>
-          </p:cNvPr>
-          <p:cNvCxnSpPr>
-            <a:cxnSpLocks/>
-          </p:cNvCxnSpPr>
-          <p:nvPr/>
-        </p:nvCxnSpPr>
-        <p:spPr>
-          <a:xfrm flipH="1">
-            <a:off x="2445089" y="3849709"/>
-            <a:ext cx="895011" cy="0"/>
-          </a:xfrm>
-          <a:prstGeom prst="straightConnector1">
-            <a:avLst/>
-          </a:prstGeom>
-          <a:ln>
-            <a:solidFill>
-              <a:srgbClr val="FF0000"/>
-            </a:solidFill>
-            <a:headEnd type="triangle"/>
-            <a:tailEnd type="triangle"/>
-          </a:ln>
-        </p:spPr>
-        <p:style>
-          <a:lnRef idx="2">
-            <a:schemeClr val="accent1"/>
-          </a:lnRef>
-          <a:fillRef idx="0">
-            <a:schemeClr val="accent1"/>
-          </a:fillRef>
-          <a:effectRef idx="1">
-            <a:schemeClr val="accent1"/>
-          </a:effectRef>
-          <a:fontRef idx="minor">
-            <a:schemeClr val="tx1"/>
-          </a:fontRef>
-        </p:style>
-      </p:cxnSp>
-      <p:sp>
-        <p:nvSpPr>
-          <p:cNvPr id="125" name="TextBox 124">
-            <a:extLst>
-              <a:ext uri="{FF2B5EF4-FFF2-40B4-BE49-F238E27FC236}">
-                <a16:creationId xmlns:a16="http://schemas.microsoft.com/office/drawing/2014/main" id="{AFD01054-0D62-97C0-3B6B-F05A09D32B89}"/>
-              </a:ext>
-            </a:extLst>
-          </p:cNvPr>
-          <p:cNvSpPr txBox="1"/>
-          <p:nvPr/>
-        </p:nvSpPr>
-        <p:spPr>
-          <a:xfrm>
-            <a:off x="2647269" y="3830659"/>
-            <a:ext cx="577850" cy="253916"/>
-          </a:xfrm>
-          <a:prstGeom prst="rect">
-            <a:avLst/>
-          </a:prstGeom>
-          <a:noFill/>
-        </p:spPr>
-        <p:txBody>
-          <a:bodyPr wrap="square" rtlCol="0">
-            <a:spAutoFit/>
-          </a:bodyPr>
-          <a:lstStyle/>
-          <a:p>
-            <a:r>
-              <a:rPr lang="en-US" altLang="ko-KR" sz="1000" dirty="0">
-                <a:solidFill>
-                  <a:srgbClr val="FF0000"/>
-                </a:solidFill>
-              </a:rPr>
-              <a:t>1600</a:t>
-            </a:r>
-            <a:endParaRPr lang="ko-KR" altLang="en-US" sz="1000" dirty="0">
-              <a:solidFill>
-                <a:srgbClr val="FF0000"/>
-              </a:solidFill>
-            </a:endParaRPr>
-          </a:p>
-        </p:txBody>
-      </p:sp>
-      <p:cxnSp>
-        <p:nvCxnSpPr>
-          <p:cNvPr id="127" name="직선 화살표 연결선 126">
-            <a:extLst>
-              <a:ext uri="{FF2B5EF4-FFF2-40B4-BE49-F238E27FC236}">
-                <a16:creationId xmlns:a16="http://schemas.microsoft.com/office/drawing/2014/main" id="{4C8F6D24-2853-5DED-59A3-0C8C36128709}"/>
-              </a:ext>
-            </a:extLst>
-          </p:cNvPr>
-          <p:cNvCxnSpPr>
-            <a:cxnSpLocks/>
-          </p:cNvCxnSpPr>
-          <p:nvPr/>
-        </p:nvCxnSpPr>
-        <p:spPr>
-          <a:xfrm flipH="1">
-            <a:off x="3334089" y="2865459"/>
-            <a:ext cx="595994" cy="0"/>
-          </a:xfrm>
-          <a:prstGeom prst="straightConnector1">
-            <a:avLst/>
-          </a:prstGeom>
-          <a:ln>
-            <a:solidFill>
-              <a:srgbClr val="FF0000"/>
-            </a:solidFill>
-            <a:headEnd type="triangle"/>
-            <a:tailEnd type="triangle"/>
-          </a:ln>
-        </p:spPr>
-        <p:style>
-          <a:lnRef idx="2">
-            <a:schemeClr val="accent1"/>
-          </a:lnRef>
-          <a:fillRef idx="0">
-            <a:schemeClr val="accent1"/>
-          </a:fillRef>
-          <a:effectRef idx="1">
-            <a:schemeClr val="accent1"/>
-          </a:effectRef>
-          <a:fontRef idx="minor">
-            <a:schemeClr val="tx1"/>
-          </a:fontRef>
-        </p:style>
-      </p:cxnSp>
-      <p:sp>
-        <p:nvSpPr>
-          <p:cNvPr id="128" name="TextBox 127">
-            <a:extLst>
-              <a:ext uri="{FF2B5EF4-FFF2-40B4-BE49-F238E27FC236}">
-                <a16:creationId xmlns:a16="http://schemas.microsoft.com/office/drawing/2014/main" id="{DD3ED099-2FBB-2F57-06DA-571AE45ACA2D}"/>
-              </a:ext>
-            </a:extLst>
-          </p:cNvPr>
-          <p:cNvSpPr txBox="1"/>
-          <p:nvPr/>
-        </p:nvSpPr>
-        <p:spPr>
-          <a:xfrm>
-            <a:off x="3428320" y="2846409"/>
-            <a:ext cx="577850" cy="253916"/>
-          </a:xfrm>
-          <a:prstGeom prst="rect">
-            <a:avLst/>
-          </a:prstGeom>
-          <a:noFill/>
-        </p:spPr>
-        <p:txBody>
-          <a:bodyPr wrap="square" rtlCol="0">
-            <a:spAutoFit/>
-          </a:bodyPr>
-          <a:lstStyle/>
-          <a:p>
-            <a:r>
-              <a:rPr lang="en-US" altLang="ko-KR" sz="1000" dirty="0">
-                <a:solidFill>
-                  <a:srgbClr val="FF0000"/>
-                </a:solidFill>
-              </a:rPr>
-              <a:t>950</a:t>
-            </a:r>
-            <a:endParaRPr lang="ko-KR" altLang="en-US" sz="1000" dirty="0">
-              <a:solidFill>
-                <a:srgbClr val="FF0000"/>
-              </a:solidFill>
-            </a:endParaRPr>
-          </a:p>
-        </p:txBody>
-      </p:sp>
-      <p:cxnSp>
-        <p:nvCxnSpPr>
-          <p:cNvPr id="131" name="직선 화살표 연결선 130">
-            <a:extLst>
-              <a:ext uri="{FF2B5EF4-FFF2-40B4-BE49-F238E27FC236}">
-                <a16:creationId xmlns:a16="http://schemas.microsoft.com/office/drawing/2014/main" id="{691FFC16-A268-BC84-14F3-1E4F1C7CED3B}"/>
-              </a:ext>
-            </a:extLst>
-          </p:cNvPr>
-          <p:cNvCxnSpPr>
-            <a:cxnSpLocks/>
-          </p:cNvCxnSpPr>
-          <p:nvPr/>
-        </p:nvCxnSpPr>
-        <p:spPr>
-          <a:xfrm>
-            <a:off x="7848377" y="6070600"/>
-            <a:ext cx="0" cy="483255"/>
-          </a:xfrm>
-          <a:prstGeom prst="straightConnector1">
-            <a:avLst/>
-          </a:prstGeom>
-          <a:ln>
-            <a:solidFill>
-              <a:srgbClr val="FF0000"/>
-            </a:solidFill>
-            <a:headEnd type="triangle"/>
-            <a:tailEnd type="triangle"/>
-          </a:ln>
-        </p:spPr>
-        <p:style>
-          <a:lnRef idx="2">
-            <a:schemeClr val="accent1"/>
-          </a:lnRef>
-          <a:fillRef idx="0">
-            <a:schemeClr val="accent1"/>
-          </a:fillRef>
-          <a:effectRef idx="1">
-            <a:schemeClr val="accent1"/>
-          </a:effectRef>
-          <a:fontRef idx="minor">
-            <a:schemeClr val="tx1"/>
-          </a:fontRef>
-        </p:style>
-      </p:cxnSp>
-      <p:sp>
-        <p:nvSpPr>
-          <p:cNvPr id="132" name="TextBox 131">
-            <a:extLst>
-              <a:ext uri="{FF2B5EF4-FFF2-40B4-BE49-F238E27FC236}">
-                <a16:creationId xmlns:a16="http://schemas.microsoft.com/office/drawing/2014/main" id="{71466E22-F235-F771-ABF6-ADD8841DF990}"/>
-              </a:ext>
-            </a:extLst>
-          </p:cNvPr>
-          <p:cNvSpPr txBox="1"/>
-          <p:nvPr/>
-        </p:nvSpPr>
-        <p:spPr>
-          <a:xfrm>
-            <a:off x="7788051" y="6195585"/>
-            <a:ext cx="577850" cy="253916"/>
-          </a:xfrm>
-          <a:prstGeom prst="rect">
-            <a:avLst/>
-          </a:prstGeom>
-          <a:noFill/>
-        </p:spPr>
-        <p:txBody>
-          <a:bodyPr wrap="square" rtlCol="0">
-            <a:spAutoFit/>
-          </a:bodyPr>
-          <a:lstStyle/>
-          <a:p>
-            <a:r>
-              <a:rPr lang="en-US" altLang="ko-KR" sz="1000" dirty="0">
-                <a:solidFill>
-                  <a:srgbClr val="FF0000"/>
-                </a:solidFill>
-              </a:rPr>
-              <a:t>780</a:t>
-            </a:r>
-            <a:endParaRPr lang="ko-KR" altLang="en-US" sz="1000" dirty="0">
-              <a:solidFill>
-                <a:srgbClr val="FF0000"/>
-              </a:solidFill>
-            </a:endParaRPr>
-          </a:p>
-        </p:txBody>
-      </p:sp>
-      <p:cxnSp>
-        <p:nvCxnSpPr>
-          <p:cNvPr id="134" name="직선 화살표 연결선 133">
-            <a:extLst>
-              <a:ext uri="{FF2B5EF4-FFF2-40B4-BE49-F238E27FC236}">
-                <a16:creationId xmlns:a16="http://schemas.microsoft.com/office/drawing/2014/main" id="{13D33182-5B44-76F8-565B-C6E7B9994FC8}"/>
-              </a:ext>
-            </a:extLst>
-          </p:cNvPr>
-          <p:cNvCxnSpPr>
-            <a:cxnSpLocks/>
-          </p:cNvCxnSpPr>
-          <p:nvPr/>
-        </p:nvCxnSpPr>
-        <p:spPr>
-          <a:xfrm flipH="1">
-            <a:off x="7341053" y="6565773"/>
-            <a:ext cx="513897" cy="0"/>
-          </a:xfrm>
-          <a:prstGeom prst="straightConnector1">
-            <a:avLst/>
-          </a:prstGeom>
-          <a:ln>
-            <a:solidFill>
-              <a:srgbClr val="FF0000"/>
-            </a:solidFill>
-            <a:headEnd type="triangle"/>
-            <a:tailEnd type="triangle"/>
-          </a:ln>
-        </p:spPr>
-        <p:style>
-          <a:lnRef idx="2">
-            <a:schemeClr val="accent1"/>
-          </a:lnRef>
-          <a:fillRef idx="0">
-            <a:schemeClr val="accent1"/>
-          </a:fillRef>
-          <a:effectRef idx="1">
-            <a:schemeClr val="accent1"/>
-          </a:effectRef>
-          <a:fontRef idx="minor">
-            <a:schemeClr val="tx1"/>
-          </a:fontRef>
-        </p:style>
-      </p:cxnSp>
-      <p:sp>
-        <p:nvSpPr>
-          <p:cNvPr id="135" name="TextBox 134">
-            <a:extLst>
-              <a:ext uri="{FF2B5EF4-FFF2-40B4-BE49-F238E27FC236}">
-                <a16:creationId xmlns:a16="http://schemas.microsoft.com/office/drawing/2014/main" id="{622B6394-688D-7C43-AA0C-C308EA4F664D}"/>
-              </a:ext>
-            </a:extLst>
-          </p:cNvPr>
-          <p:cNvSpPr txBox="1"/>
-          <p:nvPr/>
-        </p:nvSpPr>
-        <p:spPr>
-          <a:xfrm>
-            <a:off x="7385503" y="6321762"/>
-            <a:ext cx="577850" cy="253916"/>
-          </a:xfrm>
-          <a:prstGeom prst="rect">
-            <a:avLst/>
-          </a:prstGeom>
-          <a:noFill/>
-        </p:spPr>
-        <p:txBody>
-          <a:bodyPr wrap="square" rtlCol="0">
-            <a:spAutoFit/>
-          </a:bodyPr>
-          <a:lstStyle/>
-          <a:p>
-            <a:r>
-              <a:rPr lang="en-US" altLang="ko-KR" sz="1000" dirty="0">
-                <a:solidFill>
-                  <a:srgbClr val="FF0000"/>
-                </a:solidFill>
-              </a:rPr>
-              <a:t>860</a:t>
-            </a:r>
-            <a:endParaRPr lang="ko-KR" altLang="en-US" sz="1000" dirty="0">
-              <a:solidFill>
-                <a:srgbClr val="FF0000"/>
-              </a:solidFill>
-            </a:endParaRPr>
-          </a:p>
-        </p:txBody>
-      </p:sp>
-      <p:sp>
-        <p:nvSpPr>
-          <p:cNvPr id="138" name="직사각형 137">
-            <a:extLst>
-              <a:ext uri="{FF2B5EF4-FFF2-40B4-BE49-F238E27FC236}">
-                <a16:creationId xmlns:a16="http://schemas.microsoft.com/office/drawing/2014/main" id="{7C3A8131-7B93-E519-A9D0-4A49DEC296FF}"/>
-              </a:ext>
-            </a:extLst>
-          </p:cNvPr>
-          <p:cNvSpPr/>
-          <p:nvPr/>
-        </p:nvSpPr>
-        <p:spPr>
-          <a:xfrm>
-            <a:off x="7356022" y="6083300"/>
-            <a:ext cx="60778" cy="95250"/>
-          </a:xfrm>
-          <a:prstGeom prst="rect">
-            <a:avLst/>
-          </a:prstGeom>
-          <a:solidFill>
-            <a:srgbClr val="FFFF00"/>
-          </a:solidFill>
-          <a:ln>
-            <a:solidFill>
-              <a:srgbClr val="FFFF00"/>
-            </a:solidFill>
-          </a:ln>
-        </p:spPr>
-        <p:style>
-          <a:lnRef idx="2">
-            <a:schemeClr val="accent1">
-              <a:shade val="15000"/>
-            </a:schemeClr>
-          </a:lnRef>
-          <a:fillRef idx="1">
-            <a:schemeClr val="accent1"/>
-          </a:fillRef>
-          <a:effectRef idx="0">
-            <a:schemeClr val="accent1"/>
-          </a:effectRef>
-          <a:fontRef idx="minor">
-            <a:schemeClr val="lt1"/>
-          </a:fontRef>
-        </p:style>
-        <p:txBody>
-          <a:bodyPr rtlCol="0" anchor="ctr"/>
-          <a:lstStyle/>
-          <a:p>
-            <a:pPr algn="ctr"/>
-            <a:endParaRPr lang="ko-KR" altLang="en-US"/>
-          </a:p>
-        </p:txBody>
-      </p:sp>
-      <p:cxnSp>
-        <p:nvCxnSpPr>
-          <p:cNvPr id="140" name="직선 화살표 연결선 139">
-            <a:extLst>
-              <a:ext uri="{FF2B5EF4-FFF2-40B4-BE49-F238E27FC236}">
-                <a16:creationId xmlns:a16="http://schemas.microsoft.com/office/drawing/2014/main" id="{D9C56D72-9E1A-A96D-C7B3-12FB2620A528}"/>
-              </a:ext>
-            </a:extLst>
-          </p:cNvPr>
-          <p:cNvCxnSpPr>
-            <a:cxnSpLocks/>
-            <a:stCxn id="138" idx="3"/>
-            <a:endCxn id="141" idx="1"/>
-          </p:cNvCxnSpPr>
-          <p:nvPr/>
-        </p:nvCxnSpPr>
-        <p:spPr>
-          <a:xfrm flipV="1">
-            <a:off x="7416800" y="5891064"/>
-            <a:ext cx="2842874" cy="239861"/>
-          </a:xfrm>
-          <a:prstGeom prst="straightConnector1">
-            <a:avLst/>
-          </a:prstGeom>
-          <a:ln>
-            <a:solidFill>
-              <a:srgbClr val="FFFF00"/>
-            </a:solidFill>
-            <a:tailEnd type="triangle"/>
-          </a:ln>
-        </p:spPr>
-        <p:style>
-          <a:lnRef idx="2">
-            <a:schemeClr val="accent1"/>
-          </a:lnRef>
-          <a:fillRef idx="0">
-            <a:schemeClr val="accent1"/>
-          </a:fillRef>
-          <a:effectRef idx="1">
-            <a:schemeClr val="accent1"/>
-          </a:effectRef>
-          <a:fontRef idx="minor">
-            <a:schemeClr val="tx1"/>
-          </a:fontRef>
-        </p:style>
-      </p:cxnSp>
-      <p:sp>
-        <p:nvSpPr>
-          <p:cNvPr id="141" name="TextBox 140">
-            <a:extLst>
-              <a:ext uri="{FF2B5EF4-FFF2-40B4-BE49-F238E27FC236}">
-                <a16:creationId xmlns:a16="http://schemas.microsoft.com/office/drawing/2014/main" id="{B26B4795-869E-33F8-1C23-B4776BD2FA22}"/>
-              </a:ext>
-            </a:extLst>
-          </p:cNvPr>
-          <p:cNvSpPr txBox="1"/>
-          <p:nvPr/>
-        </p:nvSpPr>
-        <p:spPr>
-          <a:xfrm>
-            <a:off x="10259674" y="5691009"/>
-            <a:ext cx="696119" cy="400110"/>
-          </a:xfrm>
-          <a:prstGeom prst="rect">
-            <a:avLst/>
-          </a:prstGeom>
-          <a:noFill/>
-          <a:ln>
-            <a:solidFill>
-              <a:srgbClr val="FF0000"/>
-            </a:solidFill>
-          </a:ln>
-        </p:spPr>
-        <p:txBody>
-          <a:bodyPr wrap="square" rtlCol="0">
-            <a:spAutoFit/>
-          </a:bodyPr>
-          <a:lstStyle/>
-          <a:p>
-            <a:r>
-              <a:rPr lang="ko-KR" altLang="en-US" sz="1000" b="1" dirty="0">
-                <a:solidFill>
-                  <a:srgbClr val="FF0000"/>
-                </a:solidFill>
-              </a:rPr>
-              <a:t>수도꼭지</a:t>
-            </a:r>
-            <a:endParaRPr lang="en-US" altLang="ko-KR" sz="1000" b="1" dirty="0">
-              <a:solidFill>
-                <a:srgbClr val="FF0000"/>
-              </a:solidFill>
-            </a:endParaRPr>
-          </a:p>
-          <a:p>
-            <a:r>
-              <a:rPr lang="en-US" altLang="ko-KR" sz="1000" dirty="0">
-                <a:solidFill>
-                  <a:srgbClr val="FF0000"/>
-                </a:solidFill>
-              </a:rPr>
-              <a:t>130</a:t>
-            </a:r>
-            <a:endParaRPr lang="ko-KR" altLang="en-US" sz="1000" dirty="0">
-              <a:solidFill>
-                <a:srgbClr val="FF0000"/>
-              </a:solidFill>
-            </a:endParaRPr>
-          </a:p>
-        </p:txBody>
-      </p:sp>
-      <p:sp>
-        <p:nvSpPr>
-          <p:cNvPr id="146" name="직사각형 145">
-            <a:extLst>
-              <a:ext uri="{FF2B5EF4-FFF2-40B4-BE49-F238E27FC236}">
-                <a16:creationId xmlns:a16="http://schemas.microsoft.com/office/drawing/2014/main" id="{954ECD49-1EBA-8139-EA19-B2D3D59EACA7}"/>
-              </a:ext>
-            </a:extLst>
-          </p:cNvPr>
-          <p:cNvSpPr/>
-          <p:nvPr/>
-        </p:nvSpPr>
-        <p:spPr>
-          <a:xfrm>
-            <a:off x="8661624" y="3715152"/>
-            <a:ext cx="343127" cy="297499"/>
-          </a:xfrm>
-          <a:prstGeom prst="rect">
-            <a:avLst/>
-          </a:prstGeom>
-          <a:solidFill>
-            <a:srgbClr val="FFFF00"/>
-          </a:solidFill>
-          <a:ln>
-            <a:solidFill>
-              <a:srgbClr val="FFFF00"/>
-            </a:solidFill>
-          </a:ln>
-        </p:spPr>
-        <p:style>
-          <a:lnRef idx="2">
-            <a:schemeClr val="accent1">
-              <a:shade val="15000"/>
-            </a:schemeClr>
-          </a:lnRef>
-          <a:fillRef idx="1">
-            <a:schemeClr val="accent1"/>
-          </a:fillRef>
-          <a:effectRef idx="0">
-            <a:schemeClr val="accent1"/>
-          </a:effectRef>
-          <a:fontRef idx="minor">
-            <a:schemeClr val="lt1"/>
-          </a:fontRef>
-        </p:style>
-        <p:txBody>
-          <a:bodyPr rtlCol="0" anchor="ctr"/>
-          <a:lstStyle/>
-          <a:p>
-            <a:pPr algn="ctr"/>
-            <a:endParaRPr lang="ko-KR" altLang="en-US"/>
-          </a:p>
-        </p:txBody>
-      </p:sp>
-      <p:cxnSp>
-        <p:nvCxnSpPr>
-          <p:cNvPr id="148" name="직선 화살표 연결선 147">
-            <a:extLst>
-              <a:ext uri="{FF2B5EF4-FFF2-40B4-BE49-F238E27FC236}">
-                <a16:creationId xmlns:a16="http://schemas.microsoft.com/office/drawing/2014/main" id="{55CBBD5F-41E2-4E68-C04E-AF561207DABD}"/>
-              </a:ext>
-            </a:extLst>
-          </p:cNvPr>
-          <p:cNvCxnSpPr>
-            <a:cxnSpLocks/>
-            <a:stCxn id="146" idx="3"/>
-            <a:endCxn id="150" idx="1"/>
-          </p:cNvCxnSpPr>
-          <p:nvPr/>
-        </p:nvCxnSpPr>
-        <p:spPr>
-          <a:xfrm flipV="1">
-            <a:off x="9004751" y="3628598"/>
-            <a:ext cx="1227623" cy="235304"/>
-          </a:xfrm>
-          <a:prstGeom prst="straightConnector1">
-            <a:avLst/>
-          </a:prstGeom>
-          <a:ln>
-            <a:solidFill>
-              <a:srgbClr val="FFFF00"/>
-            </a:solidFill>
-            <a:tailEnd type="triangle"/>
-          </a:ln>
-        </p:spPr>
-        <p:style>
-          <a:lnRef idx="2">
-            <a:schemeClr val="accent1"/>
-          </a:lnRef>
-          <a:fillRef idx="0">
-            <a:schemeClr val="accent1"/>
-          </a:fillRef>
-          <a:effectRef idx="1">
-            <a:schemeClr val="accent1"/>
-          </a:effectRef>
-          <a:fontRef idx="minor">
-            <a:schemeClr val="tx1"/>
-          </a:fontRef>
-        </p:style>
-      </p:cxnSp>
-      <p:sp>
-        <p:nvSpPr>
-          <p:cNvPr id="150" name="TextBox 149">
-            <a:extLst>
-              <a:ext uri="{FF2B5EF4-FFF2-40B4-BE49-F238E27FC236}">
-                <a16:creationId xmlns:a16="http://schemas.microsoft.com/office/drawing/2014/main" id="{51769E8B-D468-CD02-D093-68458CA8C5F3}"/>
-              </a:ext>
-            </a:extLst>
-          </p:cNvPr>
-          <p:cNvSpPr txBox="1"/>
-          <p:nvPr/>
-        </p:nvSpPr>
-        <p:spPr>
-          <a:xfrm>
-            <a:off x="10232374" y="3274655"/>
-            <a:ext cx="1175598" cy="707886"/>
-          </a:xfrm>
-          <a:prstGeom prst="rect">
-            <a:avLst/>
-          </a:prstGeom>
-          <a:noFill/>
-          <a:ln>
-            <a:solidFill>
-              <a:srgbClr val="FF0000"/>
-            </a:solidFill>
-          </a:ln>
-        </p:spPr>
-        <p:txBody>
-          <a:bodyPr wrap="square" rtlCol="0">
-            <a:spAutoFit/>
-          </a:bodyPr>
-          <a:lstStyle/>
-          <a:p>
-            <a:r>
-              <a:rPr lang="ko-KR" altLang="en-US" sz="1000" b="1" dirty="0">
-                <a:solidFill>
-                  <a:srgbClr val="FF0000"/>
-                </a:solidFill>
-              </a:rPr>
-              <a:t>식기세척기</a:t>
-            </a:r>
-            <a:endParaRPr lang="en-US" altLang="ko-KR" sz="1000" b="1" dirty="0">
-              <a:solidFill>
-                <a:srgbClr val="FF0000"/>
-              </a:solidFill>
-            </a:endParaRPr>
-          </a:p>
-          <a:p>
-            <a:r>
-              <a:rPr lang="ko-KR" altLang="en-US" sz="1000" dirty="0">
-                <a:solidFill>
-                  <a:srgbClr val="FF0000"/>
-                </a:solidFill>
-              </a:rPr>
-              <a:t>너비 </a:t>
-            </a:r>
-            <a:r>
-              <a:rPr lang="en-US" altLang="ko-KR" sz="1000" dirty="0">
-                <a:solidFill>
-                  <a:srgbClr val="FF0000"/>
-                </a:solidFill>
-              </a:rPr>
-              <a:t>: 600 x 645</a:t>
-            </a:r>
-          </a:p>
-          <a:p>
-            <a:r>
-              <a:rPr lang="ko-KR" altLang="en-US" sz="1000" dirty="0">
-                <a:solidFill>
-                  <a:srgbClr val="FF0000"/>
-                </a:solidFill>
-              </a:rPr>
-              <a:t>높이 </a:t>
-            </a:r>
-            <a:r>
-              <a:rPr lang="en-US" altLang="ko-KR" sz="1000" dirty="0">
-                <a:solidFill>
-                  <a:srgbClr val="FF0000"/>
-                </a:solidFill>
-              </a:rPr>
-              <a:t>: 810</a:t>
-            </a:r>
-          </a:p>
-          <a:p>
-            <a:r>
-              <a:rPr lang="ko-KR" altLang="en-US" sz="1000" dirty="0">
-                <a:solidFill>
-                  <a:srgbClr val="FF0000"/>
-                </a:solidFill>
-              </a:rPr>
-              <a:t>걸레받이 </a:t>
-            </a:r>
-            <a:r>
-              <a:rPr lang="en-US" altLang="ko-KR" sz="1000" dirty="0">
-                <a:solidFill>
-                  <a:srgbClr val="FF0000"/>
-                </a:solidFill>
-              </a:rPr>
-              <a:t>: 145</a:t>
-            </a:r>
-            <a:endParaRPr lang="ko-KR" altLang="en-US" sz="1000" dirty="0">
-              <a:solidFill>
-                <a:srgbClr val="FF0000"/>
-              </a:solidFill>
-            </a:endParaRPr>
-          </a:p>
-        </p:txBody>
-      </p:sp>
-    </p:spTree>
-    <p:extLst>
-      <p:ext uri="{BB962C8B-B14F-4D97-AF65-F5344CB8AC3E}">
-        <p14:creationId xmlns:p14="http://schemas.microsoft.com/office/powerpoint/2010/main" val="3550572296"/>
-      </p:ext>
-    </p:extLst>
-  </p:cSld>
-  <p:clrMapOvr>
-    <a:masterClrMapping/>
-  </p:clrMapOvr>
-</p:sld>
-</file>
-
-<file path=ppt/slides/slide3.xml><?xml version="1.0" encoding="utf-8"?>
-<p:sld xmlns:a="http://schemas.openxmlformats.org/drawingml/2006/main" xmlns:r="http://schemas.openxmlformats.org/officeDocument/2006/relationships" xmlns:p="http://schemas.openxmlformats.org/presentationml/2006/main">
-  <p:cSld>
-    <p:spTree>
-      <p:nvGrpSpPr>
-        <p:cNvPr id="1" name="">
-          <a:extLst>
-            <a:ext uri="{FF2B5EF4-FFF2-40B4-BE49-F238E27FC236}">
               <a16:creationId xmlns:a16="http://schemas.microsoft.com/office/drawing/2014/main" id="{F892B410-B8F2-8551-4EDB-2F09DE1035AB}"/>
             </a:ext>
           </a:extLst>
@@ -14741,6 +10675,1995 @@
     <p:extLst>
       <p:ext uri="{BB962C8B-B14F-4D97-AF65-F5344CB8AC3E}">
         <p14:creationId xmlns:p14="http://schemas.microsoft.com/office/powerpoint/2010/main" val="1760457826"/>
+      </p:ext>
+    </p:extLst>
+  </p:cSld>
+  <p:clrMapOvr>
+    <a:masterClrMapping/>
+  </p:clrMapOvr>
+</p:sld>
+</file>
+
+<file path=ppt/slides/slide3.xml><?xml version="1.0" encoding="utf-8"?>
+<p:sld xmlns:a="http://schemas.openxmlformats.org/drawingml/2006/main" xmlns:r="http://schemas.openxmlformats.org/officeDocument/2006/relationships" xmlns:p="http://schemas.openxmlformats.org/presentationml/2006/main">
+  <p:cSld>
+    <p:spTree>
+      <p:nvGrpSpPr>
+        <p:cNvPr id="1" name="">
+          <a:extLst>
+            <a:ext uri="{FF2B5EF4-FFF2-40B4-BE49-F238E27FC236}">
+              <a16:creationId xmlns:a16="http://schemas.microsoft.com/office/drawing/2014/main" id="{505A6272-D347-279F-C219-A9369DD85C4F}"/>
+            </a:ext>
+          </a:extLst>
+        </p:cNvPr>
+        <p:cNvGrpSpPr/>
+        <p:nvPr/>
+      </p:nvGrpSpPr>
+      <p:grpSpPr>
+        <a:xfrm>
+          <a:off x="0" y="0"/>
+          <a:ext cx="0" cy="0"/>
+          <a:chOff x="0" y="0"/>
+          <a:chExt cx="0" cy="0"/>
+        </a:xfrm>
+      </p:grpSpPr>
+      <p:grpSp>
+        <p:nvGrpSpPr>
+          <p:cNvPr id="66" name="그룹 65">
+            <a:extLst>
+              <a:ext uri="{FF2B5EF4-FFF2-40B4-BE49-F238E27FC236}">
+                <a16:creationId xmlns:a16="http://schemas.microsoft.com/office/drawing/2014/main" id="{E7EB8D6F-5AF4-15C0-60B5-6E4E7DF81E3C}"/>
+              </a:ext>
+            </a:extLst>
+          </p:cNvPr>
+          <p:cNvGrpSpPr/>
+          <p:nvPr/>
+        </p:nvGrpSpPr>
+        <p:grpSpPr>
+          <a:xfrm>
+            <a:off x="1635520" y="1608137"/>
+            <a:ext cx="1641080" cy="1094432"/>
+            <a:chOff x="1635520" y="1608137"/>
+            <a:chExt cx="1641080" cy="1094432"/>
+          </a:xfrm>
+        </p:grpSpPr>
+        <p:sp>
+          <p:nvSpPr>
+            <p:cNvPr id="7" name="직사각형 6">
+              <a:extLst>
+                <a:ext uri="{FF2B5EF4-FFF2-40B4-BE49-F238E27FC236}">
+                  <a16:creationId xmlns:a16="http://schemas.microsoft.com/office/drawing/2014/main" id="{4D10EDF6-60A1-31DA-B084-E2A5E9772667}"/>
+                </a:ext>
+              </a:extLst>
+            </p:cNvPr>
+            <p:cNvSpPr/>
+            <p:nvPr/>
+          </p:nvSpPr>
+          <p:spPr>
+            <a:xfrm>
+              <a:off x="1670050" y="1608137"/>
+              <a:ext cx="1606550" cy="215900"/>
+            </a:xfrm>
+            <a:prstGeom prst="rect">
+              <a:avLst/>
+            </a:prstGeom>
+          </p:spPr>
+          <p:style>
+            <a:lnRef idx="2">
+              <a:schemeClr val="accent4"/>
+            </a:lnRef>
+            <a:fillRef idx="1">
+              <a:schemeClr val="lt1"/>
+            </a:fillRef>
+            <a:effectRef idx="0">
+              <a:schemeClr val="accent4"/>
+            </a:effectRef>
+            <a:fontRef idx="minor">
+              <a:schemeClr val="dk1"/>
+            </a:fontRef>
+          </p:style>
+          <p:txBody>
+            <a:bodyPr rtlCol="0" anchor="ctr"/>
+            <a:lstStyle/>
+            <a:p>
+              <a:pPr algn="ctr"/>
+              <a:endParaRPr lang="ko-KR" altLang="en-US"/>
+            </a:p>
+          </p:txBody>
+        </p:sp>
+        <p:sp>
+          <p:nvSpPr>
+            <p:cNvPr id="9" name="직사각형 8">
+              <a:extLst>
+                <a:ext uri="{FF2B5EF4-FFF2-40B4-BE49-F238E27FC236}">
+                  <a16:creationId xmlns:a16="http://schemas.microsoft.com/office/drawing/2014/main" id="{E4E3FD7E-C36E-FCCA-6AE6-FB8F00F4986D}"/>
+                </a:ext>
+              </a:extLst>
+            </p:cNvPr>
+            <p:cNvSpPr/>
+            <p:nvPr/>
+          </p:nvSpPr>
+          <p:spPr>
+            <a:xfrm>
+              <a:off x="1670050" y="1824037"/>
+              <a:ext cx="1606550" cy="215900"/>
+            </a:xfrm>
+            <a:prstGeom prst="rect">
+              <a:avLst/>
+            </a:prstGeom>
+          </p:spPr>
+          <p:style>
+            <a:lnRef idx="2">
+              <a:schemeClr val="accent4"/>
+            </a:lnRef>
+            <a:fillRef idx="1">
+              <a:schemeClr val="lt1"/>
+            </a:fillRef>
+            <a:effectRef idx="0">
+              <a:schemeClr val="accent4"/>
+            </a:effectRef>
+            <a:fontRef idx="minor">
+              <a:schemeClr val="dk1"/>
+            </a:fontRef>
+          </p:style>
+          <p:txBody>
+            <a:bodyPr rtlCol="0" anchor="ctr"/>
+            <a:lstStyle/>
+            <a:p>
+              <a:pPr algn="ctr"/>
+              <a:endParaRPr lang="ko-KR" altLang="en-US"/>
+            </a:p>
+          </p:txBody>
+        </p:sp>
+        <p:sp>
+          <p:nvSpPr>
+            <p:cNvPr id="12" name="직사각형 11">
+              <a:extLst>
+                <a:ext uri="{FF2B5EF4-FFF2-40B4-BE49-F238E27FC236}">
+                  <a16:creationId xmlns:a16="http://schemas.microsoft.com/office/drawing/2014/main" id="{D8631D64-8062-1991-7729-7965DFD9EFAA}"/>
+                </a:ext>
+              </a:extLst>
+            </p:cNvPr>
+            <p:cNvSpPr/>
+            <p:nvPr/>
+          </p:nvSpPr>
+          <p:spPr>
+            <a:xfrm>
+              <a:off x="1670050" y="2039937"/>
+              <a:ext cx="1606550" cy="215900"/>
+            </a:xfrm>
+            <a:prstGeom prst="rect">
+              <a:avLst/>
+            </a:prstGeom>
+          </p:spPr>
+          <p:style>
+            <a:lnRef idx="2">
+              <a:schemeClr val="accent4"/>
+            </a:lnRef>
+            <a:fillRef idx="1">
+              <a:schemeClr val="lt1"/>
+            </a:fillRef>
+            <a:effectRef idx="0">
+              <a:schemeClr val="accent4"/>
+            </a:effectRef>
+            <a:fontRef idx="minor">
+              <a:schemeClr val="dk1"/>
+            </a:fontRef>
+          </p:style>
+          <p:txBody>
+            <a:bodyPr rtlCol="0" anchor="ctr"/>
+            <a:lstStyle/>
+            <a:p>
+              <a:pPr algn="ctr"/>
+              <a:endParaRPr lang="ko-KR" altLang="en-US"/>
+            </a:p>
+          </p:txBody>
+        </p:sp>
+        <p:sp>
+          <p:nvSpPr>
+            <p:cNvPr id="13" name="직사각형 12">
+              <a:extLst>
+                <a:ext uri="{FF2B5EF4-FFF2-40B4-BE49-F238E27FC236}">
+                  <a16:creationId xmlns:a16="http://schemas.microsoft.com/office/drawing/2014/main" id="{69C03BE7-45C2-A8B1-36D7-ED2053784532}"/>
+                </a:ext>
+              </a:extLst>
+            </p:cNvPr>
+            <p:cNvSpPr/>
+            <p:nvPr/>
+          </p:nvSpPr>
+          <p:spPr>
+            <a:xfrm>
+              <a:off x="1670050" y="2255837"/>
+              <a:ext cx="1606550" cy="215900"/>
+            </a:xfrm>
+            <a:prstGeom prst="rect">
+              <a:avLst/>
+            </a:prstGeom>
+          </p:spPr>
+          <p:style>
+            <a:lnRef idx="2">
+              <a:schemeClr val="accent4"/>
+            </a:lnRef>
+            <a:fillRef idx="1">
+              <a:schemeClr val="lt1"/>
+            </a:fillRef>
+            <a:effectRef idx="0">
+              <a:schemeClr val="accent4"/>
+            </a:effectRef>
+            <a:fontRef idx="minor">
+              <a:schemeClr val="dk1"/>
+            </a:fontRef>
+          </p:style>
+          <p:txBody>
+            <a:bodyPr rtlCol="0" anchor="ctr"/>
+            <a:lstStyle/>
+            <a:p>
+              <a:pPr algn="ctr"/>
+              <a:endParaRPr lang="ko-KR" altLang="en-US" dirty="0"/>
+            </a:p>
+          </p:txBody>
+        </p:sp>
+        <p:sp>
+          <p:nvSpPr>
+            <p:cNvPr id="35" name="TextBox 34">
+              <a:extLst>
+                <a:ext uri="{FF2B5EF4-FFF2-40B4-BE49-F238E27FC236}">
+                  <a16:creationId xmlns:a16="http://schemas.microsoft.com/office/drawing/2014/main" id="{A63020E4-C881-BCEE-8850-2520EA838BA1}"/>
+                </a:ext>
+              </a:extLst>
+            </p:cNvPr>
+            <p:cNvSpPr txBox="1"/>
+            <p:nvPr/>
+          </p:nvSpPr>
+          <p:spPr>
+            <a:xfrm>
+              <a:off x="2228850" y="2471737"/>
+              <a:ext cx="404813" cy="230832"/>
+            </a:xfrm>
+            <a:prstGeom prst="rect">
+              <a:avLst/>
+            </a:prstGeom>
+            <a:noFill/>
+          </p:spPr>
+          <p:txBody>
+            <a:bodyPr wrap="square" rtlCol="0">
+              <a:spAutoFit/>
+            </a:bodyPr>
+            <a:lstStyle/>
+            <a:p>
+              <a:pPr algn="ctr"/>
+              <a:r>
+                <a:rPr lang="en-US" altLang="ko-KR" sz="900" b="1" dirty="0"/>
+                <a:t>240</a:t>
+              </a:r>
+              <a:endParaRPr lang="ko-KR" altLang="en-US" sz="900" b="1" dirty="0"/>
+            </a:p>
+          </p:txBody>
+        </p:sp>
+        <p:sp>
+          <p:nvSpPr>
+            <p:cNvPr id="41" name="TextBox 40">
+              <a:extLst>
+                <a:ext uri="{FF2B5EF4-FFF2-40B4-BE49-F238E27FC236}">
+                  <a16:creationId xmlns:a16="http://schemas.microsoft.com/office/drawing/2014/main" id="{962C5618-399E-4A6C-030E-64F94F6B4CE3}"/>
+                </a:ext>
+              </a:extLst>
+            </p:cNvPr>
+            <p:cNvSpPr txBox="1"/>
+            <p:nvPr/>
+          </p:nvSpPr>
+          <p:spPr>
+            <a:xfrm>
+              <a:off x="1635520" y="2255837"/>
+              <a:ext cx="404813" cy="230832"/>
+            </a:xfrm>
+            <a:prstGeom prst="rect">
+              <a:avLst/>
+            </a:prstGeom>
+            <a:noFill/>
+          </p:spPr>
+          <p:txBody>
+            <a:bodyPr wrap="square" rtlCol="0">
+              <a:spAutoFit/>
+            </a:bodyPr>
+            <a:lstStyle/>
+            <a:p>
+              <a:pPr algn="ctr"/>
+              <a:r>
+                <a:rPr lang="en-US" altLang="ko-KR" sz="900" b="1" dirty="0"/>
+                <a:t>25</a:t>
+              </a:r>
+              <a:endParaRPr lang="ko-KR" altLang="en-US" sz="900" b="1" dirty="0"/>
+            </a:p>
+          </p:txBody>
+        </p:sp>
+        <p:sp>
+          <p:nvSpPr>
+            <p:cNvPr id="42" name="TextBox 41">
+              <a:extLst>
+                <a:ext uri="{FF2B5EF4-FFF2-40B4-BE49-F238E27FC236}">
+                  <a16:creationId xmlns:a16="http://schemas.microsoft.com/office/drawing/2014/main" id="{57497A49-8C6B-886F-F37B-BCCBD17CB478}"/>
+                </a:ext>
+              </a:extLst>
+            </p:cNvPr>
+            <p:cNvSpPr txBox="1"/>
+            <p:nvPr/>
+          </p:nvSpPr>
+          <p:spPr>
+            <a:xfrm>
+              <a:off x="1635520" y="2032471"/>
+              <a:ext cx="404813" cy="230832"/>
+            </a:xfrm>
+            <a:prstGeom prst="rect">
+              <a:avLst/>
+            </a:prstGeom>
+            <a:noFill/>
+          </p:spPr>
+          <p:txBody>
+            <a:bodyPr wrap="square" rtlCol="0">
+              <a:spAutoFit/>
+            </a:bodyPr>
+            <a:lstStyle/>
+            <a:p>
+              <a:pPr algn="ctr"/>
+              <a:r>
+                <a:rPr lang="en-US" altLang="ko-KR" sz="900" b="1" dirty="0"/>
+                <a:t>25</a:t>
+              </a:r>
+              <a:endParaRPr lang="ko-KR" altLang="en-US" sz="900" b="1" dirty="0"/>
+            </a:p>
+          </p:txBody>
+        </p:sp>
+        <p:sp>
+          <p:nvSpPr>
+            <p:cNvPr id="43" name="TextBox 42">
+              <a:extLst>
+                <a:ext uri="{FF2B5EF4-FFF2-40B4-BE49-F238E27FC236}">
+                  <a16:creationId xmlns:a16="http://schemas.microsoft.com/office/drawing/2014/main" id="{0CDB3E05-4864-1ABE-001D-2CE2B361BEDA}"/>
+                </a:ext>
+              </a:extLst>
+            </p:cNvPr>
+            <p:cNvSpPr txBox="1"/>
+            <p:nvPr/>
+          </p:nvSpPr>
+          <p:spPr>
+            <a:xfrm>
+              <a:off x="1635520" y="1822920"/>
+              <a:ext cx="404813" cy="230832"/>
+            </a:xfrm>
+            <a:prstGeom prst="rect">
+              <a:avLst/>
+            </a:prstGeom>
+            <a:noFill/>
+          </p:spPr>
+          <p:txBody>
+            <a:bodyPr wrap="square" rtlCol="0">
+              <a:spAutoFit/>
+            </a:bodyPr>
+            <a:lstStyle/>
+            <a:p>
+              <a:pPr algn="ctr"/>
+              <a:r>
+                <a:rPr lang="en-US" altLang="ko-KR" sz="900" b="1" dirty="0"/>
+                <a:t>25</a:t>
+              </a:r>
+              <a:endParaRPr lang="ko-KR" altLang="en-US" sz="900" b="1" dirty="0"/>
+            </a:p>
+          </p:txBody>
+        </p:sp>
+      </p:grpSp>
+      <p:sp>
+        <p:nvSpPr>
+          <p:cNvPr id="44" name="TextBox 43">
+            <a:extLst>
+              <a:ext uri="{FF2B5EF4-FFF2-40B4-BE49-F238E27FC236}">
+                <a16:creationId xmlns:a16="http://schemas.microsoft.com/office/drawing/2014/main" id="{E9F42A42-60DE-17AF-894D-47F94E757341}"/>
+              </a:ext>
+            </a:extLst>
+          </p:cNvPr>
+          <p:cNvSpPr txBox="1"/>
+          <p:nvPr/>
+        </p:nvSpPr>
+        <p:spPr>
+          <a:xfrm>
+            <a:off x="1635520" y="1606462"/>
+            <a:ext cx="404813" cy="230832"/>
+          </a:xfrm>
+          <a:prstGeom prst="rect">
+            <a:avLst/>
+          </a:prstGeom>
+          <a:noFill/>
+        </p:spPr>
+        <p:txBody>
+          <a:bodyPr wrap="square" rtlCol="0">
+            <a:spAutoFit/>
+          </a:bodyPr>
+          <a:lstStyle/>
+          <a:p>
+            <a:pPr algn="ctr"/>
+            <a:r>
+              <a:rPr lang="en-US" altLang="ko-KR" sz="900" b="1" dirty="0"/>
+              <a:t>25</a:t>
+            </a:r>
+            <a:endParaRPr lang="ko-KR" altLang="en-US" sz="900" b="1" dirty="0"/>
+          </a:p>
+        </p:txBody>
+      </p:sp>
+      <p:grpSp>
+        <p:nvGrpSpPr>
+          <p:cNvPr id="70" name="그룹 69">
+            <a:extLst>
+              <a:ext uri="{FF2B5EF4-FFF2-40B4-BE49-F238E27FC236}">
+                <a16:creationId xmlns:a16="http://schemas.microsoft.com/office/drawing/2014/main" id="{31BD7BCC-E7F3-1D34-C923-07392660A94A}"/>
+              </a:ext>
+            </a:extLst>
+          </p:cNvPr>
+          <p:cNvGrpSpPr/>
+          <p:nvPr/>
+        </p:nvGrpSpPr>
+        <p:grpSpPr>
+          <a:xfrm>
+            <a:off x="1635520" y="1052189"/>
+            <a:ext cx="5293918" cy="584995"/>
+            <a:chOff x="1635520" y="1052189"/>
+            <a:chExt cx="5293918" cy="584995"/>
+          </a:xfrm>
+        </p:grpSpPr>
+        <p:sp>
+          <p:nvSpPr>
+            <p:cNvPr id="30" name="직사각형 29">
+              <a:extLst>
+                <a:ext uri="{FF2B5EF4-FFF2-40B4-BE49-F238E27FC236}">
+                  <a16:creationId xmlns:a16="http://schemas.microsoft.com/office/drawing/2014/main" id="{58FC281F-3EA9-1BB3-BC85-4FDF61C91E58}"/>
+                </a:ext>
+              </a:extLst>
+            </p:cNvPr>
+            <p:cNvSpPr/>
+            <p:nvPr/>
+          </p:nvSpPr>
+          <p:spPr>
+            <a:xfrm>
+              <a:off x="1670050" y="1435099"/>
+              <a:ext cx="5259388" cy="173038"/>
+            </a:xfrm>
+            <a:prstGeom prst="rect">
+              <a:avLst/>
+            </a:prstGeom>
+          </p:spPr>
+          <p:style>
+            <a:lnRef idx="2">
+              <a:schemeClr val="accent4"/>
+            </a:lnRef>
+            <a:fillRef idx="1">
+              <a:schemeClr val="lt1"/>
+            </a:fillRef>
+            <a:effectRef idx="0">
+              <a:schemeClr val="accent4"/>
+            </a:effectRef>
+            <a:fontRef idx="minor">
+              <a:schemeClr val="dk1"/>
+            </a:fontRef>
+          </p:style>
+          <p:txBody>
+            <a:bodyPr rtlCol="0" anchor="ctr"/>
+            <a:lstStyle/>
+            <a:p>
+              <a:pPr algn="ctr"/>
+              <a:endParaRPr lang="ko-KR" altLang="en-US"/>
+            </a:p>
+          </p:txBody>
+        </p:sp>
+        <p:sp>
+          <p:nvSpPr>
+            <p:cNvPr id="32" name="직사각형 31">
+              <a:extLst>
+                <a:ext uri="{FF2B5EF4-FFF2-40B4-BE49-F238E27FC236}">
+                  <a16:creationId xmlns:a16="http://schemas.microsoft.com/office/drawing/2014/main" id="{119B3F67-0967-3218-954C-2638AC4F545D}"/>
+                </a:ext>
+              </a:extLst>
+            </p:cNvPr>
+            <p:cNvSpPr/>
+            <p:nvPr/>
+          </p:nvSpPr>
+          <p:spPr>
+            <a:xfrm>
+              <a:off x="1670050" y="1262061"/>
+              <a:ext cx="5259388" cy="173038"/>
+            </a:xfrm>
+            <a:prstGeom prst="rect">
+              <a:avLst/>
+            </a:prstGeom>
+          </p:spPr>
+          <p:style>
+            <a:lnRef idx="2">
+              <a:schemeClr val="accent4"/>
+            </a:lnRef>
+            <a:fillRef idx="1">
+              <a:schemeClr val="lt1"/>
+            </a:fillRef>
+            <a:effectRef idx="0">
+              <a:schemeClr val="accent4"/>
+            </a:effectRef>
+            <a:fontRef idx="minor">
+              <a:schemeClr val="dk1"/>
+            </a:fontRef>
+          </p:style>
+          <p:txBody>
+            <a:bodyPr rtlCol="0" anchor="ctr"/>
+            <a:lstStyle/>
+            <a:p>
+              <a:pPr algn="ctr"/>
+              <a:endParaRPr lang="ko-KR" altLang="en-US"/>
+            </a:p>
+          </p:txBody>
+        </p:sp>
+        <p:sp>
+          <p:nvSpPr>
+            <p:cNvPr id="34" name="TextBox 33">
+              <a:extLst>
+                <a:ext uri="{FF2B5EF4-FFF2-40B4-BE49-F238E27FC236}">
+                  <a16:creationId xmlns:a16="http://schemas.microsoft.com/office/drawing/2014/main" id="{031CDB57-A103-2429-AB27-046331CE01F8}"/>
+                </a:ext>
+              </a:extLst>
+            </p:cNvPr>
+            <p:cNvSpPr txBox="1"/>
+            <p:nvPr/>
+          </p:nvSpPr>
+          <p:spPr>
+            <a:xfrm>
+              <a:off x="4271962" y="1052189"/>
+              <a:ext cx="404813" cy="230832"/>
+            </a:xfrm>
+            <a:prstGeom prst="rect">
+              <a:avLst/>
+            </a:prstGeom>
+            <a:noFill/>
+          </p:spPr>
+          <p:txBody>
+            <a:bodyPr wrap="square" rtlCol="0">
+              <a:spAutoFit/>
+            </a:bodyPr>
+            <a:lstStyle/>
+            <a:p>
+              <a:pPr algn="ctr"/>
+              <a:r>
+                <a:rPr lang="en-US" altLang="ko-KR" sz="900" b="1" dirty="0"/>
+                <a:t>340</a:t>
+              </a:r>
+              <a:endParaRPr lang="ko-KR" altLang="en-US" sz="900" b="1" dirty="0"/>
+            </a:p>
+          </p:txBody>
+        </p:sp>
+        <p:sp>
+          <p:nvSpPr>
+            <p:cNvPr id="45" name="TextBox 44">
+              <a:extLst>
+                <a:ext uri="{FF2B5EF4-FFF2-40B4-BE49-F238E27FC236}">
+                  <a16:creationId xmlns:a16="http://schemas.microsoft.com/office/drawing/2014/main" id="{FB214311-6954-3D7D-8B74-3653164089D7}"/>
+                </a:ext>
+              </a:extLst>
+            </p:cNvPr>
+            <p:cNvSpPr txBox="1"/>
+            <p:nvPr/>
+          </p:nvSpPr>
+          <p:spPr>
+            <a:xfrm>
+              <a:off x="1635520" y="1406352"/>
+              <a:ext cx="404813" cy="230832"/>
+            </a:xfrm>
+            <a:prstGeom prst="rect">
+              <a:avLst/>
+            </a:prstGeom>
+            <a:noFill/>
+          </p:spPr>
+          <p:txBody>
+            <a:bodyPr wrap="square" rtlCol="0">
+              <a:spAutoFit/>
+            </a:bodyPr>
+            <a:lstStyle/>
+            <a:p>
+              <a:pPr algn="ctr"/>
+              <a:r>
+                <a:rPr lang="en-US" altLang="ko-KR" sz="900" b="1" dirty="0"/>
+                <a:t>16</a:t>
+              </a:r>
+              <a:endParaRPr lang="ko-KR" altLang="en-US" sz="900" b="1" dirty="0"/>
+            </a:p>
+          </p:txBody>
+        </p:sp>
+        <p:sp>
+          <p:nvSpPr>
+            <p:cNvPr id="46" name="TextBox 45">
+              <a:extLst>
+                <a:ext uri="{FF2B5EF4-FFF2-40B4-BE49-F238E27FC236}">
+                  <a16:creationId xmlns:a16="http://schemas.microsoft.com/office/drawing/2014/main" id="{EC75B7B0-53E9-9BC9-3B5B-BFA67B9ED6EE}"/>
+                </a:ext>
+              </a:extLst>
+            </p:cNvPr>
+            <p:cNvSpPr txBox="1"/>
+            <p:nvPr/>
+          </p:nvSpPr>
+          <p:spPr>
+            <a:xfrm>
+              <a:off x="1635520" y="1232434"/>
+              <a:ext cx="404813" cy="230832"/>
+            </a:xfrm>
+            <a:prstGeom prst="rect">
+              <a:avLst/>
+            </a:prstGeom>
+            <a:noFill/>
+          </p:spPr>
+          <p:txBody>
+            <a:bodyPr wrap="square" rtlCol="0">
+              <a:spAutoFit/>
+            </a:bodyPr>
+            <a:lstStyle/>
+            <a:p>
+              <a:pPr algn="ctr"/>
+              <a:r>
+                <a:rPr lang="en-US" altLang="ko-KR" sz="900" b="1" dirty="0"/>
+                <a:t>16</a:t>
+              </a:r>
+              <a:endParaRPr lang="ko-KR" altLang="en-US" sz="900" b="1" dirty="0"/>
+            </a:p>
+          </p:txBody>
+        </p:sp>
+      </p:grpSp>
+      <p:grpSp>
+        <p:nvGrpSpPr>
+          <p:cNvPr id="68" name="그룹 67">
+            <a:extLst>
+              <a:ext uri="{FF2B5EF4-FFF2-40B4-BE49-F238E27FC236}">
+                <a16:creationId xmlns:a16="http://schemas.microsoft.com/office/drawing/2014/main" id="{E4FB4F52-E70D-A8C4-8F99-25A0BD218B91}"/>
+              </a:ext>
+            </a:extLst>
+          </p:cNvPr>
+          <p:cNvGrpSpPr/>
+          <p:nvPr/>
+        </p:nvGrpSpPr>
+        <p:grpSpPr>
+          <a:xfrm>
+            <a:off x="4605733" y="1586509"/>
+            <a:ext cx="1641080" cy="1116060"/>
+            <a:chOff x="4605733" y="1586509"/>
+            <a:chExt cx="1641080" cy="1116060"/>
+          </a:xfrm>
+        </p:grpSpPr>
+        <p:sp>
+          <p:nvSpPr>
+            <p:cNvPr id="19" name="직사각형 18">
+              <a:extLst>
+                <a:ext uri="{FF2B5EF4-FFF2-40B4-BE49-F238E27FC236}">
+                  <a16:creationId xmlns:a16="http://schemas.microsoft.com/office/drawing/2014/main" id="{15304C7F-FC33-8B40-2AE2-F7540C297B51}"/>
+                </a:ext>
+              </a:extLst>
+            </p:cNvPr>
+            <p:cNvSpPr/>
+            <p:nvPr/>
+          </p:nvSpPr>
+          <p:spPr>
+            <a:xfrm>
+              <a:off x="4676775" y="1788317"/>
+              <a:ext cx="1570038" cy="173038"/>
+            </a:xfrm>
+            <a:prstGeom prst="rect">
+              <a:avLst/>
+            </a:prstGeom>
+          </p:spPr>
+          <p:style>
+            <a:lnRef idx="2">
+              <a:schemeClr val="accent4"/>
+            </a:lnRef>
+            <a:fillRef idx="1">
+              <a:schemeClr val="lt1"/>
+            </a:fillRef>
+            <a:effectRef idx="0">
+              <a:schemeClr val="accent4"/>
+            </a:effectRef>
+            <a:fontRef idx="minor">
+              <a:schemeClr val="dk1"/>
+            </a:fontRef>
+          </p:style>
+          <p:txBody>
+            <a:bodyPr rtlCol="0" anchor="ctr"/>
+            <a:lstStyle/>
+            <a:p>
+              <a:pPr algn="ctr"/>
+              <a:endParaRPr lang="ko-KR" altLang="en-US"/>
+            </a:p>
+          </p:txBody>
+        </p:sp>
+        <p:sp>
+          <p:nvSpPr>
+            <p:cNvPr id="20" name="직사각형 19">
+              <a:extLst>
+                <a:ext uri="{FF2B5EF4-FFF2-40B4-BE49-F238E27FC236}">
+                  <a16:creationId xmlns:a16="http://schemas.microsoft.com/office/drawing/2014/main" id="{CAB3CE5A-358A-93C4-5D2D-17DA1E24F5FB}"/>
+                </a:ext>
+              </a:extLst>
+            </p:cNvPr>
+            <p:cNvSpPr/>
+            <p:nvPr/>
+          </p:nvSpPr>
+          <p:spPr>
+            <a:xfrm>
+              <a:off x="4676775" y="1961355"/>
+              <a:ext cx="1570038" cy="173038"/>
+            </a:xfrm>
+            <a:prstGeom prst="rect">
+              <a:avLst/>
+            </a:prstGeom>
+          </p:spPr>
+          <p:style>
+            <a:lnRef idx="2">
+              <a:schemeClr val="accent4"/>
+            </a:lnRef>
+            <a:fillRef idx="1">
+              <a:schemeClr val="lt1"/>
+            </a:fillRef>
+            <a:effectRef idx="0">
+              <a:schemeClr val="accent4"/>
+            </a:effectRef>
+            <a:fontRef idx="minor">
+              <a:schemeClr val="dk1"/>
+            </a:fontRef>
+          </p:style>
+          <p:txBody>
+            <a:bodyPr rtlCol="0" anchor="ctr"/>
+            <a:lstStyle/>
+            <a:p>
+              <a:pPr algn="ctr"/>
+              <a:endParaRPr lang="ko-KR" altLang="en-US"/>
+            </a:p>
+          </p:txBody>
+        </p:sp>
+        <p:sp>
+          <p:nvSpPr>
+            <p:cNvPr id="21" name="직사각형 20">
+              <a:extLst>
+                <a:ext uri="{FF2B5EF4-FFF2-40B4-BE49-F238E27FC236}">
+                  <a16:creationId xmlns:a16="http://schemas.microsoft.com/office/drawing/2014/main" id="{0D7EBA6C-3BF5-2582-1891-AF6811196D88}"/>
+                </a:ext>
+              </a:extLst>
+            </p:cNvPr>
+            <p:cNvSpPr/>
+            <p:nvPr/>
+          </p:nvSpPr>
+          <p:spPr>
+            <a:xfrm>
+              <a:off x="4676775" y="2125661"/>
+              <a:ext cx="1570038" cy="173038"/>
+            </a:xfrm>
+            <a:prstGeom prst="rect">
+              <a:avLst/>
+            </a:prstGeom>
+          </p:spPr>
+          <p:style>
+            <a:lnRef idx="2">
+              <a:schemeClr val="accent4"/>
+            </a:lnRef>
+            <a:fillRef idx="1">
+              <a:schemeClr val="lt1"/>
+            </a:fillRef>
+            <a:effectRef idx="0">
+              <a:schemeClr val="accent4"/>
+            </a:effectRef>
+            <a:fontRef idx="minor">
+              <a:schemeClr val="dk1"/>
+            </a:fontRef>
+          </p:style>
+          <p:txBody>
+            <a:bodyPr rtlCol="0" anchor="ctr"/>
+            <a:lstStyle/>
+            <a:p>
+              <a:pPr algn="ctr"/>
+              <a:endParaRPr lang="ko-KR" altLang="en-US"/>
+            </a:p>
+          </p:txBody>
+        </p:sp>
+        <p:sp>
+          <p:nvSpPr>
+            <p:cNvPr id="23" name="직사각형 22">
+              <a:extLst>
+                <a:ext uri="{FF2B5EF4-FFF2-40B4-BE49-F238E27FC236}">
+                  <a16:creationId xmlns:a16="http://schemas.microsoft.com/office/drawing/2014/main" id="{E4F37158-0C28-BDDB-B567-1D0462135CA4}"/>
+                </a:ext>
+              </a:extLst>
+            </p:cNvPr>
+            <p:cNvSpPr/>
+            <p:nvPr/>
+          </p:nvSpPr>
+          <p:spPr>
+            <a:xfrm>
+              <a:off x="4676775" y="2298699"/>
+              <a:ext cx="1570038" cy="173038"/>
+            </a:xfrm>
+            <a:prstGeom prst="rect">
+              <a:avLst/>
+            </a:prstGeom>
+          </p:spPr>
+          <p:style>
+            <a:lnRef idx="2">
+              <a:schemeClr val="accent4"/>
+            </a:lnRef>
+            <a:fillRef idx="1">
+              <a:schemeClr val="lt1"/>
+            </a:fillRef>
+            <a:effectRef idx="0">
+              <a:schemeClr val="accent4"/>
+            </a:effectRef>
+            <a:fontRef idx="minor">
+              <a:schemeClr val="dk1"/>
+            </a:fontRef>
+          </p:style>
+          <p:txBody>
+            <a:bodyPr rtlCol="0" anchor="ctr"/>
+            <a:lstStyle/>
+            <a:p>
+              <a:pPr algn="ctr"/>
+              <a:endParaRPr lang="ko-KR" altLang="en-US" dirty="0"/>
+            </a:p>
+          </p:txBody>
+        </p:sp>
+        <p:sp>
+          <p:nvSpPr>
+            <p:cNvPr id="24" name="직사각형 23">
+              <a:extLst>
+                <a:ext uri="{FF2B5EF4-FFF2-40B4-BE49-F238E27FC236}">
+                  <a16:creationId xmlns:a16="http://schemas.microsoft.com/office/drawing/2014/main" id="{C579FC73-C832-873D-5D2F-EF97B0F66664}"/>
+                </a:ext>
+              </a:extLst>
+            </p:cNvPr>
+            <p:cNvSpPr/>
+            <p:nvPr/>
+          </p:nvSpPr>
+          <p:spPr>
+            <a:xfrm>
+              <a:off x="4676775" y="1615279"/>
+              <a:ext cx="1570038" cy="173038"/>
+            </a:xfrm>
+            <a:prstGeom prst="rect">
+              <a:avLst/>
+            </a:prstGeom>
+          </p:spPr>
+          <p:style>
+            <a:lnRef idx="2">
+              <a:schemeClr val="accent4"/>
+            </a:lnRef>
+            <a:fillRef idx="1">
+              <a:schemeClr val="lt1"/>
+            </a:fillRef>
+            <a:effectRef idx="0">
+              <a:schemeClr val="accent4"/>
+            </a:effectRef>
+            <a:fontRef idx="minor">
+              <a:schemeClr val="dk1"/>
+            </a:fontRef>
+          </p:style>
+          <p:txBody>
+            <a:bodyPr rtlCol="0" anchor="ctr"/>
+            <a:lstStyle/>
+            <a:p>
+              <a:pPr algn="ctr"/>
+              <a:endParaRPr lang="ko-KR" altLang="en-US"/>
+            </a:p>
+          </p:txBody>
+        </p:sp>
+        <p:sp>
+          <p:nvSpPr>
+            <p:cNvPr id="38" name="TextBox 37">
+              <a:extLst>
+                <a:ext uri="{FF2B5EF4-FFF2-40B4-BE49-F238E27FC236}">
+                  <a16:creationId xmlns:a16="http://schemas.microsoft.com/office/drawing/2014/main" id="{6FC1D012-AD5A-D2DB-E36A-EC5986639F20}"/>
+                </a:ext>
+              </a:extLst>
+            </p:cNvPr>
+            <p:cNvSpPr txBox="1"/>
+            <p:nvPr/>
+          </p:nvSpPr>
+          <p:spPr>
+            <a:xfrm>
+              <a:off x="5259387" y="2471737"/>
+              <a:ext cx="404813" cy="230832"/>
+            </a:xfrm>
+            <a:prstGeom prst="rect">
+              <a:avLst/>
+            </a:prstGeom>
+            <a:noFill/>
+          </p:spPr>
+          <p:txBody>
+            <a:bodyPr wrap="square" rtlCol="0">
+              <a:spAutoFit/>
+            </a:bodyPr>
+            <a:lstStyle/>
+            <a:p>
+              <a:pPr algn="ctr"/>
+              <a:r>
+                <a:rPr lang="en-US" altLang="ko-KR" sz="900" b="1" dirty="0"/>
+                <a:t>230</a:t>
+              </a:r>
+              <a:endParaRPr lang="ko-KR" altLang="en-US" sz="900" b="1" dirty="0"/>
+            </a:p>
+          </p:txBody>
+        </p:sp>
+        <p:sp>
+          <p:nvSpPr>
+            <p:cNvPr id="47" name="TextBox 46">
+              <a:extLst>
+                <a:ext uri="{FF2B5EF4-FFF2-40B4-BE49-F238E27FC236}">
+                  <a16:creationId xmlns:a16="http://schemas.microsoft.com/office/drawing/2014/main" id="{30FBBD4D-7ABD-8027-6E50-4D7666E59BC3}"/>
+                </a:ext>
+              </a:extLst>
+            </p:cNvPr>
+            <p:cNvSpPr txBox="1"/>
+            <p:nvPr/>
+          </p:nvSpPr>
+          <p:spPr>
+            <a:xfrm>
+              <a:off x="4605733" y="2259546"/>
+              <a:ext cx="404813" cy="230832"/>
+            </a:xfrm>
+            <a:prstGeom prst="rect">
+              <a:avLst/>
+            </a:prstGeom>
+            <a:noFill/>
+          </p:spPr>
+          <p:txBody>
+            <a:bodyPr wrap="square" rtlCol="0">
+              <a:spAutoFit/>
+            </a:bodyPr>
+            <a:lstStyle/>
+            <a:p>
+              <a:pPr algn="ctr"/>
+              <a:r>
+                <a:rPr lang="en-US" altLang="ko-KR" sz="900" b="1" dirty="0"/>
+                <a:t>16</a:t>
+              </a:r>
+              <a:endParaRPr lang="ko-KR" altLang="en-US" sz="900" b="1" dirty="0"/>
+            </a:p>
+          </p:txBody>
+        </p:sp>
+        <p:sp>
+          <p:nvSpPr>
+            <p:cNvPr id="48" name="TextBox 47">
+              <a:extLst>
+                <a:ext uri="{FF2B5EF4-FFF2-40B4-BE49-F238E27FC236}">
+                  <a16:creationId xmlns:a16="http://schemas.microsoft.com/office/drawing/2014/main" id="{7E10BC56-255C-039C-0DE9-30FB25235DB9}"/>
+                </a:ext>
+              </a:extLst>
+            </p:cNvPr>
+            <p:cNvSpPr txBox="1"/>
+            <p:nvPr/>
+          </p:nvSpPr>
+          <p:spPr>
+            <a:xfrm>
+              <a:off x="4605733" y="2082799"/>
+              <a:ext cx="404813" cy="230832"/>
+            </a:xfrm>
+            <a:prstGeom prst="rect">
+              <a:avLst/>
+            </a:prstGeom>
+            <a:noFill/>
+          </p:spPr>
+          <p:txBody>
+            <a:bodyPr wrap="square" rtlCol="0">
+              <a:spAutoFit/>
+            </a:bodyPr>
+            <a:lstStyle/>
+            <a:p>
+              <a:pPr algn="ctr"/>
+              <a:r>
+                <a:rPr lang="en-US" altLang="ko-KR" sz="900" b="1" dirty="0"/>
+                <a:t>16</a:t>
+              </a:r>
+              <a:endParaRPr lang="ko-KR" altLang="en-US" sz="900" b="1" dirty="0"/>
+            </a:p>
+          </p:txBody>
+        </p:sp>
+        <p:sp>
+          <p:nvSpPr>
+            <p:cNvPr id="49" name="TextBox 48">
+              <a:extLst>
+                <a:ext uri="{FF2B5EF4-FFF2-40B4-BE49-F238E27FC236}">
+                  <a16:creationId xmlns:a16="http://schemas.microsoft.com/office/drawing/2014/main" id="{935B5790-33CC-8E28-91C1-0A9686BD5207}"/>
+                </a:ext>
+              </a:extLst>
+            </p:cNvPr>
+            <p:cNvSpPr txBox="1"/>
+            <p:nvPr/>
+          </p:nvSpPr>
+          <p:spPr>
+            <a:xfrm>
+              <a:off x="4605733" y="1924992"/>
+              <a:ext cx="404813" cy="230832"/>
+            </a:xfrm>
+            <a:prstGeom prst="rect">
+              <a:avLst/>
+            </a:prstGeom>
+            <a:noFill/>
+          </p:spPr>
+          <p:txBody>
+            <a:bodyPr wrap="square" rtlCol="0">
+              <a:spAutoFit/>
+            </a:bodyPr>
+            <a:lstStyle/>
+            <a:p>
+              <a:pPr algn="ctr"/>
+              <a:r>
+                <a:rPr lang="en-US" altLang="ko-KR" sz="900" b="1" dirty="0"/>
+                <a:t>16</a:t>
+              </a:r>
+              <a:endParaRPr lang="ko-KR" altLang="en-US" sz="900" b="1" dirty="0"/>
+            </a:p>
+          </p:txBody>
+        </p:sp>
+        <p:sp>
+          <p:nvSpPr>
+            <p:cNvPr id="50" name="TextBox 49">
+              <a:extLst>
+                <a:ext uri="{FF2B5EF4-FFF2-40B4-BE49-F238E27FC236}">
+                  <a16:creationId xmlns:a16="http://schemas.microsoft.com/office/drawing/2014/main" id="{6E3FF723-1F55-3A87-B0DC-6DD589315E77}"/>
+                </a:ext>
+              </a:extLst>
+            </p:cNvPr>
+            <p:cNvSpPr txBox="1"/>
+            <p:nvPr/>
+          </p:nvSpPr>
+          <p:spPr>
+            <a:xfrm>
+              <a:off x="4605733" y="1751311"/>
+              <a:ext cx="404813" cy="230832"/>
+            </a:xfrm>
+            <a:prstGeom prst="rect">
+              <a:avLst/>
+            </a:prstGeom>
+            <a:noFill/>
+          </p:spPr>
+          <p:txBody>
+            <a:bodyPr wrap="square" rtlCol="0">
+              <a:spAutoFit/>
+            </a:bodyPr>
+            <a:lstStyle/>
+            <a:p>
+              <a:pPr algn="ctr"/>
+              <a:r>
+                <a:rPr lang="en-US" altLang="ko-KR" sz="900" b="1" dirty="0"/>
+                <a:t>16</a:t>
+              </a:r>
+              <a:endParaRPr lang="ko-KR" altLang="en-US" sz="900" b="1" dirty="0"/>
+            </a:p>
+          </p:txBody>
+        </p:sp>
+        <p:sp>
+          <p:nvSpPr>
+            <p:cNvPr id="51" name="TextBox 50">
+              <a:extLst>
+                <a:ext uri="{FF2B5EF4-FFF2-40B4-BE49-F238E27FC236}">
+                  <a16:creationId xmlns:a16="http://schemas.microsoft.com/office/drawing/2014/main" id="{1C0C72A8-E75C-6B20-75AC-92D0371E2B54}"/>
+                </a:ext>
+              </a:extLst>
+            </p:cNvPr>
+            <p:cNvSpPr txBox="1"/>
+            <p:nvPr/>
+          </p:nvSpPr>
+          <p:spPr>
+            <a:xfrm>
+              <a:off x="4605733" y="1586509"/>
+              <a:ext cx="404813" cy="230832"/>
+            </a:xfrm>
+            <a:prstGeom prst="rect">
+              <a:avLst/>
+            </a:prstGeom>
+            <a:noFill/>
+          </p:spPr>
+          <p:txBody>
+            <a:bodyPr wrap="square" rtlCol="0">
+              <a:spAutoFit/>
+            </a:bodyPr>
+            <a:lstStyle/>
+            <a:p>
+              <a:pPr algn="ctr"/>
+              <a:r>
+                <a:rPr lang="en-US" altLang="ko-KR" sz="900" b="1" dirty="0"/>
+                <a:t>16</a:t>
+              </a:r>
+              <a:endParaRPr lang="ko-KR" altLang="en-US" sz="900" b="1" dirty="0"/>
+            </a:p>
+          </p:txBody>
+        </p:sp>
+      </p:grpSp>
+      <p:grpSp>
+        <p:nvGrpSpPr>
+          <p:cNvPr id="69" name="그룹 68">
+            <a:extLst>
+              <a:ext uri="{FF2B5EF4-FFF2-40B4-BE49-F238E27FC236}">
+                <a16:creationId xmlns:a16="http://schemas.microsoft.com/office/drawing/2014/main" id="{70B65C17-066B-0654-B2CE-67A716951869}"/>
+              </a:ext>
+            </a:extLst>
+          </p:cNvPr>
+          <p:cNvGrpSpPr/>
+          <p:nvPr/>
+        </p:nvGrpSpPr>
+        <p:grpSpPr>
+          <a:xfrm>
+            <a:off x="6175772" y="1763514"/>
+            <a:ext cx="1471216" cy="939055"/>
+            <a:chOff x="6175772" y="1763514"/>
+            <a:chExt cx="1471216" cy="939055"/>
+          </a:xfrm>
+        </p:grpSpPr>
+        <p:sp>
+          <p:nvSpPr>
+            <p:cNvPr id="25" name="직사각형 24">
+              <a:extLst>
+                <a:ext uri="{FF2B5EF4-FFF2-40B4-BE49-F238E27FC236}">
+                  <a16:creationId xmlns:a16="http://schemas.microsoft.com/office/drawing/2014/main" id="{795134C3-A3A3-7769-4019-E26B19978A05}"/>
+                </a:ext>
+              </a:extLst>
+            </p:cNvPr>
+            <p:cNvSpPr/>
+            <p:nvPr/>
+          </p:nvSpPr>
+          <p:spPr>
+            <a:xfrm>
+              <a:off x="6246813" y="1788317"/>
+              <a:ext cx="1400175" cy="173038"/>
+            </a:xfrm>
+            <a:prstGeom prst="rect">
+              <a:avLst/>
+            </a:prstGeom>
+          </p:spPr>
+          <p:style>
+            <a:lnRef idx="2">
+              <a:schemeClr val="accent4"/>
+            </a:lnRef>
+            <a:fillRef idx="1">
+              <a:schemeClr val="lt1"/>
+            </a:fillRef>
+            <a:effectRef idx="0">
+              <a:schemeClr val="accent4"/>
+            </a:effectRef>
+            <a:fontRef idx="minor">
+              <a:schemeClr val="dk1"/>
+            </a:fontRef>
+          </p:style>
+          <p:txBody>
+            <a:bodyPr rtlCol="0" anchor="ctr"/>
+            <a:lstStyle/>
+            <a:p>
+              <a:pPr algn="ctr"/>
+              <a:endParaRPr lang="ko-KR" altLang="en-US"/>
+            </a:p>
+          </p:txBody>
+        </p:sp>
+        <p:sp>
+          <p:nvSpPr>
+            <p:cNvPr id="26" name="직사각형 25">
+              <a:extLst>
+                <a:ext uri="{FF2B5EF4-FFF2-40B4-BE49-F238E27FC236}">
+                  <a16:creationId xmlns:a16="http://schemas.microsoft.com/office/drawing/2014/main" id="{0631280C-95FB-15BC-7A06-D309BB9AB81D}"/>
+                </a:ext>
+              </a:extLst>
+            </p:cNvPr>
+            <p:cNvSpPr/>
+            <p:nvPr/>
+          </p:nvSpPr>
+          <p:spPr>
+            <a:xfrm>
+              <a:off x="6246813" y="1961355"/>
+              <a:ext cx="1400175" cy="173038"/>
+            </a:xfrm>
+            <a:prstGeom prst="rect">
+              <a:avLst/>
+            </a:prstGeom>
+          </p:spPr>
+          <p:style>
+            <a:lnRef idx="2">
+              <a:schemeClr val="accent4"/>
+            </a:lnRef>
+            <a:fillRef idx="1">
+              <a:schemeClr val="lt1"/>
+            </a:fillRef>
+            <a:effectRef idx="0">
+              <a:schemeClr val="accent4"/>
+            </a:effectRef>
+            <a:fontRef idx="minor">
+              <a:schemeClr val="dk1"/>
+            </a:fontRef>
+          </p:style>
+          <p:txBody>
+            <a:bodyPr rtlCol="0" anchor="ctr"/>
+            <a:lstStyle/>
+            <a:p>
+              <a:pPr algn="ctr"/>
+              <a:endParaRPr lang="ko-KR" altLang="en-US"/>
+            </a:p>
+          </p:txBody>
+        </p:sp>
+        <p:sp>
+          <p:nvSpPr>
+            <p:cNvPr id="28" name="직사각형 27">
+              <a:extLst>
+                <a:ext uri="{FF2B5EF4-FFF2-40B4-BE49-F238E27FC236}">
+                  <a16:creationId xmlns:a16="http://schemas.microsoft.com/office/drawing/2014/main" id="{092EE9C5-B74F-DEF6-2837-9B1071F2CBF1}"/>
+                </a:ext>
+              </a:extLst>
+            </p:cNvPr>
+            <p:cNvSpPr/>
+            <p:nvPr/>
+          </p:nvSpPr>
+          <p:spPr>
+            <a:xfrm>
+              <a:off x="6246813" y="2125661"/>
+              <a:ext cx="1400175" cy="173038"/>
+            </a:xfrm>
+            <a:prstGeom prst="rect">
+              <a:avLst/>
+            </a:prstGeom>
+          </p:spPr>
+          <p:style>
+            <a:lnRef idx="2">
+              <a:schemeClr val="accent4"/>
+            </a:lnRef>
+            <a:fillRef idx="1">
+              <a:schemeClr val="lt1"/>
+            </a:fillRef>
+            <a:effectRef idx="0">
+              <a:schemeClr val="accent4"/>
+            </a:effectRef>
+            <a:fontRef idx="minor">
+              <a:schemeClr val="dk1"/>
+            </a:fontRef>
+          </p:style>
+          <p:txBody>
+            <a:bodyPr rtlCol="0" anchor="ctr"/>
+            <a:lstStyle/>
+            <a:p>
+              <a:pPr algn="ctr"/>
+              <a:endParaRPr lang="ko-KR" altLang="en-US"/>
+            </a:p>
+          </p:txBody>
+        </p:sp>
+        <p:sp>
+          <p:nvSpPr>
+            <p:cNvPr id="29" name="직사각형 28">
+              <a:extLst>
+                <a:ext uri="{FF2B5EF4-FFF2-40B4-BE49-F238E27FC236}">
+                  <a16:creationId xmlns:a16="http://schemas.microsoft.com/office/drawing/2014/main" id="{6001743B-1B77-D73C-928B-51210C2B5797}"/>
+                </a:ext>
+              </a:extLst>
+            </p:cNvPr>
+            <p:cNvSpPr/>
+            <p:nvPr/>
+          </p:nvSpPr>
+          <p:spPr>
+            <a:xfrm>
+              <a:off x="6246813" y="2298699"/>
+              <a:ext cx="1400175" cy="173038"/>
+            </a:xfrm>
+            <a:prstGeom prst="rect">
+              <a:avLst/>
+            </a:prstGeom>
+          </p:spPr>
+          <p:style>
+            <a:lnRef idx="2">
+              <a:schemeClr val="accent4"/>
+            </a:lnRef>
+            <a:fillRef idx="1">
+              <a:schemeClr val="lt1"/>
+            </a:fillRef>
+            <a:effectRef idx="0">
+              <a:schemeClr val="accent4"/>
+            </a:effectRef>
+            <a:fontRef idx="minor">
+              <a:schemeClr val="dk1"/>
+            </a:fontRef>
+          </p:style>
+          <p:txBody>
+            <a:bodyPr rtlCol="0" anchor="ctr"/>
+            <a:lstStyle/>
+            <a:p>
+              <a:pPr algn="ctr"/>
+              <a:endParaRPr lang="ko-KR" altLang="en-US" dirty="0"/>
+            </a:p>
+          </p:txBody>
+        </p:sp>
+        <p:sp>
+          <p:nvSpPr>
+            <p:cNvPr id="40" name="TextBox 39">
+              <a:extLst>
+                <a:ext uri="{FF2B5EF4-FFF2-40B4-BE49-F238E27FC236}">
+                  <a16:creationId xmlns:a16="http://schemas.microsoft.com/office/drawing/2014/main" id="{30E2A494-3D92-0F2E-2304-E98CE174838D}"/>
+                </a:ext>
+              </a:extLst>
+            </p:cNvPr>
+            <p:cNvSpPr txBox="1"/>
+            <p:nvPr/>
+          </p:nvSpPr>
+          <p:spPr>
+            <a:xfrm>
+              <a:off x="6744493" y="2471737"/>
+              <a:ext cx="404813" cy="230832"/>
+            </a:xfrm>
+            <a:prstGeom prst="rect">
+              <a:avLst/>
+            </a:prstGeom>
+            <a:noFill/>
+          </p:spPr>
+          <p:txBody>
+            <a:bodyPr wrap="square" rtlCol="0">
+              <a:spAutoFit/>
+            </a:bodyPr>
+            <a:lstStyle/>
+            <a:p>
+              <a:pPr algn="ctr"/>
+              <a:r>
+                <a:rPr lang="en-US" altLang="ko-KR" sz="900" b="1" dirty="0"/>
+                <a:t>190</a:t>
+              </a:r>
+              <a:endParaRPr lang="ko-KR" altLang="en-US" sz="900" b="1" dirty="0"/>
+            </a:p>
+          </p:txBody>
+        </p:sp>
+        <p:sp>
+          <p:nvSpPr>
+            <p:cNvPr id="53" name="TextBox 52">
+              <a:extLst>
+                <a:ext uri="{FF2B5EF4-FFF2-40B4-BE49-F238E27FC236}">
+                  <a16:creationId xmlns:a16="http://schemas.microsoft.com/office/drawing/2014/main" id="{F0AF9D2C-1B59-5701-3EA5-9F2DDDAD6A05}"/>
+                </a:ext>
+              </a:extLst>
+            </p:cNvPr>
+            <p:cNvSpPr txBox="1"/>
+            <p:nvPr/>
+          </p:nvSpPr>
+          <p:spPr>
+            <a:xfrm>
+              <a:off x="6175772" y="1763514"/>
+              <a:ext cx="404813" cy="230832"/>
+            </a:xfrm>
+            <a:prstGeom prst="rect">
+              <a:avLst/>
+            </a:prstGeom>
+            <a:noFill/>
+          </p:spPr>
+          <p:txBody>
+            <a:bodyPr wrap="square" rtlCol="0">
+              <a:spAutoFit/>
+            </a:bodyPr>
+            <a:lstStyle/>
+            <a:p>
+              <a:pPr algn="ctr"/>
+              <a:r>
+                <a:rPr lang="en-US" altLang="ko-KR" sz="900" b="1" dirty="0"/>
+                <a:t>16</a:t>
+              </a:r>
+              <a:endParaRPr lang="ko-KR" altLang="en-US" sz="900" b="1" dirty="0"/>
+            </a:p>
+          </p:txBody>
+        </p:sp>
+        <p:sp>
+          <p:nvSpPr>
+            <p:cNvPr id="54" name="TextBox 53">
+              <a:extLst>
+                <a:ext uri="{FF2B5EF4-FFF2-40B4-BE49-F238E27FC236}">
+                  <a16:creationId xmlns:a16="http://schemas.microsoft.com/office/drawing/2014/main" id="{9CD45609-B7A1-7B4D-45BD-5853027F150C}"/>
+                </a:ext>
+              </a:extLst>
+            </p:cNvPr>
+            <p:cNvSpPr txBox="1"/>
+            <p:nvPr/>
+          </p:nvSpPr>
+          <p:spPr>
+            <a:xfrm>
+              <a:off x="6175772" y="1924992"/>
+              <a:ext cx="404813" cy="230832"/>
+            </a:xfrm>
+            <a:prstGeom prst="rect">
+              <a:avLst/>
+            </a:prstGeom>
+            <a:noFill/>
+          </p:spPr>
+          <p:txBody>
+            <a:bodyPr wrap="square" rtlCol="0">
+              <a:spAutoFit/>
+            </a:bodyPr>
+            <a:lstStyle/>
+            <a:p>
+              <a:pPr algn="ctr"/>
+              <a:r>
+                <a:rPr lang="en-US" altLang="ko-KR" sz="900" b="1" dirty="0"/>
+                <a:t>16</a:t>
+              </a:r>
+              <a:endParaRPr lang="ko-KR" altLang="en-US" sz="900" b="1" dirty="0"/>
+            </a:p>
+          </p:txBody>
+        </p:sp>
+        <p:sp>
+          <p:nvSpPr>
+            <p:cNvPr id="56" name="TextBox 55">
+              <a:extLst>
+                <a:ext uri="{FF2B5EF4-FFF2-40B4-BE49-F238E27FC236}">
+                  <a16:creationId xmlns:a16="http://schemas.microsoft.com/office/drawing/2014/main" id="{93FAF9DF-0AB2-E5B8-4AFF-6CB13D1E65FC}"/>
+                </a:ext>
+              </a:extLst>
+            </p:cNvPr>
+            <p:cNvSpPr txBox="1"/>
+            <p:nvPr/>
+          </p:nvSpPr>
+          <p:spPr>
+            <a:xfrm>
+              <a:off x="6175772" y="2086917"/>
+              <a:ext cx="404813" cy="230832"/>
+            </a:xfrm>
+            <a:prstGeom prst="rect">
+              <a:avLst/>
+            </a:prstGeom>
+            <a:noFill/>
+          </p:spPr>
+          <p:txBody>
+            <a:bodyPr wrap="square" rtlCol="0">
+              <a:spAutoFit/>
+            </a:bodyPr>
+            <a:lstStyle/>
+            <a:p>
+              <a:pPr algn="ctr"/>
+              <a:r>
+                <a:rPr lang="en-US" altLang="ko-KR" sz="900" b="1" dirty="0"/>
+                <a:t>16</a:t>
+              </a:r>
+              <a:endParaRPr lang="ko-KR" altLang="en-US" sz="900" b="1" dirty="0"/>
+            </a:p>
+          </p:txBody>
+        </p:sp>
+        <p:sp>
+          <p:nvSpPr>
+            <p:cNvPr id="57" name="TextBox 56">
+              <a:extLst>
+                <a:ext uri="{FF2B5EF4-FFF2-40B4-BE49-F238E27FC236}">
+                  <a16:creationId xmlns:a16="http://schemas.microsoft.com/office/drawing/2014/main" id="{DF22B47E-A7CC-6727-404C-9FB758989831}"/>
+                </a:ext>
+              </a:extLst>
+            </p:cNvPr>
+            <p:cNvSpPr txBox="1"/>
+            <p:nvPr/>
+          </p:nvSpPr>
+          <p:spPr>
+            <a:xfrm>
+              <a:off x="6175772" y="2261541"/>
+              <a:ext cx="404813" cy="230832"/>
+            </a:xfrm>
+            <a:prstGeom prst="rect">
+              <a:avLst/>
+            </a:prstGeom>
+            <a:noFill/>
+          </p:spPr>
+          <p:txBody>
+            <a:bodyPr wrap="square" rtlCol="0">
+              <a:spAutoFit/>
+            </a:bodyPr>
+            <a:lstStyle/>
+            <a:p>
+              <a:pPr algn="ctr"/>
+              <a:r>
+                <a:rPr lang="en-US" altLang="ko-KR" sz="900" b="1" dirty="0"/>
+                <a:t>16</a:t>
+              </a:r>
+              <a:endParaRPr lang="ko-KR" altLang="en-US" sz="900" b="1" dirty="0"/>
+            </a:p>
+          </p:txBody>
+        </p:sp>
+      </p:grpSp>
+      <p:grpSp>
+        <p:nvGrpSpPr>
+          <p:cNvPr id="67" name="그룹 66">
+            <a:extLst>
+              <a:ext uri="{FF2B5EF4-FFF2-40B4-BE49-F238E27FC236}">
+                <a16:creationId xmlns:a16="http://schemas.microsoft.com/office/drawing/2014/main" id="{CA8ED0E2-41D1-3EE3-49BC-2A572BA56291}"/>
+              </a:ext>
+            </a:extLst>
+          </p:cNvPr>
+          <p:cNvGrpSpPr/>
+          <p:nvPr/>
+        </p:nvGrpSpPr>
+        <p:grpSpPr>
+          <a:xfrm>
+            <a:off x="3245047" y="1606462"/>
+            <a:ext cx="1431728" cy="1096107"/>
+            <a:chOff x="3245047" y="1606462"/>
+            <a:chExt cx="1431728" cy="1096107"/>
+          </a:xfrm>
+        </p:grpSpPr>
+        <p:sp>
+          <p:nvSpPr>
+            <p:cNvPr id="14" name="직사각형 13">
+              <a:extLst>
+                <a:ext uri="{FF2B5EF4-FFF2-40B4-BE49-F238E27FC236}">
+                  <a16:creationId xmlns:a16="http://schemas.microsoft.com/office/drawing/2014/main" id="{4EA9B592-BEA3-49EF-BCE5-EB15F2901A81}"/>
+                </a:ext>
+              </a:extLst>
+            </p:cNvPr>
+            <p:cNvSpPr/>
+            <p:nvPr/>
+          </p:nvSpPr>
+          <p:spPr>
+            <a:xfrm>
+              <a:off x="3276600" y="1608137"/>
+              <a:ext cx="1400175" cy="215900"/>
+            </a:xfrm>
+            <a:prstGeom prst="rect">
+              <a:avLst/>
+            </a:prstGeom>
+          </p:spPr>
+          <p:style>
+            <a:lnRef idx="2">
+              <a:schemeClr val="accent4"/>
+            </a:lnRef>
+            <a:fillRef idx="1">
+              <a:schemeClr val="lt1"/>
+            </a:fillRef>
+            <a:effectRef idx="0">
+              <a:schemeClr val="accent4"/>
+            </a:effectRef>
+            <a:fontRef idx="minor">
+              <a:schemeClr val="dk1"/>
+            </a:fontRef>
+          </p:style>
+          <p:txBody>
+            <a:bodyPr rtlCol="0" anchor="ctr"/>
+            <a:lstStyle/>
+            <a:p>
+              <a:pPr algn="ctr"/>
+              <a:endParaRPr lang="ko-KR" altLang="en-US"/>
+            </a:p>
+          </p:txBody>
+        </p:sp>
+        <p:sp>
+          <p:nvSpPr>
+            <p:cNvPr id="15" name="직사각형 14">
+              <a:extLst>
+                <a:ext uri="{FF2B5EF4-FFF2-40B4-BE49-F238E27FC236}">
+                  <a16:creationId xmlns:a16="http://schemas.microsoft.com/office/drawing/2014/main" id="{9655F019-C1AD-099F-5E66-3554FE765CE7}"/>
+                </a:ext>
+              </a:extLst>
+            </p:cNvPr>
+            <p:cNvSpPr/>
+            <p:nvPr/>
+          </p:nvSpPr>
+          <p:spPr>
+            <a:xfrm>
+              <a:off x="3276600" y="1824037"/>
+              <a:ext cx="1400175" cy="215900"/>
+            </a:xfrm>
+            <a:prstGeom prst="rect">
+              <a:avLst/>
+            </a:prstGeom>
+          </p:spPr>
+          <p:style>
+            <a:lnRef idx="2">
+              <a:schemeClr val="accent4"/>
+            </a:lnRef>
+            <a:fillRef idx="1">
+              <a:schemeClr val="lt1"/>
+            </a:fillRef>
+            <a:effectRef idx="0">
+              <a:schemeClr val="accent4"/>
+            </a:effectRef>
+            <a:fontRef idx="minor">
+              <a:schemeClr val="dk1"/>
+            </a:fontRef>
+          </p:style>
+          <p:txBody>
+            <a:bodyPr rtlCol="0" anchor="ctr"/>
+            <a:lstStyle/>
+            <a:p>
+              <a:pPr algn="ctr"/>
+              <a:endParaRPr lang="ko-KR" altLang="en-US"/>
+            </a:p>
+          </p:txBody>
+        </p:sp>
+        <p:sp>
+          <p:nvSpPr>
+            <p:cNvPr id="16" name="직사각형 15">
+              <a:extLst>
+                <a:ext uri="{FF2B5EF4-FFF2-40B4-BE49-F238E27FC236}">
+                  <a16:creationId xmlns:a16="http://schemas.microsoft.com/office/drawing/2014/main" id="{B58C077D-5FEA-1FC1-64E1-DF859D3CBCB2}"/>
+                </a:ext>
+              </a:extLst>
+            </p:cNvPr>
+            <p:cNvSpPr/>
+            <p:nvPr/>
+          </p:nvSpPr>
+          <p:spPr>
+            <a:xfrm>
+              <a:off x="3276600" y="2039937"/>
+              <a:ext cx="1400175" cy="215900"/>
+            </a:xfrm>
+            <a:prstGeom prst="rect">
+              <a:avLst/>
+            </a:prstGeom>
+          </p:spPr>
+          <p:style>
+            <a:lnRef idx="2">
+              <a:schemeClr val="accent4"/>
+            </a:lnRef>
+            <a:fillRef idx="1">
+              <a:schemeClr val="lt1"/>
+            </a:fillRef>
+            <a:effectRef idx="0">
+              <a:schemeClr val="accent4"/>
+            </a:effectRef>
+            <a:fontRef idx="minor">
+              <a:schemeClr val="dk1"/>
+            </a:fontRef>
+          </p:style>
+          <p:txBody>
+            <a:bodyPr rtlCol="0" anchor="ctr"/>
+            <a:lstStyle/>
+            <a:p>
+              <a:pPr algn="ctr"/>
+              <a:endParaRPr lang="ko-KR" altLang="en-US"/>
+            </a:p>
+          </p:txBody>
+        </p:sp>
+        <p:sp>
+          <p:nvSpPr>
+            <p:cNvPr id="18" name="직사각형 17">
+              <a:extLst>
+                <a:ext uri="{FF2B5EF4-FFF2-40B4-BE49-F238E27FC236}">
+                  <a16:creationId xmlns:a16="http://schemas.microsoft.com/office/drawing/2014/main" id="{632DBF23-9813-4516-85B5-497ABEB1D0F1}"/>
+                </a:ext>
+              </a:extLst>
+            </p:cNvPr>
+            <p:cNvSpPr/>
+            <p:nvPr/>
+          </p:nvSpPr>
+          <p:spPr>
+            <a:xfrm>
+              <a:off x="3276600" y="2255837"/>
+              <a:ext cx="1400175" cy="215900"/>
+            </a:xfrm>
+            <a:prstGeom prst="rect">
+              <a:avLst/>
+            </a:prstGeom>
+          </p:spPr>
+          <p:style>
+            <a:lnRef idx="2">
+              <a:schemeClr val="accent4"/>
+            </a:lnRef>
+            <a:fillRef idx="1">
+              <a:schemeClr val="lt1"/>
+            </a:fillRef>
+            <a:effectRef idx="0">
+              <a:schemeClr val="accent4"/>
+            </a:effectRef>
+            <a:fontRef idx="minor">
+              <a:schemeClr val="dk1"/>
+            </a:fontRef>
+          </p:style>
+          <p:txBody>
+            <a:bodyPr rtlCol="0" anchor="ctr"/>
+            <a:lstStyle/>
+            <a:p>
+              <a:pPr algn="ctr"/>
+              <a:endParaRPr lang="ko-KR" altLang="en-US" dirty="0"/>
+            </a:p>
+          </p:txBody>
+        </p:sp>
+        <p:sp>
+          <p:nvSpPr>
+            <p:cNvPr id="36" name="TextBox 35">
+              <a:extLst>
+                <a:ext uri="{FF2B5EF4-FFF2-40B4-BE49-F238E27FC236}">
+                  <a16:creationId xmlns:a16="http://schemas.microsoft.com/office/drawing/2014/main" id="{6A819919-B144-80E9-38FF-3B022B72F1D1}"/>
+                </a:ext>
+              </a:extLst>
+            </p:cNvPr>
+            <p:cNvSpPr txBox="1"/>
+            <p:nvPr/>
+          </p:nvSpPr>
+          <p:spPr>
+            <a:xfrm>
+              <a:off x="3774281" y="2471737"/>
+              <a:ext cx="404813" cy="230832"/>
+            </a:xfrm>
+            <a:prstGeom prst="rect">
+              <a:avLst/>
+            </a:prstGeom>
+            <a:noFill/>
+          </p:spPr>
+          <p:txBody>
+            <a:bodyPr wrap="square" rtlCol="0">
+              <a:spAutoFit/>
+            </a:bodyPr>
+            <a:lstStyle/>
+            <a:p>
+              <a:pPr algn="ctr"/>
+              <a:r>
+                <a:rPr lang="en-US" altLang="ko-KR" sz="900" b="1" dirty="0"/>
+                <a:t>190</a:t>
+              </a:r>
+              <a:endParaRPr lang="ko-KR" altLang="en-US" sz="900" b="1" dirty="0"/>
+            </a:p>
+          </p:txBody>
+        </p:sp>
+        <p:sp>
+          <p:nvSpPr>
+            <p:cNvPr id="59" name="TextBox 58">
+              <a:extLst>
+                <a:ext uri="{FF2B5EF4-FFF2-40B4-BE49-F238E27FC236}">
+                  <a16:creationId xmlns:a16="http://schemas.microsoft.com/office/drawing/2014/main" id="{FD3FA57A-56C1-B9EF-1C8E-D3D9C060AA66}"/>
+                </a:ext>
+              </a:extLst>
+            </p:cNvPr>
+            <p:cNvSpPr txBox="1"/>
+            <p:nvPr/>
+          </p:nvSpPr>
+          <p:spPr>
+            <a:xfrm>
+              <a:off x="3245047" y="2255837"/>
+              <a:ext cx="404813" cy="230832"/>
+            </a:xfrm>
+            <a:prstGeom prst="rect">
+              <a:avLst/>
+            </a:prstGeom>
+            <a:noFill/>
+          </p:spPr>
+          <p:txBody>
+            <a:bodyPr wrap="square" rtlCol="0">
+              <a:spAutoFit/>
+            </a:bodyPr>
+            <a:lstStyle/>
+            <a:p>
+              <a:pPr algn="ctr"/>
+              <a:r>
+                <a:rPr lang="en-US" altLang="ko-KR" sz="900" b="1" dirty="0"/>
+                <a:t>25</a:t>
+              </a:r>
+              <a:endParaRPr lang="ko-KR" altLang="en-US" sz="900" b="1" dirty="0"/>
+            </a:p>
+          </p:txBody>
+        </p:sp>
+        <p:sp>
+          <p:nvSpPr>
+            <p:cNvPr id="60" name="TextBox 59">
+              <a:extLst>
+                <a:ext uri="{FF2B5EF4-FFF2-40B4-BE49-F238E27FC236}">
+                  <a16:creationId xmlns:a16="http://schemas.microsoft.com/office/drawing/2014/main" id="{3120D652-29F2-5909-92E0-625F34E15F98}"/>
+                </a:ext>
+              </a:extLst>
+            </p:cNvPr>
+            <p:cNvSpPr txBox="1"/>
+            <p:nvPr/>
+          </p:nvSpPr>
+          <p:spPr>
+            <a:xfrm>
+              <a:off x="3245047" y="2032471"/>
+              <a:ext cx="404813" cy="230832"/>
+            </a:xfrm>
+            <a:prstGeom prst="rect">
+              <a:avLst/>
+            </a:prstGeom>
+            <a:noFill/>
+          </p:spPr>
+          <p:txBody>
+            <a:bodyPr wrap="square" rtlCol="0">
+              <a:spAutoFit/>
+            </a:bodyPr>
+            <a:lstStyle/>
+            <a:p>
+              <a:pPr algn="ctr"/>
+              <a:r>
+                <a:rPr lang="en-US" altLang="ko-KR" sz="900" b="1" dirty="0"/>
+                <a:t>25</a:t>
+              </a:r>
+              <a:endParaRPr lang="ko-KR" altLang="en-US" sz="900" b="1" dirty="0"/>
+            </a:p>
+          </p:txBody>
+        </p:sp>
+        <p:sp>
+          <p:nvSpPr>
+            <p:cNvPr id="61" name="TextBox 60">
+              <a:extLst>
+                <a:ext uri="{FF2B5EF4-FFF2-40B4-BE49-F238E27FC236}">
+                  <a16:creationId xmlns:a16="http://schemas.microsoft.com/office/drawing/2014/main" id="{D427EA5E-5C13-1B06-C6B9-0CED2111D0E3}"/>
+                </a:ext>
+              </a:extLst>
+            </p:cNvPr>
+            <p:cNvSpPr txBox="1"/>
+            <p:nvPr/>
+          </p:nvSpPr>
+          <p:spPr>
+            <a:xfrm>
+              <a:off x="3245047" y="1822920"/>
+              <a:ext cx="404813" cy="230832"/>
+            </a:xfrm>
+            <a:prstGeom prst="rect">
+              <a:avLst/>
+            </a:prstGeom>
+            <a:noFill/>
+          </p:spPr>
+          <p:txBody>
+            <a:bodyPr wrap="square" rtlCol="0">
+              <a:spAutoFit/>
+            </a:bodyPr>
+            <a:lstStyle/>
+            <a:p>
+              <a:pPr algn="ctr"/>
+              <a:r>
+                <a:rPr lang="en-US" altLang="ko-KR" sz="900" b="1" dirty="0"/>
+                <a:t>25</a:t>
+              </a:r>
+              <a:endParaRPr lang="ko-KR" altLang="en-US" sz="900" b="1" dirty="0"/>
+            </a:p>
+          </p:txBody>
+        </p:sp>
+        <p:sp>
+          <p:nvSpPr>
+            <p:cNvPr id="63" name="TextBox 62">
+              <a:extLst>
+                <a:ext uri="{FF2B5EF4-FFF2-40B4-BE49-F238E27FC236}">
+                  <a16:creationId xmlns:a16="http://schemas.microsoft.com/office/drawing/2014/main" id="{5E3ACFEE-F871-2447-74A3-AA9D8E9C4EAC}"/>
+                </a:ext>
+              </a:extLst>
+            </p:cNvPr>
+            <p:cNvSpPr txBox="1"/>
+            <p:nvPr/>
+          </p:nvSpPr>
+          <p:spPr>
+            <a:xfrm>
+              <a:off x="3245047" y="1606462"/>
+              <a:ext cx="404813" cy="230832"/>
+            </a:xfrm>
+            <a:prstGeom prst="rect">
+              <a:avLst/>
+            </a:prstGeom>
+            <a:noFill/>
+          </p:spPr>
+          <p:txBody>
+            <a:bodyPr wrap="square" rtlCol="0">
+              <a:spAutoFit/>
+            </a:bodyPr>
+            <a:lstStyle/>
+            <a:p>
+              <a:pPr algn="ctr"/>
+              <a:r>
+                <a:rPr lang="en-US" altLang="ko-KR" sz="900" b="1" dirty="0"/>
+                <a:t>25</a:t>
+              </a:r>
+              <a:endParaRPr lang="ko-KR" altLang="en-US" sz="900" b="1" dirty="0"/>
+            </a:p>
+          </p:txBody>
+        </p:sp>
+      </p:grpSp>
+      <p:sp>
+        <p:nvSpPr>
+          <p:cNvPr id="65" name="TextBox 64">
+            <a:extLst>
+              <a:ext uri="{FF2B5EF4-FFF2-40B4-BE49-F238E27FC236}">
+                <a16:creationId xmlns:a16="http://schemas.microsoft.com/office/drawing/2014/main" id="{266D6C55-1D86-A2B0-789B-4B74E7773F1E}"/>
+              </a:ext>
+            </a:extLst>
+          </p:cNvPr>
+          <p:cNvSpPr txBox="1"/>
+          <p:nvPr/>
+        </p:nvSpPr>
+        <p:spPr>
+          <a:xfrm>
+            <a:off x="542924" y="709288"/>
+            <a:ext cx="1209676" cy="276999"/>
+          </a:xfrm>
+          <a:prstGeom prst="rect">
+            <a:avLst/>
+          </a:prstGeom>
+          <a:noFill/>
+        </p:spPr>
+        <p:txBody>
+          <a:bodyPr wrap="square" rtlCol="0">
+            <a:spAutoFit/>
+          </a:bodyPr>
+          <a:lstStyle/>
+          <a:p>
+            <a:pPr algn="ctr"/>
+            <a:r>
+              <a:rPr lang="en-US" altLang="ko-KR" sz="1200" b="1" dirty="0"/>
+              <a:t>PS101</a:t>
+            </a:r>
+            <a:r>
+              <a:rPr lang="ko-KR" altLang="en-US" sz="1200" b="1" dirty="0"/>
+              <a:t> 롤 재단</a:t>
+            </a:r>
+          </a:p>
+        </p:txBody>
+      </p:sp>
+      <p:sp>
+        <p:nvSpPr>
+          <p:cNvPr id="71" name="TextBox 70">
+            <a:extLst>
+              <a:ext uri="{FF2B5EF4-FFF2-40B4-BE49-F238E27FC236}">
+                <a16:creationId xmlns:a16="http://schemas.microsoft.com/office/drawing/2014/main" id="{DA9B978C-AED7-51E5-1862-0AB6CBA65EF6}"/>
+              </a:ext>
+            </a:extLst>
+          </p:cNvPr>
+          <p:cNvSpPr txBox="1"/>
+          <p:nvPr/>
+        </p:nvSpPr>
+        <p:spPr>
+          <a:xfrm>
+            <a:off x="1092596" y="1720533"/>
+            <a:ext cx="487363" cy="261610"/>
+          </a:xfrm>
+          <a:prstGeom prst="rect">
+            <a:avLst/>
+          </a:prstGeom>
+          <a:noFill/>
+          <a:ln>
+            <a:solidFill>
+              <a:schemeClr val="tx1"/>
+            </a:solidFill>
+          </a:ln>
+        </p:spPr>
+        <p:txBody>
+          <a:bodyPr wrap="square" rtlCol="0">
+            <a:spAutoFit/>
+          </a:bodyPr>
+          <a:lstStyle/>
+          <a:p>
+            <a:pPr algn="ctr"/>
+            <a:r>
+              <a:rPr lang="en-US" altLang="ko-KR" sz="1100" b="1" dirty="0"/>
+              <a:t>116</a:t>
+            </a:r>
+            <a:endParaRPr lang="ko-KR" altLang="en-US" sz="1100" b="1" dirty="0"/>
+          </a:p>
+        </p:txBody>
+      </p:sp>
+      <p:sp>
+        <p:nvSpPr>
+          <p:cNvPr id="72" name="TextBox 71">
+            <a:extLst>
+              <a:ext uri="{FF2B5EF4-FFF2-40B4-BE49-F238E27FC236}">
+                <a16:creationId xmlns:a16="http://schemas.microsoft.com/office/drawing/2014/main" id="{14F1A32A-0B90-AD88-80DF-04CAFDA597A2}"/>
+              </a:ext>
+            </a:extLst>
+          </p:cNvPr>
+          <p:cNvSpPr txBox="1"/>
+          <p:nvPr/>
+        </p:nvSpPr>
+        <p:spPr>
+          <a:xfrm>
+            <a:off x="4474368" y="2715567"/>
+            <a:ext cx="469107" cy="261610"/>
+          </a:xfrm>
+          <a:prstGeom prst="rect">
+            <a:avLst/>
+          </a:prstGeom>
+          <a:noFill/>
+          <a:ln>
+            <a:solidFill>
+              <a:schemeClr val="tx1"/>
+            </a:solidFill>
+          </a:ln>
+        </p:spPr>
+        <p:txBody>
+          <a:bodyPr wrap="square" rtlCol="0">
+            <a:spAutoFit/>
+          </a:bodyPr>
+          <a:lstStyle/>
+          <a:p>
+            <a:pPr algn="ctr"/>
+            <a:r>
+              <a:rPr lang="en-US" altLang="ko-KR" sz="1100" b="1" dirty="0"/>
+              <a:t>850</a:t>
+            </a:r>
+            <a:endParaRPr lang="ko-KR" altLang="en-US" sz="1100" b="1" dirty="0"/>
+          </a:p>
+        </p:txBody>
+      </p:sp>
+    </p:spTree>
+    <p:extLst>
+      <p:ext uri="{BB962C8B-B14F-4D97-AF65-F5344CB8AC3E}">
+        <p14:creationId xmlns:p14="http://schemas.microsoft.com/office/powerpoint/2010/main" val="3962017738"/>
       </p:ext>
     </p:extLst>
   </p:cSld>

--- a/부동산/가온마을9단지.pptx
+++ b/부동산/가온마을9단지.pptx
@@ -11107,6 +11107,89 @@
           </a:fontRef>
         </p:style>
       </p:cxnSp>
+      <p:sp>
+        <p:nvSpPr>
+          <p:cNvPr id="6" name="TextBox 5">
+            <a:extLst>
+              <a:ext uri="{FF2B5EF4-FFF2-40B4-BE49-F238E27FC236}">
+                <a16:creationId xmlns:a16="http://schemas.microsoft.com/office/drawing/2014/main" id="{4C163A1B-760A-3371-15FE-5016CE071E89}"/>
+              </a:ext>
+            </a:extLst>
+          </p:cNvPr>
+          <p:cNvSpPr txBox="1"/>
+          <p:nvPr/>
+        </p:nvSpPr>
+        <p:spPr>
+          <a:xfrm>
+            <a:off x="5758149" y="4184140"/>
+            <a:ext cx="896701" cy="369332"/>
+          </a:xfrm>
+          <a:prstGeom prst="rect">
+            <a:avLst/>
+          </a:prstGeom>
+          <a:noFill/>
+        </p:spPr>
+        <p:txBody>
+          <a:bodyPr wrap="square" rtlCol="0">
+            <a:spAutoFit/>
+          </a:bodyPr>
+          <a:lstStyle/>
+          <a:p>
+            <a:r>
+              <a:rPr lang="en-US" altLang="ko-KR" b="1" dirty="0">
+                <a:solidFill>
+                  <a:srgbClr val="FF0000"/>
+                </a:solidFill>
+              </a:rPr>
+              <a:t>2915</a:t>
+            </a:r>
+          </a:p>
+        </p:txBody>
+      </p:sp>
+      <p:sp>
+        <p:nvSpPr>
+          <p:cNvPr id="10" name="TextBox 9">
+            <a:extLst>
+              <a:ext uri="{FF2B5EF4-FFF2-40B4-BE49-F238E27FC236}">
+                <a16:creationId xmlns:a16="http://schemas.microsoft.com/office/drawing/2014/main" id="{0906FA7D-E345-6AEB-8835-920774E466D6}"/>
+              </a:ext>
+            </a:extLst>
+          </p:cNvPr>
+          <p:cNvSpPr txBox="1"/>
+          <p:nvPr/>
+        </p:nvSpPr>
+        <p:spPr>
+          <a:xfrm>
+            <a:off x="6849584" y="5119376"/>
+            <a:ext cx="896701" cy="369332"/>
+          </a:xfrm>
+          <a:prstGeom prst="rect">
+            <a:avLst/>
+          </a:prstGeom>
+          <a:noFill/>
+        </p:spPr>
+        <p:txBody>
+          <a:bodyPr wrap="square" rtlCol="0">
+            <a:spAutoFit/>
+          </a:bodyPr>
+          <a:lstStyle/>
+          <a:p>
+            <a:r>
+              <a:rPr lang="en-US" altLang="ko-KR" b="1" dirty="0">
+                <a:solidFill>
+                  <a:srgbClr val="FF0000"/>
+                </a:solidFill>
+              </a:rPr>
+              <a:t>2740</a:t>
+            </a:r>
+            <a:endParaRPr lang="ko-KR" altLang="en-US" b="1" dirty="0">
+              <a:solidFill>
+                <a:srgbClr val="FF0000"/>
+              </a:solidFill>
+            </a:endParaRPr>
+          </a:p>
+        </p:txBody>
+      </p:sp>
     </p:spTree>
     <p:extLst>
       <p:ext uri="{BB962C8B-B14F-4D97-AF65-F5344CB8AC3E}">

--- a/부동산/가온마을9단지.pptx
+++ b/부동산/가온마을9단지.pptx
@@ -5,16 +5,17 @@
     <p:sldMasterId id="2147483648" r:id="rId1"/>
   </p:sldMasterIdLst>
   <p:notesMasterIdLst>
-    <p:notesMasterId r:id="rId9"/>
+    <p:notesMasterId r:id="rId10"/>
   </p:notesMasterIdLst>
   <p:sldIdLst>
-    <p:sldId id="257" r:id="rId2"/>
-    <p:sldId id="259" r:id="rId3"/>
-    <p:sldId id="260" r:id="rId4"/>
-    <p:sldId id="261" r:id="rId5"/>
-    <p:sldId id="262" r:id="rId6"/>
-    <p:sldId id="263" r:id="rId7"/>
-    <p:sldId id="264" r:id="rId8"/>
+    <p:sldId id="266" r:id="rId2"/>
+    <p:sldId id="257" r:id="rId3"/>
+    <p:sldId id="259" r:id="rId4"/>
+    <p:sldId id="260" r:id="rId5"/>
+    <p:sldId id="261" r:id="rId6"/>
+    <p:sldId id="262" r:id="rId7"/>
+    <p:sldId id="263" r:id="rId8"/>
+    <p:sldId id="264" r:id="rId9"/>
   </p:sldIdLst>
   <p:sldSz cx="12192000" cy="6858000"/>
   <p:notesSz cx="6858000" cy="9144000"/>
@@ -203,7 +204,7 @@
           <a:p>
             <a:fld id="{BB34323F-1ADB-4AB6-B0D8-1B1AFCDC436F}" type="datetimeFigureOut">
               <a:rPr lang="ko-KR" altLang="en-US" smtClean="0"/>
-              <a:t>2026-01-11</a:t>
+              <a:t>2026-01-30</a:t>
             </a:fld>
             <a:endParaRPr lang="ko-KR" altLang="en-US"/>
           </a:p>
@@ -535,7 +536,7 @@
           <a:p>
             <a:fld id="{DF318458-9E72-4799-BF86-5EA6D017044F}" type="slidenum">
               <a:rPr lang="ko-KR" altLang="en-US" smtClean="0"/>
-              <a:t>2</a:t>
+              <a:t>3</a:t>
             </a:fld>
             <a:endParaRPr lang="ko-KR" altLang="en-US"/>
           </a:p>
@@ -643,7 +644,7 @@
           <a:p>
             <a:fld id="{DF318458-9E72-4799-BF86-5EA6D017044F}" type="slidenum">
               <a:rPr lang="ko-KR" altLang="en-US" smtClean="0"/>
-              <a:t>3</a:t>
+              <a:t>4</a:t>
             </a:fld>
             <a:endParaRPr lang="ko-KR" altLang="en-US"/>
           </a:p>
@@ -751,7 +752,7 @@
           <a:p>
             <a:fld id="{DF318458-9E72-4799-BF86-5EA6D017044F}" type="slidenum">
               <a:rPr lang="ko-KR" altLang="en-US" smtClean="0"/>
-              <a:t>4</a:t>
+              <a:t>5</a:t>
             </a:fld>
             <a:endParaRPr lang="ko-KR" altLang="en-US"/>
           </a:p>
@@ -859,7 +860,7 @@
           <a:p>
             <a:fld id="{DF318458-9E72-4799-BF86-5EA6D017044F}" type="slidenum">
               <a:rPr lang="ko-KR" altLang="en-US" smtClean="0"/>
-              <a:t>5</a:t>
+              <a:t>6</a:t>
             </a:fld>
             <a:endParaRPr lang="ko-KR" altLang="en-US"/>
           </a:p>
@@ -967,7 +968,7 @@
           <a:p>
             <a:fld id="{DF318458-9E72-4799-BF86-5EA6D017044F}" type="slidenum">
               <a:rPr lang="ko-KR" altLang="en-US" smtClean="0"/>
-              <a:t>6</a:t>
+              <a:t>7</a:t>
             </a:fld>
             <a:endParaRPr lang="ko-KR" altLang="en-US"/>
           </a:p>
@@ -1075,7 +1076,7 @@
           <a:p>
             <a:fld id="{DF318458-9E72-4799-BF86-5EA6D017044F}" type="slidenum">
               <a:rPr lang="ko-KR" altLang="en-US" smtClean="0"/>
-              <a:t>7</a:t>
+              <a:t>8</a:t>
             </a:fld>
             <a:endParaRPr lang="ko-KR" altLang="en-US"/>
           </a:p>
@@ -1241,7 +1242,7 @@
           <a:p>
             <a:fld id="{AFE642E8-9A08-43B7-9C9C-D45DDC7423F4}" type="datetimeFigureOut">
               <a:rPr lang="ko-KR" altLang="en-US" smtClean="0"/>
-              <a:t>2026-01-11</a:t>
+              <a:t>2026-01-30</a:t>
             </a:fld>
             <a:endParaRPr lang="ko-KR" altLang="en-US"/>
           </a:p>
@@ -1439,7 +1440,7 @@
           <a:p>
             <a:fld id="{AFE642E8-9A08-43B7-9C9C-D45DDC7423F4}" type="datetimeFigureOut">
               <a:rPr lang="ko-KR" altLang="en-US" smtClean="0"/>
-              <a:t>2026-01-11</a:t>
+              <a:t>2026-01-30</a:t>
             </a:fld>
             <a:endParaRPr lang="ko-KR" altLang="en-US"/>
           </a:p>
@@ -1647,7 +1648,7 @@
           <a:p>
             <a:fld id="{AFE642E8-9A08-43B7-9C9C-D45DDC7423F4}" type="datetimeFigureOut">
               <a:rPr lang="ko-KR" altLang="en-US" smtClean="0"/>
-              <a:t>2026-01-11</a:t>
+              <a:t>2026-01-30</a:t>
             </a:fld>
             <a:endParaRPr lang="ko-KR" altLang="en-US"/>
           </a:p>
@@ -1845,7 +1846,7 @@
           <a:p>
             <a:fld id="{AFE642E8-9A08-43B7-9C9C-D45DDC7423F4}" type="datetimeFigureOut">
               <a:rPr lang="ko-KR" altLang="en-US" smtClean="0"/>
-              <a:t>2026-01-11</a:t>
+              <a:t>2026-01-30</a:t>
             </a:fld>
             <a:endParaRPr lang="ko-KR" altLang="en-US"/>
           </a:p>
@@ -2120,7 +2121,7 @@
           <a:p>
             <a:fld id="{AFE642E8-9A08-43B7-9C9C-D45DDC7423F4}" type="datetimeFigureOut">
               <a:rPr lang="ko-KR" altLang="en-US" smtClean="0"/>
-              <a:t>2026-01-11</a:t>
+              <a:t>2026-01-30</a:t>
             </a:fld>
             <a:endParaRPr lang="ko-KR" altLang="en-US"/>
           </a:p>
@@ -2385,7 +2386,7 @@
           <a:p>
             <a:fld id="{AFE642E8-9A08-43B7-9C9C-D45DDC7423F4}" type="datetimeFigureOut">
               <a:rPr lang="ko-KR" altLang="en-US" smtClean="0"/>
-              <a:t>2026-01-11</a:t>
+              <a:t>2026-01-30</a:t>
             </a:fld>
             <a:endParaRPr lang="ko-KR" altLang="en-US"/>
           </a:p>
@@ -2797,7 +2798,7 @@
           <a:p>
             <a:fld id="{AFE642E8-9A08-43B7-9C9C-D45DDC7423F4}" type="datetimeFigureOut">
               <a:rPr lang="ko-KR" altLang="en-US" smtClean="0"/>
-              <a:t>2026-01-11</a:t>
+              <a:t>2026-01-30</a:t>
             </a:fld>
             <a:endParaRPr lang="ko-KR" altLang="en-US"/>
           </a:p>
@@ -2938,7 +2939,7 @@
           <a:p>
             <a:fld id="{AFE642E8-9A08-43B7-9C9C-D45DDC7423F4}" type="datetimeFigureOut">
               <a:rPr lang="ko-KR" altLang="en-US" smtClean="0"/>
-              <a:t>2026-01-11</a:t>
+              <a:t>2026-01-30</a:t>
             </a:fld>
             <a:endParaRPr lang="ko-KR" altLang="en-US"/>
           </a:p>
@@ -3051,7 +3052,7 @@
           <a:p>
             <a:fld id="{AFE642E8-9A08-43B7-9C9C-D45DDC7423F4}" type="datetimeFigureOut">
               <a:rPr lang="ko-KR" altLang="en-US" smtClean="0"/>
-              <a:t>2026-01-11</a:t>
+              <a:t>2026-01-30</a:t>
             </a:fld>
             <a:endParaRPr lang="ko-KR" altLang="en-US"/>
           </a:p>
@@ -3362,7 +3363,7 @@
           <a:p>
             <a:fld id="{AFE642E8-9A08-43B7-9C9C-D45DDC7423F4}" type="datetimeFigureOut">
               <a:rPr lang="ko-KR" altLang="en-US" smtClean="0"/>
-              <a:t>2026-01-11</a:t>
+              <a:t>2026-01-30</a:t>
             </a:fld>
             <a:endParaRPr lang="ko-KR" altLang="en-US"/>
           </a:p>
@@ -3650,7 +3651,7 @@
           <a:p>
             <a:fld id="{AFE642E8-9A08-43B7-9C9C-D45DDC7423F4}" type="datetimeFigureOut">
               <a:rPr lang="ko-KR" altLang="en-US" smtClean="0"/>
-              <a:t>2026-01-11</a:t>
+              <a:t>2026-01-30</a:t>
             </a:fld>
             <a:endParaRPr lang="ko-KR" altLang="en-US"/>
           </a:p>
@@ -3891,7 +3892,7 @@
           <a:p>
             <a:fld id="{AFE642E8-9A08-43B7-9C9C-D45DDC7423F4}" type="datetimeFigureOut">
               <a:rPr lang="ko-KR" altLang="en-US" smtClean="0"/>
-              <a:t>2026-01-11</a:t>
+              <a:t>2026-01-30</a:t>
             </a:fld>
             <a:endParaRPr lang="ko-KR" altLang="en-US"/>
           </a:p>
@@ -4296,6 +4297,1959 @@
   <p:cSld>
     <p:spTree>
       <p:nvGrpSpPr>
+        <p:cNvPr id="1" name="">
+          <a:extLst>
+            <a:ext uri="{FF2B5EF4-FFF2-40B4-BE49-F238E27FC236}">
+              <a16:creationId xmlns:a16="http://schemas.microsoft.com/office/drawing/2014/main" id="{95EE9D2F-31BA-4F9B-3EB5-8DE1E1C87F3B}"/>
+            </a:ext>
+          </a:extLst>
+        </p:cNvPr>
+        <p:cNvGrpSpPr/>
+        <p:nvPr/>
+      </p:nvGrpSpPr>
+      <p:grpSpPr>
+        <a:xfrm>
+          <a:off x="0" y="0"/>
+          <a:ext cx="0" cy="0"/>
+          <a:chOff x="0" y="0"/>
+          <a:chExt cx="0" cy="0"/>
+        </a:xfrm>
+      </p:grpSpPr>
+      <p:pic>
+        <p:nvPicPr>
+          <p:cNvPr id="4" name="그림 3" descr="직사각형, 사각형, 디자인이(가) 표시된 사진&#10;&#10;AI 생성 콘텐츠는 정확하지 않을 수 있습니다.">
+            <a:extLst>
+              <a:ext uri="{FF2B5EF4-FFF2-40B4-BE49-F238E27FC236}">
+                <a16:creationId xmlns:a16="http://schemas.microsoft.com/office/drawing/2014/main" id="{CF589761-46DF-7368-230E-5F03FD43DF8F}"/>
+              </a:ext>
+            </a:extLst>
+          </p:cNvPr>
+          <p:cNvPicPr>
+            <a:picLocks noGrp="1" noRot="1" noChangeAspect="1" noMove="1" noResize="1" noEditPoints="1" noAdjustHandles="1" noChangeArrowheads="1" noChangeShapeType="1" noCrop="1"/>
+          </p:cNvPicPr>
+          <p:nvPr/>
+        </p:nvPicPr>
+        <p:blipFill>
+          <a:blip r:embed="rId2"/>
+          <a:stretch>
+            <a:fillRect/>
+          </a:stretch>
+        </p:blipFill>
+        <p:spPr>
+          <a:xfrm>
+            <a:off x="2137228" y="0"/>
+            <a:ext cx="7917543" cy="6858000"/>
+          </a:xfrm>
+          <a:prstGeom prst="rect">
+            <a:avLst/>
+          </a:prstGeom>
+        </p:spPr>
+      </p:pic>
+      <p:sp>
+        <p:nvSpPr>
+          <p:cNvPr id="2" name="직사각형 1">
+            <a:extLst>
+              <a:ext uri="{FF2B5EF4-FFF2-40B4-BE49-F238E27FC236}">
+                <a16:creationId xmlns:a16="http://schemas.microsoft.com/office/drawing/2014/main" id="{25968940-4606-934A-0578-1F9356C438DB}"/>
+              </a:ext>
+            </a:extLst>
+          </p:cNvPr>
+          <p:cNvSpPr/>
+          <p:nvPr/>
+        </p:nvSpPr>
+        <p:spPr>
+          <a:xfrm>
+            <a:off x="2546350" y="4464050"/>
+            <a:ext cx="1460500" cy="1016000"/>
+          </a:xfrm>
+          <a:prstGeom prst="rect">
+            <a:avLst/>
+          </a:prstGeom>
+        </p:spPr>
+        <p:style>
+          <a:lnRef idx="2">
+            <a:schemeClr val="accent1">
+              <a:shade val="15000"/>
+            </a:schemeClr>
+          </a:lnRef>
+          <a:fillRef idx="1">
+            <a:schemeClr val="accent1"/>
+          </a:fillRef>
+          <a:effectRef idx="0">
+            <a:schemeClr val="accent1"/>
+          </a:effectRef>
+          <a:fontRef idx="minor">
+            <a:schemeClr val="lt1"/>
+          </a:fontRef>
+        </p:style>
+        <p:txBody>
+          <a:bodyPr rtlCol="0" anchor="ctr"/>
+          <a:lstStyle/>
+          <a:p>
+            <a:pPr algn="ctr"/>
+            <a:r>
+              <a:rPr lang="ko-KR" altLang="en-US" sz="1100" b="1" dirty="0"/>
+              <a:t>침대</a:t>
+            </a:r>
+          </a:p>
+        </p:txBody>
+      </p:sp>
+      <p:sp>
+        <p:nvSpPr>
+          <p:cNvPr id="5" name="직사각형 4">
+            <a:extLst>
+              <a:ext uri="{FF2B5EF4-FFF2-40B4-BE49-F238E27FC236}">
+                <a16:creationId xmlns:a16="http://schemas.microsoft.com/office/drawing/2014/main" id="{DE243642-4027-50B1-293C-D8D6AA437D44}"/>
+              </a:ext>
+            </a:extLst>
+          </p:cNvPr>
+          <p:cNvSpPr/>
+          <p:nvPr/>
+        </p:nvSpPr>
+        <p:spPr>
+          <a:xfrm>
+            <a:off x="6178550" y="4800600"/>
+            <a:ext cx="723900" cy="1651000"/>
+          </a:xfrm>
+          <a:prstGeom prst="rect">
+            <a:avLst/>
+          </a:prstGeom>
+        </p:spPr>
+        <p:style>
+          <a:lnRef idx="2">
+            <a:schemeClr val="accent1">
+              <a:shade val="15000"/>
+            </a:schemeClr>
+          </a:lnRef>
+          <a:fillRef idx="1">
+            <a:schemeClr val="accent1"/>
+          </a:fillRef>
+          <a:effectRef idx="0">
+            <a:schemeClr val="accent1"/>
+          </a:effectRef>
+          <a:fontRef idx="minor">
+            <a:schemeClr val="lt1"/>
+          </a:fontRef>
+        </p:style>
+        <p:txBody>
+          <a:bodyPr rtlCol="0" anchor="ctr"/>
+          <a:lstStyle/>
+          <a:p>
+            <a:pPr algn="ctr"/>
+            <a:r>
+              <a:rPr lang="ko-KR" altLang="en-US" sz="1200" b="1" dirty="0"/>
+              <a:t>소파</a:t>
+            </a:r>
+          </a:p>
+        </p:txBody>
+      </p:sp>
+      <p:sp>
+        <p:nvSpPr>
+          <p:cNvPr id="6" name="직사각형 5">
+            <a:extLst>
+              <a:ext uri="{FF2B5EF4-FFF2-40B4-BE49-F238E27FC236}">
+                <a16:creationId xmlns:a16="http://schemas.microsoft.com/office/drawing/2014/main" id="{68FAEB9A-8833-CBB8-DD3A-74A9108CB968}"/>
+              </a:ext>
+            </a:extLst>
+          </p:cNvPr>
+          <p:cNvSpPr/>
+          <p:nvPr/>
+        </p:nvSpPr>
+        <p:spPr>
+          <a:xfrm>
+            <a:off x="7550150" y="4889500"/>
+            <a:ext cx="723900" cy="355600"/>
+          </a:xfrm>
+          <a:prstGeom prst="rect">
+            <a:avLst/>
+          </a:prstGeom>
+        </p:spPr>
+        <p:style>
+          <a:lnRef idx="2">
+            <a:schemeClr val="accent1">
+              <a:shade val="15000"/>
+            </a:schemeClr>
+          </a:lnRef>
+          <a:fillRef idx="1">
+            <a:schemeClr val="accent1"/>
+          </a:fillRef>
+          <a:effectRef idx="0">
+            <a:schemeClr val="accent1"/>
+          </a:effectRef>
+          <a:fontRef idx="minor">
+            <a:schemeClr val="lt1"/>
+          </a:fontRef>
+        </p:style>
+        <p:txBody>
+          <a:bodyPr rtlCol="0" anchor="ctr"/>
+          <a:lstStyle/>
+          <a:p>
+            <a:pPr algn="ctr"/>
+            <a:r>
+              <a:rPr lang="ko-KR" altLang="en-US" sz="1200" b="1" dirty="0"/>
+              <a:t>식탁</a:t>
+            </a:r>
+          </a:p>
+        </p:txBody>
+      </p:sp>
+      <p:sp>
+        <p:nvSpPr>
+          <p:cNvPr id="10" name="직사각형 9">
+            <a:extLst>
+              <a:ext uri="{FF2B5EF4-FFF2-40B4-BE49-F238E27FC236}">
+                <a16:creationId xmlns:a16="http://schemas.microsoft.com/office/drawing/2014/main" id="{C0613599-D2B8-4497-AF9C-65766CD19443}"/>
+              </a:ext>
+            </a:extLst>
+          </p:cNvPr>
+          <p:cNvSpPr/>
+          <p:nvPr/>
+        </p:nvSpPr>
+        <p:spPr>
+          <a:xfrm>
+            <a:off x="4762500" y="4972050"/>
+            <a:ext cx="215900" cy="1016000"/>
+          </a:xfrm>
+          <a:prstGeom prst="rect">
+            <a:avLst/>
+          </a:prstGeom>
+        </p:spPr>
+        <p:style>
+          <a:lnRef idx="2">
+            <a:schemeClr val="accent1">
+              <a:shade val="15000"/>
+            </a:schemeClr>
+          </a:lnRef>
+          <a:fillRef idx="1">
+            <a:schemeClr val="accent1"/>
+          </a:fillRef>
+          <a:effectRef idx="0">
+            <a:schemeClr val="accent1"/>
+          </a:effectRef>
+          <a:fontRef idx="minor">
+            <a:schemeClr val="lt1"/>
+          </a:fontRef>
+        </p:style>
+        <p:txBody>
+          <a:bodyPr rtlCol="0" anchor="ctr"/>
+          <a:lstStyle/>
+          <a:p>
+            <a:pPr algn="ctr"/>
+            <a:r>
+              <a:rPr lang="en-US" altLang="ko-KR" sz="1000" b="1" dirty="0"/>
+              <a:t>TV</a:t>
+            </a:r>
+            <a:endParaRPr lang="ko-KR" altLang="en-US" sz="1000" b="1" dirty="0"/>
+          </a:p>
+        </p:txBody>
+      </p:sp>
+      <p:sp>
+        <p:nvSpPr>
+          <p:cNvPr id="17" name="직사각형 16">
+            <a:extLst>
+              <a:ext uri="{FF2B5EF4-FFF2-40B4-BE49-F238E27FC236}">
+                <a16:creationId xmlns:a16="http://schemas.microsoft.com/office/drawing/2014/main" id="{DD4E9260-1A0D-C687-4BD2-896331C71BE0}"/>
+              </a:ext>
+            </a:extLst>
+          </p:cNvPr>
+          <p:cNvSpPr/>
+          <p:nvPr/>
+        </p:nvSpPr>
+        <p:spPr>
+          <a:xfrm rot="16200000">
+            <a:off x="8267247" y="1485902"/>
+            <a:ext cx="774697" cy="355600"/>
+          </a:xfrm>
+          <a:prstGeom prst="rect">
+            <a:avLst/>
+          </a:prstGeom>
+        </p:spPr>
+        <p:style>
+          <a:lnRef idx="2">
+            <a:schemeClr val="accent1">
+              <a:shade val="15000"/>
+            </a:schemeClr>
+          </a:lnRef>
+          <a:fillRef idx="1">
+            <a:schemeClr val="accent1"/>
+          </a:fillRef>
+          <a:effectRef idx="0">
+            <a:schemeClr val="accent1"/>
+          </a:effectRef>
+          <a:fontRef idx="minor">
+            <a:schemeClr val="lt1"/>
+          </a:fontRef>
+        </p:style>
+        <p:txBody>
+          <a:bodyPr rtlCol="0" anchor="ctr"/>
+          <a:lstStyle/>
+          <a:p>
+            <a:pPr algn="ctr"/>
+            <a:r>
+              <a:rPr lang="ko-KR" altLang="en-US" sz="1200" b="1" dirty="0"/>
+              <a:t>책상</a:t>
+            </a:r>
+          </a:p>
+        </p:txBody>
+      </p:sp>
+      <p:sp>
+        <p:nvSpPr>
+          <p:cNvPr id="31" name="직사각형 30">
+            <a:extLst>
+              <a:ext uri="{FF2B5EF4-FFF2-40B4-BE49-F238E27FC236}">
+                <a16:creationId xmlns:a16="http://schemas.microsoft.com/office/drawing/2014/main" id="{50031A2B-0CDE-C88B-9AE1-58B1C72A5D76}"/>
+              </a:ext>
+            </a:extLst>
+          </p:cNvPr>
+          <p:cNvSpPr/>
+          <p:nvPr/>
+        </p:nvSpPr>
+        <p:spPr>
+          <a:xfrm rot="5400000">
+            <a:off x="7911647" y="1485903"/>
+            <a:ext cx="774697" cy="355600"/>
+          </a:xfrm>
+          <a:prstGeom prst="rect">
+            <a:avLst/>
+          </a:prstGeom>
+        </p:spPr>
+        <p:style>
+          <a:lnRef idx="2">
+            <a:schemeClr val="accent1">
+              <a:shade val="15000"/>
+            </a:schemeClr>
+          </a:lnRef>
+          <a:fillRef idx="1">
+            <a:schemeClr val="accent1"/>
+          </a:fillRef>
+          <a:effectRef idx="0">
+            <a:schemeClr val="accent1"/>
+          </a:effectRef>
+          <a:fontRef idx="minor">
+            <a:schemeClr val="lt1"/>
+          </a:fontRef>
+        </p:style>
+        <p:txBody>
+          <a:bodyPr rtlCol="0" anchor="ctr"/>
+          <a:lstStyle/>
+          <a:p>
+            <a:pPr algn="ctr"/>
+            <a:r>
+              <a:rPr lang="ko-KR" altLang="en-US" sz="1200" b="1" dirty="0"/>
+              <a:t>책상</a:t>
+            </a:r>
+          </a:p>
+        </p:txBody>
+      </p:sp>
+      <p:sp>
+        <p:nvSpPr>
+          <p:cNvPr id="39" name="직사각형 38">
+            <a:extLst>
+              <a:ext uri="{FF2B5EF4-FFF2-40B4-BE49-F238E27FC236}">
+                <a16:creationId xmlns:a16="http://schemas.microsoft.com/office/drawing/2014/main" id="{7896D0C7-C68A-9856-477B-0497C3FDCA3E}"/>
+              </a:ext>
+            </a:extLst>
+          </p:cNvPr>
+          <p:cNvSpPr/>
+          <p:nvPr/>
+        </p:nvSpPr>
+        <p:spPr>
+          <a:xfrm>
+            <a:off x="7762873" y="458788"/>
+            <a:ext cx="1184275" cy="608015"/>
+          </a:xfrm>
+          <a:prstGeom prst="rect">
+            <a:avLst/>
+          </a:prstGeom>
+        </p:spPr>
+        <p:style>
+          <a:lnRef idx="2">
+            <a:schemeClr val="accent1">
+              <a:shade val="15000"/>
+            </a:schemeClr>
+          </a:lnRef>
+          <a:fillRef idx="1">
+            <a:schemeClr val="accent1"/>
+          </a:fillRef>
+          <a:effectRef idx="0">
+            <a:schemeClr val="accent1"/>
+          </a:effectRef>
+          <a:fontRef idx="minor">
+            <a:schemeClr val="lt1"/>
+          </a:fontRef>
+        </p:style>
+        <p:txBody>
+          <a:bodyPr rtlCol="0" anchor="ctr"/>
+          <a:lstStyle/>
+          <a:p>
+            <a:pPr algn="ctr"/>
+            <a:r>
+              <a:rPr lang="ko-KR" altLang="en-US" sz="1200" b="1" dirty="0"/>
+              <a:t>침대</a:t>
+            </a:r>
+          </a:p>
+        </p:txBody>
+      </p:sp>
+      <p:sp>
+        <p:nvSpPr>
+          <p:cNvPr id="43" name="직사각형 42">
+            <a:extLst>
+              <a:ext uri="{FF2B5EF4-FFF2-40B4-BE49-F238E27FC236}">
+                <a16:creationId xmlns:a16="http://schemas.microsoft.com/office/drawing/2014/main" id="{8109B677-ED06-2D6A-AE25-9F40320124A8}"/>
+              </a:ext>
+            </a:extLst>
+          </p:cNvPr>
+          <p:cNvSpPr/>
+          <p:nvPr/>
+        </p:nvSpPr>
+        <p:spPr>
+          <a:xfrm>
+            <a:off x="7296150" y="3714750"/>
+            <a:ext cx="1181100" cy="457200"/>
+          </a:xfrm>
+          <a:prstGeom prst="rect">
+            <a:avLst/>
+          </a:prstGeom>
+        </p:spPr>
+        <p:style>
+          <a:lnRef idx="2">
+            <a:schemeClr val="accent1">
+              <a:shade val="15000"/>
+            </a:schemeClr>
+          </a:lnRef>
+          <a:fillRef idx="1">
+            <a:schemeClr val="accent1"/>
+          </a:fillRef>
+          <a:effectRef idx="0">
+            <a:schemeClr val="accent1"/>
+          </a:effectRef>
+          <a:fontRef idx="minor">
+            <a:schemeClr val="lt1"/>
+          </a:fontRef>
+        </p:style>
+        <p:txBody>
+          <a:bodyPr rtlCol="0" anchor="ctr"/>
+          <a:lstStyle/>
+          <a:p>
+            <a:pPr algn="ctr"/>
+            <a:r>
+              <a:rPr lang="ko-KR" altLang="en-US" sz="1200" b="1" dirty="0"/>
+              <a:t>냉장고</a:t>
+            </a:r>
+          </a:p>
+        </p:txBody>
+      </p:sp>
+      <p:sp>
+        <p:nvSpPr>
+          <p:cNvPr id="50" name="직사각형 49">
+            <a:extLst>
+              <a:ext uri="{FF2B5EF4-FFF2-40B4-BE49-F238E27FC236}">
+                <a16:creationId xmlns:a16="http://schemas.microsoft.com/office/drawing/2014/main" id="{9208A515-3943-A8F6-30B9-7C5FFB8C6F77}"/>
+              </a:ext>
+            </a:extLst>
+          </p:cNvPr>
+          <p:cNvSpPr/>
+          <p:nvPr/>
+        </p:nvSpPr>
+        <p:spPr>
+          <a:xfrm>
+            <a:off x="7378700" y="6070600"/>
+            <a:ext cx="654050" cy="457200"/>
+          </a:xfrm>
+          <a:prstGeom prst="rect">
+            <a:avLst/>
+          </a:prstGeom>
+        </p:spPr>
+        <p:style>
+          <a:lnRef idx="2">
+            <a:schemeClr val="accent1">
+              <a:shade val="15000"/>
+            </a:schemeClr>
+          </a:lnRef>
+          <a:fillRef idx="1">
+            <a:schemeClr val="accent1"/>
+          </a:fillRef>
+          <a:effectRef idx="0">
+            <a:schemeClr val="accent1"/>
+          </a:effectRef>
+          <a:fontRef idx="minor">
+            <a:schemeClr val="lt1"/>
+          </a:fontRef>
+        </p:style>
+        <p:txBody>
+          <a:bodyPr rtlCol="0" anchor="ctr"/>
+          <a:lstStyle/>
+          <a:p>
+            <a:pPr algn="ctr"/>
+            <a:r>
+              <a:rPr lang="ko-KR" altLang="en-US" sz="1200" b="1" dirty="0"/>
+              <a:t>세탁기</a:t>
+            </a:r>
+          </a:p>
+        </p:txBody>
+      </p:sp>
+      <p:sp>
+        <p:nvSpPr>
+          <p:cNvPr id="51" name="직사각형 50">
+            <a:extLst>
+              <a:ext uri="{FF2B5EF4-FFF2-40B4-BE49-F238E27FC236}">
+                <a16:creationId xmlns:a16="http://schemas.microsoft.com/office/drawing/2014/main" id="{9170BA0D-6545-C1EF-34C2-4DE1432CB823}"/>
+              </a:ext>
+            </a:extLst>
+          </p:cNvPr>
+          <p:cNvSpPr/>
+          <p:nvPr/>
+        </p:nvSpPr>
+        <p:spPr>
+          <a:xfrm>
+            <a:off x="7683500" y="2149475"/>
+            <a:ext cx="673100" cy="203200"/>
+          </a:xfrm>
+          <a:prstGeom prst="rect">
+            <a:avLst/>
+          </a:prstGeom>
+        </p:spPr>
+        <p:style>
+          <a:lnRef idx="2">
+            <a:schemeClr val="accent1">
+              <a:shade val="15000"/>
+            </a:schemeClr>
+          </a:lnRef>
+          <a:fillRef idx="1">
+            <a:schemeClr val="accent1"/>
+          </a:fillRef>
+          <a:effectRef idx="0">
+            <a:schemeClr val="accent1"/>
+          </a:effectRef>
+          <a:fontRef idx="minor">
+            <a:schemeClr val="lt1"/>
+          </a:fontRef>
+        </p:style>
+        <p:txBody>
+          <a:bodyPr rtlCol="0" anchor="ctr"/>
+          <a:lstStyle/>
+          <a:p>
+            <a:pPr algn="ctr"/>
+            <a:r>
+              <a:rPr lang="ko-KR" altLang="en-US" sz="1200" b="1"/>
+              <a:t>행거</a:t>
+            </a:r>
+            <a:endParaRPr lang="ko-KR" altLang="en-US" sz="1200" b="1" dirty="0"/>
+          </a:p>
+        </p:txBody>
+      </p:sp>
+      <p:sp>
+        <p:nvSpPr>
+          <p:cNvPr id="52" name="직사각형 51">
+            <a:extLst>
+              <a:ext uri="{FF2B5EF4-FFF2-40B4-BE49-F238E27FC236}">
+                <a16:creationId xmlns:a16="http://schemas.microsoft.com/office/drawing/2014/main" id="{29121744-8211-34AE-6D03-FD728DC4CD9F}"/>
+              </a:ext>
+            </a:extLst>
+          </p:cNvPr>
+          <p:cNvSpPr/>
+          <p:nvPr/>
+        </p:nvSpPr>
+        <p:spPr>
+          <a:xfrm>
+            <a:off x="8366124" y="2149475"/>
+            <a:ext cx="761999" cy="203200"/>
+          </a:xfrm>
+          <a:prstGeom prst="rect">
+            <a:avLst/>
+          </a:prstGeom>
+        </p:spPr>
+        <p:style>
+          <a:lnRef idx="2">
+            <a:schemeClr val="accent1">
+              <a:shade val="15000"/>
+            </a:schemeClr>
+          </a:lnRef>
+          <a:fillRef idx="1">
+            <a:schemeClr val="accent1"/>
+          </a:fillRef>
+          <a:effectRef idx="0">
+            <a:schemeClr val="accent1"/>
+          </a:effectRef>
+          <a:fontRef idx="minor">
+            <a:schemeClr val="lt1"/>
+          </a:fontRef>
+        </p:style>
+        <p:txBody>
+          <a:bodyPr rtlCol="0" anchor="ctr"/>
+          <a:lstStyle/>
+          <a:p>
+            <a:pPr algn="ctr"/>
+            <a:r>
+              <a:rPr lang="ko-KR" altLang="en-US" sz="1200" b="1"/>
+              <a:t>행거</a:t>
+            </a:r>
+            <a:endParaRPr lang="ko-KR" altLang="en-US" sz="1200" b="1" dirty="0"/>
+          </a:p>
+        </p:txBody>
+      </p:sp>
+      <p:sp>
+        <p:nvSpPr>
+          <p:cNvPr id="55" name="직사각형 54">
+            <a:extLst>
+              <a:ext uri="{FF2B5EF4-FFF2-40B4-BE49-F238E27FC236}">
+                <a16:creationId xmlns:a16="http://schemas.microsoft.com/office/drawing/2014/main" id="{AD693C29-FE61-2228-7FAC-23BD81158181}"/>
+              </a:ext>
+            </a:extLst>
+          </p:cNvPr>
+          <p:cNvSpPr/>
+          <p:nvPr/>
+        </p:nvSpPr>
+        <p:spPr>
+          <a:xfrm>
+            <a:off x="7378700" y="2381250"/>
+            <a:ext cx="241300" cy="508000"/>
+          </a:xfrm>
+          <a:prstGeom prst="rect">
+            <a:avLst/>
+          </a:prstGeom>
+        </p:spPr>
+        <p:style>
+          <a:lnRef idx="2">
+            <a:schemeClr val="accent1">
+              <a:shade val="15000"/>
+            </a:schemeClr>
+          </a:lnRef>
+          <a:fillRef idx="1">
+            <a:schemeClr val="accent1"/>
+          </a:fillRef>
+          <a:effectRef idx="0">
+            <a:schemeClr val="accent1"/>
+          </a:effectRef>
+          <a:fontRef idx="minor">
+            <a:schemeClr val="lt1"/>
+          </a:fontRef>
+        </p:style>
+        <p:txBody>
+          <a:bodyPr rtlCol="0" anchor="ctr"/>
+          <a:lstStyle/>
+          <a:p>
+            <a:pPr algn="ctr"/>
+            <a:r>
+              <a:rPr lang="ko-KR" altLang="en-US" sz="1200" b="1" dirty="0" err="1"/>
+              <a:t>행거</a:t>
+            </a:r>
+            <a:endParaRPr lang="ko-KR" altLang="en-US" sz="1200" b="1" dirty="0"/>
+          </a:p>
+        </p:txBody>
+      </p:sp>
+      <p:sp>
+        <p:nvSpPr>
+          <p:cNvPr id="58" name="직사각형 57">
+            <a:extLst>
+              <a:ext uri="{FF2B5EF4-FFF2-40B4-BE49-F238E27FC236}">
+                <a16:creationId xmlns:a16="http://schemas.microsoft.com/office/drawing/2014/main" id="{84BFE7C7-8D75-AF64-D74F-B7CB215E24BC}"/>
+              </a:ext>
+            </a:extLst>
+          </p:cNvPr>
+          <p:cNvSpPr/>
+          <p:nvPr/>
+        </p:nvSpPr>
+        <p:spPr>
+          <a:xfrm>
+            <a:off x="8639175" y="3251200"/>
+            <a:ext cx="488950" cy="254000"/>
+          </a:xfrm>
+          <a:prstGeom prst="rect">
+            <a:avLst/>
+          </a:prstGeom>
+        </p:spPr>
+        <p:style>
+          <a:lnRef idx="2">
+            <a:schemeClr val="accent1">
+              <a:shade val="15000"/>
+            </a:schemeClr>
+          </a:lnRef>
+          <a:fillRef idx="1">
+            <a:schemeClr val="accent1"/>
+          </a:fillRef>
+          <a:effectRef idx="0">
+            <a:schemeClr val="accent1"/>
+          </a:effectRef>
+          <a:fontRef idx="minor">
+            <a:schemeClr val="lt1"/>
+          </a:fontRef>
+        </p:style>
+        <p:txBody>
+          <a:bodyPr rtlCol="0" anchor="ctr"/>
+          <a:lstStyle/>
+          <a:p>
+            <a:pPr algn="ctr"/>
+            <a:r>
+              <a:rPr lang="ko-KR" altLang="en-US" sz="1200" b="1" dirty="0"/>
+              <a:t>서랍</a:t>
+            </a:r>
+          </a:p>
+        </p:txBody>
+      </p:sp>
+      <p:sp>
+        <p:nvSpPr>
+          <p:cNvPr id="62" name="직사각형 61">
+            <a:extLst>
+              <a:ext uri="{FF2B5EF4-FFF2-40B4-BE49-F238E27FC236}">
+                <a16:creationId xmlns:a16="http://schemas.microsoft.com/office/drawing/2014/main" id="{1505871A-5A19-43D4-12EC-B4D00AF70AB4}"/>
+              </a:ext>
+            </a:extLst>
+          </p:cNvPr>
+          <p:cNvSpPr/>
+          <p:nvPr/>
+        </p:nvSpPr>
+        <p:spPr>
+          <a:xfrm>
+            <a:off x="8121650" y="3251200"/>
+            <a:ext cx="488950" cy="254000"/>
+          </a:xfrm>
+          <a:prstGeom prst="rect">
+            <a:avLst/>
+          </a:prstGeom>
+        </p:spPr>
+        <p:style>
+          <a:lnRef idx="2">
+            <a:schemeClr val="accent1">
+              <a:shade val="15000"/>
+            </a:schemeClr>
+          </a:lnRef>
+          <a:fillRef idx="1">
+            <a:schemeClr val="accent1"/>
+          </a:fillRef>
+          <a:effectRef idx="0">
+            <a:schemeClr val="accent1"/>
+          </a:effectRef>
+          <a:fontRef idx="minor">
+            <a:schemeClr val="lt1"/>
+          </a:fontRef>
+        </p:style>
+        <p:txBody>
+          <a:bodyPr rtlCol="0" anchor="ctr"/>
+          <a:lstStyle/>
+          <a:p>
+            <a:pPr algn="ctr"/>
+            <a:r>
+              <a:rPr lang="ko-KR" altLang="en-US" sz="1200" b="1" dirty="0"/>
+              <a:t>서랍</a:t>
+            </a:r>
+          </a:p>
+        </p:txBody>
+      </p:sp>
+      <p:sp>
+        <p:nvSpPr>
+          <p:cNvPr id="64" name="직사각형 63">
+            <a:extLst>
+              <a:ext uri="{FF2B5EF4-FFF2-40B4-BE49-F238E27FC236}">
+                <a16:creationId xmlns:a16="http://schemas.microsoft.com/office/drawing/2014/main" id="{C5690905-ED5A-106B-4166-6615CFC016C2}"/>
+              </a:ext>
+            </a:extLst>
+          </p:cNvPr>
+          <p:cNvSpPr/>
+          <p:nvPr/>
+        </p:nvSpPr>
+        <p:spPr>
+          <a:xfrm>
+            <a:off x="7683499" y="3302000"/>
+            <a:ext cx="409575" cy="203200"/>
+          </a:xfrm>
+          <a:prstGeom prst="rect">
+            <a:avLst/>
+          </a:prstGeom>
+        </p:spPr>
+        <p:style>
+          <a:lnRef idx="2">
+            <a:schemeClr val="accent1">
+              <a:shade val="15000"/>
+            </a:schemeClr>
+          </a:lnRef>
+          <a:fillRef idx="1">
+            <a:schemeClr val="accent1"/>
+          </a:fillRef>
+          <a:effectRef idx="0">
+            <a:schemeClr val="accent1"/>
+          </a:effectRef>
+          <a:fontRef idx="minor">
+            <a:schemeClr val="lt1"/>
+          </a:fontRef>
+        </p:style>
+        <p:txBody>
+          <a:bodyPr rtlCol="0" anchor="ctr"/>
+          <a:lstStyle/>
+          <a:p>
+            <a:pPr algn="ctr"/>
+            <a:r>
+              <a:rPr lang="ko-KR" altLang="en-US" sz="500" b="1" dirty="0"/>
+              <a:t>제습기</a:t>
+            </a:r>
+          </a:p>
+        </p:txBody>
+      </p:sp>
+      <p:sp>
+        <p:nvSpPr>
+          <p:cNvPr id="79" name="직사각형 78">
+            <a:extLst>
+              <a:ext uri="{FF2B5EF4-FFF2-40B4-BE49-F238E27FC236}">
+                <a16:creationId xmlns:a16="http://schemas.microsoft.com/office/drawing/2014/main" id="{3DFEE646-2F88-F83B-8443-59798C5DE77D}"/>
+              </a:ext>
+            </a:extLst>
+          </p:cNvPr>
+          <p:cNvSpPr/>
+          <p:nvPr/>
+        </p:nvSpPr>
+        <p:spPr>
+          <a:xfrm>
+            <a:off x="7378700" y="434975"/>
+            <a:ext cx="279397" cy="355600"/>
+          </a:xfrm>
+          <a:prstGeom prst="rect">
+            <a:avLst/>
+          </a:prstGeom>
+        </p:spPr>
+        <p:style>
+          <a:lnRef idx="2">
+            <a:schemeClr val="accent1">
+              <a:shade val="15000"/>
+            </a:schemeClr>
+          </a:lnRef>
+          <a:fillRef idx="1">
+            <a:schemeClr val="accent1"/>
+          </a:fillRef>
+          <a:effectRef idx="0">
+            <a:schemeClr val="accent1"/>
+          </a:effectRef>
+          <a:fontRef idx="minor">
+            <a:schemeClr val="lt1"/>
+          </a:fontRef>
+        </p:style>
+        <p:txBody>
+          <a:bodyPr rtlCol="0" anchor="ctr"/>
+          <a:lstStyle/>
+          <a:p>
+            <a:pPr algn="ctr"/>
+            <a:r>
+              <a:rPr lang="ko-KR" altLang="en-US" sz="1000" b="1" dirty="0"/>
+              <a:t>서랍</a:t>
+            </a:r>
+          </a:p>
+        </p:txBody>
+      </p:sp>
+      <p:sp>
+        <p:nvSpPr>
+          <p:cNvPr id="82" name="직사각형 81">
+            <a:extLst>
+              <a:ext uri="{FF2B5EF4-FFF2-40B4-BE49-F238E27FC236}">
+                <a16:creationId xmlns:a16="http://schemas.microsoft.com/office/drawing/2014/main" id="{1ADC21A2-1C57-351C-C3DB-9D69AA3C1138}"/>
+              </a:ext>
+            </a:extLst>
+          </p:cNvPr>
+          <p:cNvSpPr/>
+          <p:nvPr/>
+        </p:nvSpPr>
+        <p:spPr>
+          <a:xfrm>
+            <a:off x="8947148" y="458789"/>
+            <a:ext cx="180975" cy="608014"/>
+          </a:xfrm>
+          <a:prstGeom prst="rect">
+            <a:avLst/>
+          </a:prstGeom>
+        </p:spPr>
+        <p:style>
+          <a:lnRef idx="2">
+            <a:schemeClr val="accent1">
+              <a:shade val="15000"/>
+            </a:schemeClr>
+          </a:lnRef>
+          <a:fillRef idx="1">
+            <a:schemeClr val="accent1"/>
+          </a:fillRef>
+          <a:effectRef idx="0">
+            <a:schemeClr val="accent1"/>
+          </a:effectRef>
+          <a:fontRef idx="minor">
+            <a:schemeClr val="lt1"/>
+          </a:fontRef>
+        </p:style>
+        <p:txBody>
+          <a:bodyPr rtlCol="0" anchor="ctr"/>
+          <a:lstStyle/>
+          <a:p>
+            <a:pPr algn="ctr"/>
+            <a:r>
+              <a:rPr lang="ko-KR" altLang="en-US" sz="800" b="1" dirty="0"/>
+              <a:t>프레임</a:t>
+            </a:r>
+          </a:p>
+        </p:txBody>
+      </p:sp>
+      <p:sp>
+        <p:nvSpPr>
+          <p:cNvPr id="88" name="직사각형 87">
+            <a:extLst>
+              <a:ext uri="{FF2B5EF4-FFF2-40B4-BE49-F238E27FC236}">
+                <a16:creationId xmlns:a16="http://schemas.microsoft.com/office/drawing/2014/main" id="{AF6B3CC4-3D66-F0E7-28E7-CD6648F5BD37}"/>
+              </a:ext>
+            </a:extLst>
+          </p:cNvPr>
+          <p:cNvSpPr/>
+          <p:nvPr/>
+        </p:nvSpPr>
+        <p:spPr>
+          <a:xfrm>
+            <a:off x="4762500" y="4514850"/>
+            <a:ext cx="215900" cy="447675"/>
+          </a:xfrm>
+          <a:prstGeom prst="rect">
+            <a:avLst/>
+          </a:prstGeom>
+          <a:solidFill>
+            <a:schemeClr val="accent2"/>
+          </a:solidFill>
+        </p:spPr>
+        <p:style>
+          <a:lnRef idx="2">
+            <a:schemeClr val="accent1">
+              <a:shade val="15000"/>
+            </a:schemeClr>
+          </a:lnRef>
+          <a:fillRef idx="1">
+            <a:schemeClr val="accent1"/>
+          </a:fillRef>
+          <a:effectRef idx="0">
+            <a:schemeClr val="accent1"/>
+          </a:effectRef>
+          <a:fontRef idx="minor">
+            <a:schemeClr val="lt1"/>
+          </a:fontRef>
+        </p:style>
+        <p:txBody>
+          <a:bodyPr rtlCol="0" anchor="ctr"/>
+          <a:lstStyle/>
+          <a:p>
+            <a:pPr algn="ctr"/>
+            <a:r>
+              <a:rPr lang="ko-KR" altLang="en-US" sz="1000" b="1" dirty="0"/>
+              <a:t>선반</a:t>
+            </a:r>
+          </a:p>
+        </p:txBody>
+      </p:sp>
+      <p:sp>
+        <p:nvSpPr>
+          <p:cNvPr id="98" name="직사각형 97">
+            <a:extLst>
+              <a:ext uri="{FF2B5EF4-FFF2-40B4-BE49-F238E27FC236}">
+                <a16:creationId xmlns:a16="http://schemas.microsoft.com/office/drawing/2014/main" id="{8B1C69EF-829C-4BDD-E42A-9FA068531E6E}"/>
+              </a:ext>
+            </a:extLst>
+          </p:cNvPr>
+          <p:cNvSpPr/>
+          <p:nvPr/>
+        </p:nvSpPr>
+        <p:spPr>
+          <a:xfrm>
+            <a:off x="2434700" y="4130675"/>
+            <a:ext cx="115350" cy="1682750"/>
+          </a:xfrm>
+          <a:prstGeom prst="rect">
+            <a:avLst/>
+          </a:prstGeom>
+        </p:spPr>
+        <p:style>
+          <a:lnRef idx="2">
+            <a:schemeClr val="accent1">
+              <a:shade val="15000"/>
+            </a:schemeClr>
+          </a:lnRef>
+          <a:fillRef idx="1">
+            <a:schemeClr val="accent1"/>
+          </a:fillRef>
+          <a:effectRef idx="0">
+            <a:schemeClr val="accent1"/>
+          </a:effectRef>
+          <a:fontRef idx="minor">
+            <a:schemeClr val="lt1"/>
+          </a:fontRef>
+        </p:style>
+        <p:txBody>
+          <a:bodyPr rtlCol="0" anchor="ctr"/>
+          <a:lstStyle/>
+          <a:p>
+            <a:pPr algn="ctr"/>
+            <a:r>
+              <a:rPr lang="ko-KR" altLang="en-US" sz="1100" b="1" dirty="0"/>
+              <a:t>침대</a:t>
+            </a:r>
+          </a:p>
+        </p:txBody>
+      </p:sp>
+      <p:sp>
+        <p:nvSpPr>
+          <p:cNvPr id="101" name="직사각형 100">
+            <a:extLst>
+              <a:ext uri="{FF2B5EF4-FFF2-40B4-BE49-F238E27FC236}">
+                <a16:creationId xmlns:a16="http://schemas.microsoft.com/office/drawing/2014/main" id="{BA7465EC-9A2C-F0BE-2FD6-A5F671374694}"/>
+              </a:ext>
+            </a:extLst>
+          </p:cNvPr>
+          <p:cNvSpPr/>
+          <p:nvPr/>
+        </p:nvSpPr>
+        <p:spPr>
+          <a:xfrm>
+            <a:off x="2546350" y="5489575"/>
+            <a:ext cx="361950" cy="311150"/>
+          </a:xfrm>
+          <a:prstGeom prst="rect">
+            <a:avLst/>
+          </a:prstGeom>
+        </p:spPr>
+        <p:style>
+          <a:lnRef idx="2">
+            <a:schemeClr val="accent1">
+              <a:shade val="15000"/>
+            </a:schemeClr>
+          </a:lnRef>
+          <a:fillRef idx="1">
+            <a:schemeClr val="accent1"/>
+          </a:fillRef>
+          <a:effectRef idx="0">
+            <a:schemeClr val="accent1"/>
+          </a:effectRef>
+          <a:fontRef idx="minor">
+            <a:schemeClr val="lt1"/>
+          </a:fontRef>
+        </p:style>
+        <p:txBody>
+          <a:bodyPr rtlCol="0" anchor="ctr"/>
+          <a:lstStyle/>
+          <a:p>
+            <a:pPr algn="ctr"/>
+            <a:r>
+              <a:rPr lang="ko-KR" altLang="en-US" sz="800" b="1" dirty="0" err="1"/>
+              <a:t>협탁</a:t>
+            </a:r>
+            <a:endParaRPr lang="ko-KR" altLang="en-US" sz="800" b="1" dirty="0"/>
+          </a:p>
+        </p:txBody>
+      </p:sp>
+      <p:sp>
+        <p:nvSpPr>
+          <p:cNvPr id="116" name="직사각형 115">
+            <a:extLst>
+              <a:ext uri="{FF2B5EF4-FFF2-40B4-BE49-F238E27FC236}">
+                <a16:creationId xmlns:a16="http://schemas.microsoft.com/office/drawing/2014/main" id="{8838E7C6-E8A7-AFAB-232E-7F8C903D18EF}"/>
+              </a:ext>
+            </a:extLst>
+          </p:cNvPr>
+          <p:cNvSpPr/>
+          <p:nvPr/>
+        </p:nvSpPr>
+        <p:spPr>
+          <a:xfrm>
+            <a:off x="2546350" y="4143375"/>
+            <a:ext cx="361950" cy="311150"/>
+          </a:xfrm>
+          <a:prstGeom prst="rect">
+            <a:avLst/>
+          </a:prstGeom>
+        </p:spPr>
+        <p:style>
+          <a:lnRef idx="2">
+            <a:schemeClr val="accent1">
+              <a:shade val="15000"/>
+            </a:schemeClr>
+          </a:lnRef>
+          <a:fillRef idx="1">
+            <a:schemeClr val="accent1"/>
+          </a:fillRef>
+          <a:effectRef idx="0">
+            <a:schemeClr val="accent1"/>
+          </a:effectRef>
+          <a:fontRef idx="minor">
+            <a:schemeClr val="lt1"/>
+          </a:fontRef>
+        </p:style>
+        <p:txBody>
+          <a:bodyPr rtlCol="0" anchor="ctr"/>
+          <a:lstStyle/>
+          <a:p>
+            <a:pPr algn="ctr"/>
+            <a:r>
+              <a:rPr lang="ko-KR" altLang="en-US" sz="800" b="1" dirty="0" err="1"/>
+              <a:t>협탁</a:t>
+            </a:r>
+            <a:endParaRPr lang="ko-KR" altLang="en-US" sz="800" b="1" dirty="0"/>
+          </a:p>
+        </p:txBody>
+      </p:sp>
+      <p:sp>
+        <p:nvSpPr>
+          <p:cNvPr id="119" name="직사각형 118">
+            <a:extLst>
+              <a:ext uri="{FF2B5EF4-FFF2-40B4-BE49-F238E27FC236}">
+                <a16:creationId xmlns:a16="http://schemas.microsoft.com/office/drawing/2014/main" id="{24D1BFD7-F297-6642-EA88-2B7E90A3C8A1}"/>
+              </a:ext>
+            </a:extLst>
+          </p:cNvPr>
+          <p:cNvSpPr/>
+          <p:nvPr/>
+        </p:nvSpPr>
+        <p:spPr>
+          <a:xfrm>
+            <a:off x="2456579" y="3881438"/>
+            <a:ext cx="450850" cy="236537"/>
+          </a:xfrm>
+          <a:prstGeom prst="rect">
+            <a:avLst/>
+          </a:prstGeom>
+          <a:solidFill>
+            <a:schemeClr val="accent2"/>
+          </a:solidFill>
+        </p:spPr>
+        <p:style>
+          <a:lnRef idx="2">
+            <a:schemeClr val="accent1">
+              <a:shade val="15000"/>
+            </a:schemeClr>
+          </a:lnRef>
+          <a:fillRef idx="1">
+            <a:schemeClr val="accent1"/>
+          </a:fillRef>
+          <a:effectRef idx="0">
+            <a:schemeClr val="accent1"/>
+          </a:effectRef>
+          <a:fontRef idx="minor">
+            <a:schemeClr val="lt1"/>
+          </a:fontRef>
+        </p:style>
+        <p:txBody>
+          <a:bodyPr rtlCol="0" anchor="ctr"/>
+          <a:lstStyle/>
+          <a:p>
+            <a:pPr algn="ctr"/>
+            <a:r>
+              <a:rPr lang="ko-KR" altLang="en-US" sz="1000" b="1" dirty="0"/>
+              <a:t>서랍</a:t>
+            </a:r>
+          </a:p>
+        </p:txBody>
+      </p:sp>
+      <p:sp>
+        <p:nvSpPr>
+          <p:cNvPr id="129" name="직사각형 128">
+            <a:extLst>
+              <a:ext uri="{FF2B5EF4-FFF2-40B4-BE49-F238E27FC236}">
+                <a16:creationId xmlns:a16="http://schemas.microsoft.com/office/drawing/2014/main" id="{6EBFC433-5968-4F1B-5621-ACE06986C82F}"/>
+              </a:ext>
+            </a:extLst>
+          </p:cNvPr>
+          <p:cNvSpPr/>
+          <p:nvPr/>
+        </p:nvSpPr>
+        <p:spPr>
+          <a:xfrm>
+            <a:off x="4762500" y="5994401"/>
+            <a:ext cx="215900" cy="457199"/>
+          </a:xfrm>
+          <a:prstGeom prst="rect">
+            <a:avLst/>
+          </a:prstGeom>
+        </p:spPr>
+        <p:style>
+          <a:lnRef idx="2">
+            <a:schemeClr val="accent1">
+              <a:shade val="15000"/>
+            </a:schemeClr>
+          </a:lnRef>
+          <a:fillRef idx="1">
+            <a:schemeClr val="accent1"/>
+          </a:fillRef>
+          <a:effectRef idx="0">
+            <a:schemeClr val="accent1"/>
+          </a:effectRef>
+          <a:fontRef idx="minor">
+            <a:schemeClr val="lt1"/>
+          </a:fontRef>
+        </p:style>
+        <p:txBody>
+          <a:bodyPr rtlCol="0" anchor="ctr"/>
+          <a:lstStyle/>
+          <a:p>
+            <a:pPr algn="ctr"/>
+            <a:r>
+              <a:rPr lang="ko-KR" altLang="en-US" sz="1000" b="1" dirty="0"/>
+              <a:t>선반</a:t>
+            </a:r>
+          </a:p>
+        </p:txBody>
+      </p:sp>
+      <p:sp>
+        <p:nvSpPr>
+          <p:cNvPr id="130" name="직사각형 129">
+            <a:extLst>
+              <a:ext uri="{FF2B5EF4-FFF2-40B4-BE49-F238E27FC236}">
+                <a16:creationId xmlns:a16="http://schemas.microsoft.com/office/drawing/2014/main" id="{CEE1BE81-FAFB-B4CA-0C32-8FF8DF001B3C}"/>
+              </a:ext>
+            </a:extLst>
+          </p:cNvPr>
+          <p:cNvSpPr/>
+          <p:nvPr/>
+        </p:nvSpPr>
+        <p:spPr>
+          <a:xfrm>
+            <a:off x="4200525" y="5988050"/>
+            <a:ext cx="215900" cy="539750"/>
+          </a:xfrm>
+          <a:prstGeom prst="rect">
+            <a:avLst/>
+          </a:prstGeom>
+          <a:solidFill>
+            <a:schemeClr val="accent2"/>
+          </a:solidFill>
+        </p:spPr>
+        <p:style>
+          <a:lnRef idx="2">
+            <a:schemeClr val="accent1">
+              <a:shade val="15000"/>
+            </a:schemeClr>
+          </a:lnRef>
+          <a:fillRef idx="1">
+            <a:schemeClr val="accent1"/>
+          </a:fillRef>
+          <a:effectRef idx="0">
+            <a:schemeClr val="accent1"/>
+          </a:effectRef>
+          <a:fontRef idx="minor">
+            <a:schemeClr val="lt1"/>
+          </a:fontRef>
+        </p:style>
+        <p:txBody>
+          <a:bodyPr rtlCol="0" anchor="ctr"/>
+          <a:lstStyle/>
+          <a:p>
+            <a:pPr algn="ctr"/>
+            <a:r>
+              <a:rPr lang="ko-KR" altLang="en-US" sz="1000" b="1" dirty="0"/>
+              <a:t>선반</a:t>
+            </a:r>
+          </a:p>
+        </p:txBody>
+      </p:sp>
+      <p:sp>
+        <p:nvSpPr>
+          <p:cNvPr id="133" name="직사각형 132">
+            <a:extLst>
+              <a:ext uri="{FF2B5EF4-FFF2-40B4-BE49-F238E27FC236}">
+                <a16:creationId xmlns:a16="http://schemas.microsoft.com/office/drawing/2014/main" id="{874252BE-F451-13DB-EAEA-E528BE6D6889}"/>
+              </a:ext>
+            </a:extLst>
+          </p:cNvPr>
+          <p:cNvSpPr/>
+          <p:nvPr/>
+        </p:nvSpPr>
+        <p:spPr>
+          <a:xfrm>
+            <a:off x="3314700" y="6210300"/>
+            <a:ext cx="539750" cy="317500"/>
+          </a:xfrm>
+          <a:prstGeom prst="rect">
+            <a:avLst/>
+          </a:prstGeom>
+        </p:spPr>
+        <p:style>
+          <a:lnRef idx="2">
+            <a:schemeClr val="accent1">
+              <a:shade val="15000"/>
+            </a:schemeClr>
+          </a:lnRef>
+          <a:fillRef idx="1">
+            <a:schemeClr val="accent1"/>
+          </a:fillRef>
+          <a:effectRef idx="0">
+            <a:schemeClr val="accent1"/>
+          </a:effectRef>
+          <a:fontRef idx="minor">
+            <a:schemeClr val="lt1"/>
+          </a:fontRef>
+        </p:style>
+        <p:txBody>
+          <a:bodyPr rtlCol="0" anchor="ctr"/>
+          <a:lstStyle/>
+          <a:p>
+            <a:pPr algn="ctr"/>
+            <a:r>
+              <a:rPr lang="ko-KR" altLang="en-US" sz="900" b="1" dirty="0" err="1"/>
+              <a:t>하부장</a:t>
+            </a:r>
+            <a:endParaRPr lang="ko-KR" altLang="en-US" sz="900" b="1" dirty="0"/>
+          </a:p>
+        </p:txBody>
+      </p:sp>
+      <p:sp>
+        <p:nvSpPr>
+          <p:cNvPr id="136" name="직사각형 135">
+            <a:extLst>
+              <a:ext uri="{FF2B5EF4-FFF2-40B4-BE49-F238E27FC236}">
+                <a16:creationId xmlns:a16="http://schemas.microsoft.com/office/drawing/2014/main" id="{8E140D2C-55DF-C08A-1FAC-59EBA06AA6AE}"/>
+              </a:ext>
+            </a:extLst>
+          </p:cNvPr>
+          <p:cNvSpPr/>
+          <p:nvPr/>
+        </p:nvSpPr>
+        <p:spPr>
+          <a:xfrm>
+            <a:off x="3870324" y="6210301"/>
+            <a:ext cx="182563" cy="317500"/>
+          </a:xfrm>
+          <a:prstGeom prst="rect">
+            <a:avLst/>
+          </a:prstGeom>
+        </p:spPr>
+        <p:style>
+          <a:lnRef idx="2">
+            <a:schemeClr val="accent1">
+              <a:shade val="15000"/>
+            </a:schemeClr>
+          </a:lnRef>
+          <a:fillRef idx="1">
+            <a:schemeClr val="accent1"/>
+          </a:fillRef>
+          <a:effectRef idx="0">
+            <a:schemeClr val="accent1"/>
+          </a:effectRef>
+          <a:fontRef idx="minor">
+            <a:schemeClr val="lt1"/>
+          </a:fontRef>
+        </p:style>
+        <p:txBody>
+          <a:bodyPr rtlCol="0" anchor="ctr"/>
+          <a:lstStyle/>
+          <a:p>
+            <a:pPr algn="ctr"/>
+            <a:r>
+              <a:rPr lang="ko-KR" altLang="en-US" sz="1000" b="1" dirty="0" err="1"/>
+              <a:t>하부장</a:t>
+            </a:r>
+            <a:endParaRPr lang="ko-KR" altLang="en-US" sz="1000" b="1" dirty="0"/>
+          </a:p>
+        </p:txBody>
+      </p:sp>
+      <p:sp>
+        <p:nvSpPr>
+          <p:cNvPr id="137" name="직사각형 136">
+            <a:extLst>
+              <a:ext uri="{FF2B5EF4-FFF2-40B4-BE49-F238E27FC236}">
+                <a16:creationId xmlns:a16="http://schemas.microsoft.com/office/drawing/2014/main" id="{CFA7B27C-2B95-5187-1B9E-E86722D2D536}"/>
+              </a:ext>
+            </a:extLst>
+          </p:cNvPr>
+          <p:cNvSpPr/>
+          <p:nvPr/>
+        </p:nvSpPr>
+        <p:spPr>
+          <a:xfrm>
+            <a:off x="6933406" y="5973762"/>
+            <a:ext cx="163512" cy="457200"/>
+          </a:xfrm>
+          <a:prstGeom prst="rect">
+            <a:avLst/>
+          </a:prstGeom>
+          <a:solidFill>
+            <a:schemeClr val="accent2"/>
+          </a:solidFill>
+        </p:spPr>
+        <p:style>
+          <a:lnRef idx="2">
+            <a:schemeClr val="accent1">
+              <a:shade val="15000"/>
+            </a:schemeClr>
+          </a:lnRef>
+          <a:fillRef idx="1">
+            <a:schemeClr val="accent1"/>
+          </a:fillRef>
+          <a:effectRef idx="0">
+            <a:schemeClr val="accent1"/>
+          </a:effectRef>
+          <a:fontRef idx="minor">
+            <a:schemeClr val="lt1"/>
+          </a:fontRef>
+        </p:style>
+        <p:txBody>
+          <a:bodyPr rtlCol="0" anchor="ctr"/>
+          <a:lstStyle/>
+          <a:p>
+            <a:pPr algn="ctr"/>
+            <a:r>
+              <a:rPr lang="ko-KR" altLang="en-US" sz="1000" b="1" dirty="0"/>
+              <a:t>서랍</a:t>
+            </a:r>
+          </a:p>
+        </p:txBody>
+      </p:sp>
+      <p:sp>
+        <p:nvSpPr>
+          <p:cNvPr id="139" name="직사각형 138">
+            <a:extLst>
+              <a:ext uri="{FF2B5EF4-FFF2-40B4-BE49-F238E27FC236}">
+                <a16:creationId xmlns:a16="http://schemas.microsoft.com/office/drawing/2014/main" id="{1E0F11A3-862E-FE18-BFFA-7648E59245BC}"/>
+              </a:ext>
+            </a:extLst>
+          </p:cNvPr>
+          <p:cNvSpPr/>
+          <p:nvPr/>
+        </p:nvSpPr>
+        <p:spPr>
+          <a:xfrm>
+            <a:off x="7050088" y="2540000"/>
+            <a:ext cx="215900" cy="447675"/>
+          </a:xfrm>
+          <a:prstGeom prst="rect">
+            <a:avLst/>
+          </a:prstGeom>
+        </p:spPr>
+        <p:style>
+          <a:lnRef idx="2">
+            <a:schemeClr val="accent1">
+              <a:shade val="15000"/>
+            </a:schemeClr>
+          </a:lnRef>
+          <a:fillRef idx="1">
+            <a:schemeClr val="accent1"/>
+          </a:fillRef>
+          <a:effectRef idx="0">
+            <a:schemeClr val="accent1"/>
+          </a:effectRef>
+          <a:fontRef idx="minor">
+            <a:schemeClr val="lt1"/>
+          </a:fontRef>
+        </p:style>
+        <p:txBody>
+          <a:bodyPr rtlCol="0" anchor="ctr"/>
+          <a:lstStyle/>
+          <a:p>
+            <a:pPr algn="ctr"/>
+            <a:r>
+              <a:rPr lang="ko-KR" altLang="en-US" sz="1000" b="1" dirty="0"/>
+              <a:t>서랍</a:t>
+            </a:r>
+          </a:p>
+        </p:txBody>
+      </p:sp>
+      <p:sp>
+        <p:nvSpPr>
+          <p:cNvPr id="142" name="직사각형 141">
+            <a:extLst>
+              <a:ext uri="{FF2B5EF4-FFF2-40B4-BE49-F238E27FC236}">
+                <a16:creationId xmlns:a16="http://schemas.microsoft.com/office/drawing/2014/main" id="{75C1E92B-AF70-8BED-DA75-0C9302DA42B5}"/>
+              </a:ext>
+            </a:extLst>
+          </p:cNvPr>
+          <p:cNvSpPr/>
+          <p:nvPr/>
+        </p:nvSpPr>
+        <p:spPr>
+          <a:xfrm>
+            <a:off x="8912223" y="2381250"/>
+            <a:ext cx="215901" cy="565944"/>
+          </a:xfrm>
+          <a:prstGeom prst="rect">
+            <a:avLst/>
+          </a:prstGeom>
+          <a:solidFill>
+            <a:schemeClr val="accent2"/>
+          </a:solidFill>
+        </p:spPr>
+        <p:style>
+          <a:lnRef idx="2">
+            <a:schemeClr val="accent1">
+              <a:shade val="15000"/>
+            </a:schemeClr>
+          </a:lnRef>
+          <a:fillRef idx="1">
+            <a:schemeClr val="accent1"/>
+          </a:fillRef>
+          <a:effectRef idx="0">
+            <a:schemeClr val="accent1"/>
+          </a:effectRef>
+          <a:fontRef idx="minor">
+            <a:schemeClr val="lt1"/>
+          </a:fontRef>
+        </p:style>
+        <p:txBody>
+          <a:bodyPr rtlCol="0" anchor="ctr"/>
+          <a:lstStyle/>
+          <a:p>
+            <a:pPr algn="ctr"/>
+            <a:r>
+              <a:rPr lang="ko-KR" altLang="en-US" sz="1000" b="1" dirty="0"/>
+              <a:t>서랍</a:t>
+            </a:r>
+          </a:p>
+        </p:txBody>
+      </p:sp>
+      <p:sp>
+        <p:nvSpPr>
+          <p:cNvPr id="143" name="직사각형 142">
+            <a:extLst>
+              <a:ext uri="{FF2B5EF4-FFF2-40B4-BE49-F238E27FC236}">
+                <a16:creationId xmlns:a16="http://schemas.microsoft.com/office/drawing/2014/main" id="{2A3520CC-5FE1-DCF8-5255-495A455E8792}"/>
+              </a:ext>
+            </a:extLst>
+          </p:cNvPr>
+          <p:cNvSpPr/>
+          <p:nvPr/>
+        </p:nvSpPr>
+        <p:spPr>
+          <a:xfrm>
+            <a:off x="7050088" y="2051050"/>
+            <a:ext cx="215900" cy="447675"/>
+          </a:xfrm>
+          <a:prstGeom prst="rect">
+            <a:avLst/>
+          </a:prstGeom>
+        </p:spPr>
+        <p:style>
+          <a:lnRef idx="2">
+            <a:schemeClr val="accent1">
+              <a:shade val="15000"/>
+            </a:schemeClr>
+          </a:lnRef>
+          <a:fillRef idx="1">
+            <a:schemeClr val="accent1"/>
+          </a:fillRef>
+          <a:effectRef idx="0">
+            <a:schemeClr val="accent1"/>
+          </a:effectRef>
+          <a:fontRef idx="minor">
+            <a:schemeClr val="lt1"/>
+          </a:fontRef>
+        </p:style>
+        <p:txBody>
+          <a:bodyPr rtlCol="0" anchor="ctr"/>
+          <a:lstStyle/>
+          <a:p>
+            <a:pPr algn="ctr"/>
+            <a:r>
+              <a:rPr lang="ko-KR" altLang="en-US" sz="1000" b="1" dirty="0"/>
+              <a:t>서랍</a:t>
+            </a:r>
+          </a:p>
+        </p:txBody>
+      </p:sp>
+      <p:sp>
+        <p:nvSpPr>
+          <p:cNvPr id="7" name="직사각형 6">
+            <a:extLst>
+              <a:ext uri="{FF2B5EF4-FFF2-40B4-BE49-F238E27FC236}">
+                <a16:creationId xmlns:a16="http://schemas.microsoft.com/office/drawing/2014/main" id="{2245497C-7C9E-D369-B278-FCBD0C17CB50}"/>
+              </a:ext>
+            </a:extLst>
+          </p:cNvPr>
+          <p:cNvSpPr/>
+          <p:nvPr/>
+        </p:nvSpPr>
+        <p:spPr>
+          <a:xfrm>
+            <a:off x="9321800" y="4159250"/>
+            <a:ext cx="323849" cy="295275"/>
+          </a:xfrm>
+          <a:prstGeom prst="rect">
+            <a:avLst/>
+          </a:prstGeom>
+        </p:spPr>
+        <p:style>
+          <a:lnRef idx="2">
+            <a:schemeClr val="accent1">
+              <a:shade val="15000"/>
+            </a:schemeClr>
+          </a:lnRef>
+          <a:fillRef idx="1">
+            <a:schemeClr val="accent1"/>
+          </a:fillRef>
+          <a:effectRef idx="0">
+            <a:schemeClr val="accent1"/>
+          </a:effectRef>
+          <a:fontRef idx="minor">
+            <a:schemeClr val="lt1"/>
+          </a:fontRef>
+        </p:style>
+        <p:txBody>
+          <a:bodyPr rtlCol="0" anchor="ctr"/>
+          <a:lstStyle/>
+          <a:p>
+            <a:pPr algn="ctr"/>
+            <a:r>
+              <a:rPr lang="ko-KR" altLang="en-US" sz="800" b="1" dirty="0" err="1"/>
+              <a:t>로청</a:t>
+            </a:r>
+            <a:endParaRPr lang="ko-KR" altLang="en-US" sz="800" b="1" dirty="0"/>
+          </a:p>
+        </p:txBody>
+      </p:sp>
+      <p:sp>
+        <p:nvSpPr>
+          <p:cNvPr id="8" name="직사각형 7">
+            <a:extLst>
+              <a:ext uri="{FF2B5EF4-FFF2-40B4-BE49-F238E27FC236}">
+                <a16:creationId xmlns:a16="http://schemas.microsoft.com/office/drawing/2014/main" id="{073A415C-EA66-13FC-2DBA-B08BF846B3B7}"/>
+              </a:ext>
+            </a:extLst>
+          </p:cNvPr>
+          <p:cNvSpPr/>
+          <p:nvPr/>
+        </p:nvSpPr>
+        <p:spPr>
+          <a:xfrm>
+            <a:off x="9321801" y="4464050"/>
+            <a:ext cx="323848" cy="295275"/>
+          </a:xfrm>
+          <a:prstGeom prst="rect">
+            <a:avLst/>
+          </a:prstGeom>
+        </p:spPr>
+        <p:style>
+          <a:lnRef idx="2">
+            <a:schemeClr val="accent1">
+              <a:shade val="15000"/>
+            </a:schemeClr>
+          </a:lnRef>
+          <a:fillRef idx="1">
+            <a:schemeClr val="accent1"/>
+          </a:fillRef>
+          <a:effectRef idx="0">
+            <a:schemeClr val="accent1"/>
+          </a:effectRef>
+          <a:fontRef idx="minor">
+            <a:schemeClr val="lt1"/>
+          </a:fontRef>
+        </p:style>
+        <p:txBody>
+          <a:bodyPr rtlCol="0" anchor="ctr"/>
+          <a:lstStyle/>
+          <a:p>
+            <a:pPr algn="ctr"/>
+            <a:r>
+              <a:rPr lang="ko-KR" altLang="en-US" sz="600" b="1" dirty="0" err="1"/>
+              <a:t>식세기</a:t>
+            </a:r>
+            <a:endParaRPr lang="ko-KR" altLang="en-US" sz="600" b="1" dirty="0"/>
+          </a:p>
+        </p:txBody>
+      </p:sp>
+      <p:sp>
+        <p:nvSpPr>
+          <p:cNvPr id="9" name="직사각형 8">
+            <a:extLst>
+              <a:ext uri="{FF2B5EF4-FFF2-40B4-BE49-F238E27FC236}">
+                <a16:creationId xmlns:a16="http://schemas.microsoft.com/office/drawing/2014/main" id="{E83A9A03-BA7E-8CFA-53EF-15FE138B6726}"/>
+              </a:ext>
+            </a:extLst>
+          </p:cNvPr>
+          <p:cNvSpPr/>
+          <p:nvPr/>
+        </p:nvSpPr>
+        <p:spPr>
+          <a:xfrm>
+            <a:off x="8330746" y="5033962"/>
+            <a:ext cx="323849" cy="295275"/>
+          </a:xfrm>
+          <a:prstGeom prst="rect">
+            <a:avLst/>
+          </a:prstGeom>
+        </p:spPr>
+        <p:style>
+          <a:lnRef idx="2">
+            <a:schemeClr val="accent1">
+              <a:shade val="15000"/>
+            </a:schemeClr>
+          </a:lnRef>
+          <a:fillRef idx="1">
+            <a:schemeClr val="accent1"/>
+          </a:fillRef>
+          <a:effectRef idx="0">
+            <a:schemeClr val="accent1"/>
+          </a:effectRef>
+          <a:fontRef idx="minor">
+            <a:schemeClr val="lt1"/>
+          </a:fontRef>
+        </p:style>
+        <p:txBody>
+          <a:bodyPr rtlCol="0" anchor="ctr"/>
+          <a:lstStyle/>
+          <a:p>
+            <a:pPr algn="ctr"/>
+            <a:r>
+              <a:rPr lang="ko-KR" altLang="en-US" sz="800" b="1" dirty="0"/>
+              <a:t>냄비</a:t>
+            </a:r>
+          </a:p>
+        </p:txBody>
+      </p:sp>
+      <p:sp>
+        <p:nvSpPr>
+          <p:cNvPr id="11" name="직사각형 10">
+            <a:extLst>
+              <a:ext uri="{FF2B5EF4-FFF2-40B4-BE49-F238E27FC236}">
+                <a16:creationId xmlns:a16="http://schemas.microsoft.com/office/drawing/2014/main" id="{9D666F3E-9BB1-E4D8-DBF7-DB7F16CB18D7}"/>
+              </a:ext>
+            </a:extLst>
+          </p:cNvPr>
+          <p:cNvSpPr/>
+          <p:nvPr/>
+        </p:nvSpPr>
+        <p:spPr>
+          <a:xfrm>
+            <a:off x="9321800" y="5378449"/>
+            <a:ext cx="174624" cy="374651"/>
+          </a:xfrm>
+          <a:prstGeom prst="rect">
+            <a:avLst/>
+          </a:prstGeom>
+        </p:spPr>
+        <p:style>
+          <a:lnRef idx="2">
+            <a:schemeClr val="accent1">
+              <a:shade val="15000"/>
+            </a:schemeClr>
+          </a:lnRef>
+          <a:fillRef idx="1">
+            <a:schemeClr val="accent1"/>
+          </a:fillRef>
+          <a:effectRef idx="0">
+            <a:schemeClr val="accent1"/>
+          </a:effectRef>
+          <a:fontRef idx="minor">
+            <a:schemeClr val="lt1"/>
+          </a:fontRef>
+        </p:style>
+        <p:txBody>
+          <a:bodyPr rtlCol="0" anchor="ctr"/>
+          <a:lstStyle/>
+          <a:p>
+            <a:pPr algn="ctr"/>
+            <a:r>
+              <a:rPr lang="ko-KR" altLang="en-US" sz="800" b="1" dirty="0"/>
+              <a:t>볼</a:t>
+            </a:r>
+          </a:p>
+        </p:txBody>
+      </p:sp>
+      <p:sp>
+        <p:nvSpPr>
+          <p:cNvPr id="12" name="직사각형 11">
+            <a:extLst>
+              <a:ext uri="{FF2B5EF4-FFF2-40B4-BE49-F238E27FC236}">
+                <a16:creationId xmlns:a16="http://schemas.microsoft.com/office/drawing/2014/main" id="{325FAACF-CF4C-5F35-F4C5-7D69872992AF}"/>
+              </a:ext>
+            </a:extLst>
+          </p:cNvPr>
+          <p:cNvSpPr/>
+          <p:nvPr/>
+        </p:nvSpPr>
+        <p:spPr>
+          <a:xfrm>
+            <a:off x="8062685" y="6399212"/>
+            <a:ext cx="414110" cy="128588"/>
+          </a:xfrm>
+          <a:prstGeom prst="rect">
+            <a:avLst/>
+          </a:prstGeom>
+        </p:spPr>
+        <p:style>
+          <a:lnRef idx="2">
+            <a:schemeClr val="accent1">
+              <a:shade val="15000"/>
+            </a:schemeClr>
+          </a:lnRef>
+          <a:fillRef idx="1">
+            <a:schemeClr val="accent1"/>
+          </a:fillRef>
+          <a:effectRef idx="0">
+            <a:schemeClr val="accent1"/>
+          </a:effectRef>
+          <a:fontRef idx="minor">
+            <a:schemeClr val="lt1"/>
+          </a:fontRef>
+        </p:style>
+        <p:txBody>
+          <a:bodyPr rtlCol="0" anchor="ctr"/>
+          <a:lstStyle/>
+          <a:p>
+            <a:pPr algn="ctr"/>
+            <a:r>
+              <a:rPr lang="ko-KR" altLang="en-US" sz="900" b="1" dirty="0"/>
+              <a:t>빨래함</a:t>
+            </a:r>
+          </a:p>
+        </p:txBody>
+      </p:sp>
+      <p:sp>
+        <p:nvSpPr>
+          <p:cNvPr id="13" name="직사각형 12">
+            <a:extLst>
+              <a:ext uri="{FF2B5EF4-FFF2-40B4-BE49-F238E27FC236}">
+                <a16:creationId xmlns:a16="http://schemas.microsoft.com/office/drawing/2014/main" id="{B4BD430E-3EBF-4504-9F3B-E80373E7AEDF}"/>
+              </a:ext>
+            </a:extLst>
+          </p:cNvPr>
+          <p:cNvSpPr/>
+          <p:nvPr/>
+        </p:nvSpPr>
+        <p:spPr>
+          <a:xfrm>
+            <a:off x="7762873" y="5626100"/>
+            <a:ext cx="269877" cy="128588"/>
+          </a:xfrm>
+          <a:prstGeom prst="rect">
+            <a:avLst/>
+          </a:prstGeom>
+        </p:spPr>
+        <p:style>
+          <a:lnRef idx="2">
+            <a:schemeClr val="accent1">
+              <a:shade val="15000"/>
+            </a:schemeClr>
+          </a:lnRef>
+          <a:fillRef idx="1">
+            <a:schemeClr val="accent1"/>
+          </a:fillRef>
+          <a:effectRef idx="0">
+            <a:schemeClr val="accent1"/>
+          </a:effectRef>
+          <a:fontRef idx="minor">
+            <a:schemeClr val="lt1"/>
+          </a:fontRef>
+        </p:style>
+        <p:txBody>
+          <a:bodyPr rtlCol="0" anchor="ctr"/>
+          <a:lstStyle/>
+          <a:p>
+            <a:pPr algn="ctr"/>
+            <a:r>
+              <a:rPr lang="ko-KR" altLang="en-US" sz="900" b="1" dirty="0"/>
+              <a:t>미미</a:t>
+            </a:r>
+          </a:p>
+        </p:txBody>
+      </p:sp>
+      <p:sp>
+        <p:nvSpPr>
+          <p:cNvPr id="14" name="직사각형 13">
+            <a:extLst>
+              <a:ext uri="{FF2B5EF4-FFF2-40B4-BE49-F238E27FC236}">
+                <a16:creationId xmlns:a16="http://schemas.microsoft.com/office/drawing/2014/main" id="{32757B64-D745-B31A-A3F9-C9A118B6AE20}"/>
+              </a:ext>
+            </a:extLst>
+          </p:cNvPr>
+          <p:cNvSpPr/>
+          <p:nvPr/>
+        </p:nvSpPr>
+        <p:spPr>
+          <a:xfrm>
+            <a:off x="7378699" y="5626100"/>
+            <a:ext cx="384173" cy="128588"/>
+          </a:xfrm>
+          <a:prstGeom prst="rect">
+            <a:avLst/>
+          </a:prstGeom>
+        </p:spPr>
+        <p:style>
+          <a:lnRef idx="2">
+            <a:schemeClr val="accent1">
+              <a:shade val="15000"/>
+            </a:schemeClr>
+          </a:lnRef>
+          <a:fillRef idx="1">
+            <a:schemeClr val="accent1"/>
+          </a:fillRef>
+          <a:effectRef idx="0">
+            <a:schemeClr val="accent1"/>
+          </a:effectRef>
+          <a:fontRef idx="minor">
+            <a:schemeClr val="lt1"/>
+          </a:fontRef>
+        </p:style>
+        <p:txBody>
+          <a:bodyPr rtlCol="0" anchor="ctr"/>
+          <a:lstStyle/>
+          <a:p>
+            <a:pPr algn="ctr"/>
+            <a:r>
+              <a:rPr lang="ko-KR" altLang="en-US" sz="900" b="1" dirty="0"/>
+              <a:t>쓰레기</a:t>
+            </a:r>
+          </a:p>
+        </p:txBody>
+      </p:sp>
+      <p:sp>
+        <p:nvSpPr>
+          <p:cNvPr id="15" name="직사각형 14">
+            <a:extLst>
+              <a:ext uri="{FF2B5EF4-FFF2-40B4-BE49-F238E27FC236}">
+                <a16:creationId xmlns:a16="http://schemas.microsoft.com/office/drawing/2014/main" id="{CE35EE7B-FFBA-0EDF-78D5-1C1429838311}"/>
+              </a:ext>
+            </a:extLst>
+          </p:cNvPr>
+          <p:cNvSpPr/>
+          <p:nvPr/>
+        </p:nvSpPr>
+        <p:spPr>
+          <a:xfrm>
+            <a:off x="8533038" y="6399212"/>
+            <a:ext cx="414110" cy="128588"/>
+          </a:xfrm>
+          <a:prstGeom prst="rect">
+            <a:avLst/>
+          </a:prstGeom>
+        </p:spPr>
+        <p:style>
+          <a:lnRef idx="2">
+            <a:schemeClr val="accent1">
+              <a:shade val="15000"/>
+            </a:schemeClr>
+          </a:lnRef>
+          <a:fillRef idx="1">
+            <a:schemeClr val="accent1"/>
+          </a:fillRef>
+          <a:effectRef idx="0">
+            <a:schemeClr val="accent1"/>
+          </a:effectRef>
+          <a:fontRef idx="minor">
+            <a:schemeClr val="lt1"/>
+          </a:fontRef>
+        </p:style>
+        <p:txBody>
+          <a:bodyPr rtlCol="0" anchor="ctr"/>
+          <a:lstStyle/>
+          <a:p>
+            <a:pPr algn="ctr"/>
+            <a:r>
+              <a:rPr lang="ko-KR" altLang="en-US" sz="900" b="1" dirty="0"/>
+              <a:t>분리수거</a:t>
+            </a:r>
+          </a:p>
+        </p:txBody>
+      </p:sp>
+    </p:spTree>
+    <p:extLst>
+      <p:ext uri="{BB962C8B-B14F-4D97-AF65-F5344CB8AC3E}">
+        <p14:creationId xmlns:p14="http://schemas.microsoft.com/office/powerpoint/2010/main" val="3039070437"/>
+      </p:ext>
+    </p:extLst>
+  </p:cSld>
+  <p:clrMapOvr>
+    <a:masterClrMapping/>
+  </p:clrMapOvr>
+</p:sld>
+</file>
+
+<file path=ppt/slides/slide2.xml><?xml version="1.0" encoding="utf-8"?>
+<p:sld xmlns:a="http://schemas.openxmlformats.org/drawingml/2006/main" xmlns:r="http://schemas.openxmlformats.org/officeDocument/2006/relationships" xmlns:p="http://schemas.openxmlformats.org/presentationml/2006/main">
+  <p:cSld>
+    <p:spTree>
+      <p:nvGrpSpPr>
         <p:cNvPr id="1" name=""/>
         <p:cNvGrpSpPr/>
         <p:nvPr/>
@@ -5909,7 +7863,7 @@
         <p:spPr>
           <a:xfrm>
             <a:off x="7644947" y="2124241"/>
-            <a:ext cx="344035" cy="253916"/>
+            <a:ext cx="480784" cy="246221"/>
           </a:xfrm>
           <a:prstGeom prst="rect">
             <a:avLst/>
@@ -5928,7 +7882,7 @@
                   <a:srgbClr val="FF0000"/>
                 </a:solidFill>
               </a:rPr>
-              <a:t>40</a:t>
+              <a:t>400</a:t>
             </a:r>
             <a:endParaRPr lang="ko-KR" altLang="en-US" sz="1000" dirty="0">
               <a:solidFill>
@@ -6996,7 +8950,7 @@
                   <a:srgbClr val="FF0000"/>
                 </a:solidFill>
               </a:rPr>
-              <a:t>48</a:t>
+              <a:t>480</a:t>
             </a:r>
             <a:endParaRPr lang="ko-KR" altLang="en-US" sz="1000" dirty="0">
               <a:solidFill>
@@ -9036,8 +10990,8 @@
         </p:nvSpPr>
         <p:spPr>
           <a:xfrm>
-            <a:off x="7322005" y="1659266"/>
-            <a:ext cx="349020" cy="253916"/>
+            <a:off x="7322004" y="1659266"/>
+            <a:ext cx="444041" cy="246221"/>
           </a:xfrm>
           <a:prstGeom prst="rect">
             <a:avLst/>
@@ -9056,7 +11010,7 @@
                   <a:srgbClr val="00B050"/>
                 </a:solidFill>
               </a:rPr>
-              <a:t>90</a:t>
+              <a:t>900</a:t>
             </a:r>
             <a:endParaRPr lang="ko-KR" altLang="en-US" sz="1000" dirty="0">
               <a:solidFill>
@@ -9609,7 +11563,7 @@
 </p:sld>
 </file>
 
-<file path=ppt/slides/slide2.xml><?xml version="1.0" encoding="utf-8"?>
+<file path=ppt/slides/slide3.xml><?xml version="1.0" encoding="utf-8"?>
 <p:sld xmlns:a="http://schemas.openxmlformats.org/drawingml/2006/main" xmlns:r="http://schemas.openxmlformats.org/officeDocument/2006/relationships" xmlns:p="http://schemas.openxmlformats.org/presentationml/2006/main">
   <p:cSld>
     <p:spTree>
@@ -11203,7 +13157,7 @@
 </p:sld>
 </file>
 
-<file path=ppt/slides/slide3.xml><?xml version="1.0" encoding="utf-8"?>
+<file path=ppt/slides/slide4.xml><?xml version="1.0" encoding="utf-8"?>
 <p:sld xmlns:a="http://schemas.openxmlformats.org/drawingml/2006/main" xmlns:r="http://schemas.openxmlformats.org/officeDocument/2006/relationships" xmlns:p="http://schemas.openxmlformats.org/presentationml/2006/main">
   <p:cSld>
     <p:spTree>
@@ -16835,7 +18789,7 @@
 </p:sld>
 </file>
 
-<file path=ppt/slides/slide4.xml><?xml version="1.0" encoding="utf-8"?>
+<file path=ppt/slides/slide5.xml><?xml version="1.0" encoding="utf-8"?>
 <p:sld xmlns:a="http://schemas.openxmlformats.org/drawingml/2006/main" xmlns:r="http://schemas.openxmlformats.org/officeDocument/2006/relationships" xmlns:p="http://schemas.openxmlformats.org/presentationml/2006/main">
   <p:cSld>
     <p:spTree>
@@ -20712,7 +22666,7 @@
 </p:sld>
 </file>
 
-<file path=ppt/slides/slide5.xml><?xml version="1.0" encoding="utf-8"?>
+<file path=ppt/slides/slide6.xml><?xml version="1.0" encoding="utf-8"?>
 <p:sld xmlns:a="http://schemas.openxmlformats.org/drawingml/2006/main" xmlns:r="http://schemas.openxmlformats.org/officeDocument/2006/relationships" xmlns:p="http://schemas.openxmlformats.org/presentationml/2006/main">
   <p:cSld>
     <p:spTree>
@@ -23598,7 +25552,7 @@
 </p:sld>
 </file>
 
-<file path=ppt/slides/slide6.xml><?xml version="1.0" encoding="utf-8"?>
+<file path=ppt/slides/slide7.xml><?xml version="1.0" encoding="utf-8"?>
 <p:sld xmlns:a="http://schemas.openxmlformats.org/drawingml/2006/main" xmlns:r="http://schemas.openxmlformats.org/officeDocument/2006/relationships" xmlns:p="http://schemas.openxmlformats.org/presentationml/2006/main">
   <p:cSld>
     <p:spTree>
@@ -27330,7 +29284,7 @@
 </p:sld>
 </file>
 
-<file path=ppt/slides/slide7.xml><?xml version="1.0" encoding="utf-8"?>
+<file path=ppt/slides/slide8.xml><?xml version="1.0" encoding="utf-8"?>
 <p:sld xmlns:a="http://schemas.openxmlformats.org/drawingml/2006/main" xmlns:r="http://schemas.openxmlformats.org/officeDocument/2006/relationships" xmlns:p="http://schemas.openxmlformats.org/presentationml/2006/main">
   <p:cSld>
     <p:spTree>
